--- a/TOMCAT_Team_Corporate.pptx
+++ b/TOMCAT_Team_Corporate.pptx
@@ -1,27 +1,423 @@
 
 <file path=ppt/presentation.xml><?xml version="1.0" encoding="utf-8"?>
-<p:presentation xmlns:a="http://schemas.openxmlformats.org/drawingml/2006/main" xmlns:p="http://schemas.openxmlformats.org/presentationml/2006/main" xmlns:r="http://schemas.openxmlformats.org/officeDocument/2006/relationships">
+<p:presentation xmlns:a="http://schemas.openxmlformats.org/drawingml/2006/main" xmlns:r="http://schemas.openxmlformats.org/officeDocument/2006/relationships" xmlns:p="http://schemas.openxmlformats.org/presentationml/2006/main">
   <p:sldMasterIdLst>
-    <p:sldMasterId id="2147483648" r:id="rId2"/>
-    <p:sldMasterId id="2147483661" r:id="rId3"/>
-    <p:sldMasterId id="2147483674" r:id="rId4"/>
+    <p:sldMasterId id="2147483648" r:id="rId1"/>
+    <p:sldMasterId id="2147483661" r:id="rId2"/>
+    <p:sldMasterId id="2147483674" r:id="rId3"/>
   </p:sldMasterIdLst>
   <p:notesMasterIdLst>
-    <p:notesMasterId r:id="rId5"/>
+    <p:notesMasterId r:id="rId17"/>
   </p:notesMasterIdLst>
   <p:sldIdLst>
-    <p:sldId id="256" r:id="rId6"/>
-    <p:sldId id="257" r:id="rId7"/>
-    <p:sldId id="258" r:id="rId8"/>
-    <p:sldId id="259" r:id="rId9"/>
+    <p:sldId id="256" r:id="rId4"/>
+    <p:sldId id="257" r:id="rId5"/>
+    <p:sldId id="258" r:id="rId6"/>
+    <p:sldId id="260" r:id="rId7"/>
+    <p:sldId id="261" r:id="rId8"/>
+    <p:sldId id="262" r:id="rId9"/>
+    <p:sldId id="263" r:id="rId10"/>
+    <p:sldId id="264" r:id="rId11"/>
+    <p:sldId id="265" r:id="rId12"/>
+    <p:sldId id="266" r:id="rId13"/>
+    <p:sldId id="267" r:id="rId14"/>
+    <p:sldId id="268" r:id="rId15"/>
+    <p:sldId id="259" r:id="rId16"/>
   </p:sldIdLst>
-  <p:sldSz cx="9144000" cy="6858000"/>
+  <p:sldSz cx="9144000" cy="6858000" type="screen4x3"/>
   <p:notesSz cx="6797675" cy="9874250"/>
+  <p:defaultTextStyle>
+    <a:defPPr>
+      <a:defRPr lang="de-DE"/>
+    </a:defPPr>
+    <a:lvl1pPr marL="0" algn="l" defTabSz="914400" rtl="0" eaLnBrk="1" latinLnBrk="0" hangingPunct="1">
+      <a:defRPr sz="1800" kern="1200">
+        <a:solidFill>
+          <a:schemeClr val="tx1"/>
+        </a:solidFill>
+        <a:latin typeface="+mn-lt"/>
+        <a:ea typeface="+mn-ea"/>
+        <a:cs typeface="+mn-cs"/>
+      </a:defRPr>
+    </a:lvl1pPr>
+    <a:lvl2pPr marL="457200" algn="l" defTabSz="914400" rtl="0" eaLnBrk="1" latinLnBrk="0" hangingPunct="1">
+      <a:defRPr sz="1800" kern="1200">
+        <a:solidFill>
+          <a:schemeClr val="tx1"/>
+        </a:solidFill>
+        <a:latin typeface="+mn-lt"/>
+        <a:ea typeface="+mn-ea"/>
+        <a:cs typeface="+mn-cs"/>
+      </a:defRPr>
+    </a:lvl2pPr>
+    <a:lvl3pPr marL="914400" algn="l" defTabSz="914400" rtl="0" eaLnBrk="1" latinLnBrk="0" hangingPunct="1">
+      <a:defRPr sz="1800" kern="1200">
+        <a:solidFill>
+          <a:schemeClr val="tx1"/>
+        </a:solidFill>
+        <a:latin typeface="+mn-lt"/>
+        <a:ea typeface="+mn-ea"/>
+        <a:cs typeface="+mn-cs"/>
+      </a:defRPr>
+    </a:lvl3pPr>
+    <a:lvl4pPr marL="1371600" algn="l" defTabSz="914400" rtl="0" eaLnBrk="1" latinLnBrk="0" hangingPunct="1">
+      <a:defRPr sz="1800" kern="1200">
+        <a:solidFill>
+          <a:schemeClr val="tx1"/>
+        </a:solidFill>
+        <a:latin typeface="+mn-lt"/>
+        <a:ea typeface="+mn-ea"/>
+        <a:cs typeface="+mn-cs"/>
+      </a:defRPr>
+    </a:lvl4pPr>
+    <a:lvl5pPr marL="1828800" algn="l" defTabSz="914400" rtl="0" eaLnBrk="1" latinLnBrk="0" hangingPunct="1">
+      <a:defRPr sz="1800" kern="1200">
+        <a:solidFill>
+          <a:schemeClr val="tx1"/>
+        </a:solidFill>
+        <a:latin typeface="+mn-lt"/>
+        <a:ea typeface="+mn-ea"/>
+        <a:cs typeface="+mn-cs"/>
+      </a:defRPr>
+    </a:lvl5pPr>
+    <a:lvl6pPr marL="2286000" algn="l" defTabSz="914400" rtl="0" eaLnBrk="1" latinLnBrk="0" hangingPunct="1">
+      <a:defRPr sz="1800" kern="1200">
+        <a:solidFill>
+          <a:schemeClr val="tx1"/>
+        </a:solidFill>
+        <a:latin typeface="+mn-lt"/>
+        <a:ea typeface="+mn-ea"/>
+        <a:cs typeface="+mn-cs"/>
+      </a:defRPr>
+    </a:lvl6pPr>
+    <a:lvl7pPr marL="2743200" algn="l" defTabSz="914400" rtl="0" eaLnBrk="1" latinLnBrk="0" hangingPunct="1">
+      <a:defRPr sz="1800" kern="1200">
+        <a:solidFill>
+          <a:schemeClr val="tx1"/>
+        </a:solidFill>
+        <a:latin typeface="+mn-lt"/>
+        <a:ea typeface="+mn-ea"/>
+        <a:cs typeface="+mn-cs"/>
+      </a:defRPr>
+    </a:lvl7pPr>
+    <a:lvl8pPr marL="3200400" algn="l" defTabSz="914400" rtl="0" eaLnBrk="1" latinLnBrk="0" hangingPunct="1">
+      <a:defRPr sz="1800" kern="1200">
+        <a:solidFill>
+          <a:schemeClr val="tx1"/>
+        </a:solidFill>
+        <a:latin typeface="+mn-lt"/>
+        <a:ea typeface="+mn-ea"/>
+        <a:cs typeface="+mn-cs"/>
+      </a:defRPr>
+    </a:lvl8pPr>
+    <a:lvl9pPr marL="3657600" algn="l" defTabSz="914400" rtl="0" eaLnBrk="1" latinLnBrk="0" hangingPunct="1">
+      <a:defRPr sz="1800" kern="1200">
+        <a:solidFill>
+          <a:schemeClr val="tx1"/>
+        </a:solidFill>
+        <a:latin typeface="+mn-lt"/>
+        <a:ea typeface="+mn-ea"/>
+        <a:cs typeface="+mn-cs"/>
+      </a:defRPr>
+    </a:lvl9pPr>
+  </p:defaultTextStyle>
 </p:presentation>
 </file>
 
 <file path=ppt/notesMasters/notesMaster1.xml><?xml version="1.0" encoding="utf-8"?>
-<p:notesMaster xmlns:a="http://schemas.openxmlformats.org/drawingml/2006/main" xmlns:p="http://schemas.openxmlformats.org/presentationml/2006/main" xmlns:r="http://schemas.openxmlformats.org/officeDocument/2006/relationships">
+<p:notesMaster xmlns:a="http://schemas.openxmlformats.org/drawingml/2006/main" xmlns:r="http://schemas.openxmlformats.org/officeDocument/2006/relationships" xmlns:p="http://schemas.openxmlformats.org/presentationml/2006/main">
+  <p:cSld>
+    <p:bg>
+      <p:bgRef idx="1001">
+        <a:schemeClr val="bg1"/>
+      </p:bgRef>
+    </p:bg>
+    <p:spTree>
+      <p:nvGrpSpPr>
+        <p:cNvPr id="1" name=""/>
+        <p:cNvGrpSpPr/>
+        <p:nvPr/>
+      </p:nvGrpSpPr>
+      <p:grpSpPr>
+        <a:xfrm>
+          <a:off x="0" y="0"/>
+          <a:ext cx="0" cy="0"/>
+          <a:chOff x="0" y="0"/>
+          <a:chExt cx="0" cy="0"/>
+        </a:xfrm>
+      </p:grpSpPr>
+      <p:sp>
+        <p:nvSpPr>
+          <p:cNvPr id="145" name="PlaceHolder 1"/>
+          <p:cNvSpPr>
+            <a:spLocks noGrp="1"/>
+          </p:cNvSpPr>
+          <p:nvPr>
+            <p:ph type="body"/>
+          </p:nvPr>
+        </p:nvSpPr>
+        <p:spPr>
+          <a:xfrm>
+            <a:off x="756000" y="5078520"/>
+            <a:ext cx="6047640" cy="4811040"/>
+          </a:xfrm>
+          <a:prstGeom prst="rect">
+            <a:avLst/>
+          </a:prstGeom>
+        </p:spPr>
+        <p:txBody>
+          <a:bodyPr lIns="0" tIns="0" rIns="0" bIns="0"/>
+          <a:lstStyle/>
+          <a:p>
+            <a:r>
+              <a:rPr lang="it-CH" sz="2000">
+                <a:latin typeface="Arial"/>
+              </a:rPr>
+              <a:t>Fate clic per modificare il formato delle note</a:t>
+            </a:r>
+            <a:endParaRPr/>
+          </a:p>
+        </p:txBody>
+      </p:sp>
+      <p:sp>
+        <p:nvSpPr>
+          <p:cNvPr id="146" name="PlaceHolder 2"/>
+          <p:cNvSpPr>
+            <a:spLocks noGrp="1"/>
+          </p:cNvSpPr>
+          <p:nvPr>
+            <p:ph type="hdr"/>
+          </p:nvPr>
+        </p:nvSpPr>
+        <p:spPr>
+          <a:xfrm>
+            <a:off x="0" y="0"/>
+            <a:ext cx="3280680" cy="534240"/>
+          </a:xfrm>
+          <a:prstGeom prst="rect">
+            <a:avLst/>
+          </a:prstGeom>
+        </p:spPr>
+        <p:txBody>
+          <a:bodyPr lIns="0" tIns="0" rIns="0" bIns="0"/>
+          <a:lstStyle/>
+          <a:p>
+            <a:r>
+              <a:rPr lang="it-CH" sz="1400">
+                <a:latin typeface="Times New Roman"/>
+              </a:rPr>
+              <a:t>&lt;intestazione&gt;</a:t>
+            </a:r>
+            <a:endParaRPr/>
+          </a:p>
+        </p:txBody>
+      </p:sp>
+      <p:sp>
+        <p:nvSpPr>
+          <p:cNvPr id="147" name="PlaceHolder 3"/>
+          <p:cNvSpPr>
+            <a:spLocks noGrp="1"/>
+          </p:cNvSpPr>
+          <p:nvPr>
+            <p:ph type="dt"/>
+          </p:nvPr>
+        </p:nvSpPr>
+        <p:spPr>
+          <a:xfrm>
+            <a:off x="4278960" y="0"/>
+            <a:ext cx="3280680" cy="534240"/>
+          </a:xfrm>
+          <a:prstGeom prst="rect">
+            <a:avLst/>
+          </a:prstGeom>
+        </p:spPr>
+        <p:txBody>
+          <a:bodyPr lIns="0" tIns="0" rIns="0" bIns="0"/>
+          <a:lstStyle/>
+          <a:p>
+            <a:pPr algn="r"/>
+            <a:r>
+              <a:rPr lang="it-CH" sz="1400">
+                <a:latin typeface="Times New Roman"/>
+              </a:rPr>
+              <a:t>&lt;data/ora&gt;</a:t>
+            </a:r>
+            <a:endParaRPr/>
+          </a:p>
+        </p:txBody>
+      </p:sp>
+      <p:sp>
+        <p:nvSpPr>
+          <p:cNvPr id="148" name="PlaceHolder 4"/>
+          <p:cNvSpPr>
+            <a:spLocks noGrp="1"/>
+          </p:cNvSpPr>
+          <p:nvPr>
+            <p:ph type="ftr"/>
+          </p:nvPr>
+        </p:nvSpPr>
+        <p:spPr>
+          <a:xfrm>
+            <a:off x="0" y="10157400"/>
+            <a:ext cx="3280680" cy="534240"/>
+          </a:xfrm>
+          <a:prstGeom prst="rect">
+            <a:avLst/>
+          </a:prstGeom>
+        </p:spPr>
+        <p:txBody>
+          <a:bodyPr lIns="0" tIns="0" rIns="0" bIns="0" anchor="b"/>
+          <a:lstStyle/>
+          <a:p>
+            <a:r>
+              <a:rPr lang="it-CH" sz="1400">
+                <a:latin typeface="Times New Roman"/>
+              </a:rPr>
+              <a:t>&lt;piè di pagina&gt;</a:t>
+            </a:r>
+            <a:endParaRPr/>
+          </a:p>
+        </p:txBody>
+      </p:sp>
+      <p:sp>
+        <p:nvSpPr>
+          <p:cNvPr id="149" name="PlaceHolder 5"/>
+          <p:cNvSpPr>
+            <a:spLocks noGrp="1"/>
+          </p:cNvSpPr>
+          <p:nvPr>
+            <p:ph type="sldNum"/>
+          </p:nvPr>
+        </p:nvSpPr>
+        <p:spPr>
+          <a:xfrm>
+            <a:off x="4278960" y="10157400"/>
+            <a:ext cx="3280680" cy="534240"/>
+          </a:xfrm>
+          <a:prstGeom prst="rect">
+            <a:avLst/>
+          </a:prstGeom>
+        </p:spPr>
+        <p:txBody>
+          <a:bodyPr lIns="0" tIns="0" rIns="0" bIns="0" anchor="b"/>
+          <a:lstStyle/>
+          <a:p>
+            <a:pPr algn="r"/>
+            <a:fld id="{CB7FCBCE-2133-4137-844C-9280C279DEFC}" type="slidenum">
+              <a:rPr lang="it-CH" sz="1400">
+                <a:latin typeface="Times New Roman"/>
+              </a:rPr>
+              <a:t>‹#›</a:t>
+            </a:fld>
+            <a:endParaRPr/>
+          </a:p>
+        </p:txBody>
+      </p:sp>
+    </p:spTree>
+    <p:extLst>
+      <p:ext uri="{BB962C8B-B14F-4D97-AF65-F5344CB8AC3E}">
+        <p14:creationId xmlns:p14="http://schemas.microsoft.com/office/powerpoint/2010/main" val="4039829529"/>
+      </p:ext>
+    </p:extLst>
+  </p:cSld>
+  <p:clrMap bg1="lt1" tx1="dk1" bg2="lt2" tx2="dk2" accent1="accent1" accent2="accent2" accent3="accent3" accent4="accent4" accent5="accent5" accent6="accent6" hlink="hlink" folHlink="folHlink"/>
+  <p:notesStyle>
+    <a:lvl1pPr marL="0" algn="l" defTabSz="914400" rtl="0" eaLnBrk="1" latinLnBrk="0" hangingPunct="1">
+      <a:defRPr sz="1200" kern="1200">
+        <a:solidFill>
+          <a:schemeClr val="tx1"/>
+        </a:solidFill>
+        <a:latin typeface="+mn-lt"/>
+        <a:ea typeface="+mn-ea"/>
+        <a:cs typeface="+mn-cs"/>
+      </a:defRPr>
+    </a:lvl1pPr>
+    <a:lvl2pPr marL="457200" algn="l" defTabSz="914400" rtl="0" eaLnBrk="1" latinLnBrk="0" hangingPunct="1">
+      <a:defRPr sz="1200" kern="1200">
+        <a:solidFill>
+          <a:schemeClr val="tx1"/>
+        </a:solidFill>
+        <a:latin typeface="+mn-lt"/>
+        <a:ea typeface="+mn-ea"/>
+        <a:cs typeface="+mn-cs"/>
+      </a:defRPr>
+    </a:lvl2pPr>
+    <a:lvl3pPr marL="914400" algn="l" defTabSz="914400" rtl="0" eaLnBrk="1" latinLnBrk="0" hangingPunct="1">
+      <a:defRPr sz="1200" kern="1200">
+        <a:solidFill>
+          <a:schemeClr val="tx1"/>
+        </a:solidFill>
+        <a:latin typeface="+mn-lt"/>
+        <a:ea typeface="+mn-ea"/>
+        <a:cs typeface="+mn-cs"/>
+      </a:defRPr>
+    </a:lvl3pPr>
+    <a:lvl4pPr marL="1371600" algn="l" defTabSz="914400" rtl="0" eaLnBrk="1" latinLnBrk="0" hangingPunct="1">
+      <a:defRPr sz="1200" kern="1200">
+        <a:solidFill>
+          <a:schemeClr val="tx1"/>
+        </a:solidFill>
+        <a:latin typeface="+mn-lt"/>
+        <a:ea typeface="+mn-ea"/>
+        <a:cs typeface="+mn-cs"/>
+      </a:defRPr>
+    </a:lvl4pPr>
+    <a:lvl5pPr marL="1828800" algn="l" defTabSz="914400" rtl="0" eaLnBrk="1" latinLnBrk="0" hangingPunct="1">
+      <a:defRPr sz="1200" kern="1200">
+        <a:solidFill>
+          <a:schemeClr val="tx1"/>
+        </a:solidFill>
+        <a:latin typeface="+mn-lt"/>
+        <a:ea typeface="+mn-ea"/>
+        <a:cs typeface="+mn-cs"/>
+      </a:defRPr>
+    </a:lvl5pPr>
+    <a:lvl6pPr marL="2286000" algn="l" defTabSz="914400" rtl="0" eaLnBrk="1" latinLnBrk="0" hangingPunct="1">
+      <a:defRPr sz="1200" kern="1200">
+        <a:solidFill>
+          <a:schemeClr val="tx1"/>
+        </a:solidFill>
+        <a:latin typeface="+mn-lt"/>
+        <a:ea typeface="+mn-ea"/>
+        <a:cs typeface="+mn-cs"/>
+      </a:defRPr>
+    </a:lvl6pPr>
+    <a:lvl7pPr marL="2743200" algn="l" defTabSz="914400" rtl="0" eaLnBrk="1" latinLnBrk="0" hangingPunct="1">
+      <a:defRPr sz="1200" kern="1200">
+        <a:solidFill>
+          <a:schemeClr val="tx1"/>
+        </a:solidFill>
+        <a:latin typeface="+mn-lt"/>
+        <a:ea typeface="+mn-ea"/>
+        <a:cs typeface="+mn-cs"/>
+      </a:defRPr>
+    </a:lvl7pPr>
+    <a:lvl8pPr marL="3200400" algn="l" defTabSz="914400" rtl="0" eaLnBrk="1" latinLnBrk="0" hangingPunct="1">
+      <a:defRPr sz="1200" kern="1200">
+        <a:solidFill>
+          <a:schemeClr val="tx1"/>
+        </a:solidFill>
+        <a:latin typeface="+mn-lt"/>
+        <a:ea typeface="+mn-ea"/>
+        <a:cs typeface="+mn-cs"/>
+      </a:defRPr>
+    </a:lvl8pPr>
+    <a:lvl9pPr marL="3657600" algn="l" defTabSz="914400" rtl="0" eaLnBrk="1" latinLnBrk="0" hangingPunct="1">
+      <a:defRPr sz="1200" kern="1200">
+        <a:solidFill>
+          <a:schemeClr val="tx1"/>
+        </a:solidFill>
+        <a:latin typeface="+mn-lt"/>
+        <a:ea typeface="+mn-ea"/>
+        <a:cs typeface="+mn-cs"/>
+      </a:defRPr>
+    </a:lvl9pPr>
+  </p:notesStyle>
+</p:notesMaster>
+</file>
+
+<file path=ppt/notesSlides/notesSlide1.xml><?xml version="1.0" encoding="utf-8"?>
+<p:notes xmlns:a="http://schemas.openxmlformats.org/drawingml/2006/main" xmlns:r="http://schemas.openxmlformats.org/officeDocument/2006/relationships" xmlns:p="http://schemas.openxmlformats.org/presentationml/2006/main">
   <p:cSld>
     <p:spTree>
       <p:nvGrpSpPr>
@@ -39,191 +435,6 @@
       </p:grpSpPr>
       <p:sp>
         <p:nvSpPr>
-          <p:cNvPr id="145" name="PlaceHolder 1"/>
-          <p:cNvSpPr>
-            <a:spLocks noGrp="1"/>
-          </p:cNvSpPr>
-          <p:nvPr>
-            <p:ph type="body"/>
-          </p:nvPr>
-        </p:nvSpPr>
-        <p:spPr>
-          <a:xfrm>
-            <a:off x="756000" y="5078520"/>
-            <a:ext cx="6047640" cy="4811040"/>
-          </a:xfrm>
-          <a:prstGeom prst="rect">
-            <a:avLst/>
-          </a:prstGeom>
-        </p:spPr>
-        <p:txBody>
-          <a:bodyPr lIns="0" rIns="0" tIns="0" bIns="0"/>
-          <a:p>
-            <a:r>
-              <a:rPr lang="it-CH" sz="2000">
-                <a:latin typeface="Arial"/>
-              </a:rPr>
-              <a:t>Fate clic per modificare il formato delle note</a:t>
-            </a:r>
-            <a:endParaRPr/>
-          </a:p>
-        </p:txBody>
-      </p:sp>
-      <p:sp>
-        <p:nvSpPr>
-          <p:cNvPr id="146" name="PlaceHolder 2"/>
-          <p:cNvSpPr>
-            <a:spLocks noGrp="1"/>
-          </p:cNvSpPr>
-          <p:nvPr>
-            <p:ph type="hdr"/>
-          </p:nvPr>
-        </p:nvSpPr>
-        <p:spPr>
-          <a:xfrm>
-            <a:off x="0" y="0"/>
-            <a:ext cx="3280680" cy="534240"/>
-          </a:xfrm>
-          <a:prstGeom prst="rect">
-            <a:avLst/>
-          </a:prstGeom>
-        </p:spPr>
-        <p:txBody>
-          <a:bodyPr lIns="0" rIns="0" tIns="0" bIns="0"/>
-          <a:p>
-            <a:r>
-              <a:rPr lang="it-CH" sz="1400">
-                <a:latin typeface="Times New Roman"/>
-              </a:rPr>
-              <a:t>&lt;intestazione&gt;</a:t>
-            </a:r>
-            <a:endParaRPr/>
-          </a:p>
-        </p:txBody>
-      </p:sp>
-      <p:sp>
-        <p:nvSpPr>
-          <p:cNvPr id="147" name="PlaceHolder 3"/>
-          <p:cNvSpPr>
-            <a:spLocks noGrp="1"/>
-          </p:cNvSpPr>
-          <p:nvPr>
-            <p:ph type="dt"/>
-          </p:nvPr>
-        </p:nvSpPr>
-        <p:spPr>
-          <a:xfrm>
-            <a:off x="4278960" y="0"/>
-            <a:ext cx="3280680" cy="534240"/>
-          </a:xfrm>
-          <a:prstGeom prst="rect">
-            <a:avLst/>
-          </a:prstGeom>
-        </p:spPr>
-        <p:txBody>
-          <a:bodyPr lIns="0" rIns="0" tIns="0" bIns="0"/>
-          <a:p>
-            <a:pPr algn="r"/>
-            <a:r>
-              <a:rPr lang="it-CH" sz="1400">
-                <a:latin typeface="Times New Roman"/>
-              </a:rPr>
-              <a:t>&lt;data/ora&gt;</a:t>
-            </a:r>
-            <a:endParaRPr/>
-          </a:p>
-        </p:txBody>
-      </p:sp>
-      <p:sp>
-        <p:nvSpPr>
-          <p:cNvPr id="148" name="PlaceHolder 4"/>
-          <p:cNvSpPr>
-            <a:spLocks noGrp="1"/>
-          </p:cNvSpPr>
-          <p:nvPr>
-            <p:ph type="ftr"/>
-          </p:nvPr>
-        </p:nvSpPr>
-        <p:spPr>
-          <a:xfrm>
-            <a:off x="0" y="10157400"/>
-            <a:ext cx="3280680" cy="534240"/>
-          </a:xfrm>
-          <a:prstGeom prst="rect">
-            <a:avLst/>
-          </a:prstGeom>
-        </p:spPr>
-        <p:txBody>
-          <a:bodyPr lIns="0" rIns="0" tIns="0" bIns="0" anchor="b"/>
-          <a:p>
-            <a:r>
-              <a:rPr lang="it-CH" sz="1400">
-                <a:latin typeface="Times New Roman"/>
-              </a:rPr>
-              <a:t>&lt;piè di pagina&gt;</a:t>
-            </a:r>
-            <a:endParaRPr/>
-          </a:p>
-        </p:txBody>
-      </p:sp>
-      <p:sp>
-        <p:nvSpPr>
-          <p:cNvPr id="149" name="PlaceHolder 5"/>
-          <p:cNvSpPr>
-            <a:spLocks noGrp="1"/>
-          </p:cNvSpPr>
-          <p:nvPr>
-            <p:ph type="sldNum"/>
-          </p:nvPr>
-        </p:nvSpPr>
-        <p:spPr>
-          <a:xfrm>
-            <a:off x="4278960" y="10157400"/>
-            <a:ext cx="3280680" cy="534240"/>
-          </a:xfrm>
-          <a:prstGeom prst="rect">
-            <a:avLst/>
-          </a:prstGeom>
-        </p:spPr>
-        <p:txBody>
-          <a:bodyPr lIns="0" rIns="0" tIns="0" bIns="0" anchor="b"/>
-          <a:p>
-            <a:pPr algn="r"/>
-            <a:fld id="{CB7FCBCE-2133-4137-844C-9280C279DEFC}" type="slidenum">
-              <a:rPr lang="it-CH" sz="1400">
-                <a:latin typeface="Times New Roman"/>
-              </a:rPr>
-              <a:t>&lt;numero&gt;</a:t>
-            </a:fld>
-            <a:endParaRPr/>
-          </a:p>
-        </p:txBody>
-      </p:sp>
-    </p:spTree>
-  </p:cSld>
-  <p:clrMap bg1="lt1" bg2="lt2" tx1="dk1" tx2="dk2" accent1="accent1" accent2="accent2" accent3="accent3" accent4="accent4" accent5="accent5" accent6="accent6" hlink="hlink" folHlink="folHlink"/>
-</p:notesMaster>
-</file>
-
-<file path=ppt/notesSlides/notesSlide4.xml><?xml version="1.0" encoding="utf-8"?>
-<p:notes xmlns:a="http://schemas.openxmlformats.org/drawingml/2006/main" xmlns:p="http://schemas.openxmlformats.org/presentationml/2006/main" xmlns:r="http://schemas.openxmlformats.org/officeDocument/2006/relationships">
-  <p:cSld>
-    <p:spTree>
-      <p:nvGrpSpPr>
-        <p:cNvPr id="1" name=""/>
-        <p:cNvGrpSpPr/>
-        <p:nvPr/>
-      </p:nvGrpSpPr>
-      <p:grpSpPr>
-        <a:xfrm>
-          <a:off x="0" y="0"/>
-          <a:ext cx="0" cy="0"/>
-          <a:chOff x="0" y="0"/>
-          <a:chExt cx="0" cy="0"/>
-        </a:xfrm>
-      </p:grpSpPr>
-      <p:sp>
-        <p:nvSpPr>
           <p:cNvPr id="170" name="PlaceHolder 1"/>
           <p:cNvSpPr>
             <a:spLocks noGrp="1"/>
@@ -242,7 +453,8 @@
           </a:prstGeom>
         </p:spPr>
         <p:txBody>
-          <a:bodyPr lIns="90000" rIns="90000" tIns="46800" bIns="46800"/>
+          <a:bodyPr lIns="90000" tIns="46800" rIns="90000" bIns="46800"/>
+          <a:lstStyle/>
           <a:p>
             <a:endParaRPr/>
           </a:p>
@@ -256,11 +468,14 @@
       </p:sp>
     </p:spTree>
   </p:cSld>
+  <p:clrMapOvr>
+    <a:masterClrMapping/>
+  </p:clrMapOvr>
 </p:notes>
 </file>
 
 <file path=ppt/slideLayouts/slideLayout1.xml><?xml version="1.0" encoding="utf-8"?>
-<p:sldLayout xmlns:a="http://schemas.openxmlformats.org/drawingml/2006/main" xmlns:p="http://schemas.openxmlformats.org/presentationml/2006/main" xmlns:r="http://schemas.openxmlformats.org/officeDocument/2006/relationships" type="blank" preserve="1">
+<p:sldLayout xmlns:a="http://schemas.openxmlformats.org/drawingml/2006/main" xmlns:r="http://schemas.openxmlformats.org/officeDocument/2006/relationships" xmlns:p="http://schemas.openxmlformats.org/presentationml/2006/main" type="blank" preserve="1">
   <p:cSld name="Blank Slide">
     <p:spTree>
       <p:nvGrpSpPr>
@@ -278,11 +493,14 @@
       </p:grpSpPr>
     </p:spTree>
   </p:cSld>
+  <p:clrMapOvr>
+    <a:masterClrMapping/>
+  </p:clrMapOvr>
 </p:sldLayout>
 </file>
 
 <file path=ppt/slideLayouts/slideLayout10.xml><?xml version="1.0" encoding="utf-8"?>
-<p:sldLayout xmlns:a="http://schemas.openxmlformats.org/drawingml/2006/main" xmlns:p="http://schemas.openxmlformats.org/presentationml/2006/main" xmlns:r="http://schemas.openxmlformats.org/officeDocument/2006/relationships" type="objOverTx" preserve="1">
+<p:sldLayout xmlns:a="http://schemas.openxmlformats.org/drawingml/2006/main" xmlns:r="http://schemas.openxmlformats.org/officeDocument/2006/relationships" xmlns:p="http://schemas.openxmlformats.org/presentationml/2006/main" type="objOverTx" preserve="1">
   <p:cSld name="Title, Content over Content">
     <p:spTree>
       <p:nvGrpSpPr>
@@ -318,7 +536,8 @@
           </a:prstGeom>
         </p:spPr>
         <p:txBody>
-          <a:bodyPr lIns="0" rIns="0" tIns="0" bIns="0" anchor="ctr"/>
+          <a:bodyPr lIns="0" tIns="0" rIns="0" bIns="0" anchor="ctr"/>
+          <a:lstStyle/>
           <a:p>
             <a:pPr algn="ctr"/>
             <a:endParaRPr/>
@@ -345,7 +564,8 @@
           </a:prstGeom>
         </p:spPr>
         <p:txBody>
-          <a:bodyPr lIns="0" rIns="0" tIns="0" bIns="0"/>
+          <a:bodyPr lIns="0" tIns="0" rIns="0" bIns="0"/>
+          <a:lstStyle/>
           <a:p>
             <a:endParaRPr/>
           </a:p>
@@ -371,7 +591,8 @@
           </a:prstGeom>
         </p:spPr>
         <p:txBody>
-          <a:bodyPr lIns="0" rIns="0" tIns="0" bIns="0"/>
+          <a:bodyPr lIns="0" tIns="0" rIns="0" bIns="0"/>
+          <a:lstStyle/>
           <a:p>
             <a:endParaRPr/>
           </a:p>
@@ -379,11 +600,14 @@
       </p:sp>
     </p:spTree>
   </p:cSld>
+  <p:clrMapOvr>
+    <a:masterClrMapping/>
+  </p:clrMapOvr>
 </p:sldLayout>
 </file>
 
 <file path=ppt/slideLayouts/slideLayout11.xml><?xml version="1.0" encoding="utf-8"?>
-<p:sldLayout xmlns:a="http://schemas.openxmlformats.org/drawingml/2006/main" xmlns:p="http://schemas.openxmlformats.org/presentationml/2006/main" xmlns:r="http://schemas.openxmlformats.org/officeDocument/2006/relationships" type="fourObj" preserve="1">
+<p:sldLayout xmlns:a="http://schemas.openxmlformats.org/drawingml/2006/main" xmlns:r="http://schemas.openxmlformats.org/officeDocument/2006/relationships" xmlns:p="http://schemas.openxmlformats.org/presentationml/2006/main" type="fourObj" preserve="1">
   <p:cSld name="Title, 4 Content">
     <p:spTree>
       <p:nvGrpSpPr>
@@ -419,7 +643,8 @@
           </a:prstGeom>
         </p:spPr>
         <p:txBody>
-          <a:bodyPr lIns="0" rIns="0" tIns="0" bIns="0" anchor="ctr"/>
+          <a:bodyPr lIns="0" tIns="0" rIns="0" bIns="0" anchor="ctr"/>
+          <a:lstStyle/>
           <a:p>
             <a:pPr algn="ctr"/>
             <a:endParaRPr/>
@@ -446,7 +671,8 @@
           </a:prstGeom>
         </p:spPr>
         <p:txBody>
-          <a:bodyPr lIns="0" rIns="0" tIns="0" bIns="0"/>
+          <a:bodyPr lIns="0" tIns="0" rIns="0" bIns="0"/>
+          <a:lstStyle/>
           <a:p>
             <a:endParaRPr/>
           </a:p>
@@ -472,7 +698,8 @@
           </a:prstGeom>
         </p:spPr>
         <p:txBody>
-          <a:bodyPr lIns="0" rIns="0" tIns="0" bIns="0"/>
+          <a:bodyPr lIns="0" tIns="0" rIns="0" bIns="0"/>
+          <a:lstStyle/>
           <a:p>
             <a:endParaRPr/>
           </a:p>
@@ -498,7 +725,8 @@
           </a:prstGeom>
         </p:spPr>
         <p:txBody>
-          <a:bodyPr lIns="0" rIns="0" tIns="0" bIns="0"/>
+          <a:bodyPr lIns="0" tIns="0" rIns="0" bIns="0"/>
+          <a:lstStyle/>
           <a:p>
             <a:endParaRPr/>
           </a:p>
@@ -524,7 +752,8 @@
           </a:prstGeom>
         </p:spPr>
         <p:txBody>
-          <a:bodyPr lIns="0" rIns="0" tIns="0" bIns="0"/>
+          <a:bodyPr lIns="0" tIns="0" rIns="0" bIns="0"/>
+          <a:lstStyle/>
           <a:p>
             <a:endParaRPr/>
           </a:p>
@@ -532,11 +761,14 @@
       </p:sp>
     </p:spTree>
   </p:cSld>
+  <p:clrMapOvr>
+    <a:masterClrMapping/>
+  </p:clrMapOvr>
 </p:sldLayout>
 </file>
 
 <file path=ppt/slideLayouts/slideLayout12.xml><?xml version="1.0" encoding="utf-8"?>
-<p:sldLayout xmlns:a="http://schemas.openxmlformats.org/drawingml/2006/main" xmlns:p="http://schemas.openxmlformats.org/presentationml/2006/main" xmlns:r="http://schemas.openxmlformats.org/officeDocument/2006/relationships" type="blank" preserve="1">
+<p:sldLayout xmlns:a="http://schemas.openxmlformats.org/drawingml/2006/main" xmlns:r="http://schemas.openxmlformats.org/officeDocument/2006/relationships" xmlns:p="http://schemas.openxmlformats.org/presentationml/2006/main" type="blank" preserve="1">
   <p:cSld name="Title, 6 Content">
     <p:spTree>
       <p:nvGrpSpPr>
@@ -572,7 +804,8 @@
           </a:prstGeom>
         </p:spPr>
         <p:txBody>
-          <a:bodyPr lIns="0" rIns="0" tIns="0" bIns="0" anchor="ctr"/>
+          <a:bodyPr lIns="0" tIns="0" rIns="0" bIns="0" anchor="ctr"/>
+          <a:lstStyle/>
           <a:p>
             <a:pPr algn="ctr"/>
             <a:endParaRPr/>
@@ -599,7 +832,8 @@
           </a:prstGeom>
         </p:spPr>
         <p:txBody>
-          <a:bodyPr lIns="0" rIns="0" tIns="0" bIns="0"/>
+          <a:bodyPr lIns="0" tIns="0" rIns="0" bIns="0"/>
+          <a:lstStyle/>
           <a:p>
             <a:endParaRPr/>
           </a:p>
@@ -625,7 +859,8 @@
           </a:prstGeom>
         </p:spPr>
         <p:txBody>
-          <a:bodyPr lIns="0" rIns="0" tIns="0" bIns="0"/>
+          <a:bodyPr lIns="0" tIns="0" rIns="0" bIns="0"/>
+          <a:lstStyle/>
           <a:p>
             <a:endParaRPr/>
           </a:p>
@@ -633,7 +868,7 @@
       </p:sp>
       <p:pic>
         <p:nvPicPr>
-          <p:cNvPr id="53" name="" descr=""/>
+          <p:cNvPr id="53" name="Picture 52"/>
           <p:cNvPicPr/>
           <p:nvPr/>
         </p:nvPicPr>
@@ -658,12 +893,12 @@
       </p:pic>
       <p:pic>
         <p:nvPicPr>
-          <p:cNvPr id="54" name="" descr=""/>
+          <p:cNvPr id="54" name="Picture 53"/>
           <p:cNvPicPr/>
           <p:nvPr/>
         </p:nvPicPr>
         <p:blipFill>
-          <a:blip r:embed="rId3"/>
+          <a:blip r:embed="rId2"/>
           <a:stretch>
             <a:fillRect/>
           </a:stretch>
@@ -683,11 +918,14 @@
       </p:pic>
     </p:spTree>
   </p:cSld>
+  <p:clrMapOvr>
+    <a:masterClrMapping/>
+  </p:clrMapOvr>
 </p:sldLayout>
 </file>
 
 <file path=ppt/slideLayouts/slideLayout13.xml><?xml version="1.0" encoding="utf-8"?>
-<p:sldLayout xmlns:a="http://schemas.openxmlformats.org/drawingml/2006/main" xmlns:p="http://schemas.openxmlformats.org/presentationml/2006/main" xmlns:r="http://schemas.openxmlformats.org/officeDocument/2006/relationships" type="blank" preserve="1">
+<p:sldLayout xmlns:a="http://schemas.openxmlformats.org/drawingml/2006/main" xmlns:r="http://schemas.openxmlformats.org/officeDocument/2006/relationships" xmlns:p="http://schemas.openxmlformats.org/presentationml/2006/main" type="blank" preserve="1">
   <p:cSld name="Blank Slide">
     <p:spTree>
       <p:nvGrpSpPr>
@@ -705,11 +943,14 @@
       </p:grpSpPr>
     </p:spTree>
   </p:cSld>
+  <p:clrMapOvr>
+    <a:masterClrMapping/>
+  </p:clrMapOvr>
 </p:sldLayout>
 </file>
 
 <file path=ppt/slideLayouts/slideLayout14.xml><?xml version="1.0" encoding="utf-8"?>
-<p:sldLayout xmlns:a="http://schemas.openxmlformats.org/drawingml/2006/main" xmlns:p="http://schemas.openxmlformats.org/presentationml/2006/main" xmlns:r="http://schemas.openxmlformats.org/officeDocument/2006/relationships" type="tx" preserve="1">
+<p:sldLayout xmlns:a="http://schemas.openxmlformats.org/drawingml/2006/main" xmlns:r="http://schemas.openxmlformats.org/officeDocument/2006/relationships" xmlns:p="http://schemas.openxmlformats.org/presentationml/2006/main" type="tx" preserve="1">
   <p:cSld name="Title Slide">
     <p:spTree>
       <p:nvGrpSpPr>
@@ -745,7 +986,8 @@
           </a:prstGeom>
         </p:spPr>
         <p:txBody>
-          <a:bodyPr lIns="0" rIns="0" tIns="0" bIns="0" anchor="ctr"/>
+          <a:bodyPr lIns="0" tIns="0" rIns="0" bIns="0" anchor="ctr"/>
+          <a:lstStyle/>
           <a:p>
             <a:pPr algn="ctr"/>
             <a:endParaRPr/>
@@ -772,7 +1014,8 @@
           </a:prstGeom>
         </p:spPr>
         <p:txBody>
-          <a:bodyPr lIns="0" rIns="0" tIns="0" bIns="0" anchor="ctr"/>
+          <a:bodyPr lIns="0" tIns="0" rIns="0" bIns="0" anchor="ctr"/>
+          <a:lstStyle/>
           <a:p>
             <a:pPr algn="ctr"/>
             <a:endParaRPr/>
@@ -781,11 +1024,14 @@
       </p:sp>
     </p:spTree>
   </p:cSld>
+  <p:clrMapOvr>
+    <a:masterClrMapping/>
+  </p:clrMapOvr>
 </p:sldLayout>
 </file>
 
 <file path=ppt/slideLayouts/slideLayout15.xml><?xml version="1.0" encoding="utf-8"?>
-<p:sldLayout xmlns:a="http://schemas.openxmlformats.org/drawingml/2006/main" xmlns:p="http://schemas.openxmlformats.org/presentationml/2006/main" xmlns:r="http://schemas.openxmlformats.org/officeDocument/2006/relationships" type="obj" preserve="1">
+<p:sldLayout xmlns:a="http://schemas.openxmlformats.org/drawingml/2006/main" xmlns:r="http://schemas.openxmlformats.org/officeDocument/2006/relationships" xmlns:p="http://schemas.openxmlformats.org/presentationml/2006/main" type="obj" preserve="1">
   <p:cSld name="Title, Content">
     <p:spTree>
       <p:nvGrpSpPr>
@@ -821,7 +1067,8 @@
           </a:prstGeom>
         </p:spPr>
         <p:txBody>
-          <a:bodyPr lIns="0" rIns="0" tIns="0" bIns="0" anchor="ctr"/>
+          <a:bodyPr lIns="0" tIns="0" rIns="0" bIns="0" anchor="ctr"/>
+          <a:lstStyle/>
           <a:p>
             <a:pPr algn="ctr"/>
             <a:endParaRPr/>
@@ -848,7 +1095,8 @@
           </a:prstGeom>
         </p:spPr>
         <p:txBody>
-          <a:bodyPr lIns="0" rIns="0" tIns="0" bIns="0"/>
+          <a:bodyPr lIns="0" tIns="0" rIns="0" bIns="0"/>
+          <a:lstStyle/>
           <a:p>
             <a:endParaRPr/>
           </a:p>
@@ -856,11 +1104,14 @@
       </p:sp>
     </p:spTree>
   </p:cSld>
+  <p:clrMapOvr>
+    <a:masterClrMapping/>
+  </p:clrMapOvr>
 </p:sldLayout>
 </file>
 
 <file path=ppt/slideLayouts/slideLayout16.xml><?xml version="1.0" encoding="utf-8"?>
-<p:sldLayout xmlns:a="http://schemas.openxmlformats.org/drawingml/2006/main" xmlns:p="http://schemas.openxmlformats.org/presentationml/2006/main" xmlns:r="http://schemas.openxmlformats.org/officeDocument/2006/relationships" type="twoObj" preserve="1">
+<p:sldLayout xmlns:a="http://schemas.openxmlformats.org/drawingml/2006/main" xmlns:r="http://schemas.openxmlformats.org/officeDocument/2006/relationships" xmlns:p="http://schemas.openxmlformats.org/presentationml/2006/main" type="twoObj" preserve="1">
   <p:cSld name="Title, 2 Content">
     <p:spTree>
       <p:nvGrpSpPr>
@@ -896,7 +1147,8 @@
           </a:prstGeom>
         </p:spPr>
         <p:txBody>
-          <a:bodyPr lIns="0" rIns="0" tIns="0" bIns="0" anchor="ctr"/>
+          <a:bodyPr lIns="0" tIns="0" rIns="0" bIns="0" anchor="ctr"/>
+          <a:lstStyle/>
           <a:p>
             <a:pPr algn="ctr"/>
             <a:endParaRPr/>
@@ -923,7 +1175,8 @@
           </a:prstGeom>
         </p:spPr>
         <p:txBody>
-          <a:bodyPr lIns="0" rIns="0" tIns="0" bIns="0"/>
+          <a:bodyPr lIns="0" tIns="0" rIns="0" bIns="0"/>
+          <a:lstStyle/>
           <a:p>
             <a:endParaRPr/>
           </a:p>
@@ -949,7 +1202,8 @@
           </a:prstGeom>
         </p:spPr>
         <p:txBody>
-          <a:bodyPr lIns="0" rIns="0" tIns="0" bIns="0"/>
+          <a:bodyPr lIns="0" tIns="0" rIns="0" bIns="0"/>
+          <a:lstStyle/>
           <a:p>
             <a:endParaRPr/>
           </a:p>
@@ -957,11 +1211,14 @@
       </p:sp>
     </p:spTree>
   </p:cSld>
+  <p:clrMapOvr>
+    <a:masterClrMapping/>
+  </p:clrMapOvr>
 </p:sldLayout>
 </file>
 
 <file path=ppt/slideLayouts/slideLayout17.xml><?xml version="1.0" encoding="utf-8"?>
-<p:sldLayout xmlns:a="http://schemas.openxmlformats.org/drawingml/2006/main" xmlns:p="http://schemas.openxmlformats.org/presentationml/2006/main" xmlns:r="http://schemas.openxmlformats.org/officeDocument/2006/relationships" type="titleOnly" preserve="1">
+<p:sldLayout xmlns:a="http://schemas.openxmlformats.org/drawingml/2006/main" xmlns:r="http://schemas.openxmlformats.org/officeDocument/2006/relationships" xmlns:p="http://schemas.openxmlformats.org/presentationml/2006/main" type="titleOnly" preserve="1">
   <p:cSld name="Title Only">
     <p:spTree>
       <p:nvGrpSpPr>
@@ -997,7 +1254,8 @@
           </a:prstGeom>
         </p:spPr>
         <p:txBody>
-          <a:bodyPr lIns="0" rIns="0" tIns="0" bIns="0" anchor="ctr"/>
+          <a:bodyPr lIns="0" tIns="0" rIns="0" bIns="0" anchor="ctr"/>
+          <a:lstStyle/>
           <a:p>
             <a:pPr algn="ctr"/>
             <a:endParaRPr/>
@@ -1006,11 +1264,14 @@
       </p:sp>
     </p:spTree>
   </p:cSld>
+  <p:clrMapOvr>
+    <a:masterClrMapping/>
+  </p:clrMapOvr>
 </p:sldLayout>
 </file>
 
 <file path=ppt/slideLayouts/slideLayout18.xml><?xml version="1.0" encoding="utf-8"?>
-<p:sldLayout xmlns:a="http://schemas.openxmlformats.org/drawingml/2006/main" xmlns:p="http://schemas.openxmlformats.org/presentationml/2006/main" xmlns:r="http://schemas.openxmlformats.org/officeDocument/2006/relationships" type="objOnly" preserve="1">
+<p:sldLayout xmlns:a="http://schemas.openxmlformats.org/drawingml/2006/main" xmlns:r="http://schemas.openxmlformats.org/officeDocument/2006/relationships" xmlns:p="http://schemas.openxmlformats.org/presentationml/2006/main" type="objOnly" preserve="1">
   <p:cSld name="Centered Text">
     <p:spTree>
       <p:nvGrpSpPr>
@@ -1046,7 +1307,8 @@
           </a:prstGeom>
         </p:spPr>
         <p:txBody>
-          <a:bodyPr lIns="0" rIns="0" tIns="0" bIns="0" anchor="ctr"/>
+          <a:bodyPr lIns="0" tIns="0" rIns="0" bIns="0" anchor="ctr"/>
+          <a:lstStyle/>
           <a:p>
             <a:pPr algn="ctr"/>
             <a:endParaRPr/>
@@ -1055,11 +1317,14 @@
       </p:sp>
     </p:spTree>
   </p:cSld>
+  <p:clrMapOvr>
+    <a:masterClrMapping/>
+  </p:clrMapOvr>
 </p:sldLayout>
 </file>
 
 <file path=ppt/slideLayouts/slideLayout19.xml><?xml version="1.0" encoding="utf-8"?>
-<p:sldLayout xmlns:a="http://schemas.openxmlformats.org/drawingml/2006/main" xmlns:p="http://schemas.openxmlformats.org/presentationml/2006/main" xmlns:r="http://schemas.openxmlformats.org/officeDocument/2006/relationships" type="twoObjAndObj" preserve="1">
+<p:sldLayout xmlns:a="http://schemas.openxmlformats.org/drawingml/2006/main" xmlns:r="http://schemas.openxmlformats.org/officeDocument/2006/relationships" xmlns:p="http://schemas.openxmlformats.org/presentationml/2006/main" type="twoObjAndObj" preserve="1">
   <p:cSld name="Title, 2 Content and Content">
     <p:spTree>
       <p:nvGrpSpPr>
@@ -1095,7 +1360,8 @@
           </a:prstGeom>
         </p:spPr>
         <p:txBody>
-          <a:bodyPr lIns="0" rIns="0" tIns="0" bIns="0" anchor="ctr"/>
+          <a:bodyPr lIns="0" tIns="0" rIns="0" bIns="0" anchor="ctr"/>
+          <a:lstStyle/>
           <a:p>
             <a:pPr algn="ctr"/>
             <a:endParaRPr/>
@@ -1122,7 +1388,8 @@
           </a:prstGeom>
         </p:spPr>
         <p:txBody>
-          <a:bodyPr lIns="0" rIns="0" tIns="0" bIns="0"/>
+          <a:bodyPr lIns="0" tIns="0" rIns="0" bIns="0"/>
+          <a:lstStyle/>
           <a:p>
             <a:endParaRPr/>
           </a:p>
@@ -1148,7 +1415,8 @@
           </a:prstGeom>
         </p:spPr>
         <p:txBody>
-          <a:bodyPr lIns="0" rIns="0" tIns="0" bIns="0"/>
+          <a:bodyPr lIns="0" tIns="0" rIns="0" bIns="0"/>
+          <a:lstStyle/>
           <a:p>
             <a:endParaRPr/>
           </a:p>
@@ -1174,7 +1442,8 @@
           </a:prstGeom>
         </p:spPr>
         <p:txBody>
-          <a:bodyPr lIns="0" rIns="0" tIns="0" bIns="0"/>
+          <a:bodyPr lIns="0" tIns="0" rIns="0" bIns="0"/>
+          <a:lstStyle/>
           <a:p>
             <a:endParaRPr/>
           </a:p>
@@ -1182,11 +1451,14 @@
       </p:sp>
     </p:spTree>
   </p:cSld>
+  <p:clrMapOvr>
+    <a:masterClrMapping/>
+  </p:clrMapOvr>
 </p:sldLayout>
 </file>
 
 <file path=ppt/slideLayouts/slideLayout2.xml><?xml version="1.0" encoding="utf-8"?>
-<p:sldLayout xmlns:a="http://schemas.openxmlformats.org/drawingml/2006/main" xmlns:p="http://schemas.openxmlformats.org/presentationml/2006/main" xmlns:r="http://schemas.openxmlformats.org/officeDocument/2006/relationships" type="tx" preserve="1">
+<p:sldLayout xmlns:a="http://schemas.openxmlformats.org/drawingml/2006/main" xmlns:r="http://schemas.openxmlformats.org/officeDocument/2006/relationships" xmlns:p="http://schemas.openxmlformats.org/presentationml/2006/main" type="tx" preserve="1">
   <p:cSld name="Title Slide">
     <p:spTree>
       <p:nvGrpSpPr>
@@ -1222,7 +1494,8 @@
           </a:prstGeom>
         </p:spPr>
         <p:txBody>
-          <a:bodyPr lIns="0" rIns="0" tIns="0" bIns="0" anchor="ctr"/>
+          <a:bodyPr lIns="0" tIns="0" rIns="0" bIns="0" anchor="ctr"/>
+          <a:lstStyle/>
           <a:p>
             <a:pPr algn="ctr"/>
             <a:endParaRPr/>
@@ -1249,7 +1522,8 @@
           </a:prstGeom>
         </p:spPr>
         <p:txBody>
-          <a:bodyPr lIns="0" rIns="0" tIns="0" bIns="0" anchor="ctr"/>
+          <a:bodyPr lIns="0" tIns="0" rIns="0" bIns="0" anchor="ctr"/>
+          <a:lstStyle/>
           <a:p>
             <a:pPr algn="ctr"/>
             <a:endParaRPr/>
@@ -1258,11 +1532,14 @@
       </p:sp>
     </p:spTree>
   </p:cSld>
+  <p:clrMapOvr>
+    <a:masterClrMapping/>
+  </p:clrMapOvr>
 </p:sldLayout>
 </file>
 
 <file path=ppt/slideLayouts/slideLayout20.xml><?xml version="1.0" encoding="utf-8"?>
-<p:sldLayout xmlns:a="http://schemas.openxmlformats.org/drawingml/2006/main" xmlns:p="http://schemas.openxmlformats.org/presentationml/2006/main" xmlns:r="http://schemas.openxmlformats.org/officeDocument/2006/relationships" type="objAndTwoObj" preserve="1">
+<p:sldLayout xmlns:a="http://schemas.openxmlformats.org/drawingml/2006/main" xmlns:r="http://schemas.openxmlformats.org/officeDocument/2006/relationships" xmlns:p="http://schemas.openxmlformats.org/presentationml/2006/main" type="objAndTwoObj" preserve="1">
   <p:cSld name="Title Content and 2 Content">
     <p:spTree>
       <p:nvGrpSpPr>
@@ -1298,7 +1575,8 @@
           </a:prstGeom>
         </p:spPr>
         <p:txBody>
-          <a:bodyPr lIns="0" rIns="0" tIns="0" bIns="0" anchor="ctr"/>
+          <a:bodyPr lIns="0" tIns="0" rIns="0" bIns="0" anchor="ctr"/>
+          <a:lstStyle/>
           <a:p>
             <a:pPr algn="ctr"/>
             <a:endParaRPr/>
@@ -1325,7 +1603,8 @@
           </a:prstGeom>
         </p:spPr>
         <p:txBody>
-          <a:bodyPr lIns="0" rIns="0" tIns="0" bIns="0"/>
+          <a:bodyPr lIns="0" tIns="0" rIns="0" bIns="0"/>
+          <a:lstStyle/>
           <a:p>
             <a:endParaRPr/>
           </a:p>
@@ -1351,7 +1630,8 @@
           </a:prstGeom>
         </p:spPr>
         <p:txBody>
-          <a:bodyPr lIns="0" rIns="0" tIns="0" bIns="0"/>
+          <a:bodyPr lIns="0" tIns="0" rIns="0" bIns="0"/>
+          <a:lstStyle/>
           <a:p>
             <a:endParaRPr/>
           </a:p>
@@ -1377,7 +1657,8 @@
           </a:prstGeom>
         </p:spPr>
         <p:txBody>
-          <a:bodyPr lIns="0" rIns="0" tIns="0" bIns="0"/>
+          <a:bodyPr lIns="0" tIns="0" rIns="0" bIns="0"/>
+          <a:lstStyle/>
           <a:p>
             <a:endParaRPr/>
           </a:p>
@@ -1385,11 +1666,14 @@
       </p:sp>
     </p:spTree>
   </p:cSld>
+  <p:clrMapOvr>
+    <a:masterClrMapping/>
+  </p:clrMapOvr>
 </p:sldLayout>
 </file>
 
 <file path=ppt/slideLayouts/slideLayout21.xml><?xml version="1.0" encoding="utf-8"?>
-<p:sldLayout xmlns:a="http://schemas.openxmlformats.org/drawingml/2006/main" xmlns:p="http://schemas.openxmlformats.org/presentationml/2006/main" xmlns:r="http://schemas.openxmlformats.org/officeDocument/2006/relationships" type="twoObjOverTx" preserve="1">
+<p:sldLayout xmlns:a="http://schemas.openxmlformats.org/drawingml/2006/main" xmlns:r="http://schemas.openxmlformats.org/officeDocument/2006/relationships" xmlns:p="http://schemas.openxmlformats.org/presentationml/2006/main" type="twoObjOverTx" preserve="1">
   <p:cSld name="Title, 2 Content over Content">
     <p:spTree>
       <p:nvGrpSpPr>
@@ -1425,7 +1709,8 @@
           </a:prstGeom>
         </p:spPr>
         <p:txBody>
-          <a:bodyPr lIns="0" rIns="0" tIns="0" bIns="0" anchor="ctr"/>
+          <a:bodyPr lIns="0" tIns="0" rIns="0" bIns="0" anchor="ctr"/>
+          <a:lstStyle/>
           <a:p>
             <a:pPr algn="ctr"/>
             <a:endParaRPr/>
@@ -1452,7 +1737,8 @@
           </a:prstGeom>
         </p:spPr>
         <p:txBody>
-          <a:bodyPr lIns="0" rIns="0" tIns="0" bIns="0"/>
+          <a:bodyPr lIns="0" tIns="0" rIns="0" bIns="0"/>
+          <a:lstStyle/>
           <a:p>
             <a:endParaRPr/>
           </a:p>
@@ -1478,7 +1764,8 @@
           </a:prstGeom>
         </p:spPr>
         <p:txBody>
-          <a:bodyPr lIns="0" rIns="0" tIns="0" bIns="0"/>
+          <a:bodyPr lIns="0" tIns="0" rIns="0" bIns="0"/>
+          <a:lstStyle/>
           <a:p>
             <a:endParaRPr/>
           </a:p>
@@ -1504,7 +1791,8 @@
           </a:prstGeom>
         </p:spPr>
         <p:txBody>
-          <a:bodyPr lIns="0" rIns="0" tIns="0" bIns="0"/>
+          <a:bodyPr lIns="0" tIns="0" rIns="0" bIns="0"/>
+          <a:lstStyle/>
           <a:p>
             <a:endParaRPr/>
           </a:p>
@@ -1512,11 +1800,14 @@
       </p:sp>
     </p:spTree>
   </p:cSld>
+  <p:clrMapOvr>
+    <a:masterClrMapping/>
+  </p:clrMapOvr>
 </p:sldLayout>
 </file>
 
 <file path=ppt/slideLayouts/slideLayout22.xml><?xml version="1.0" encoding="utf-8"?>
-<p:sldLayout xmlns:a="http://schemas.openxmlformats.org/drawingml/2006/main" xmlns:p="http://schemas.openxmlformats.org/presentationml/2006/main" xmlns:r="http://schemas.openxmlformats.org/officeDocument/2006/relationships" type="objOverTx" preserve="1">
+<p:sldLayout xmlns:a="http://schemas.openxmlformats.org/drawingml/2006/main" xmlns:r="http://schemas.openxmlformats.org/officeDocument/2006/relationships" xmlns:p="http://schemas.openxmlformats.org/presentationml/2006/main" type="objOverTx" preserve="1">
   <p:cSld name="Title, Content over Content">
     <p:spTree>
       <p:nvGrpSpPr>
@@ -1552,7 +1843,8 @@
           </a:prstGeom>
         </p:spPr>
         <p:txBody>
-          <a:bodyPr lIns="0" rIns="0" tIns="0" bIns="0" anchor="ctr"/>
+          <a:bodyPr lIns="0" tIns="0" rIns="0" bIns="0" anchor="ctr"/>
+          <a:lstStyle/>
           <a:p>
             <a:pPr algn="ctr"/>
             <a:endParaRPr/>
@@ -1579,7 +1871,8 @@
           </a:prstGeom>
         </p:spPr>
         <p:txBody>
-          <a:bodyPr lIns="0" rIns="0" tIns="0" bIns="0"/>
+          <a:bodyPr lIns="0" tIns="0" rIns="0" bIns="0"/>
+          <a:lstStyle/>
           <a:p>
             <a:endParaRPr/>
           </a:p>
@@ -1605,7 +1898,8 @@
           </a:prstGeom>
         </p:spPr>
         <p:txBody>
-          <a:bodyPr lIns="0" rIns="0" tIns="0" bIns="0"/>
+          <a:bodyPr lIns="0" tIns="0" rIns="0" bIns="0"/>
+          <a:lstStyle/>
           <a:p>
             <a:endParaRPr/>
           </a:p>
@@ -1613,11 +1907,14 @@
       </p:sp>
     </p:spTree>
   </p:cSld>
+  <p:clrMapOvr>
+    <a:masterClrMapping/>
+  </p:clrMapOvr>
 </p:sldLayout>
 </file>
 
 <file path=ppt/slideLayouts/slideLayout23.xml><?xml version="1.0" encoding="utf-8"?>
-<p:sldLayout xmlns:a="http://schemas.openxmlformats.org/drawingml/2006/main" xmlns:p="http://schemas.openxmlformats.org/presentationml/2006/main" xmlns:r="http://schemas.openxmlformats.org/officeDocument/2006/relationships" type="fourObj" preserve="1">
+<p:sldLayout xmlns:a="http://schemas.openxmlformats.org/drawingml/2006/main" xmlns:r="http://schemas.openxmlformats.org/officeDocument/2006/relationships" xmlns:p="http://schemas.openxmlformats.org/presentationml/2006/main" type="fourObj" preserve="1">
   <p:cSld name="Title, 4 Content">
     <p:spTree>
       <p:nvGrpSpPr>
@@ -1653,7 +1950,8 @@
           </a:prstGeom>
         </p:spPr>
         <p:txBody>
-          <a:bodyPr lIns="0" rIns="0" tIns="0" bIns="0" anchor="ctr"/>
+          <a:bodyPr lIns="0" tIns="0" rIns="0" bIns="0" anchor="ctr"/>
+          <a:lstStyle/>
           <a:p>
             <a:pPr algn="ctr"/>
             <a:endParaRPr/>
@@ -1680,7 +1978,8 @@
           </a:prstGeom>
         </p:spPr>
         <p:txBody>
-          <a:bodyPr lIns="0" rIns="0" tIns="0" bIns="0"/>
+          <a:bodyPr lIns="0" tIns="0" rIns="0" bIns="0"/>
+          <a:lstStyle/>
           <a:p>
             <a:endParaRPr/>
           </a:p>
@@ -1706,7 +2005,8 @@
           </a:prstGeom>
         </p:spPr>
         <p:txBody>
-          <a:bodyPr lIns="0" rIns="0" tIns="0" bIns="0"/>
+          <a:bodyPr lIns="0" tIns="0" rIns="0" bIns="0"/>
+          <a:lstStyle/>
           <a:p>
             <a:endParaRPr/>
           </a:p>
@@ -1732,7 +2032,8 @@
           </a:prstGeom>
         </p:spPr>
         <p:txBody>
-          <a:bodyPr lIns="0" rIns="0" tIns="0" bIns="0"/>
+          <a:bodyPr lIns="0" tIns="0" rIns="0" bIns="0"/>
+          <a:lstStyle/>
           <a:p>
             <a:endParaRPr/>
           </a:p>
@@ -1758,7 +2059,8 @@
           </a:prstGeom>
         </p:spPr>
         <p:txBody>
-          <a:bodyPr lIns="0" rIns="0" tIns="0" bIns="0"/>
+          <a:bodyPr lIns="0" tIns="0" rIns="0" bIns="0"/>
+          <a:lstStyle/>
           <a:p>
             <a:endParaRPr/>
           </a:p>
@@ -1766,11 +2068,14 @@
       </p:sp>
     </p:spTree>
   </p:cSld>
+  <p:clrMapOvr>
+    <a:masterClrMapping/>
+  </p:clrMapOvr>
 </p:sldLayout>
 </file>
 
 <file path=ppt/slideLayouts/slideLayout24.xml><?xml version="1.0" encoding="utf-8"?>
-<p:sldLayout xmlns:a="http://schemas.openxmlformats.org/drawingml/2006/main" xmlns:p="http://schemas.openxmlformats.org/presentationml/2006/main" xmlns:r="http://schemas.openxmlformats.org/officeDocument/2006/relationships" type="blank" preserve="1">
+<p:sldLayout xmlns:a="http://schemas.openxmlformats.org/drawingml/2006/main" xmlns:r="http://schemas.openxmlformats.org/officeDocument/2006/relationships" xmlns:p="http://schemas.openxmlformats.org/presentationml/2006/main" type="blank" preserve="1">
   <p:cSld name="Title, 6 Content">
     <p:spTree>
       <p:nvGrpSpPr>
@@ -1806,7 +2111,8 @@
           </a:prstGeom>
         </p:spPr>
         <p:txBody>
-          <a:bodyPr lIns="0" rIns="0" tIns="0" bIns="0" anchor="ctr"/>
+          <a:bodyPr lIns="0" tIns="0" rIns="0" bIns="0" anchor="ctr"/>
+          <a:lstStyle/>
           <a:p>
             <a:pPr algn="ctr"/>
             <a:endParaRPr/>
@@ -1833,7 +2139,8 @@
           </a:prstGeom>
         </p:spPr>
         <p:txBody>
-          <a:bodyPr lIns="0" rIns="0" tIns="0" bIns="0"/>
+          <a:bodyPr lIns="0" tIns="0" rIns="0" bIns="0"/>
+          <a:lstStyle/>
           <a:p>
             <a:endParaRPr/>
           </a:p>
@@ -1859,7 +2166,8 @@
           </a:prstGeom>
         </p:spPr>
         <p:txBody>
-          <a:bodyPr lIns="0" rIns="0" tIns="0" bIns="0"/>
+          <a:bodyPr lIns="0" tIns="0" rIns="0" bIns="0"/>
+          <a:lstStyle/>
           <a:p>
             <a:endParaRPr/>
           </a:p>
@@ -1867,7 +2175,7 @@
       </p:sp>
       <p:pic>
         <p:nvPicPr>
-          <p:cNvPr id="98" name="" descr=""/>
+          <p:cNvPr id="98" name="Picture 97"/>
           <p:cNvPicPr/>
           <p:nvPr/>
         </p:nvPicPr>
@@ -1892,12 +2200,12 @@
       </p:pic>
       <p:pic>
         <p:nvPicPr>
-          <p:cNvPr id="99" name="" descr=""/>
+          <p:cNvPr id="99" name="Picture 98"/>
           <p:cNvPicPr/>
           <p:nvPr/>
         </p:nvPicPr>
         <p:blipFill>
-          <a:blip r:embed="rId3"/>
+          <a:blip r:embed="rId2"/>
           <a:stretch>
             <a:fillRect/>
           </a:stretch>
@@ -1917,11 +2225,14 @@
       </p:pic>
     </p:spTree>
   </p:cSld>
+  <p:clrMapOvr>
+    <a:masterClrMapping/>
+  </p:clrMapOvr>
 </p:sldLayout>
 </file>
 
 <file path=ppt/slideLayouts/slideLayout25.xml><?xml version="1.0" encoding="utf-8"?>
-<p:sldLayout xmlns:a="http://schemas.openxmlformats.org/drawingml/2006/main" xmlns:p="http://schemas.openxmlformats.org/presentationml/2006/main" xmlns:r="http://schemas.openxmlformats.org/officeDocument/2006/relationships" type="blank" preserve="1">
+<p:sldLayout xmlns:a="http://schemas.openxmlformats.org/drawingml/2006/main" xmlns:r="http://schemas.openxmlformats.org/officeDocument/2006/relationships" xmlns:p="http://schemas.openxmlformats.org/presentationml/2006/main" type="blank" preserve="1">
   <p:cSld name="Blank Slide">
     <p:spTree>
       <p:nvGrpSpPr>
@@ -1939,11 +2250,14 @@
       </p:grpSpPr>
     </p:spTree>
   </p:cSld>
+  <p:clrMapOvr>
+    <a:masterClrMapping/>
+  </p:clrMapOvr>
 </p:sldLayout>
 </file>
 
 <file path=ppt/slideLayouts/slideLayout26.xml><?xml version="1.0" encoding="utf-8"?>
-<p:sldLayout xmlns:a="http://schemas.openxmlformats.org/drawingml/2006/main" xmlns:p="http://schemas.openxmlformats.org/presentationml/2006/main" xmlns:r="http://schemas.openxmlformats.org/officeDocument/2006/relationships" type="tx" preserve="1">
+<p:sldLayout xmlns:a="http://schemas.openxmlformats.org/drawingml/2006/main" xmlns:r="http://schemas.openxmlformats.org/officeDocument/2006/relationships" xmlns:p="http://schemas.openxmlformats.org/presentationml/2006/main" type="tx" preserve="1">
   <p:cSld name="Title Slide">
     <p:spTree>
       <p:nvGrpSpPr>
@@ -1979,7 +2293,8 @@
           </a:prstGeom>
         </p:spPr>
         <p:txBody>
-          <a:bodyPr lIns="0" rIns="0" tIns="0" bIns="0" anchor="ctr"/>
+          <a:bodyPr lIns="0" tIns="0" rIns="0" bIns="0" anchor="ctr"/>
+          <a:lstStyle/>
           <a:p>
             <a:pPr algn="ctr"/>
             <a:endParaRPr/>
@@ -2006,7 +2321,8 @@
           </a:prstGeom>
         </p:spPr>
         <p:txBody>
-          <a:bodyPr lIns="0" rIns="0" tIns="0" bIns="0" anchor="ctr"/>
+          <a:bodyPr lIns="0" tIns="0" rIns="0" bIns="0" anchor="ctr"/>
+          <a:lstStyle/>
           <a:p>
             <a:pPr algn="ctr"/>
             <a:endParaRPr/>
@@ -2015,11 +2331,14 @@
       </p:sp>
     </p:spTree>
   </p:cSld>
+  <p:clrMapOvr>
+    <a:masterClrMapping/>
+  </p:clrMapOvr>
 </p:sldLayout>
 </file>
 
 <file path=ppt/slideLayouts/slideLayout27.xml><?xml version="1.0" encoding="utf-8"?>
-<p:sldLayout xmlns:a="http://schemas.openxmlformats.org/drawingml/2006/main" xmlns:p="http://schemas.openxmlformats.org/presentationml/2006/main" xmlns:r="http://schemas.openxmlformats.org/officeDocument/2006/relationships" type="obj" preserve="1">
+<p:sldLayout xmlns:a="http://schemas.openxmlformats.org/drawingml/2006/main" xmlns:r="http://schemas.openxmlformats.org/officeDocument/2006/relationships" xmlns:p="http://schemas.openxmlformats.org/presentationml/2006/main" type="obj" preserve="1">
   <p:cSld name="Title, Content">
     <p:spTree>
       <p:nvGrpSpPr>
@@ -2055,7 +2374,8 @@
           </a:prstGeom>
         </p:spPr>
         <p:txBody>
-          <a:bodyPr lIns="0" rIns="0" tIns="0" bIns="0" anchor="ctr"/>
+          <a:bodyPr lIns="0" tIns="0" rIns="0" bIns="0" anchor="ctr"/>
+          <a:lstStyle/>
           <a:p>
             <a:pPr algn="ctr"/>
             <a:endParaRPr/>
@@ -2082,7 +2402,8 @@
           </a:prstGeom>
         </p:spPr>
         <p:txBody>
-          <a:bodyPr lIns="0" rIns="0" tIns="0" bIns="0"/>
+          <a:bodyPr lIns="0" tIns="0" rIns="0" bIns="0"/>
+          <a:lstStyle/>
           <a:p>
             <a:endParaRPr/>
           </a:p>
@@ -2090,11 +2411,14 @@
       </p:sp>
     </p:spTree>
   </p:cSld>
+  <p:clrMapOvr>
+    <a:masterClrMapping/>
+  </p:clrMapOvr>
 </p:sldLayout>
 </file>
 
 <file path=ppt/slideLayouts/slideLayout28.xml><?xml version="1.0" encoding="utf-8"?>
-<p:sldLayout xmlns:a="http://schemas.openxmlformats.org/drawingml/2006/main" xmlns:p="http://schemas.openxmlformats.org/presentationml/2006/main" xmlns:r="http://schemas.openxmlformats.org/officeDocument/2006/relationships" type="twoObj" preserve="1">
+<p:sldLayout xmlns:a="http://schemas.openxmlformats.org/drawingml/2006/main" xmlns:r="http://schemas.openxmlformats.org/officeDocument/2006/relationships" xmlns:p="http://schemas.openxmlformats.org/presentationml/2006/main" type="twoObj" preserve="1">
   <p:cSld name="Title, 2 Content">
     <p:spTree>
       <p:nvGrpSpPr>
@@ -2130,7 +2454,8 @@
           </a:prstGeom>
         </p:spPr>
         <p:txBody>
-          <a:bodyPr lIns="0" rIns="0" tIns="0" bIns="0" anchor="ctr"/>
+          <a:bodyPr lIns="0" tIns="0" rIns="0" bIns="0" anchor="ctr"/>
+          <a:lstStyle/>
           <a:p>
             <a:pPr algn="ctr"/>
             <a:endParaRPr/>
@@ -2157,7 +2482,8 @@
           </a:prstGeom>
         </p:spPr>
         <p:txBody>
-          <a:bodyPr lIns="0" rIns="0" tIns="0" bIns="0"/>
+          <a:bodyPr lIns="0" tIns="0" rIns="0" bIns="0"/>
+          <a:lstStyle/>
           <a:p>
             <a:endParaRPr/>
           </a:p>
@@ -2183,7 +2509,8 @@
           </a:prstGeom>
         </p:spPr>
         <p:txBody>
-          <a:bodyPr lIns="0" rIns="0" tIns="0" bIns="0"/>
+          <a:bodyPr lIns="0" tIns="0" rIns="0" bIns="0"/>
+          <a:lstStyle/>
           <a:p>
             <a:endParaRPr/>
           </a:p>
@@ -2191,11 +2518,14 @@
       </p:sp>
     </p:spTree>
   </p:cSld>
+  <p:clrMapOvr>
+    <a:masterClrMapping/>
+  </p:clrMapOvr>
 </p:sldLayout>
 </file>
 
 <file path=ppt/slideLayouts/slideLayout29.xml><?xml version="1.0" encoding="utf-8"?>
-<p:sldLayout xmlns:a="http://schemas.openxmlformats.org/drawingml/2006/main" xmlns:p="http://schemas.openxmlformats.org/presentationml/2006/main" xmlns:r="http://schemas.openxmlformats.org/officeDocument/2006/relationships" type="titleOnly" preserve="1">
+<p:sldLayout xmlns:a="http://schemas.openxmlformats.org/drawingml/2006/main" xmlns:r="http://schemas.openxmlformats.org/officeDocument/2006/relationships" xmlns:p="http://schemas.openxmlformats.org/presentationml/2006/main" type="titleOnly" preserve="1">
   <p:cSld name="Title Only">
     <p:spTree>
       <p:nvGrpSpPr>
@@ -2231,7 +2561,8 @@
           </a:prstGeom>
         </p:spPr>
         <p:txBody>
-          <a:bodyPr lIns="0" rIns="0" tIns="0" bIns="0" anchor="ctr"/>
+          <a:bodyPr lIns="0" tIns="0" rIns="0" bIns="0" anchor="ctr"/>
+          <a:lstStyle/>
           <a:p>
             <a:pPr algn="ctr"/>
             <a:endParaRPr/>
@@ -2240,11 +2571,14 @@
       </p:sp>
     </p:spTree>
   </p:cSld>
+  <p:clrMapOvr>
+    <a:masterClrMapping/>
+  </p:clrMapOvr>
 </p:sldLayout>
 </file>
 
 <file path=ppt/slideLayouts/slideLayout3.xml><?xml version="1.0" encoding="utf-8"?>
-<p:sldLayout xmlns:a="http://schemas.openxmlformats.org/drawingml/2006/main" xmlns:p="http://schemas.openxmlformats.org/presentationml/2006/main" xmlns:r="http://schemas.openxmlformats.org/officeDocument/2006/relationships" type="obj" preserve="1">
+<p:sldLayout xmlns:a="http://schemas.openxmlformats.org/drawingml/2006/main" xmlns:r="http://schemas.openxmlformats.org/officeDocument/2006/relationships" xmlns:p="http://schemas.openxmlformats.org/presentationml/2006/main" type="obj" preserve="1">
   <p:cSld name="Title, Content">
     <p:spTree>
       <p:nvGrpSpPr>
@@ -2280,7 +2614,8 @@
           </a:prstGeom>
         </p:spPr>
         <p:txBody>
-          <a:bodyPr lIns="0" rIns="0" tIns="0" bIns="0" anchor="ctr"/>
+          <a:bodyPr lIns="0" tIns="0" rIns="0" bIns="0" anchor="ctr"/>
+          <a:lstStyle/>
           <a:p>
             <a:pPr algn="ctr"/>
             <a:endParaRPr/>
@@ -2307,7 +2642,8 @@
           </a:prstGeom>
         </p:spPr>
         <p:txBody>
-          <a:bodyPr lIns="0" rIns="0" tIns="0" bIns="0"/>
+          <a:bodyPr lIns="0" tIns="0" rIns="0" bIns="0"/>
+          <a:lstStyle/>
           <a:p>
             <a:endParaRPr/>
           </a:p>
@@ -2315,11 +2651,14 @@
       </p:sp>
     </p:spTree>
   </p:cSld>
+  <p:clrMapOvr>
+    <a:masterClrMapping/>
+  </p:clrMapOvr>
 </p:sldLayout>
 </file>
 
 <file path=ppt/slideLayouts/slideLayout30.xml><?xml version="1.0" encoding="utf-8"?>
-<p:sldLayout xmlns:a="http://schemas.openxmlformats.org/drawingml/2006/main" xmlns:p="http://schemas.openxmlformats.org/presentationml/2006/main" xmlns:r="http://schemas.openxmlformats.org/officeDocument/2006/relationships" type="objOnly" preserve="1">
+<p:sldLayout xmlns:a="http://schemas.openxmlformats.org/drawingml/2006/main" xmlns:r="http://schemas.openxmlformats.org/officeDocument/2006/relationships" xmlns:p="http://schemas.openxmlformats.org/presentationml/2006/main" type="objOnly" preserve="1">
   <p:cSld name="Centered Text">
     <p:spTree>
       <p:nvGrpSpPr>
@@ -2355,7 +2694,8 @@
           </a:prstGeom>
         </p:spPr>
         <p:txBody>
-          <a:bodyPr lIns="0" rIns="0" tIns="0" bIns="0" anchor="ctr"/>
+          <a:bodyPr lIns="0" tIns="0" rIns="0" bIns="0" anchor="ctr"/>
+          <a:lstStyle/>
           <a:p>
             <a:pPr algn="ctr"/>
             <a:endParaRPr/>
@@ -2364,11 +2704,14 @@
       </p:sp>
     </p:spTree>
   </p:cSld>
+  <p:clrMapOvr>
+    <a:masterClrMapping/>
+  </p:clrMapOvr>
 </p:sldLayout>
 </file>
 
 <file path=ppt/slideLayouts/slideLayout31.xml><?xml version="1.0" encoding="utf-8"?>
-<p:sldLayout xmlns:a="http://schemas.openxmlformats.org/drawingml/2006/main" xmlns:p="http://schemas.openxmlformats.org/presentationml/2006/main" xmlns:r="http://schemas.openxmlformats.org/officeDocument/2006/relationships" type="twoObjAndObj" preserve="1">
+<p:sldLayout xmlns:a="http://schemas.openxmlformats.org/drawingml/2006/main" xmlns:r="http://schemas.openxmlformats.org/officeDocument/2006/relationships" xmlns:p="http://schemas.openxmlformats.org/presentationml/2006/main" type="twoObjAndObj" preserve="1">
   <p:cSld name="Title, 2 Content and Content">
     <p:spTree>
       <p:nvGrpSpPr>
@@ -2404,7 +2747,8 @@
           </a:prstGeom>
         </p:spPr>
         <p:txBody>
-          <a:bodyPr lIns="0" rIns="0" tIns="0" bIns="0" anchor="ctr"/>
+          <a:bodyPr lIns="0" tIns="0" rIns="0" bIns="0" anchor="ctr"/>
+          <a:lstStyle/>
           <a:p>
             <a:pPr algn="ctr"/>
             <a:endParaRPr/>
@@ -2431,7 +2775,8 @@
           </a:prstGeom>
         </p:spPr>
         <p:txBody>
-          <a:bodyPr lIns="0" rIns="0" tIns="0" bIns="0"/>
+          <a:bodyPr lIns="0" tIns="0" rIns="0" bIns="0"/>
+          <a:lstStyle/>
           <a:p>
             <a:endParaRPr/>
           </a:p>
@@ -2457,7 +2802,8 @@
           </a:prstGeom>
         </p:spPr>
         <p:txBody>
-          <a:bodyPr lIns="0" rIns="0" tIns="0" bIns="0"/>
+          <a:bodyPr lIns="0" tIns="0" rIns="0" bIns="0"/>
+          <a:lstStyle/>
           <a:p>
             <a:endParaRPr/>
           </a:p>
@@ -2483,7 +2829,8 @@
           </a:prstGeom>
         </p:spPr>
         <p:txBody>
-          <a:bodyPr lIns="0" rIns="0" tIns="0" bIns="0"/>
+          <a:bodyPr lIns="0" tIns="0" rIns="0" bIns="0"/>
+          <a:lstStyle/>
           <a:p>
             <a:endParaRPr/>
           </a:p>
@@ -2491,11 +2838,14 @@
       </p:sp>
     </p:spTree>
   </p:cSld>
+  <p:clrMapOvr>
+    <a:masterClrMapping/>
+  </p:clrMapOvr>
 </p:sldLayout>
 </file>
 
 <file path=ppt/slideLayouts/slideLayout32.xml><?xml version="1.0" encoding="utf-8"?>
-<p:sldLayout xmlns:a="http://schemas.openxmlformats.org/drawingml/2006/main" xmlns:p="http://schemas.openxmlformats.org/presentationml/2006/main" xmlns:r="http://schemas.openxmlformats.org/officeDocument/2006/relationships" type="objAndTwoObj" preserve="1">
+<p:sldLayout xmlns:a="http://schemas.openxmlformats.org/drawingml/2006/main" xmlns:r="http://schemas.openxmlformats.org/officeDocument/2006/relationships" xmlns:p="http://schemas.openxmlformats.org/presentationml/2006/main" type="objAndTwoObj" preserve="1">
   <p:cSld name="Title Content and 2 Content">
     <p:spTree>
       <p:nvGrpSpPr>
@@ -2531,7 +2881,8 @@
           </a:prstGeom>
         </p:spPr>
         <p:txBody>
-          <a:bodyPr lIns="0" rIns="0" tIns="0" bIns="0" anchor="ctr"/>
+          <a:bodyPr lIns="0" tIns="0" rIns="0" bIns="0" anchor="ctr"/>
+          <a:lstStyle/>
           <a:p>
             <a:pPr algn="ctr"/>
             <a:endParaRPr/>
@@ -2558,7 +2909,8 @@
           </a:prstGeom>
         </p:spPr>
         <p:txBody>
-          <a:bodyPr lIns="0" rIns="0" tIns="0" bIns="0"/>
+          <a:bodyPr lIns="0" tIns="0" rIns="0" bIns="0"/>
+          <a:lstStyle/>
           <a:p>
             <a:endParaRPr/>
           </a:p>
@@ -2584,7 +2936,8 @@
           </a:prstGeom>
         </p:spPr>
         <p:txBody>
-          <a:bodyPr lIns="0" rIns="0" tIns="0" bIns="0"/>
+          <a:bodyPr lIns="0" tIns="0" rIns="0" bIns="0"/>
+          <a:lstStyle/>
           <a:p>
             <a:endParaRPr/>
           </a:p>
@@ -2610,7 +2963,8 @@
           </a:prstGeom>
         </p:spPr>
         <p:txBody>
-          <a:bodyPr lIns="0" rIns="0" tIns="0" bIns="0"/>
+          <a:bodyPr lIns="0" tIns="0" rIns="0" bIns="0"/>
+          <a:lstStyle/>
           <a:p>
             <a:endParaRPr/>
           </a:p>
@@ -2618,11 +2972,14 @@
       </p:sp>
     </p:spTree>
   </p:cSld>
+  <p:clrMapOvr>
+    <a:masterClrMapping/>
+  </p:clrMapOvr>
 </p:sldLayout>
 </file>
 
 <file path=ppt/slideLayouts/slideLayout33.xml><?xml version="1.0" encoding="utf-8"?>
-<p:sldLayout xmlns:a="http://schemas.openxmlformats.org/drawingml/2006/main" xmlns:p="http://schemas.openxmlformats.org/presentationml/2006/main" xmlns:r="http://schemas.openxmlformats.org/officeDocument/2006/relationships" type="twoObjOverTx" preserve="1">
+<p:sldLayout xmlns:a="http://schemas.openxmlformats.org/drawingml/2006/main" xmlns:r="http://schemas.openxmlformats.org/officeDocument/2006/relationships" xmlns:p="http://schemas.openxmlformats.org/presentationml/2006/main" type="twoObjOverTx" preserve="1">
   <p:cSld name="Title, 2 Content over Content">
     <p:spTree>
       <p:nvGrpSpPr>
@@ -2658,7 +3015,8 @@
           </a:prstGeom>
         </p:spPr>
         <p:txBody>
-          <a:bodyPr lIns="0" rIns="0" tIns="0" bIns="0" anchor="ctr"/>
+          <a:bodyPr lIns="0" tIns="0" rIns="0" bIns="0" anchor="ctr"/>
+          <a:lstStyle/>
           <a:p>
             <a:pPr algn="ctr"/>
             <a:endParaRPr/>
@@ -2685,7 +3043,8 @@
           </a:prstGeom>
         </p:spPr>
         <p:txBody>
-          <a:bodyPr lIns="0" rIns="0" tIns="0" bIns="0"/>
+          <a:bodyPr lIns="0" tIns="0" rIns="0" bIns="0"/>
+          <a:lstStyle/>
           <a:p>
             <a:endParaRPr/>
           </a:p>
@@ -2711,7 +3070,8 @@
           </a:prstGeom>
         </p:spPr>
         <p:txBody>
-          <a:bodyPr lIns="0" rIns="0" tIns="0" bIns="0"/>
+          <a:bodyPr lIns="0" tIns="0" rIns="0" bIns="0"/>
+          <a:lstStyle/>
           <a:p>
             <a:endParaRPr/>
           </a:p>
@@ -2737,7 +3097,8 @@
           </a:prstGeom>
         </p:spPr>
         <p:txBody>
-          <a:bodyPr lIns="0" rIns="0" tIns="0" bIns="0"/>
+          <a:bodyPr lIns="0" tIns="0" rIns="0" bIns="0"/>
+          <a:lstStyle/>
           <a:p>
             <a:endParaRPr/>
           </a:p>
@@ -2745,11 +3106,14 @@
       </p:sp>
     </p:spTree>
   </p:cSld>
+  <p:clrMapOvr>
+    <a:masterClrMapping/>
+  </p:clrMapOvr>
 </p:sldLayout>
 </file>
 
 <file path=ppt/slideLayouts/slideLayout34.xml><?xml version="1.0" encoding="utf-8"?>
-<p:sldLayout xmlns:a="http://schemas.openxmlformats.org/drawingml/2006/main" xmlns:p="http://schemas.openxmlformats.org/presentationml/2006/main" xmlns:r="http://schemas.openxmlformats.org/officeDocument/2006/relationships" type="objOverTx" preserve="1">
+<p:sldLayout xmlns:a="http://schemas.openxmlformats.org/drawingml/2006/main" xmlns:r="http://schemas.openxmlformats.org/officeDocument/2006/relationships" xmlns:p="http://schemas.openxmlformats.org/presentationml/2006/main" type="objOverTx" preserve="1">
   <p:cSld name="Title, Content over Content">
     <p:spTree>
       <p:nvGrpSpPr>
@@ -2785,7 +3149,8 @@
           </a:prstGeom>
         </p:spPr>
         <p:txBody>
-          <a:bodyPr lIns="0" rIns="0" tIns="0" bIns="0" anchor="ctr"/>
+          <a:bodyPr lIns="0" tIns="0" rIns="0" bIns="0" anchor="ctr"/>
+          <a:lstStyle/>
           <a:p>
             <a:pPr algn="ctr"/>
             <a:endParaRPr/>
@@ -2812,7 +3177,8 @@
           </a:prstGeom>
         </p:spPr>
         <p:txBody>
-          <a:bodyPr lIns="0" rIns="0" tIns="0" bIns="0"/>
+          <a:bodyPr lIns="0" tIns="0" rIns="0" bIns="0"/>
+          <a:lstStyle/>
           <a:p>
             <a:endParaRPr/>
           </a:p>
@@ -2838,7 +3204,8 @@
           </a:prstGeom>
         </p:spPr>
         <p:txBody>
-          <a:bodyPr lIns="0" rIns="0" tIns="0" bIns="0"/>
+          <a:bodyPr lIns="0" tIns="0" rIns="0" bIns="0"/>
+          <a:lstStyle/>
           <a:p>
             <a:endParaRPr/>
           </a:p>
@@ -2846,11 +3213,14 @@
       </p:sp>
     </p:spTree>
   </p:cSld>
+  <p:clrMapOvr>
+    <a:masterClrMapping/>
+  </p:clrMapOvr>
 </p:sldLayout>
 </file>
 
 <file path=ppt/slideLayouts/slideLayout35.xml><?xml version="1.0" encoding="utf-8"?>
-<p:sldLayout xmlns:a="http://schemas.openxmlformats.org/drawingml/2006/main" xmlns:p="http://schemas.openxmlformats.org/presentationml/2006/main" xmlns:r="http://schemas.openxmlformats.org/officeDocument/2006/relationships" type="fourObj" preserve="1">
+<p:sldLayout xmlns:a="http://schemas.openxmlformats.org/drawingml/2006/main" xmlns:r="http://schemas.openxmlformats.org/officeDocument/2006/relationships" xmlns:p="http://schemas.openxmlformats.org/presentationml/2006/main" type="fourObj" preserve="1">
   <p:cSld name="Title, 4 Content">
     <p:spTree>
       <p:nvGrpSpPr>
@@ -2886,7 +3256,8 @@
           </a:prstGeom>
         </p:spPr>
         <p:txBody>
-          <a:bodyPr lIns="0" rIns="0" tIns="0" bIns="0" anchor="ctr"/>
+          <a:bodyPr lIns="0" tIns="0" rIns="0" bIns="0" anchor="ctr"/>
+          <a:lstStyle/>
           <a:p>
             <a:pPr algn="ctr"/>
             <a:endParaRPr/>
@@ -2913,7 +3284,8 @@
           </a:prstGeom>
         </p:spPr>
         <p:txBody>
-          <a:bodyPr lIns="0" rIns="0" tIns="0" bIns="0"/>
+          <a:bodyPr lIns="0" tIns="0" rIns="0" bIns="0"/>
+          <a:lstStyle/>
           <a:p>
             <a:endParaRPr/>
           </a:p>
@@ -2939,7 +3311,8 @@
           </a:prstGeom>
         </p:spPr>
         <p:txBody>
-          <a:bodyPr lIns="0" rIns="0" tIns="0" bIns="0"/>
+          <a:bodyPr lIns="0" tIns="0" rIns="0" bIns="0"/>
+          <a:lstStyle/>
           <a:p>
             <a:endParaRPr/>
           </a:p>
@@ -2965,7 +3338,8 @@
           </a:prstGeom>
         </p:spPr>
         <p:txBody>
-          <a:bodyPr lIns="0" rIns="0" tIns="0" bIns="0"/>
+          <a:bodyPr lIns="0" tIns="0" rIns="0" bIns="0"/>
+          <a:lstStyle/>
           <a:p>
             <a:endParaRPr/>
           </a:p>
@@ -2991,7 +3365,8 @@
           </a:prstGeom>
         </p:spPr>
         <p:txBody>
-          <a:bodyPr lIns="0" rIns="0" tIns="0" bIns="0"/>
+          <a:bodyPr lIns="0" tIns="0" rIns="0" bIns="0"/>
+          <a:lstStyle/>
           <a:p>
             <a:endParaRPr/>
           </a:p>
@@ -2999,11 +3374,14 @@
       </p:sp>
     </p:spTree>
   </p:cSld>
+  <p:clrMapOvr>
+    <a:masterClrMapping/>
+  </p:clrMapOvr>
 </p:sldLayout>
 </file>
 
 <file path=ppt/slideLayouts/slideLayout36.xml><?xml version="1.0" encoding="utf-8"?>
-<p:sldLayout xmlns:a="http://schemas.openxmlformats.org/drawingml/2006/main" xmlns:p="http://schemas.openxmlformats.org/presentationml/2006/main" xmlns:r="http://schemas.openxmlformats.org/officeDocument/2006/relationships" type="blank" preserve="1">
+<p:sldLayout xmlns:a="http://schemas.openxmlformats.org/drawingml/2006/main" xmlns:r="http://schemas.openxmlformats.org/officeDocument/2006/relationships" xmlns:p="http://schemas.openxmlformats.org/presentationml/2006/main" type="blank" preserve="1">
   <p:cSld name="Title, 6 Content">
     <p:spTree>
       <p:nvGrpSpPr>
@@ -3039,7 +3417,8 @@
           </a:prstGeom>
         </p:spPr>
         <p:txBody>
-          <a:bodyPr lIns="0" rIns="0" tIns="0" bIns="0" anchor="ctr"/>
+          <a:bodyPr lIns="0" tIns="0" rIns="0" bIns="0" anchor="ctr"/>
+          <a:lstStyle/>
           <a:p>
             <a:pPr algn="ctr"/>
             <a:endParaRPr/>
@@ -3066,7 +3445,8 @@
           </a:prstGeom>
         </p:spPr>
         <p:txBody>
-          <a:bodyPr lIns="0" rIns="0" tIns="0" bIns="0"/>
+          <a:bodyPr lIns="0" tIns="0" rIns="0" bIns="0"/>
+          <a:lstStyle/>
           <a:p>
             <a:endParaRPr/>
           </a:p>
@@ -3092,7 +3472,8 @@
           </a:prstGeom>
         </p:spPr>
         <p:txBody>
-          <a:bodyPr lIns="0" rIns="0" tIns="0" bIns="0"/>
+          <a:bodyPr lIns="0" tIns="0" rIns="0" bIns="0"/>
+          <a:lstStyle/>
           <a:p>
             <a:endParaRPr/>
           </a:p>
@@ -3100,7 +3481,7 @@
       </p:sp>
       <p:pic>
         <p:nvPicPr>
-          <p:cNvPr id="143" name="" descr=""/>
+          <p:cNvPr id="143" name="Picture 142"/>
           <p:cNvPicPr/>
           <p:nvPr/>
         </p:nvPicPr>
@@ -3125,12 +3506,12 @@
       </p:pic>
       <p:pic>
         <p:nvPicPr>
-          <p:cNvPr id="144" name="" descr=""/>
+          <p:cNvPr id="144" name="Picture 143"/>
           <p:cNvPicPr/>
           <p:nvPr/>
         </p:nvPicPr>
         <p:blipFill>
-          <a:blip r:embed="rId3"/>
+          <a:blip r:embed="rId2"/>
           <a:stretch>
             <a:fillRect/>
           </a:stretch>
@@ -3150,11 +3531,14 @@
       </p:pic>
     </p:spTree>
   </p:cSld>
+  <p:clrMapOvr>
+    <a:masterClrMapping/>
+  </p:clrMapOvr>
 </p:sldLayout>
 </file>
 
 <file path=ppt/slideLayouts/slideLayout4.xml><?xml version="1.0" encoding="utf-8"?>
-<p:sldLayout xmlns:a="http://schemas.openxmlformats.org/drawingml/2006/main" xmlns:p="http://schemas.openxmlformats.org/presentationml/2006/main" xmlns:r="http://schemas.openxmlformats.org/officeDocument/2006/relationships" type="twoObj" preserve="1">
+<p:sldLayout xmlns:a="http://schemas.openxmlformats.org/drawingml/2006/main" xmlns:r="http://schemas.openxmlformats.org/officeDocument/2006/relationships" xmlns:p="http://schemas.openxmlformats.org/presentationml/2006/main" type="twoObj" preserve="1">
   <p:cSld name="Title, 2 Content">
     <p:spTree>
       <p:nvGrpSpPr>
@@ -3190,7 +3574,8 @@
           </a:prstGeom>
         </p:spPr>
         <p:txBody>
-          <a:bodyPr lIns="0" rIns="0" tIns="0" bIns="0" anchor="ctr"/>
+          <a:bodyPr lIns="0" tIns="0" rIns="0" bIns="0" anchor="ctr"/>
+          <a:lstStyle/>
           <a:p>
             <a:pPr algn="ctr"/>
             <a:endParaRPr/>
@@ -3217,7 +3602,8 @@
           </a:prstGeom>
         </p:spPr>
         <p:txBody>
-          <a:bodyPr lIns="0" rIns="0" tIns="0" bIns="0"/>
+          <a:bodyPr lIns="0" tIns="0" rIns="0" bIns="0"/>
+          <a:lstStyle/>
           <a:p>
             <a:endParaRPr/>
           </a:p>
@@ -3243,7 +3629,8 @@
           </a:prstGeom>
         </p:spPr>
         <p:txBody>
-          <a:bodyPr lIns="0" rIns="0" tIns="0" bIns="0"/>
+          <a:bodyPr lIns="0" tIns="0" rIns="0" bIns="0"/>
+          <a:lstStyle/>
           <a:p>
             <a:endParaRPr/>
           </a:p>
@@ -3251,11 +3638,14 @@
       </p:sp>
     </p:spTree>
   </p:cSld>
+  <p:clrMapOvr>
+    <a:masterClrMapping/>
+  </p:clrMapOvr>
 </p:sldLayout>
 </file>
 
 <file path=ppt/slideLayouts/slideLayout5.xml><?xml version="1.0" encoding="utf-8"?>
-<p:sldLayout xmlns:a="http://schemas.openxmlformats.org/drawingml/2006/main" xmlns:p="http://schemas.openxmlformats.org/presentationml/2006/main" xmlns:r="http://schemas.openxmlformats.org/officeDocument/2006/relationships" type="titleOnly" preserve="1">
+<p:sldLayout xmlns:a="http://schemas.openxmlformats.org/drawingml/2006/main" xmlns:r="http://schemas.openxmlformats.org/officeDocument/2006/relationships" xmlns:p="http://schemas.openxmlformats.org/presentationml/2006/main" type="titleOnly" preserve="1">
   <p:cSld name="Title Only">
     <p:spTree>
       <p:nvGrpSpPr>
@@ -3291,7 +3681,8 @@
           </a:prstGeom>
         </p:spPr>
         <p:txBody>
-          <a:bodyPr lIns="0" rIns="0" tIns="0" bIns="0" anchor="ctr"/>
+          <a:bodyPr lIns="0" tIns="0" rIns="0" bIns="0" anchor="ctr"/>
+          <a:lstStyle/>
           <a:p>
             <a:pPr algn="ctr"/>
             <a:endParaRPr/>
@@ -3300,11 +3691,14 @@
       </p:sp>
     </p:spTree>
   </p:cSld>
+  <p:clrMapOvr>
+    <a:masterClrMapping/>
+  </p:clrMapOvr>
 </p:sldLayout>
 </file>
 
 <file path=ppt/slideLayouts/slideLayout6.xml><?xml version="1.0" encoding="utf-8"?>
-<p:sldLayout xmlns:a="http://schemas.openxmlformats.org/drawingml/2006/main" xmlns:p="http://schemas.openxmlformats.org/presentationml/2006/main" xmlns:r="http://schemas.openxmlformats.org/officeDocument/2006/relationships" type="objOnly" preserve="1">
+<p:sldLayout xmlns:a="http://schemas.openxmlformats.org/drawingml/2006/main" xmlns:r="http://schemas.openxmlformats.org/officeDocument/2006/relationships" xmlns:p="http://schemas.openxmlformats.org/presentationml/2006/main" type="objOnly" preserve="1">
   <p:cSld name="Centered Text">
     <p:spTree>
       <p:nvGrpSpPr>
@@ -3340,7 +3734,8 @@
           </a:prstGeom>
         </p:spPr>
         <p:txBody>
-          <a:bodyPr lIns="0" rIns="0" tIns="0" bIns="0" anchor="ctr"/>
+          <a:bodyPr lIns="0" tIns="0" rIns="0" bIns="0" anchor="ctr"/>
+          <a:lstStyle/>
           <a:p>
             <a:pPr algn="ctr"/>
             <a:endParaRPr/>
@@ -3349,11 +3744,14 @@
       </p:sp>
     </p:spTree>
   </p:cSld>
+  <p:clrMapOvr>
+    <a:masterClrMapping/>
+  </p:clrMapOvr>
 </p:sldLayout>
 </file>
 
 <file path=ppt/slideLayouts/slideLayout7.xml><?xml version="1.0" encoding="utf-8"?>
-<p:sldLayout xmlns:a="http://schemas.openxmlformats.org/drawingml/2006/main" xmlns:p="http://schemas.openxmlformats.org/presentationml/2006/main" xmlns:r="http://schemas.openxmlformats.org/officeDocument/2006/relationships" type="twoObjAndObj" preserve="1">
+<p:sldLayout xmlns:a="http://schemas.openxmlformats.org/drawingml/2006/main" xmlns:r="http://schemas.openxmlformats.org/officeDocument/2006/relationships" xmlns:p="http://schemas.openxmlformats.org/presentationml/2006/main" type="twoObjAndObj" preserve="1">
   <p:cSld name="Title, 2 Content and Content">
     <p:spTree>
       <p:nvGrpSpPr>
@@ -3389,7 +3787,8 @@
           </a:prstGeom>
         </p:spPr>
         <p:txBody>
-          <a:bodyPr lIns="0" rIns="0" tIns="0" bIns="0" anchor="ctr"/>
+          <a:bodyPr lIns="0" tIns="0" rIns="0" bIns="0" anchor="ctr"/>
+          <a:lstStyle/>
           <a:p>
             <a:pPr algn="ctr"/>
             <a:endParaRPr/>
@@ -3416,7 +3815,8 @@
           </a:prstGeom>
         </p:spPr>
         <p:txBody>
-          <a:bodyPr lIns="0" rIns="0" tIns="0" bIns="0"/>
+          <a:bodyPr lIns="0" tIns="0" rIns="0" bIns="0"/>
+          <a:lstStyle/>
           <a:p>
             <a:endParaRPr/>
           </a:p>
@@ -3442,7 +3842,8 @@
           </a:prstGeom>
         </p:spPr>
         <p:txBody>
-          <a:bodyPr lIns="0" rIns="0" tIns="0" bIns="0"/>
+          <a:bodyPr lIns="0" tIns="0" rIns="0" bIns="0"/>
+          <a:lstStyle/>
           <a:p>
             <a:endParaRPr/>
           </a:p>
@@ -3468,7 +3869,8 @@
           </a:prstGeom>
         </p:spPr>
         <p:txBody>
-          <a:bodyPr lIns="0" rIns="0" tIns="0" bIns="0"/>
+          <a:bodyPr lIns="0" tIns="0" rIns="0" bIns="0"/>
+          <a:lstStyle/>
           <a:p>
             <a:endParaRPr/>
           </a:p>
@@ -3476,11 +3878,14 @@
       </p:sp>
     </p:spTree>
   </p:cSld>
+  <p:clrMapOvr>
+    <a:masterClrMapping/>
+  </p:clrMapOvr>
 </p:sldLayout>
 </file>
 
 <file path=ppt/slideLayouts/slideLayout8.xml><?xml version="1.0" encoding="utf-8"?>
-<p:sldLayout xmlns:a="http://schemas.openxmlformats.org/drawingml/2006/main" xmlns:p="http://schemas.openxmlformats.org/presentationml/2006/main" xmlns:r="http://schemas.openxmlformats.org/officeDocument/2006/relationships" type="objAndTwoObj" preserve="1">
+<p:sldLayout xmlns:a="http://schemas.openxmlformats.org/drawingml/2006/main" xmlns:r="http://schemas.openxmlformats.org/officeDocument/2006/relationships" xmlns:p="http://schemas.openxmlformats.org/presentationml/2006/main" type="objAndTwoObj" preserve="1">
   <p:cSld name="Title Content and 2 Content">
     <p:spTree>
       <p:nvGrpSpPr>
@@ -3516,7 +3921,8 @@
           </a:prstGeom>
         </p:spPr>
         <p:txBody>
-          <a:bodyPr lIns="0" rIns="0" tIns="0" bIns="0" anchor="ctr"/>
+          <a:bodyPr lIns="0" tIns="0" rIns="0" bIns="0" anchor="ctr"/>
+          <a:lstStyle/>
           <a:p>
             <a:pPr algn="ctr"/>
             <a:endParaRPr/>
@@ -3543,7 +3949,8 @@
           </a:prstGeom>
         </p:spPr>
         <p:txBody>
-          <a:bodyPr lIns="0" rIns="0" tIns="0" bIns="0"/>
+          <a:bodyPr lIns="0" tIns="0" rIns="0" bIns="0"/>
+          <a:lstStyle/>
           <a:p>
             <a:endParaRPr/>
           </a:p>
@@ -3569,7 +3976,8 @@
           </a:prstGeom>
         </p:spPr>
         <p:txBody>
-          <a:bodyPr lIns="0" rIns="0" tIns="0" bIns="0"/>
+          <a:bodyPr lIns="0" tIns="0" rIns="0" bIns="0"/>
+          <a:lstStyle/>
           <a:p>
             <a:endParaRPr/>
           </a:p>
@@ -3595,7 +4003,8 @@
           </a:prstGeom>
         </p:spPr>
         <p:txBody>
-          <a:bodyPr lIns="0" rIns="0" tIns="0" bIns="0"/>
+          <a:bodyPr lIns="0" tIns="0" rIns="0" bIns="0"/>
+          <a:lstStyle/>
           <a:p>
             <a:endParaRPr/>
           </a:p>
@@ -3603,11 +4012,14 @@
       </p:sp>
     </p:spTree>
   </p:cSld>
+  <p:clrMapOvr>
+    <a:masterClrMapping/>
+  </p:clrMapOvr>
 </p:sldLayout>
 </file>
 
 <file path=ppt/slideLayouts/slideLayout9.xml><?xml version="1.0" encoding="utf-8"?>
-<p:sldLayout xmlns:a="http://schemas.openxmlformats.org/drawingml/2006/main" xmlns:p="http://schemas.openxmlformats.org/presentationml/2006/main" xmlns:r="http://schemas.openxmlformats.org/officeDocument/2006/relationships" type="twoObjOverTx" preserve="1">
+<p:sldLayout xmlns:a="http://schemas.openxmlformats.org/drawingml/2006/main" xmlns:r="http://schemas.openxmlformats.org/officeDocument/2006/relationships" xmlns:p="http://schemas.openxmlformats.org/presentationml/2006/main" type="twoObjOverTx" preserve="1">
   <p:cSld name="Title, 2 Content over Content">
     <p:spTree>
       <p:nvGrpSpPr>
@@ -3643,7 +4055,8 @@
           </a:prstGeom>
         </p:spPr>
         <p:txBody>
-          <a:bodyPr lIns="0" rIns="0" tIns="0" bIns="0" anchor="ctr"/>
+          <a:bodyPr lIns="0" tIns="0" rIns="0" bIns="0" anchor="ctr"/>
+          <a:lstStyle/>
           <a:p>
             <a:pPr algn="ctr"/>
             <a:endParaRPr/>
@@ -3670,7 +4083,8 @@
           </a:prstGeom>
         </p:spPr>
         <p:txBody>
-          <a:bodyPr lIns="0" rIns="0" tIns="0" bIns="0"/>
+          <a:bodyPr lIns="0" tIns="0" rIns="0" bIns="0"/>
+          <a:lstStyle/>
           <a:p>
             <a:endParaRPr/>
           </a:p>
@@ -3696,7 +4110,8 @@
           </a:prstGeom>
         </p:spPr>
         <p:txBody>
-          <a:bodyPr lIns="0" rIns="0" tIns="0" bIns="0"/>
+          <a:bodyPr lIns="0" tIns="0" rIns="0" bIns="0"/>
+          <a:lstStyle/>
           <a:p>
             <a:endParaRPr/>
           </a:p>
@@ -3722,7 +4137,8 @@
           </a:prstGeom>
         </p:spPr>
         <p:txBody>
-          <a:bodyPr lIns="0" rIns="0" tIns="0" bIns="0"/>
+          <a:bodyPr lIns="0" tIns="0" rIns="0" bIns="0"/>
+          <a:lstStyle/>
           <a:p>
             <a:endParaRPr/>
           </a:p>
@@ -3730,17 +4146,21 @@
       </p:sp>
     </p:spTree>
   </p:cSld>
+  <p:clrMapOvr>
+    <a:masterClrMapping/>
+  </p:clrMapOvr>
 </p:sldLayout>
 </file>
 
 <file path=ppt/slideMasters/slideMaster1.xml><?xml version="1.0" encoding="utf-8"?>
-<p:sldMaster xmlns:a="http://schemas.openxmlformats.org/drawingml/2006/main" xmlns:p="http://schemas.openxmlformats.org/presentationml/2006/main" xmlns:r="http://schemas.openxmlformats.org/officeDocument/2006/relationships">
+<p:sldMaster xmlns:a="http://schemas.openxmlformats.org/drawingml/2006/main" xmlns:r="http://schemas.openxmlformats.org/officeDocument/2006/relationships" xmlns:p="http://schemas.openxmlformats.org/presentationml/2006/main">
   <p:cSld>
     <p:bg>
       <p:bgPr>
         <a:solidFill>
-          <a:srgbClr val="ffffff"/>
+          <a:srgbClr val="FFFFFF"/>
         </a:solidFill>
+        <a:effectLst/>
       </p:bgPr>
     </p:bg>
     <p:spTree>
@@ -3759,12 +4179,12 @@
       </p:grpSpPr>
       <p:pic>
         <p:nvPicPr>
-          <p:cNvPr id="0" name="Grafik 20" descr=""/>
+          <p:cNvPr id="21" name="Grafik 20"/>
           <p:cNvPicPr/>
           <p:nvPr/>
         </p:nvPicPr>
         <p:blipFill>
-          <a:blip r:embed="rId2"/>
+          <a:blip r:embed="rId14"/>
           <a:stretch>
             <a:fillRect/>
           </a:stretch>
@@ -3784,7 +4204,7 @@
       </p:pic>
       <p:sp>
         <p:nvSpPr>
-          <p:cNvPr id="1" name="Line 1"/>
+          <p:cNvPr id="22" name="Line 1"/>
           <p:cNvSpPr/>
           <p:nvPr/>
         </p:nvSpPr>
@@ -3798,7 +4218,7 @@
           </a:prstGeom>
           <a:ln w="6480">
             <a:solidFill>
-              <a:srgbClr val="00335b"/>
+              <a:srgbClr val="00335B"/>
             </a:solidFill>
             <a:round/>
           </a:ln>
@@ -3820,7 +4240,7 @@
           </a:prstGeom>
           <a:ln w="6480">
             <a:solidFill>
-              <a:srgbClr val="00335b"/>
+              <a:srgbClr val="00335B"/>
             </a:solidFill>
             <a:round/>
           </a:ln>
@@ -3842,7 +4262,7 @@
           </a:prstGeom>
           <a:ln w="6480">
             <a:solidFill>
-              <a:srgbClr val="00335b"/>
+              <a:srgbClr val="00335B"/>
             </a:solidFill>
             <a:round/>
           </a:ln>
@@ -3864,7 +4284,7 @@
           </a:prstGeom>
           <a:ln w="6480">
             <a:solidFill>
-              <a:srgbClr val="00335b"/>
+              <a:srgbClr val="00335B"/>
             </a:solidFill>
             <a:round/>
           </a:ln>
@@ -3886,7 +4306,7 @@
           </a:prstGeom>
           <a:ln w="6480">
             <a:solidFill>
-              <a:srgbClr val="ffffff"/>
+              <a:srgbClr val="FFFFFF"/>
             </a:solidFill>
             <a:round/>
           </a:ln>
@@ -3908,7 +4328,7 @@
           </a:prstGeom>
           <a:ln w="6480">
             <a:solidFill>
-              <a:srgbClr val="ffffff"/>
+              <a:srgbClr val="FFFFFF"/>
             </a:solidFill>
             <a:round/>
           </a:ln>
@@ -3916,12 +4336,12 @@
       </p:sp>
       <p:pic>
         <p:nvPicPr>
-          <p:cNvPr id="7" name="Picture 1034" descr=""/>
+          <p:cNvPr id="7" name="Picture 1034"/>
           <p:cNvPicPr/>
           <p:nvPr/>
         </p:nvPicPr>
         <p:blipFill>
-          <a:blip r:embed="rId3"/>
+          <a:blip r:embed="rId15"/>
           <a:stretch>
             <a:fillRect/>
           </a:stretch>
@@ -3941,12 +4361,12 @@
       </p:pic>
       <p:pic>
         <p:nvPicPr>
-          <p:cNvPr id="8" name="Picture 16" descr=""/>
+          <p:cNvPr id="8" name="Picture 16"/>
           <p:cNvPicPr/>
           <p:nvPr/>
         </p:nvPicPr>
         <p:blipFill>
-          <a:blip r:embed="rId4"/>
+          <a:blip r:embed="rId16"/>
           <a:stretch>
             <a:fillRect/>
           </a:stretch>
@@ -3966,12 +4386,12 @@
       </p:pic>
       <p:pic>
         <p:nvPicPr>
-          <p:cNvPr id="9" name="Grafik 20" descr=""/>
+          <p:cNvPr id="9" name="Grafik 20"/>
           <p:cNvPicPr/>
           <p:nvPr/>
         </p:nvPicPr>
         <p:blipFill>
-          <a:blip r:embed="rId5"/>
+          <a:blip r:embed="rId14"/>
           <a:stretch>
             <a:fillRect/>
           </a:stretch>
@@ -4005,7 +4425,7 @@
           </a:prstGeom>
           <a:ln w="6480">
             <a:solidFill>
-              <a:srgbClr val="00335b"/>
+              <a:srgbClr val="00335B"/>
             </a:solidFill>
             <a:round/>
           </a:ln>
@@ -4027,7 +4447,7 @@
           </a:prstGeom>
           <a:ln w="6480">
             <a:solidFill>
-              <a:srgbClr val="00335b"/>
+              <a:srgbClr val="00335B"/>
             </a:solidFill>
             <a:round/>
           </a:ln>
@@ -4049,7 +4469,7 @@
           </a:prstGeom>
           <a:ln w="6480">
             <a:solidFill>
-              <a:srgbClr val="00335b"/>
+              <a:srgbClr val="00335B"/>
             </a:solidFill>
             <a:round/>
           </a:ln>
@@ -4071,7 +4491,7 @@
           </a:prstGeom>
           <a:ln w="6480">
             <a:solidFill>
-              <a:srgbClr val="00335b"/>
+              <a:srgbClr val="00335B"/>
             </a:solidFill>
             <a:round/>
           </a:ln>
@@ -4093,7 +4513,7 @@
           </a:prstGeom>
           <a:ln w="6480">
             <a:solidFill>
-              <a:srgbClr val="ffffff"/>
+              <a:srgbClr val="FFFFFF"/>
             </a:solidFill>
             <a:round/>
           </a:ln>
@@ -4115,7 +4535,7 @@
           </a:prstGeom>
           <a:ln w="6480">
             <a:solidFill>
-              <a:srgbClr val="ffffff"/>
+              <a:srgbClr val="FFFFFF"/>
             </a:solidFill>
             <a:round/>
           </a:ln>
@@ -4123,12 +4543,12 @@
       </p:sp>
       <p:pic>
         <p:nvPicPr>
-          <p:cNvPr id="16" name="Grafik 22" descr=""/>
+          <p:cNvPr id="16" name="Grafik 22"/>
           <p:cNvPicPr/>
           <p:nvPr/>
         </p:nvPicPr>
         <p:blipFill>
-          <a:blip r:embed="rId6"/>
+          <a:blip r:embed="rId17"/>
           <a:stretch>
             <a:fillRect/>
           </a:stretch>
@@ -4148,12 +4568,12 @@
       </p:pic>
       <p:pic>
         <p:nvPicPr>
-          <p:cNvPr id="17" name="Picture 20" descr=""/>
+          <p:cNvPr id="17" name="Picture 20"/>
           <p:cNvPicPr/>
           <p:nvPr/>
         </p:nvPicPr>
         <p:blipFill>
-          <a:blip r:embed="rId7"/>
+          <a:blip r:embed="rId15"/>
           <a:stretch>
             <a:fillRect/>
           </a:stretch>
@@ -4173,12 +4593,12 @@
       </p:pic>
       <p:pic>
         <p:nvPicPr>
-          <p:cNvPr id="18" name="Picture 14" descr=""/>
+          <p:cNvPr id="18" name="Picture 14"/>
           <p:cNvPicPr/>
           <p:nvPr/>
         </p:nvPicPr>
         <p:blipFill>
-          <a:blip r:embed="rId8"/>
+          <a:blip r:embed="rId16"/>
           <a:stretch>
             <a:fillRect/>
           </a:stretch>
@@ -4216,7 +4636,8 @@
           </a:prstGeom>
         </p:spPr>
         <p:txBody>
-          <a:bodyPr lIns="0" rIns="0" tIns="0" bIns="0" anchor="ctr"/>
+          <a:bodyPr lIns="0" tIns="0" rIns="0" bIns="0" anchor="ctr"/>
+          <a:lstStyle/>
           <a:p>
             <a:r>
               <a:rPr lang="it-CH">
@@ -4248,7 +4669,8 @@
           </a:prstGeom>
         </p:spPr>
         <p:txBody>
-          <a:bodyPr lIns="0" rIns="0" tIns="0" bIns="0"/>
+          <a:bodyPr lIns="0" tIns="0" rIns="0" bIns="0"/>
+          <a:lstStyle/>
           <a:p>
             <a:pPr>
               <a:buSzPct val="45000"/>
@@ -4351,32 +4773,38 @@
       </p:sp>
     </p:spTree>
   </p:cSld>
-  <p:clrMap bg1="lt1" bg2="lt2" tx1="dk1" tx2="dk2" accent1="accent1" accent2="accent2" accent3="accent3" accent4="accent4" accent5="accent5" accent6="accent6" hlink="hlink" folHlink="folHlink"/>
+  <p:clrMap bg1="lt1" tx1="dk1" bg2="lt2" tx2="dk2" accent1="accent1" accent2="accent2" accent3="accent3" accent4="accent4" accent5="accent5" accent6="accent6" hlink="hlink" folHlink="folHlink"/>
   <p:sldLayoutIdLst>
-    <p:sldLayoutId id="2147483649" r:id="rId9"/>
-    <p:sldLayoutId id="2147483650" r:id="rId10"/>
-    <p:sldLayoutId id="2147483651" r:id="rId11"/>
-    <p:sldLayoutId id="2147483652" r:id="rId12"/>
-    <p:sldLayoutId id="2147483653" r:id="rId13"/>
-    <p:sldLayoutId id="2147483654" r:id="rId14"/>
-    <p:sldLayoutId id="2147483655" r:id="rId15"/>
-    <p:sldLayoutId id="2147483656" r:id="rId16"/>
-    <p:sldLayoutId id="2147483657" r:id="rId17"/>
-    <p:sldLayoutId id="2147483658" r:id="rId18"/>
-    <p:sldLayoutId id="2147483659" r:id="rId19"/>
-    <p:sldLayoutId id="2147483660" r:id="rId20"/>
+    <p:sldLayoutId id="2147483649" r:id="rId1"/>
+    <p:sldLayoutId id="2147483650" r:id="rId2"/>
+    <p:sldLayoutId id="2147483651" r:id="rId3"/>
+    <p:sldLayoutId id="2147483652" r:id="rId4"/>
+    <p:sldLayoutId id="2147483653" r:id="rId5"/>
+    <p:sldLayoutId id="2147483654" r:id="rId6"/>
+    <p:sldLayoutId id="2147483655" r:id="rId7"/>
+    <p:sldLayoutId id="2147483656" r:id="rId8"/>
+    <p:sldLayoutId id="2147483657" r:id="rId9"/>
+    <p:sldLayoutId id="2147483658" r:id="rId10"/>
+    <p:sldLayoutId id="2147483659" r:id="rId11"/>
+    <p:sldLayoutId id="2147483660" r:id="rId12"/>
   </p:sldLayoutIdLst>
+  <p:txStyles>
+    <p:titleStyle/>
+    <p:bodyStyle/>
+    <p:otherStyle/>
+  </p:txStyles>
 </p:sldMaster>
 </file>
 
 <file path=ppt/slideMasters/slideMaster2.xml><?xml version="1.0" encoding="utf-8"?>
-<p:sldMaster xmlns:a="http://schemas.openxmlformats.org/drawingml/2006/main" xmlns:p="http://schemas.openxmlformats.org/presentationml/2006/main" xmlns:r="http://schemas.openxmlformats.org/officeDocument/2006/relationships">
+<p:sldMaster xmlns:a="http://schemas.openxmlformats.org/drawingml/2006/main" xmlns:r="http://schemas.openxmlformats.org/officeDocument/2006/relationships" xmlns:p="http://schemas.openxmlformats.org/presentationml/2006/main">
   <p:cSld>
     <p:bg>
       <p:bgPr>
         <a:solidFill>
-          <a:srgbClr val="ffffff"/>
+          <a:srgbClr val="FFFFFF"/>
         </a:solidFill>
+        <a:effectLst/>
       </p:bgPr>
     </p:bg>
     <p:spTree>
@@ -4395,12 +4823,12 @@
       </p:grpSpPr>
       <p:pic>
         <p:nvPicPr>
-          <p:cNvPr id="55" name="Grafik 20" descr=""/>
+          <p:cNvPr id="55" name="Grafik 20"/>
           <p:cNvPicPr/>
           <p:nvPr/>
         </p:nvPicPr>
         <p:blipFill>
-          <a:blip r:embed="rId2"/>
+          <a:blip r:embed="rId14"/>
           <a:stretch>
             <a:fillRect/>
           </a:stretch>
@@ -4434,7 +4862,7 @@
           </a:prstGeom>
           <a:ln w="6480">
             <a:solidFill>
-              <a:srgbClr val="00335b"/>
+              <a:srgbClr val="00335B"/>
             </a:solidFill>
             <a:round/>
           </a:ln>
@@ -4456,7 +4884,7 @@
           </a:prstGeom>
           <a:ln w="6480">
             <a:solidFill>
-              <a:srgbClr val="00335b"/>
+              <a:srgbClr val="00335B"/>
             </a:solidFill>
             <a:round/>
           </a:ln>
@@ -4478,7 +4906,7 @@
           </a:prstGeom>
           <a:ln w="6480">
             <a:solidFill>
-              <a:srgbClr val="00335b"/>
+              <a:srgbClr val="00335B"/>
             </a:solidFill>
             <a:round/>
           </a:ln>
@@ -4500,7 +4928,7 @@
           </a:prstGeom>
           <a:ln w="6480">
             <a:solidFill>
-              <a:srgbClr val="00335b"/>
+              <a:srgbClr val="00335B"/>
             </a:solidFill>
             <a:round/>
           </a:ln>
@@ -4522,7 +4950,7 @@
           </a:prstGeom>
           <a:ln w="6480">
             <a:solidFill>
-              <a:srgbClr val="ffffff"/>
+              <a:srgbClr val="FFFFFF"/>
             </a:solidFill>
             <a:round/>
           </a:ln>
@@ -4544,7 +4972,7 @@
           </a:prstGeom>
           <a:ln w="6480">
             <a:solidFill>
-              <a:srgbClr val="ffffff"/>
+              <a:srgbClr val="FFFFFF"/>
             </a:solidFill>
             <a:round/>
           </a:ln>
@@ -4552,12 +4980,12 @@
       </p:sp>
       <p:pic>
         <p:nvPicPr>
-          <p:cNvPr id="62" name="Picture 1034" descr=""/>
+          <p:cNvPr id="62" name="Picture 1034"/>
           <p:cNvPicPr/>
           <p:nvPr/>
         </p:nvPicPr>
         <p:blipFill>
-          <a:blip r:embed="rId3"/>
+          <a:blip r:embed="rId15"/>
           <a:stretch>
             <a:fillRect/>
           </a:stretch>
@@ -4577,12 +5005,12 @@
       </p:pic>
       <p:pic>
         <p:nvPicPr>
-          <p:cNvPr id="63" name="Picture 16" descr=""/>
+          <p:cNvPr id="63" name="Picture 16"/>
           <p:cNvPicPr/>
           <p:nvPr/>
         </p:nvPicPr>
         <p:blipFill>
-          <a:blip r:embed="rId4"/>
+          <a:blip r:embed="rId16"/>
           <a:stretch>
             <a:fillRect/>
           </a:stretch>
@@ -4620,7 +5048,8 @@
           </a:prstGeom>
         </p:spPr>
         <p:txBody>
-          <a:bodyPr lIns="0" rIns="0" tIns="0" bIns="0" anchor="ctr"/>
+          <a:bodyPr lIns="0" tIns="0" rIns="0" bIns="0" anchor="ctr"/>
+          <a:lstStyle/>
           <a:p>
             <a:pPr algn="ctr"/>
             <a:r>
@@ -4653,7 +5082,8 @@
           </a:prstGeom>
         </p:spPr>
         <p:txBody>
-          <a:bodyPr lIns="0" rIns="0" tIns="0" bIns="0"/>
+          <a:bodyPr lIns="0" tIns="0" rIns="0" bIns="0"/>
+          <a:lstStyle/>
           <a:p>
             <a:pPr>
               <a:buSzPct val="45000"/>
@@ -4756,32 +5186,38 @@
       </p:sp>
     </p:spTree>
   </p:cSld>
-  <p:clrMap bg1="lt1" bg2="lt2" tx1="dk1" tx2="dk2" accent1="accent1" accent2="accent2" accent3="accent3" accent4="accent4" accent5="accent5" accent6="accent6" hlink="hlink" folHlink="folHlink"/>
+  <p:clrMap bg1="lt1" tx1="dk1" bg2="lt2" tx2="dk2" accent1="accent1" accent2="accent2" accent3="accent3" accent4="accent4" accent5="accent5" accent6="accent6" hlink="hlink" folHlink="folHlink"/>
   <p:sldLayoutIdLst>
-    <p:sldLayoutId id="2147483662" r:id="rId5"/>
-    <p:sldLayoutId id="2147483663" r:id="rId6"/>
-    <p:sldLayoutId id="2147483664" r:id="rId7"/>
-    <p:sldLayoutId id="2147483665" r:id="rId8"/>
-    <p:sldLayoutId id="2147483666" r:id="rId9"/>
-    <p:sldLayoutId id="2147483667" r:id="rId10"/>
-    <p:sldLayoutId id="2147483668" r:id="rId11"/>
-    <p:sldLayoutId id="2147483669" r:id="rId12"/>
-    <p:sldLayoutId id="2147483670" r:id="rId13"/>
-    <p:sldLayoutId id="2147483671" r:id="rId14"/>
-    <p:sldLayoutId id="2147483672" r:id="rId15"/>
-    <p:sldLayoutId id="2147483673" r:id="rId16"/>
+    <p:sldLayoutId id="2147483662" r:id="rId1"/>
+    <p:sldLayoutId id="2147483663" r:id="rId2"/>
+    <p:sldLayoutId id="2147483664" r:id="rId3"/>
+    <p:sldLayoutId id="2147483665" r:id="rId4"/>
+    <p:sldLayoutId id="2147483666" r:id="rId5"/>
+    <p:sldLayoutId id="2147483667" r:id="rId6"/>
+    <p:sldLayoutId id="2147483668" r:id="rId7"/>
+    <p:sldLayoutId id="2147483669" r:id="rId8"/>
+    <p:sldLayoutId id="2147483670" r:id="rId9"/>
+    <p:sldLayoutId id="2147483671" r:id="rId10"/>
+    <p:sldLayoutId id="2147483672" r:id="rId11"/>
+    <p:sldLayoutId id="2147483673" r:id="rId12"/>
   </p:sldLayoutIdLst>
+  <p:txStyles>
+    <p:titleStyle/>
+    <p:bodyStyle/>
+    <p:otherStyle/>
+  </p:txStyles>
 </p:sldMaster>
 </file>
 
 <file path=ppt/slideMasters/slideMaster3.xml><?xml version="1.0" encoding="utf-8"?>
-<p:sldMaster xmlns:a="http://schemas.openxmlformats.org/drawingml/2006/main" xmlns:p="http://schemas.openxmlformats.org/presentationml/2006/main" xmlns:r="http://schemas.openxmlformats.org/officeDocument/2006/relationships">
+<p:sldMaster xmlns:a="http://schemas.openxmlformats.org/drawingml/2006/main" xmlns:r="http://schemas.openxmlformats.org/officeDocument/2006/relationships" xmlns:p="http://schemas.openxmlformats.org/presentationml/2006/main">
   <p:cSld>
     <p:bg>
       <p:bgPr>
         <a:solidFill>
-          <a:srgbClr val="ffffff"/>
+          <a:srgbClr val="FFFFFF"/>
         </a:solidFill>
+        <a:effectLst/>
       </p:bgPr>
     </p:bg>
     <p:spTree>
@@ -4800,12 +5236,12 @@
       </p:grpSpPr>
       <p:pic>
         <p:nvPicPr>
-          <p:cNvPr id="100" name="Grafik 20" descr=""/>
+          <p:cNvPr id="100" name="Grafik 20"/>
           <p:cNvPicPr/>
           <p:nvPr/>
         </p:nvPicPr>
         <p:blipFill>
-          <a:blip r:embed="rId2"/>
+          <a:blip r:embed="rId14"/>
           <a:stretch>
             <a:fillRect/>
           </a:stretch>
@@ -4839,7 +5275,7 @@
           </a:prstGeom>
           <a:ln w="6480">
             <a:solidFill>
-              <a:srgbClr val="00335b"/>
+              <a:srgbClr val="00335B"/>
             </a:solidFill>
             <a:round/>
           </a:ln>
@@ -4861,7 +5297,7 @@
           </a:prstGeom>
           <a:ln w="6480">
             <a:solidFill>
-              <a:srgbClr val="00335b"/>
+              <a:srgbClr val="00335B"/>
             </a:solidFill>
             <a:round/>
           </a:ln>
@@ -4883,7 +5319,7 @@
           </a:prstGeom>
           <a:ln w="6480">
             <a:solidFill>
-              <a:srgbClr val="00335b"/>
+              <a:srgbClr val="00335B"/>
             </a:solidFill>
             <a:round/>
           </a:ln>
@@ -4905,7 +5341,7 @@
           </a:prstGeom>
           <a:ln w="6480">
             <a:solidFill>
-              <a:srgbClr val="00335b"/>
+              <a:srgbClr val="00335B"/>
             </a:solidFill>
             <a:round/>
           </a:ln>
@@ -4927,7 +5363,7 @@
           </a:prstGeom>
           <a:ln w="6480">
             <a:solidFill>
-              <a:srgbClr val="ffffff"/>
+              <a:srgbClr val="FFFFFF"/>
             </a:solidFill>
             <a:round/>
           </a:ln>
@@ -4949,7 +5385,7 @@
           </a:prstGeom>
           <a:ln w="6480">
             <a:solidFill>
-              <a:srgbClr val="ffffff"/>
+              <a:srgbClr val="FFFFFF"/>
             </a:solidFill>
             <a:round/>
           </a:ln>
@@ -4957,12 +5393,12 @@
       </p:sp>
       <p:pic>
         <p:nvPicPr>
-          <p:cNvPr id="107" name="Picture 1034" descr=""/>
+          <p:cNvPr id="107" name="Picture 1034"/>
           <p:cNvPicPr/>
           <p:nvPr/>
         </p:nvPicPr>
         <p:blipFill>
-          <a:blip r:embed="rId3"/>
+          <a:blip r:embed="rId15"/>
           <a:stretch>
             <a:fillRect/>
           </a:stretch>
@@ -4982,12 +5418,12 @@
       </p:pic>
       <p:pic>
         <p:nvPicPr>
-          <p:cNvPr id="108" name="Picture 16" descr=""/>
+          <p:cNvPr id="108" name="Picture 16"/>
           <p:cNvPicPr/>
           <p:nvPr/>
         </p:nvPicPr>
         <p:blipFill>
-          <a:blip r:embed="rId4"/>
+          <a:blip r:embed="rId16"/>
           <a:stretch>
             <a:fillRect/>
           </a:stretch>
@@ -5025,7 +5461,8 @@
           </a:prstGeom>
         </p:spPr>
         <p:txBody>
-          <a:bodyPr lIns="0" rIns="0" tIns="0" bIns="0" anchor="ctr"/>
+          <a:bodyPr lIns="0" tIns="0" rIns="0" bIns="0" anchor="ctr"/>
+          <a:lstStyle/>
           <a:p>
             <a:r>
               <a:rPr lang="it-CH">
@@ -5057,7 +5494,8 @@
           </a:prstGeom>
         </p:spPr>
         <p:txBody>
-          <a:bodyPr lIns="0" rIns="0" tIns="0" bIns="0"/>
+          <a:bodyPr lIns="0" tIns="0" rIns="0" bIns="0"/>
+          <a:lstStyle/>
           <a:p>
             <a:pPr>
               <a:buSzPct val="45000"/>
@@ -5160,26 +5598,31 @@
       </p:sp>
     </p:spTree>
   </p:cSld>
-  <p:clrMap bg1="lt1" bg2="lt2" tx1="dk1" tx2="dk2" accent1="accent1" accent2="accent2" accent3="accent3" accent4="accent4" accent5="accent5" accent6="accent6" hlink="hlink" folHlink="folHlink"/>
+  <p:clrMap bg1="lt1" tx1="dk1" bg2="lt2" tx2="dk2" accent1="accent1" accent2="accent2" accent3="accent3" accent4="accent4" accent5="accent5" accent6="accent6" hlink="hlink" folHlink="folHlink"/>
   <p:sldLayoutIdLst>
-    <p:sldLayoutId id="2147483675" r:id="rId5"/>
-    <p:sldLayoutId id="2147483676" r:id="rId6"/>
-    <p:sldLayoutId id="2147483677" r:id="rId7"/>
-    <p:sldLayoutId id="2147483678" r:id="rId8"/>
-    <p:sldLayoutId id="2147483679" r:id="rId9"/>
-    <p:sldLayoutId id="2147483680" r:id="rId10"/>
-    <p:sldLayoutId id="2147483681" r:id="rId11"/>
-    <p:sldLayoutId id="2147483682" r:id="rId12"/>
-    <p:sldLayoutId id="2147483683" r:id="rId13"/>
-    <p:sldLayoutId id="2147483684" r:id="rId14"/>
-    <p:sldLayoutId id="2147483685" r:id="rId15"/>
-    <p:sldLayoutId id="2147483686" r:id="rId16"/>
+    <p:sldLayoutId id="2147483675" r:id="rId1"/>
+    <p:sldLayoutId id="2147483676" r:id="rId2"/>
+    <p:sldLayoutId id="2147483677" r:id="rId3"/>
+    <p:sldLayoutId id="2147483678" r:id="rId4"/>
+    <p:sldLayoutId id="2147483679" r:id="rId5"/>
+    <p:sldLayoutId id="2147483680" r:id="rId6"/>
+    <p:sldLayoutId id="2147483681" r:id="rId7"/>
+    <p:sldLayoutId id="2147483682" r:id="rId8"/>
+    <p:sldLayoutId id="2147483683" r:id="rId9"/>
+    <p:sldLayoutId id="2147483684" r:id="rId10"/>
+    <p:sldLayoutId id="2147483685" r:id="rId11"/>
+    <p:sldLayoutId id="2147483686" r:id="rId12"/>
   </p:sldLayoutIdLst>
+  <p:txStyles>
+    <p:titleStyle/>
+    <p:bodyStyle/>
+    <p:otherStyle/>
+  </p:txStyles>
 </p:sldMaster>
 </file>
 
 <file path=ppt/slides/slide1.xml><?xml version="1.0" encoding="utf-8"?>
-<p:sld xmlns:a="http://schemas.openxmlformats.org/drawingml/2006/main" xmlns:p="http://schemas.openxmlformats.org/presentationml/2006/main" xmlns:r="http://schemas.openxmlformats.org/officeDocument/2006/relationships">
+<p:sld xmlns:a="http://schemas.openxmlformats.org/drawingml/2006/main" xmlns:r="http://schemas.openxmlformats.org/officeDocument/2006/relationships" xmlns:p="http://schemas.openxmlformats.org/presentationml/2006/main">
   <p:cSld>
     <p:spTree>
       <p:nvGrpSpPr>
@@ -5197,12 +5640,12 @@
       </p:grpSpPr>
       <p:pic>
         <p:nvPicPr>
-          <p:cNvPr id="150" name="Picture 5" descr=""/>
+          <p:cNvPr id="150" name="Picture 5"/>
           <p:cNvPicPr/>
           <p:nvPr/>
         </p:nvPicPr>
         <p:blipFill>
-          <a:blip r:embed="rId1"/>
+          <a:blip r:embed="rId2"/>
           <a:stretch>
             <a:fillRect/>
           </a:stretch>
@@ -5240,7 +5683,8 @@
           </a:ln>
         </p:spPr>
         <p:txBody>
-          <a:bodyPr lIns="0" rIns="0" tIns="36000" bIns="36000"/>
+          <a:bodyPr lIns="0" tIns="36000" rIns="0" bIns="36000"/>
+          <a:lstStyle/>
           <a:p>
             <a:pPr>
               <a:lnSpc>
@@ -5248,9 +5692,9 @@
               </a:lnSpc>
             </a:pPr>
             <a:r>
-              <a:rPr b="1" lang="it-CH" sz="2800">
+              <a:rPr lang="it-CH" sz="2800" b="1">
                 <a:solidFill>
-                  <a:srgbClr val="00335b"/>
+                  <a:srgbClr val="00335B"/>
                 </a:solidFill>
                 <a:latin typeface="Arial"/>
                 <a:ea typeface="ＭＳ Ｐゴシック"/>
@@ -5281,7 +5725,8 @@
           </a:ln>
         </p:spPr>
         <p:txBody>
-          <a:bodyPr lIns="0" rIns="0" tIns="36000" bIns="36000"/>
+          <a:bodyPr lIns="0" tIns="36000" rIns="0" bIns="36000"/>
+          <a:lstStyle/>
           <a:p>
             <a:pPr>
               <a:lnSpc>
@@ -5315,7 +5760,7 @@
               </a:lnSpc>
             </a:pPr>
             <a:r>
-              <a:rPr i="1" lang="it-CH" sz="1400">
+              <a:rPr lang="it-CH" sz="1400" i="1">
                 <a:solidFill>
                   <a:srgbClr val="000000"/>
                 </a:solidFill>
@@ -5333,7 +5778,7 @@
               </a:lnSpc>
             </a:pPr>
             <a:r>
-              <a:rPr i="1" lang="it-CH" sz="1400">
+              <a:rPr lang="it-CH" sz="1400" i="1">
                 <a:solidFill>
                   <a:srgbClr val="000000"/>
                 </a:solidFill>
@@ -5348,6 +5793,9 @@
       </p:sp>
     </p:spTree>
   </p:cSld>
+  <p:clrMapOvr>
+    <a:masterClrMapping/>
+  </p:clrMapOvr>
   <p:timing>
     <p:tnLst>
       <p:par>
@@ -5356,14 +5804,2452 @@
             <p:seq>
               <p:cTn id="2" nodeType="mainSeq"/>
               <p:prevCondLst>
-                <p:cond delay="0" evt="onPrev">
+                <p:cond evt="onPrev" delay="0">
                   <p:tgtEl>
                     <p:sldTgt/>
                   </p:tgtEl>
                 </p:cond>
               </p:prevCondLst>
               <p:nextCondLst>
-                <p:cond delay="0" evt="onNext">
+                <p:cond evt="onNext" delay="0">
+                  <p:tgtEl>
+                    <p:sldTgt/>
+                  </p:tgtEl>
+                </p:cond>
+              </p:nextCondLst>
+            </p:seq>
+          </p:childTnLst>
+        </p:cTn>
+      </p:par>
+    </p:tnLst>
+  </p:timing>
+</p:sld>
+</file>
+
+<file path=ppt/slides/slide10.xml><?xml version="1.0" encoding="utf-8"?>
+<p:sld xmlns:a="http://schemas.openxmlformats.org/drawingml/2006/main" xmlns:r="http://schemas.openxmlformats.org/officeDocument/2006/relationships" xmlns:p="http://schemas.openxmlformats.org/presentationml/2006/main">
+  <p:cSld>
+    <p:spTree>
+      <p:nvGrpSpPr>
+        <p:cNvPr id="1" name=""/>
+        <p:cNvGrpSpPr/>
+        <p:nvPr/>
+      </p:nvGrpSpPr>
+      <p:grpSpPr>
+        <a:xfrm>
+          <a:off x="0" y="0"/>
+          <a:ext cx="0" cy="0"/>
+          <a:chOff x="0" y="0"/>
+          <a:chExt cx="0" cy="0"/>
+        </a:xfrm>
+      </p:grpSpPr>
+      <p:sp>
+        <p:nvSpPr>
+          <p:cNvPr id="158" name="CustomShape 1"/>
+          <p:cNvSpPr/>
+          <p:nvPr/>
+        </p:nvSpPr>
+        <p:spPr>
+          <a:xfrm>
+            <a:off x="380880" y="411120"/>
+            <a:ext cx="8381160" cy="766080"/>
+          </a:xfrm>
+          <a:prstGeom prst="rect">
+            <a:avLst/>
+          </a:prstGeom>
+          <a:noFill/>
+          <a:ln>
+            <a:noFill/>
+          </a:ln>
+        </p:spPr>
+        <p:txBody>
+          <a:bodyPr lIns="0" tIns="36000" rIns="0" bIns="36000"/>
+          <a:lstStyle/>
+          <a:p>
+            <a:pPr>
+              <a:lnSpc>
+                <a:spcPct val="100000"/>
+              </a:lnSpc>
+            </a:pPr>
+            <a:r>
+              <a:rPr lang="it-CH" sz="2800" b="1" dirty="0" err="1" smtClean="0">
+                <a:solidFill>
+                  <a:srgbClr val="00335B"/>
+                </a:solidFill>
+                <a:latin typeface="Arial"/>
+                <a:ea typeface="ＭＳ Ｐゴシック"/>
+              </a:rPr>
+              <a:t>Spectral</a:t>
+            </a:r>
+            <a:r>
+              <a:rPr lang="it-CH" sz="2800" b="1" dirty="0" smtClean="0">
+                <a:solidFill>
+                  <a:srgbClr val="00335B"/>
+                </a:solidFill>
+                <a:latin typeface="Arial"/>
+                <a:ea typeface="ＭＳ Ｐゴシック"/>
+              </a:rPr>
+              <a:t> </a:t>
+            </a:r>
+            <a:r>
+              <a:rPr lang="it-CH" sz="2800" b="1" dirty="0" err="1" smtClean="0">
+                <a:solidFill>
+                  <a:srgbClr val="00335B"/>
+                </a:solidFill>
+                <a:latin typeface="Arial"/>
+                <a:ea typeface="ＭＳ Ｐゴシック"/>
+              </a:rPr>
+              <a:t>weights</a:t>
+            </a:r>
+            <a:endParaRPr dirty="0"/>
+          </a:p>
+        </p:txBody>
+      </p:sp>
+      <mc:AlternateContent xmlns:mc="http://schemas.openxmlformats.org/markup-compatibility/2006" xmlns:a14="http://schemas.microsoft.com/office/drawing/2010/main">
+        <mc:Choice Requires="a14">
+          <p:sp>
+            <p:nvSpPr>
+              <p:cNvPr id="159" name="CustomShape 2"/>
+              <p:cNvSpPr/>
+              <p:nvPr/>
+            </p:nvSpPr>
+            <p:spPr>
+              <a:xfrm>
+                <a:off x="380880" y="1252440"/>
+                <a:ext cx="8583608" cy="520376"/>
+              </a:xfrm>
+              <a:prstGeom prst="rect">
+                <a:avLst/>
+              </a:prstGeom>
+              <a:noFill/>
+              <a:ln>
+                <a:noFill/>
+              </a:ln>
+            </p:spPr>
+            <p:txBody>
+              <a:bodyPr lIns="0" tIns="36000" rIns="0" bIns="36000"/>
+              <a:lstStyle/>
+              <a:p>
+                <a:pPr>
+                  <a:lnSpc>
+                    <a:spcPct val="100000"/>
+                  </a:lnSpc>
+                </a:pPr>
+                <a14:m>
+                  <m:oMath xmlns:m="http://schemas.openxmlformats.org/officeDocument/2006/math">
+                    <m:r>
+                      <a:rPr lang="en-US" sz="2400" b="0" i="1" smtClean="0">
+                        <a:solidFill>
+                          <a:srgbClr val="000000"/>
+                        </a:solidFill>
+                        <a:latin typeface="Cambria Math"/>
+                        <a:ea typeface="ＭＳ Ｐゴシック"/>
+                      </a:rPr>
+                      <m:t>𝑤</m:t>
+                    </m:r>
+                    <m:d>
+                      <m:dPr>
+                        <m:ctrlPr>
+                          <a:rPr lang="en-US" sz="2400" b="0" i="1" smtClean="0">
+                            <a:solidFill>
+                              <a:srgbClr val="000000"/>
+                            </a:solidFill>
+                            <a:latin typeface="Cambria Math"/>
+                            <a:ea typeface="ＭＳ Ｐゴシック"/>
+                          </a:rPr>
+                        </m:ctrlPr>
+                      </m:dPr>
+                      <m:e>
+                        <m:r>
+                          <a:rPr lang="en-US" sz="2400" b="0" i="1" smtClean="0">
+                            <a:solidFill>
+                              <a:srgbClr val="000000"/>
+                            </a:solidFill>
+                            <a:latin typeface="Cambria Math"/>
+                            <a:ea typeface="ＭＳ Ｐゴシック"/>
+                          </a:rPr>
+                          <m:t>𝐸</m:t>
+                        </m:r>
+                      </m:e>
+                    </m:d>
+                    <m:r>
+                      <a:rPr lang="en-US" sz="2400" b="0" i="1" smtClean="0">
+                        <a:solidFill>
+                          <a:srgbClr val="000000"/>
+                        </a:solidFill>
+                        <a:latin typeface="Cambria Math"/>
+                        <a:ea typeface="ＭＳ Ｐゴシック"/>
+                      </a:rPr>
+                      <m:t>= </m:t>
+                    </m:r>
+                  </m:oMath>
+                </a14:m>
+                <a:r>
+                  <a:rPr lang="en-US" sz="2400" b="0" dirty="0" smtClean="0">
+                    <a:solidFill>
+                      <a:srgbClr val="000000"/>
+                    </a:solidFill>
+                    <a:latin typeface="Arial"/>
+                    <a:ea typeface="ＭＳ Ｐゴシック"/>
+                  </a:rPr>
+                  <a:t>source </a:t>
+                </a:r>
+                <a14:m>
+                  <m:oMath xmlns:m="http://schemas.openxmlformats.org/officeDocument/2006/math">
+                    <m:r>
+                      <a:rPr lang="en-US" sz="2400" b="0" i="1" smtClean="0">
+                        <a:solidFill>
+                          <a:srgbClr val="000000"/>
+                        </a:solidFill>
+                        <a:latin typeface="Cambria Math"/>
+                        <a:ea typeface="Cambria Math"/>
+                      </a:rPr>
+                      <m:t>×</m:t>
+                    </m:r>
+                  </m:oMath>
+                </a14:m>
+                <a:r>
+                  <a:rPr lang="en-US" sz="2400" b="0" dirty="0" smtClean="0">
+                    <a:solidFill>
+                      <a:srgbClr val="000000"/>
+                    </a:solidFill>
+                    <a:latin typeface="Arial"/>
+                    <a:ea typeface="Cambria Math"/>
+                  </a:rPr>
+                  <a:t> visibility </a:t>
+                </a:r>
+                <a14:m>
+                  <m:oMath xmlns:m="http://schemas.openxmlformats.org/officeDocument/2006/math">
+                    <m:r>
+                      <a:rPr lang="en-US" sz="2400" b="0" i="1" smtClean="0">
+                        <a:solidFill>
+                          <a:srgbClr val="000000"/>
+                        </a:solidFill>
+                        <a:latin typeface="Cambria Math"/>
+                        <a:ea typeface="Cambria Math"/>
+                      </a:rPr>
+                      <m:t>×</m:t>
+                    </m:r>
+                  </m:oMath>
+                </a14:m>
+                <a:r>
+                  <a:rPr lang="en-US" sz="2400" b="0" dirty="0" smtClean="0">
+                    <a:solidFill>
+                      <a:srgbClr val="000000"/>
+                    </a:solidFill>
+                    <a:latin typeface="Arial"/>
+                    <a:ea typeface="Cambria Math"/>
+                  </a:rPr>
+                  <a:t> detector efficiency </a:t>
+                </a:r>
+                <a14:m>
+                  <m:oMath xmlns:m="http://schemas.openxmlformats.org/officeDocument/2006/math">
+                    <m:r>
+                      <a:rPr lang="en-US" sz="2400" b="0" i="1" smtClean="0">
+                        <a:solidFill>
+                          <a:srgbClr val="000000"/>
+                        </a:solidFill>
+                        <a:latin typeface="Cambria Math"/>
+                        <a:ea typeface="Cambria Math"/>
+                      </a:rPr>
+                      <m:t>×</m:t>
+                    </m:r>
+                  </m:oMath>
+                </a14:m>
+                <a:r>
+                  <a:rPr lang="en-US" sz="2400" b="0" dirty="0" smtClean="0">
+                    <a:solidFill>
+                      <a:srgbClr val="000000"/>
+                    </a:solidFill>
+                    <a:latin typeface="Arial"/>
+                    <a:ea typeface="Cambria Math"/>
+                  </a:rPr>
+                  <a:t> sample abs.</a:t>
+                </a:r>
+              </a:p>
+              <a:p>
+                <a:pPr>
+                  <a:lnSpc>
+                    <a:spcPct val="100000"/>
+                  </a:lnSpc>
+                </a:pPr>
+                <a:endParaRPr lang="en-US" sz="2400" b="0" dirty="0" smtClean="0">
+                  <a:solidFill>
+                    <a:srgbClr val="000000"/>
+                  </a:solidFill>
+                  <a:latin typeface="Arial"/>
+                  <a:ea typeface="ＭＳ Ｐゴシック"/>
+                </a:endParaRPr>
+              </a:p>
+              <a:p>
+                <a:pPr>
+                  <a:lnSpc>
+                    <a:spcPct val="100000"/>
+                  </a:lnSpc>
+                </a:pPr>
+                <a:endParaRPr lang="en-US" sz="2400" dirty="0">
+                  <a:solidFill>
+                    <a:srgbClr val="000000"/>
+                  </a:solidFill>
+                  <a:latin typeface="Arial"/>
+                  <a:ea typeface="ＭＳ Ｐゴシック"/>
+                </a:endParaRPr>
+              </a:p>
+              <a:p>
+                <a:pPr marL="342900" indent="-342900">
+                  <a:lnSpc>
+                    <a:spcPct val="100000"/>
+                  </a:lnSpc>
+                  <a:buFont typeface="Arial" panose="020B0604020202020204" pitchFamily="34" charset="0"/>
+                  <a:buChar char="•"/>
+                </a:pPr>
+                <a:r>
+                  <a:rPr lang="en-US" sz="2400" dirty="0" smtClean="0">
+                    <a:solidFill>
+                      <a:srgbClr val="000000"/>
+                    </a:solidFill>
+                    <a:latin typeface="Arial"/>
+                    <a:ea typeface="ＭＳ Ｐゴシック"/>
+                  </a:rPr>
+                  <a:t>Simulated source (</a:t>
+                </a:r>
+                <a:r>
+                  <a:rPr lang="en-US" sz="2400" dirty="0" err="1" smtClean="0">
+                    <a:solidFill>
+                      <a:srgbClr val="000000"/>
+                    </a:solidFill>
+                    <a:latin typeface="Arial"/>
+                    <a:ea typeface="ＭＳ Ｐゴシック"/>
+                  </a:rPr>
+                  <a:t>SpekCalc</a:t>
+                </a:r>
+                <a:r>
+                  <a:rPr lang="en-US" sz="2400" dirty="0" smtClean="0">
+                    <a:solidFill>
+                      <a:srgbClr val="000000"/>
+                    </a:solidFill>
+                    <a:latin typeface="Arial"/>
+                    <a:ea typeface="ＭＳ Ｐゴシック"/>
+                  </a:rPr>
+                  <a:t>)</a:t>
+                </a:r>
+              </a:p>
+              <a:p>
+                <a:pPr marL="342900" indent="-342900">
+                  <a:lnSpc>
+                    <a:spcPct val="100000"/>
+                  </a:lnSpc>
+                  <a:buFont typeface="Arial" panose="020B0604020202020204" pitchFamily="34" charset="0"/>
+                  <a:buChar char="•"/>
+                </a:pPr>
+                <a:endParaRPr lang="en-US" sz="2400" dirty="0" smtClean="0">
+                  <a:solidFill>
+                    <a:srgbClr val="000000"/>
+                  </a:solidFill>
+                  <a:latin typeface="Arial"/>
+                  <a:ea typeface="ＭＳ Ｐゴシック"/>
+                </a:endParaRPr>
+              </a:p>
+              <a:p>
+                <a:pPr marL="342900" indent="-342900">
+                  <a:lnSpc>
+                    <a:spcPct val="100000"/>
+                  </a:lnSpc>
+                  <a:buFont typeface="Arial" panose="020B0604020202020204" pitchFamily="34" charset="0"/>
+                  <a:buChar char="•"/>
+                </a:pPr>
+                <a:r>
+                  <a:rPr lang="en-US" sz="2400" dirty="0" smtClean="0">
+                    <a:solidFill>
+                      <a:srgbClr val="000000"/>
+                    </a:solidFill>
+                    <a:latin typeface="Arial"/>
+                    <a:ea typeface="ＭＳ Ｐゴシック"/>
+                  </a:rPr>
+                  <a:t>Detector efficiency and sample abs. from NIST coefficients</a:t>
+                </a:r>
+              </a:p>
+              <a:p>
+                <a:pPr marL="342900" indent="-342900">
+                  <a:lnSpc>
+                    <a:spcPct val="100000"/>
+                  </a:lnSpc>
+                  <a:buFont typeface="Arial" panose="020B0604020202020204" pitchFamily="34" charset="0"/>
+                  <a:buChar char="•"/>
+                </a:pPr>
+                <a:endParaRPr lang="en-US" sz="2400" dirty="0" smtClean="0">
+                  <a:solidFill>
+                    <a:srgbClr val="000000"/>
+                  </a:solidFill>
+                  <a:latin typeface="Arial"/>
+                  <a:ea typeface="ＭＳ Ｐゴシック"/>
+                </a:endParaRPr>
+              </a:p>
+              <a:p>
+                <a:pPr marL="342900" indent="-342900">
+                  <a:lnSpc>
+                    <a:spcPct val="100000"/>
+                  </a:lnSpc>
+                  <a:buFont typeface="Arial" panose="020B0604020202020204" pitchFamily="34" charset="0"/>
+                  <a:buChar char="•"/>
+                </a:pPr>
+                <a:r>
+                  <a:rPr lang="en-US" sz="2400" b="0" dirty="0" smtClean="0">
+                    <a:solidFill>
+                      <a:srgbClr val="000000"/>
+                    </a:solidFill>
+                    <a:latin typeface="Arial"/>
+                    <a:ea typeface="ＭＳ Ｐゴシック"/>
+                  </a:rPr>
+                  <a:t>Visibility as a function of energy from </a:t>
+                </a:r>
+                <a:r>
+                  <a:rPr lang="en-US" sz="2400" b="0" dirty="0" err="1" smtClean="0">
+                    <a:solidFill>
+                      <a:srgbClr val="000000"/>
+                    </a:solidFill>
+                    <a:latin typeface="Arial"/>
+                    <a:ea typeface="ＭＳ Ｐゴシック"/>
+                  </a:rPr>
+                  <a:t>Thüring</a:t>
+                </a:r>
+                <a:r>
+                  <a:rPr lang="en-US" sz="2400" b="0" dirty="0" smtClean="0">
+                    <a:solidFill>
+                      <a:srgbClr val="000000"/>
+                    </a:solidFill>
+                    <a:latin typeface="Arial"/>
+                    <a:ea typeface="ＭＳ Ｐゴシック"/>
+                  </a:rPr>
+                  <a:t> et al.</a:t>
+                </a:r>
+                <a:r>
+                  <a:rPr lang="en-US" sz="2400" dirty="0" smtClean="0">
+                    <a:solidFill>
+                      <a:srgbClr val="000000"/>
+                    </a:solidFill>
+                    <a:latin typeface="Arial"/>
+                    <a:ea typeface="ＭＳ Ｐゴシック"/>
+                  </a:rPr>
+                  <a:t>, </a:t>
+                </a:r>
+                <a:r>
+                  <a:rPr lang="en-US" sz="2400" i="1" dirty="0" smtClean="0"/>
+                  <a:t>Performance and optimization of X-ray grating interferometry</a:t>
+                </a:r>
+                <a:r>
+                  <a:rPr lang="en-US" sz="2400" dirty="0" smtClean="0"/>
+                  <a:t>, 2014</a:t>
+                </a:r>
+                <a:endParaRPr lang="en-US" sz="2400" b="0" dirty="0" smtClean="0">
+                  <a:solidFill>
+                    <a:srgbClr val="000000"/>
+                  </a:solidFill>
+                  <a:latin typeface="Arial"/>
+                  <a:ea typeface="ＭＳ Ｐゴシック"/>
+                </a:endParaRPr>
+              </a:p>
+            </p:txBody>
+          </p:sp>
+        </mc:Choice>
+        <mc:Fallback xmlns="">
+          <p:sp>
+            <p:nvSpPr>
+              <p:cNvPr id="159" name="CustomShape 2"/>
+              <p:cNvSpPr>
+                <a:spLocks noRot="1" noChangeAspect="1" noMove="1" noResize="1" noEditPoints="1" noAdjustHandles="1" noChangeArrowheads="1" noChangeShapeType="1" noTextEdit="1"/>
+              </p:cNvSpPr>
+              <p:nvPr/>
+            </p:nvSpPr>
+            <p:spPr>
+              <a:xfrm>
+                <a:off x="380880" y="1252440"/>
+                <a:ext cx="8583608" cy="520376"/>
+              </a:xfrm>
+              <a:prstGeom prst="rect">
+                <a:avLst/>
+              </a:prstGeom>
+              <a:blipFill rotWithShape="1">
+                <a:blip r:embed="rId2"/>
+                <a:stretch>
+                  <a:fillRect l="-1987" t="-9302" b="-641860"/>
+                </a:stretch>
+              </a:blipFill>
+              <a:ln>
+                <a:noFill/>
+              </a:ln>
+            </p:spPr>
+            <p:txBody>
+              <a:bodyPr/>
+              <a:lstStyle/>
+              <a:p>
+                <a:r>
+                  <a:rPr lang="de-CH">
+                    <a:noFill/>
+                  </a:rPr>
+                  <a:t> </a:t>
+                </a:r>
+              </a:p>
+            </p:txBody>
+          </p:sp>
+        </mc:Fallback>
+      </mc:AlternateContent>
+      <p:sp>
+        <p:nvSpPr>
+          <p:cNvPr id="160" name="CustomShape 3"/>
+          <p:cNvSpPr/>
+          <p:nvPr/>
+        </p:nvSpPr>
+        <p:spPr>
+          <a:xfrm>
+            <a:off x="7203960" y="6635880"/>
+            <a:ext cx="1637640" cy="456480"/>
+          </a:xfrm>
+          <a:prstGeom prst="rect">
+            <a:avLst/>
+          </a:prstGeom>
+          <a:noFill/>
+          <a:ln>
+            <a:noFill/>
+          </a:ln>
+        </p:spPr>
+        <p:txBody>
+          <a:bodyPr lIns="90000" tIns="45000" rIns="90000" bIns="45000"/>
+          <a:lstStyle/>
+          <a:p>
+            <a:pPr>
+              <a:lnSpc>
+                <a:spcPct val="100000"/>
+              </a:lnSpc>
+            </a:pPr>
+            <a:fld id="{AD907E7C-7299-434B-BF89-8702846DA1AD}" type="slidenum">
+              <a:rPr lang="it-CH" sz="800">
+                <a:solidFill>
+                  <a:srgbClr val="FFFFFF"/>
+                </a:solidFill>
+                <a:latin typeface="Arial"/>
+                <a:ea typeface="ＭＳ Ｐゴシック"/>
+              </a:rPr>
+              <a:t>10</a:t>
+            </a:fld>
+            <a:endParaRPr/>
+          </a:p>
+        </p:txBody>
+      </p:sp>
+      <p:sp>
+        <p:nvSpPr>
+          <p:cNvPr id="161" name="CustomShape 4"/>
+          <p:cNvSpPr/>
+          <p:nvPr/>
+        </p:nvSpPr>
+        <p:spPr>
+          <a:xfrm>
+            <a:off x="2239920" y="6635880"/>
+            <a:ext cx="4772880" cy="448560"/>
+          </a:xfrm>
+          <a:prstGeom prst="rect">
+            <a:avLst/>
+          </a:prstGeom>
+          <a:noFill/>
+          <a:ln>
+            <a:noFill/>
+          </a:ln>
+        </p:spPr>
+        <p:txBody>
+          <a:bodyPr lIns="90000" tIns="45000" rIns="90000" bIns="45000"/>
+          <a:lstStyle/>
+          <a:p>
+            <a:pPr>
+              <a:lnSpc>
+                <a:spcPct val="100000"/>
+              </a:lnSpc>
+            </a:pPr>
+            <a:r>
+              <a:rPr lang="it-CH" sz="800">
+                <a:solidFill>
+                  <a:srgbClr val="FFFFFF"/>
+                </a:solidFill>
+                <a:latin typeface="Arial"/>
+                <a:ea typeface="ＭＳ Ｐゴシック"/>
+              </a:rPr>
+              <a:t>Matteo Abis – XNPIG2015</a:t>
+            </a:r>
+            <a:endParaRPr/>
+          </a:p>
+        </p:txBody>
+      </p:sp>
+    </p:spTree>
+    <p:extLst>
+      <p:ext uri="{BB962C8B-B14F-4D97-AF65-F5344CB8AC3E}">
+        <p14:creationId xmlns:p14="http://schemas.microsoft.com/office/powerpoint/2010/main" val="479130906"/>
+      </p:ext>
+    </p:extLst>
+  </p:cSld>
+  <p:clrMapOvr>
+    <a:masterClrMapping/>
+  </p:clrMapOvr>
+  <p:transition spd="slow">
+    <p:fade/>
+  </p:transition>
+  <p:timing>
+    <p:tnLst>
+      <p:par>
+        <p:cTn id="1" dur="indefinite" restart="never" nodeType="tmRoot">
+          <p:childTnLst>
+            <p:seq>
+              <p:cTn id="2" nodeType="mainSeq"/>
+              <p:prevCondLst>
+                <p:cond evt="onPrev" delay="0">
+                  <p:tgtEl>
+                    <p:sldTgt/>
+                  </p:tgtEl>
+                </p:cond>
+              </p:prevCondLst>
+              <p:nextCondLst>
+                <p:cond evt="onNext" delay="0">
+                  <p:tgtEl>
+                    <p:sldTgt/>
+                  </p:tgtEl>
+                </p:cond>
+              </p:nextCondLst>
+            </p:seq>
+          </p:childTnLst>
+        </p:cTn>
+      </p:par>
+    </p:tnLst>
+  </p:timing>
+</p:sld>
+</file>
+
+<file path=ppt/slides/slide11.xml><?xml version="1.0" encoding="utf-8"?>
+<p:sld xmlns:a="http://schemas.openxmlformats.org/drawingml/2006/main" xmlns:r="http://schemas.openxmlformats.org/officeDocument/2006/relationships" xmlns:p="http://schemas.openxmlformats.org/presentationml/2006/main">
+  <p:cSld>
+    <p:spTree>
+      <p:nvGrpSpPr>
+        <p:cNvPr id="1" name=""/>
+        <p:cNvGrpSpPr/>
+        <p:nvPr/>
+      </p:nvGrpSpPr>
+      <p:grpSpPr>
+        <a:xfrm>
+          <a:off x="0" y="0"/>
+          <a:ext cx="0" cy="0"/>
+          <a:chOff x="0" y="0"/>
+          <a:chExt cx="0" cy="0"/>
+        </a:xfrm>
+      </p:grpSpPr>
+      <p:sp>
+        <p:nvSpPr>
+          <p:cNvPr id="158" name="CustomShape 1"/>
+          <p:cNvSpPr/>
+          <p:nvPr/>
+        </p:nvSpPr>
+        <p:spPr>
+          <a:xfrm>
+            <a:off x="380880" y="411120"/>
+            <a:ext cx="8381160" cy="766080"/>
+          </a:xfrm>
+          <a:prstGeom prst="rect">
+            <a:avLst/>
+          </a:prstGeom>
+          <a:noFill/>
+          <a:ln>
+            <a:noFill/>
+          </a:ln>
+        </p:spPr>
+        <p:txBody>
+          <a:bodyPr lIns="0" tIns="36000" rIns="0" bIns="36000"/>
+          <a:lstStyle/>
+          <a:p>
+            <a:pPr>
+              <a:lnSpc>
+                <a:spcPct val="100000"/>
+              </a:lnSpc>
+            </a:pPr>
+            <a:r>
+              <a:rPr lang="it-CH" sz="2800" b="1" dirty="0" err="1" smtClean="0">
+                <a:solidFill>
+                  <a:srgbClr val="00335B"/>
+                </a:solidFill>
+                <a:latin typeface="Arial"/>
+                <a:ea typeface="ＭＳ Ｐゴシック"/>
+              </a:rPr>
+              <a:t>Silica</a:t>
+            </a:r>
+            <a:r>
+              <a:rPr lang="it-CH" sz="2800" b="1" dirty="0" smtClean="0">
+                <a:solidFill>
+                  <a:srgbClr val="00335B"/>
+                </a:solidFill>
+                <a:latin typeface="Arial"/>
+                <a:ea typeface="ＭＳ Ｐゴシック"/>
+              </a:rPr>
+              <a:t> </a:t>
+            </a:r>
+            <a:r>
+              <a:rPr lang="it-CH" sz="2800" b="1" dirty="0" err="1" smtClean="0">
+                <a:solidFill>
+                  <a:srgbClr val="00335B"/>
+                </a:solidFill>
+                <a:latin typeface="Arial"/>
+                <a:ea typeface="ＭＳ Ｐゴシック"/>
+              </a:rPr>
+              <a:t>microspheres</a:t>
+            </a:r>
+            <a:r>
+              <a:rPr lang="it-CH" sz="2800" b="1" dirty="0" smtClean="0">
+                <a:solidFill>
+                  <a:srgbClr val="00335B"/>
+                </a:solidFill>
+                <a:latin typeface="Arial"/>
+                <a:ea typeface="ＭＳ Ｐゴシック"/>
+              </a:rPr>
+              <a:t> 0.16 to 7.75 </a:t>
+            </a:r>
+            <a:r>
+              <a:rPr lang="el-GR" sz="2800" b="1" dirty="0" smtClean="0">
+                <a:solidFill>
+                  <a:srgbClr val="00335B"/>
+                </a:solidFill>
+                <a:latin typeface="Arial"/>
+                <a:ea typeface="ＭＳ Ｐゴシック"/>
+              </a:rPr>
+              <a:t>μ</a:t>
+            </a:r>
+            <a:r>
+              <a:rPr lang="en-US" sz="2800" b="1" dirty="0" smtClean="0">
+                <a:solidFill>
+                  <a:srgbClr val="00335B"/>
+                </a:solidFill>
+                <a:latin typeface="Arial"/>
+                <a:ea typeface="ＭＳ Ｐゴシック"/>
+              </a:rPr>
+              <a:t>m</a:t>
+            </a:r>
+            <a:endParaRPr dirty="0"/>
+          </a:p>
+        </p:txBody>
+      </p:sp>
+      <mc:AlternateContent xmlns:mc="http://schemas.openxmlformats.org/markup-compatibility/2006" xmlns:a14="http://schemas.microsoft.com/office/drawing/2010/main">
+        <mc:Choice Requires="a14">
+          <p:sp>
+            <p:nvSpPr>
+              <p:cNvPr id="159" name="CustomShape 2"/>
+              <p:cNvSpPr/>
+              <p:nvPr/>
+            </p:nvSpPr>
+            <p:spPr>
+              <a:xfrm>
+                <a:off x="347270" y="992252"/>
+                <a:ext cx="7071440" cy="520376"/>
+              </a:xfrm>
+              <a:prstGeom prst="rect">
+                <a:avLst/>
+              </a:prstGeom>
+              <a:noFill/>
+              <a:ln>
+                <a:noFill/>
+              </a:ln>
+            </p:spPr>
+            <p:txBody>
+              <a:bodyPr lIns="0" tIns="36000" rIns="0" bIns="36000"/>
+              <a:lstStyle/>
+              <a:p>
+                <a:pPr marL="342900" indent="-342900">
+                  <a:lnSpc>
+                    <a:spcPct val="100000"/>
+                  </a:lnSpc>
+                  <a:buFont typeface="Arial" panose="020B0604020202020204" pitchFamily="34" charset="0"/>
+                  <a:buChar char="•"/>
+                </a:pPr>
+                <a:r>
+                  <a:rPr lang="en-US" sz="2400" b="0" dirty="0" smtClean="0">
+                    <a:solidFill>
+                      <a:srgbClr val="000000"/>
+                    </a:solidFill>
+                    <a:latin typeface="Arial"/>
+                    <a:ea typeface="ＭＳ Ｐゴシック"/>
+                  </a:rPr>
+                  <a:t>Fit the two</a:t>
+                </a:r>
+                <a:r>
+                  <a:rPr lang="en-US" sz="2400" dirty="0" smtClean="0">
+                    <a:solidFill>
+                      <a:srgbClr val="000000"/>
+                    </a:solidFill>
+                    <a:latin typeface="Arial"/>
+                    <a:ea typeface="ＭＳ Ｐゴシック"/>
+                  </a:rPr>
+                  <a:t> parameters </a:t>
+                </a:r>
+                <a14:m>
+                  <m:oMath xmlns:m="http://schemas.openxmlformats.org/officeDocument/2006/math">
+                    <m:sSub>
+                      <m:sSubPr>
+                        <m:ctrlPr>
+                          <a:rPr lang="en-US" sz="2400" b="0" i="1" smtClean="0">
+                            <a:solidFill>
+                              <a:srgbClr val="000000"/>
+                            </a:solidFill>
+                            <a:latin typeface="Cambria Math"/>
+                            <a:ea typeface="ＭＳ Ｐゴシック"/>
+                          </a:rPr>
+                        </m:ctrlPr>
+                      </m:sSubPr>
+                      <m:e>
+                        <m:r>
+                          <a:rPr lang="en-US" sz="2400" b="0" i="1" smtClean="0">
+                            <a:solidFill>
+                              <a:srgbClr val="000000"/>
+                            </a:solidFill>
+                            <a:latin typeface="Cambria Math"/>
+                            <a:ea typeface="ＭＳ Ｐゴシック"/>
+                          </a:rPr>
+                          <m:t>𝑅</m:t>
+                        </m:r>
+                      </m:e>
+                      <m:sub>
+                        <m:r>
+                          <a:rPr lang="en-US" sz="2400" b="0" i="1" smtClean="0">
+                            <a:solidFill>
+                              <a:srgbClr val="000000"/>
+                            </a:solidFill>
+                            <a:latin typeface="Cambria Math"/>
+                            <a:ea typeface="ＭＳ Ｐゴシック"/>
+                          </a:rPr>
+                          <m:t>0</m:t>
+                        </m:r>
+                      </m:sub>
+                    </m:sSub>
+                  </m:oMath>
+                </a14:m>
+                <a:r>
+                  <a:rPr lang="en-US" sz="2400" dirty="0" smtClean="0">
+                    <a:solidFill>
+                      <a:srgbClr val="000000"/>
+                    </a:solidFill>
+                    <a:latin typeface="Arial"/>
+                    <a:ea typeface="ＭＳ Ｐゴシック"/>
+                  </a:rPr>
+                  <a:t> and </a:t>
+                </a:r>
+                <a14:m>
+                  <m:oMath xmlns:m="http://schemas.openxmlformats.org/officeDocument/2006/math">
+                    <m:r>
+                      <a:rPr lang="en-US" sz="2400" b="0" i="1" smtClean="0">
+                        <a:solidFill>
+                          <a:srgbClr val="000000"/>
+                        </a:solidFill>
+                        <a:latin typeface="Cambria Math"/>
+                        <a:ea typeface="ＭＳ Ｐゴシック"/>
+                      </a:rPr>
+                      <m:t>𝐶</m:t>
+                    </m:r>
+                  </m:oMath>
+                </a14:m>
+                <a:r>
+                  <a:rPr lang="en-US" sz="2400" dirty="0" smtClean="0">
+                    <a:solidFill>
+                      <a:srgbClr val="000000"/>
+                    </a:solidFill>
+                    <a:latin typeface="Arial"/>
+                    <a:ea typeface="ＭＳ Ｐゴシック"/>
+                  </a:rPr>
+                  <a:t>:</a:t>
+                </a:r>
+              </a:p>
+              <a:p>
+                <a:pPr marL="342900" indent="-342900">
+                  <a:lnSpc>
+                    <a:spcPct val="100000"/>
+                  </a:lnSpc>
+                  <a:buFont typeface="Arial" panose="020B0604020202020204" pitchFamily="34" charset="0"/>
+                  <a:buChar char="•"/>
+                </a:pPr>
+                <a:r>
+                  <a:rPr lang="en-US" sz="2400" dirty="0" smtClean="0">
+                    <a:solidFill>
+                      <a:srgbClr val="000000"/>
+                    </a:solidFill>
+                    <a:latin typeface="Arial"/>
+                    <a:ea typeface="ＭＳ Ｐゴシック"/>
+                  </a:rPr>
+                  <a:t>Samples with two different thicknesses</a:t>
+                </a:r>
+              </a:p>
+              <a:p>
+                <a:pPr>
+                  <a:lnSpc>
+                    <a:spcPct val="100000"/>
+                  </a:lnSpc>
+                </a:pPr>
+                <a14:m>
+                  <m:oMathPara xmlns:m="http://schemas.openxmlformats.org/officeDocument/2006/math">
+                    <m:oMathParaPr>
+                      <m:jc m:val="centerGroup"/>
+                    </m:oMathParaPr>
+                    <m:oMath xmlns:m="http://schemas.openxmlformats.org/officeDocument/2006/math">
+                      <m:r>
+                        <a:rPr lang="en-US" sz="2400" b="0" i="1" smtClean="0">
+                          <a:solidFill>
+                            <a:srgbClr val="000000"/>
+                          </a:solidFill>
+                          <a:latin typeface="Cambria Math"/>
+                          <a:ea typeface="ＭＳ Ｐゴシック"/>
+                        </a:rPr>
+                        <m:t>𝑅</m:t>
+                      </m:r>
+                      <m:r>
+                        <a:rPr lang="en-US" sz="2400" b="0" i="1" smtClean="0">
+                          <a:solidFill>
+                            <a:srgbClr val="000000"/>
+                          </a:solidFill>
+                          <a:latin typeface="Cambria Math"/>
+                          <a:ea typeface="ＭＳ Ｐゴシック"/>
+                        </a:rPr>
+                        <m:t>=</m:t>
+                      </m:r>
+                      <m:sSub>
+                        <m:sSubPr>
+                          <m:ctrlPr>
+                            <a:rPr lang="en-US" sz="2400" b="0" i="1" smtClean="0">
+                              <a:solidFill>
+                                <a:srgbClr val="000000"/>
+                              </a:solidFill>
+                              <a:latin typeface="Cambria Math"/>
+                              <a:ea typeface="ＭＳ Ｐゴシック"/>
+                            </a:rPr>
+                          </m:ctrlPr>
+                        </m:sSubPr>
+                        <m:e>
+                          <m:r>
+                            <a:rPr lang="en-US" sz="2400" b="0" i="1" smtClean="0">
+                              <a:solidFill>
+                                <a:srgbClr val="000000"/>
+                              </a:solidFill>
+                              <a:latin typeface="Cambria Math"/>
+                              <a:ea typeface="ＭＳ Ｐゴシック"/>
+                            </a:rPr>
+                            <m:t>𝑅</m:t>
+                          </m:r>
+                        </m:e>
+                        <m:sub>
+                          <m:r>
+                            <a:rPr lang="en-US" sz="2400" b="0" i="1" smtClean="0">
+                              <a:solidFill>
+                                <a:srgbClr val="000000"/>
+                              </a:solidFill>
+                              <a:latin typeface="Cambria Math"/>
+                              <a:ea typeface="ＭＳ Ｐゴシック"/>
+                            </a:rPr>
+                            <m:t>0</m:t>
+                          </m:r>
+                        </m:sub>
+                      </m:sSub>
+                      <m:r>
+                        <a:rPr lang="en-US" sz="2400" b="0" i="1" smtClean="0">
+                          <a:solidFill>
+                            <a:srgbClr val="000000"/>
+                          </a:solidFill>
+                          <a:latin typeface="Cambria Math"/>
+                          <a:ea typeface="ＭＳ Ｐゴシック"/>
+                        </a:rPr>
+                        <m:t>+</m:t>
+                      </m:r>
+                      <m:r>
+                        <a:rPr lang="en-US" sz="2400" b="0" i="1" smtClean="0">
+                          <a:solidFill>
+                            <a:srgbClr val="000000"/>
+                          </a:solidFill>
+                          <a:latin typeface="Cambria Math"/>
+                          <a:ea typeface="ＭＳ Ｐゴシック"/>
+                        </a:rPr>
+                        <m:t>𝐶</m:t>
+                      </m:r>
+                      <m:nary>
+                        <m:naryPr>
+                          <m:chr m:val="∑"/>
+                          <m:supHide m:val="on"/>
+                          <m:ctrlPr>
+                            <a:rPr lang="en-US" sz="2400" b="0" i="1" smtClean="0">
+                              <a:solidFill>
+                                <a:srgbClr val="000000"/>
+                              </a:solidFill>
+                              <a:latin typeface="Cambria Math"/>
+                              <a:ea typeface="ＭＳ Ｐゴシック"/>
+                            </a:rPr>
+                          </m:ctrlPr>
+                        </m:naryPr>
+                        <m:sub>
+                          <m:r>
+                            <m:rPr>
+                              <m:brk m:alnAt="7"/>
+                            </m:rPr>
+                            <a:rPr lang="en-US" sz="2400" b="0" i="1" smtClean="0">
+                              <a:solidFill>
+                                <a:srgbClr val="000000"/>
+                              </a:solidFill>
+                              <a:latin typeface="Cambria Math"/>
+                              <a:ea typeface="ＭＳ Ｐゴシック"/>
+                            </a:rPr>
+                            <m:t>𝐸</m:t>
+                          </m:r>
+                        </m:sub>
+                        <m:sup/>
+                        <m:e>
+                          <m:r>
+                            <a:rPr lang="en-US" sz="2400" b="0" i="1" smtClean="0">
+                              <a:solidFill>
+                                <a:srgbClr val="000000"/>
+                              </a:solidFill>
+                              <a:latin typeface="Cambria Math"/>
+                              <a:ea typeface="ＭＳ Ｐゴシック"/>
+                            </a:rPr>
+                            <m:t>𝑤</m:t>
+                          </m:r>
+                          <m:d>
+                            <m:dPr>
+                              <m:ctrlPr>
+                                <a:rPr lang="en-US" sz="2400" b="0" i="1" smtClean="0">
+                                  <a:solidFill>
+                                    <a:srgbClr val="000000"/>
+                                  </a:solidFill>
+                                  <a:latin typeface="Cambria Math"/>
+                                  <a:ea typeface="ＭＳ Ｐゴシック"/>
+                                </a:rPr>
+                              </m:ctrlPr>
+                            </m:dPr>
+                            <m:e>
+                              <m:r>
+                                <a:rPr lang="en-US" sz="2400" b="0" i="1" smtClean="0">
+                                  <a:solidFill>
+                                    <a:srgbClr val="000000"/>
+                                  </a:solidFill>
+                                  <a:latin typeface="Cambria Math"/>
+                                  <a:ea typeface="ＭＳ Ｐゴシック"/>
+                                </a:rPr>
+                                <m:t>𝐸</m:t>
+                              </m:r>
+                            </m:e>
+                          </m:d>
+                          <m:r>
+                            <a:rPr lang="en-US" sz="2400" b="0" i="1" smtClean="0">
+                              <a:solidFill>
+                                <a:srgbClr val="000000"/>
+                              </a:solidFill>
+                              <a:latin typeface="Cambria Math"/>
+                              <a:ea typeface="ＭＳ Ｐゴシック"/>
+                            </a:rPr>
+                            <m:t>𝑅</m:t>
+                          </m:r>
+                          <m:r>
+                            <a:rPr lang="en-US" sz="2400" b="0" i="1" smtClean="0">
+                              <a:solidFill>
+                                <a:srgbClr val="000000"/>
+                              </a:solidFill>
+                              <a:latin typeface="Cambria Math"/>
+                              <a:ea typeface="ＭＳ Ｐゴシック"/>
+                            </a:rPr>
+                            <m:t>(</m:t>
+                          </m:r>
+                          <m:r>
+                            <a:rPr lang="en-US" sz="2400" b="0" i="1" smtClean="0">
+                              <a:solidFill>
+                                <a:srgbClr val="000000"/>
+                              </a:solidFill>
+                              <a:latin typeface="Cambria Math"/>
+                              <a:ea typeface="ＭＳ Ｐゴシック"/>
+                            </a:rPr>
+                            <m:t>𝐸</m:t>
+                          </m:r>
+                          <m:r>
+                            <a:rPr lang="en-US" sz="2400" b="0" i="1" smtClean="0">
+                              <a:solidFill>
+                                <a:srgbClr val="000000"/>
+                              </a:solidFill>
+                              <a:latin typeface="Cambria Math"/>
+                              <a:ea typeface="ＭＳ Ｐゴシック"/>
+                            </a:rPr>
+                            <m:t>)</m:t>
+                          </m:r>
+                        </m:e>
+                      </m:nary>
+                    </m:oMath>
+                  </m:oMathPara>
+                </a14:m>
+                <a:endParaRPr lang="en-US" sz="2400" b="0" dirty="0" smtClean="0">
+                  <a:solidFill>
+                    <a:srgbClr val="000000"/>
+                  </a:solidFill>
+                  <a:latin typeface="Arial"/>
+                  <a:ea typeface="ＭＳ Ｐゴシック"/>
+                </a:endParaRPr>
+              </a:p>
+            </p:txBody>
+          </p:sp>
+        </mc:Choice>
+        <mc:Fallback xmlns="">
+          <p:sp>
+            <p:nvSpPr>
+              <p:cNvPr id="159" name="CustomShape 2"/>
+              <p:cNvSpPr>
+                <a:spLocks noRot="1" noChangeAspect="1" noMove="1" noResize="1" noEditPoints="1" noAdjustHandles="1" noChangeArrowheads="1" noChangeShapeType="1" noTextEdit="1"/>
+              </p:cNvSpPr>
+              <p:nvPr/>
+            </p:nvSpPr>
+            <p:spPr>
+              <a:xfrm>
+                <a:off x="347270" y="992252"/>
+                <a:ext cx="7071440" cy="520376"/>
+              </a:xfrm>
+              <a:prstGeom prst="rect">
+                <a:avLst/>
+              </a:prstGeom>
+              <a:blipFill rotWithShape="1">
+                <a:blip r:embed="rId2"/>
+                <a:stretch>
+                  <a:fillRect l="-2500" t="-10588" b="-218824"/>
+                </a:stretch>
+              </a:blipFill>
+              <a:ln>
+                <a:noFill/>
+              </a:ln>
+            </p:spPr>
+            <p:txBody>
+              <a:bodyPr/>
+              <a:lstStyle/>
+              <a:p>
+                <a:r>
+                  <a:rPr lang="de-CH">
+                    <a:noFill/>
+                  </a:rPr>
+                  <a:t> </a:t>
+                </a:r>
+              </a:p>
+            </p:txBody>
+          </p:sp>
+        </mc:Fallback>
+      </mc:AlternateContent>
+      <p:sp>
+        <p:nvSpPr>
+          <p:cNvPr id="160" name="CustomShape 3"/>
+          <p:cNvSpPr/>
+          <p:nvPr/>
+        </p:nvSpPr>
+        <p:spPr>
+          <a:xfrm>
+            <a:off x="7203960" y="6635880"/>
+            <a:ext cx="1637640" cy="456480"/>
+          </a:xfrm>
+          <a:prstGeom prst="rect">
+            <a:avLst/>
+          </a:prstGeom>
+          <a:noFill/>
+          <a:ln>
+            <a:noFill/>
+          </a:ln>
+        </p:spPr>
+        <p:txBody>
+          <a:bodyPr lIns="90000" tIns="45000" rIns="90000" bIns="45000"/>
+          <a:lstStyle/>
+          <a:p>
+            <a:pPr>
+              <a:lnSpc>
+                <a:spcPct val="100000"/>
+              </a:lnSpc>
+            </a:pPr>
+            <a:fld id="{AD907E7C-7299-434B-BF89-8702846DA1AD}" type="slidenum">
+              <a:rPr lang="it-CH" sz="800">
+                <a:solidFill>
+                  <a:srgbClr val="FFFFFF"/>
+                </a:solidFill>
+                <a:latin typeface="Arial"/>
+                <a:ea typeface="ＭＳ Ｐゴシック"/>
+              </a:rPr>
+              <a:t>11</a:t>
+            </a:fld>
+            <a:endParaRPr/>
+          </a:p>
+        </p:txBody>
+      </p:sp>
+      <p:sp>
+        <p:nvSpPr>
+          <p:cNvPr id="161" name="CustomShape 4"/>
+          <p:cNvSpPr/>
+          <p:nvPr/>
+        </p:nvSpPr>
+        <p:spPr>
+          <a:xfrm>
+            <a:off x="2239920" y="6635880"/>
+            <a:ext cx="4772880" cy="448560"/>
+          </a:xfrm>
+          <a:prstGeom prst="rect">
+            <a:avLst/>
+          </a:prstGeom>
+          <a:noFill/>
+          <a:ln>
+            <a:noFill/>
+          </a:ln>
+        </p:spPr>
+        <p:txBody>
+          <a:bodyPr lIns="90000" tIns="45000" rIns="90000" bIns="45000"/>
+          <a:lstStyle/>
+          <a:p>
+            <a:pPr>
+              <a:lnSpc>
+                <a:spcPct val="100000"/>
+              </a:lnSpc>
+            </a:pPr>
+            <a:r>
+              <a:rPr lang="it-CH" sz="800">
+                <a:solidFill>
+                  <a:srgbClr val="FFFFFF"/>
+                </a:solidFill>
+                <a:latin typeface="Arial"/>
+                <a:ea typeface="ＭＳ Ｐゴシック"/>
+              </a:rPr>
+              <a:t>Matteo Abis – XNPIG2015</a:t>
+            </a:r>
+            <a:endParaRPr/>
+          </a:p>
+        </p:txBody>
+      </p:sp>
+      <p:pic>
+        <p:nvPicPr>
+          <p:cNvPr id="2" name="Picture 1"/>
+          <p:cNvPicPr>
+            <a:picLocks noChangeAspect="1"/>
+          </p:cNvPicPr>
+          <p:nvPr/>
+        </p:nvPicPr>
+        <p:blipFill>
+          <a:blip r:embed="rId3" cstate="print">
+            <a:extLst>
+              <a:ext uri="{28A0092B-C50C-407E-A947-70E740481C1C}">
+                <a14:useLocalDpi xmlns:a14="http://schemas.microsoft.com/office/drawing/2010/main" val="0"/>
+              </a:ext>
+            </a:extLst>
+          </a:blip>
+          <a:stretch>
+            <a:fillRect/>
+          </a:stretch>
+        </p:blipFill>
+        <p:spPr>
+          <a:xfrm>
+            <a:off x="737928" y="1825506"/>
+            <a:ext cx="7650496" cy="4725092"/>
+          </a:xfrm>
+          <a:prstGeom prst="rect">
+            <a:avLst/>
+          </a:prstGeom>
+        </p:spPr>
+      </p:pic>
+      <mc:AlternateContent xmlns:mc="http://schemas.openxmlformats.org/markup-compatibility/2006">
+        <mc:Choice xmlns:a14="http://schemas.microsoft.com/office/drawing/2010/main" Requires="a14">
+          <p:graphicFrame>
+            <p:nvGraphicFramePr>
+              <p:cNvPr id="3" name="Table 2"/>
+              <p:cNvGraphicFramePr>
+                <a:graphicFrameLocks noGrp="1"/>
+              </p:cNvGraphicFramePr>
+              <p:nvPr>
+                <p:extLst>
+                  <p:ext uri="{D42A27DB-BD31-4B8C-83A1-F6EECF244321}">
+                    <p14:modId xmlns:p14="http://schemas.microsoft.com/office/powerpoint/2010/main" val="2941917359"/>
+                  </p:ext>
+                </p:extLst>
+              </p:nvPr>
+            </p:nvGraphicFramePr>
+            <p:xfrm>
+              <a:off x="5580112" y="1825505"/>
+              <a:ext cx="3253257" cy="1110879"/>
+            </p:xfrm>
+            <a:graphic>
+              <a:graphicData uri="http://schemas.openxmlformats.org/drawingml/2006/table">
+                <a:tbl>
+                  <a:tblPr firstRow="1">
+                    <a:tableStyleId>{69012ECD-51FC-41F1-AA8D-1B2483CD663E}</a:tableStyleId>
+                  </a:tblPr>
+                  <a:tblGrid>
+                    <a:gridCol w="936104"/>
+                    <a:gridCol w="1152128"/>
+                    <a:gridCol w="1165025"/>
+                  </a:tblGrid>
+                  <a:tr h="379359">
+                    <a:tc>
+                      <a:txBody>
+                        <a:bodyPr/>
+                        <a:lstStyle/>
+                        <a:p>
+                          <a:pPr algn="ctr"/>
+                          <a:r>
+                            <a:rPr lang="en-US" dirty="0" smtClean="0"/>
+                            <a:t>t </a:t>
+                          </a:r>
+                          <a:r>
+                            <a:rPr lang="en-US" dirty="0" smtClean="0"/>
+                            <a:t>(mm)</a:t>
+                          </a:r>
+                          <a:endParaRPr lang="de-CH" dirty="0"/>
+                        </a:p>
+                      </a:txBody>
+                      <a:tcPr/>
+                    </a:tc>
+                    <a:tc>
+                      <a:txBody>
+                        <a:bodyPr/>
+                        <a:lstStyle/>
+                        <a:p>
+                          <a:pPr algn="ctr"/>
+                          <a14:m>
+                            <m:oMathPara xmlns:m="http://schemas.openxmlformats.org/officeDocument/2006/math">
+                              <m:oMathParaPr>
+                                <m:jc m:val="centerGroup"/>
+                              </m:oMathParaPr>
+                              <m:oMath xmlns:m="http://schemas.openxmlformats.org/officeDocument/2006/math">
+                                <m:sSub>
+                                  <m:sSubPr>
+                                    <m:ctrlPr>
+                                      <a:rPr lang="en-US" smtClean="0"/>
+                                    </m:ctrlPr>
+                                  </m:sSubPr>
+                                  <m:e>
+                                    <m:r>
+                                      <a:rPr lang="en-US" smtClean="0"/>
+                                      <m:t>𝑹</m:t>
+                                    </m:r>
+                                  </m:e>
+                                  <m:sub>
+                                    <m:r>
+                                      <a:rPr lang="en-US" smtClean="0"/>
+                                      <m:t>𝟎</m:t>
+                                    </m:r>
+                                  </m:sub>
+                                </m:sSub>
+                              </m:oMath>
+                            </m:oMathPara>
+                          </a14:m>
+                          <a:endParaRPr lang="de-CH" dirty="0"/>
+                        </a:p>
+                      </a:txBody>
+                      <a:tcPr/>
+                    </a:tc>
+                    <a:tc>
+                      <a:txBody>
+                        <a:bodyPr/>
+                        <a:lstStyle/>
+                        <a:p>
+                          <a:pPr algn="ctr"/>
+                          <a:r>
+                            <a:rPr lang="en-US" dirty="0" smtClean="0"/>
+                            <a:t>C</a:t>
+                          </a:r>
+                          <a:endParaRPr lang="de-CH" dirty="0"/>
+                        </a:p>
+                      </a:txBody>
+                      <a:tcPr/>
+                    </a:tc>
+                  </a:tr>
+                  <a:tr h="361768">
+                    <a:tc>
+                      <a:txBody>
+                        <a:bodyPr/>
+                        <a:lstStyle/>
+                        <a:p>
+                          <a:pPr algn="ctr"/>
+                          <a:r>
+                            <a:rPr lang="en-US" dirty="0" smtClean="0"/>
+                            <a:t>12</a:t>
+                          </a:r>
+                          <a:endParaRPr lang="de-CH" dirty="0"/>
+                        </a:p>
+                      </a:txBody>
+                      <a:tcPr/>
+                    </a:tc>
+                    <a:tc>
+                      <a:txBody>
+                        <a:bodyPr/>
+                        <a:lstStyle/>
+                        <a:p>
+                          <a:pPr algn="ctr"/>
+                          <a:r>
+                            <a:rPr lang="en-US" dirty="0" smtClean="0"/>
+                            <a:t>2.73(12)</a:t>
+                          </a:r>
+                          <a:endParaRPr lang="de-CH" dirty="0"/>
+                        </a:p>
+                      </a:txBody>
+                      <a:tcPr/>
+                    </a:tc>
+                    <a:tc>
+                      <a:txBody>
+                        <a:bodyPr/>
+                        <a:lstStyle/>
+                        <a:p>
+                          <a:pPr algn="ctr"/>
+                          <a:r>
+                            <a:rPr lang="en-US" dirty="0" smtClean="0"/>
+                            <a:t>5(1)</a:t>
+                          </a:r>
+                          <a:endParaRPr lang="de-CH" dirty="0"/>
+                        </a:p>
+                      </a:txBody>
+                      <a:tcPr/>
+                    </a:tc>
+                  </a:tr>
+                  <a:tr h="361768">
+                    <a:tc>
+                      <a:txBody>
+                        <a:bodyPr/>
+                        <a:lstStyle/>
+                        <a:p>
+                          <a:pPr algn="ctr"/>
+                          <a:r>
+                            <a:rPr lang="en-US" dirty="0" smtClean="0"/>
+                            <a:t>45</a:t>
+                          </a:r>
+                          <a:endParaRPr lang="de-CH" dirty="0"/>
+                        </a:p>
+                      </a:txBody>
+                      <a:tcPr/>
+                    </a:tc>
+                    <a:tc>
+                      <a:txBody>
+                        <a:bodyPr/>
+                        <a:lstStyle/>
+                        <a:p>
+                          <a:pPr algn="ctr"/>
+                          <a:r>
+                            <a:rPr lang="en-US" dirty="0" smtClean="0"/>
+                            <a:t>2.31(15)</a:t>
+                          </a:r>
+                          <a:endParaRPr lang="de-CH" dirty="0"/>
+                        </a:p>
+                      </a:txBody>
+                      <a:tcPr/>
+                    </a:tc>
+                    <a:tc>
+                      <a:txBody>
+                        <a:bodyPr/>
+                        <a:lstStyle/>
+                        <a:p>
+                          <a:pPr algn="ctr"/>
+                          <a:r>
+                            <a:rPr lang="en-US" dirty="0" smtClean="0"/>
+                            <a:t>11(2)</a:t>
+                          </a:r>
+                          <a:endParaRPr lang="de-CH" dirty="0"/>
+                        </a:p>
+                      </a:txBody>
+                      <a:tcPr/>
+                    </a:tc>
+                  </a:tr>
+                </a:tbl>
+              </a:graphicData>
+            </a:graphic>
+          </p:graphicFrame>
+        </mc:Choice>
+        <mc:Fallback>
+          <p:graphicFrame>
+            <p:nvGraphicFramePr>
+              <p:cNvPr id="3" name="Table 2"/>
+              <p:cNvGraphicFramePr>
+                <a:graphicFrameLocks noGrp="1"/>
+              </p:cNvGraphicFramePr>
+              <p:nvPr>
+                <p:extLst>
+                  <p:ext uri="{D42A27DB-BD31-4B8C-83A1-F6EECF244321}">
+                    <p14:modId xmlns:p14="http://schemas.microsoft.com/office/powerpoint/2010/main" val="2941917359"/>
+                  </p:ext>
+                </p:extLst>
+              </p:nvPr>
+            </p:nvGraphicFramePr>
+            <p:xfrm>
+              <a:off x="5580112" y="1825505"/>
+              <a:ext cx="3253257" cy="1110879"/>
+            </p:xfrm>
+            <a:graphic>
+              <a:graphicData uri="http://schemas.openxmlformats.org/drawingml/2006/table">
+                <a:tbl>
+                  <a:tblPr firstRow="1">
+                    <a:tableStyleId>{69012ECD-51FC-41F1-AA8D-1B2483CD663E}</a:tableStyleId>
+                  </a:tblPr>
+                  <a:tblGrid>
+                    <a:gridCol w="936104"/>
+                    <a:gridCol w="1152128"/>
+                    <a:gridCol w="1165025"/>
+                  </a:tblGrid>
+                  <a:tr h="379359">
+                    <a:tc>
+                      <a:txBody>
+                        <a:bodyPr/>
+                        <a:lstStyle/>
+                        <a:p>
+                          <a:pPr algn="ctr"/>
+                          <a:r>
+                            <a:rPr lang="en-US" dirty="0" smtClean="0"/>
+                            <a:t>t </a:t>
+                          </a:r>
+                          <a:r>
+                            <a:rPr lang="en-US" dirty="0" smtClean="0"/>
+                            <a:t>(mm)</a:t>
+                          </a:r>
+                          <a:endParaRPr lang="de-CH" dirty="0"/>
+                        </a:p>
+                      </a:txBody>
+                      <a:tcPr/>
+                    </a:tc>
+                    <a:tc>
+                      <a:txBody>
+                        <a:bodyPr/>
+                        <a:lstStyle/>
+                        <a:p>
+                          <a:endParaRPr lang="de-DE"/>
+                        </a:p>
+                      </a:txBody>
+                      <a:tcPr>
+                        <a:blipFill rotWithShape="1">
+                          <a:blip r:embed="rId4"/>
+                          <a:stretch>
+                            <a:fillRect l="-81481" t="-8065" r="-101587" b="-220968"/>
+                          </a:stretch>
+                        </a:blipFill>
+                      </a:tcPr>
+                    </a:tc>
+                    <a:tc>
+                      <a:txBody>
+                        <a:bodyPr/>
+                        <a:lstStyle/>
+                        <a:p>
+                          <a:pPr algn="ctr"/>
+                          <a:r>
+                            <a:rPr lang="en-US" dirty="0" smtClean="0"/>
+                            <a:t>C</a:t>
+                          </a:r>
+                          <a:endParaRPr lang="de-CH" dirty="0"/>
+                        </a:p>
+                      </a:txBody>
+                      <a:tcPr/>
+                    </a:tc>
+                  </a:tr>
+                  <a:tr h="365760">
+                    <a:tc>
+                      <a:txBody>
+                        <a:bodyPr/>
+                        <a:lstStyle/>
+                        <a:p>
+                          <a:pPr algn="ctr"/>
+                          <a:r>
+                            <a:rPr lang="en-US" dirty="0" smtClean="0"/>
+                            <a:t>12</a:t>
+                          </a:r>
+                          <a:endParaRPr lang="de-CH" dirty="0"/>
+                        </a:p>
+                      </a:txBody>
+                      <a:tcPr/>
+                    </a:tc>
+                    <a:tc>
+                      <a:txBody>
+                        <a:bodyPr/>
+                        <a:lstStyle/>
+                        <a:p>
+                          <a:pPr algn="ctr"/>
+                          <a:r>
+                            <a:rPr lang="en-US" dirty="0" smtClean="0"/>
+                            <a:t>2.73(12)</a:t>
+                          </a:r>
+                          <a:endParaRPr lang="de-CH" dirty="0"/>
+                        </a:p>
+                      </a:txBody>
+                      <a:tcPr/>
+                    </a:tc>
+                    <a:tc>
+                      <a:txBody>
+                        <a:bodyPr/>
+                        <a:lstStyle/>
+                        <a:p>
+                          <a:pPr algn="ctr"/>
+                          <a:r>
+                            <a:rPr lang="en-US" dirty="0" smtClean="0"/>
+                            <a:t>5(1)</a:t>
+                          </a:r>
+                          <a:endParaRPr lang="de-CH" dirty="0"/>
+                        </a:p>
+                      </a:txBody>
+                      <a:tcPr/>
+                    </a:tc>
+                  </a:tr>
+                  <a:tr h="365760">
+                    <a:tc>
+                      <a:txBody>
+                        <a:bodyPr/>
+                        <a:lstStyle/>
+                        <a:p>
+                          <a:pPr algn="ctr"/>
+                          <a:r>
+                            <a:rPr lang="en-US" dirty="0" smtClean="0"/>
+                            <a:t>45</a:t>
+                          </a:r>
+                          <a:endParaRPr lang="de-CH" dirty="0"/>
+                        </a:p>
+                      </a:txBody>
+                      <a:tcPr/>
+                    </a:tc>
+                    <a:tc>
+                      <a:txBody>
+                        <a:bodyPr/>
+                        <a:lstStyle/>
+                        <a:p>
+                          <a:pPr algn="ctr"/>
+                          <a:r>
+                            <a:rPr lang="en-US" dirty="0" smtClean="0"/>
+                            <a:t>2.31(15)</a:t>
+                          </a:r>
+                          <a:endParaRPr lang="de-CH" dirty="0"/>
+                        </a:p>
+                      </a:txBody>
+                      <a:tcPr/>
+                    </a:tc>
+                    <a:tc>
+                      <a:txBody>
+                        <a:bodyPr/>
+                        <a:lstStyle/>
+                        <a:p>
+                          <a:pPr algn="ctr"/>
+                          <a:r>
+                            <a:rPr lang="en-US" dirty="0" smtClean="0"/>
+                            <a:t>11(2)</a:t>
+                          </a:r>
+                          <a:endParaRPr lang="de-CH" dirty="0"/>
+                        </a:p>
+                      </a:txBody>
+                      <a:tcPr/>
+                    </a:tc>
+                  </a:tr>
+                </a:tbl>
+              </a:graphicData>
+            </a:graphic>
+          </p:graphicFrame>
+        </mc:Fallback>
+      </mc:AlternateContent>
+    </p:spTree>
+    <p:extLst>
+      <p:ext uri="{BB962C8B-B14F-4D97-AF65-F5344CB8AC3E}">
+        <p14:creationId xmlns:p14="http://schemas.microsoft.com/office/powerpoint/2010/main" val="869801406"/>
+      </p:ext>
+    </p:extLst>
+  </p:cSld>
+  <p:clrMapOvr>
+    <a:masterClrMapping/>
+  </p:clrMapOvr>
+  <p:transition spd="slow">
+    <p:fade/>
+  </p:transition>
+  <p:timing>
+    <p:tnLst>
+      <p:par>
+        <p:cTn id="1" dur="indefinite" restart="never" nodeType="tmRoot">
+          <p:childTnLst>
+            <p:seq>
+              <p:cTn id="2" nodeType="mainSeq"/>
+              <p:prevCondLst>
+                <p:cond evt="onPrev" delay="0">
+                  <p:tgtEl>
+                    <p:sldTgt/>
+                  </p:tgtEl>
+                </p:cond>
+              </p:prevCondLst>
+              <p:nextCondLst>
+                <p:cond evt="onNext" delay="0">
+                  <p:tgtEl>
+                    <p:sldTgt/>
+                  </p:tgtEl>
+                </p:cond>
+              </p:nextCondLst>
+            </p:seq>
+          </p:childTnLst>
+        </p:cTn>
+      </p:par>
+    </p:tnLst>
+  </p:timing>
+</p:sld>
+</file>
+
+<file path=ppt/slides/slide12.xml><?xml version="1.0" encoding="utf-8"?>
+<p:sld xmlns:a="http://schemas.openxmlformats.org/drawingml/2006/main" xmlns:r="http://schemas.openxmlformats.org/officeDocument/2006/relationships" xmlns:p="http://schemas.openxmlformats.org/presentationml/2006/main">
+  <p:cSld>
+    <p:spTree>
+      <p:nvGrpSpPr>
+        <p:cNvPr id="1" name=""/>
+        <p:cNvGrpSpPr/>
+        <p:nvPr/>
+      </p:nvGrpSpPr>
+      <p:grpSpPr>
+        <a:xfrm>
+          <a:off x="0" y="0"/>
+          <a:ext cx="0" cy="0"/>
+          <a:chOff x="0" y="0"/>
+          <a:chExt cx="0" cy="0"/>
+        </a:xfrm>
+      </p:grpSpPr>
+      <p:sp>
+        <p:nvSpPr>
+          <p:cNvPr id="158" name="CustomShape 1"/>
+          <p:cNvSpPr/>
+          <p:nvPr/>
+        </p:nvSpPr>
+        <p:spPr>
+          <a:xfrm>
+            <a:off x="380880" y="411120"/>
+            <a:ext cx="8381160" cy="766080"/>
+          </a:xfrm>
+          <a:prstGeom prst="rect">
+            <a:avLst/>
+          </a:prstGeom>
+          <a:noFill/>
+          <a:ln>
+            <a:noFill/>
+          </a:ln>
+        </p:spPr>
+        <p:txBody>
+          <a:bodyPr lIns="0" tIns="36000" rIns="0" bIns="36000"/>
+          <a:lstStyle/>
+          <a:p>
+            <a:pPr>
+              <a:lnSpc>
+                <a:spcPct val="100000"/>
+              </a:lnSpc>
+            </a:pPr>
+            <a:r>
+              <a:rPr lang="it-CH" sz="2800" b="1" dirty="0" err="1" smtClean="0">
+                <a:solidFill>
+                  <a:srgbClr val="00335B"/>
+                </a:solidFill>
+                <a:latin typeface="Arial"/>
+                <a:ea typeface="ＭＳ Ｐゴシック"/>
+              </a:rPr>
+              <a:t>Conclusions</a:t>
+            </a:r>
+            <a:endParaRPr dirty="0"/>
+          </a:p>
+        </p:txBody>
+      </p:sp>
+      <mc:AlternateContent xmlns:mc="http://schemas.openxmlformats.org/markup-compatibility/2006">
+        <mc:Choice xmlns:a14="http://schemas.microsoft.com/office/drawing/2010/main" Requires="a14">
+          <p:sp>
+            <p:nvSpPr>
+              <p:cNvPr id="159" name="CustomShape 2"/>
+              <p:cNvSpPr/>
+              <p:nvPr/>
+            </p:nvSpPr>
+            <p:spPr>
+              <a:xfrm>
+                <a:off x="380880" y="1252440"/>
+                <a:ext cx="8583608" cy="4480816"/>
+              </a:xfrm>
+              <a:prstGeom prst="rect">
+                <a:avLst/>
+              </a:prstGeom>
+              <a:noFill/>
+              <a:ln>
+                <a:noFill/>
+              </a:ln>
+            </p:spPr>
+            <p:txBody>
+              <a:bodyPr lIns="0" tIns="36000" rIns="0" bIns="36000"/>
+              <a:lstStyle/>
+              <a:p>
+                <a:pPr marL="342900" indent="-342900">
+                  <a:lnSpc>
+                    <a:spcPct val="100000"/>
+                  </a:lnSpc>
+                  <a:buFont typeface="Arial" panose="020B0604020202020204" pitchFamily="34" charset="0"/>
+                  <a:buChar char="•"/>
+                </a:pPr>
+                <a:r>
+                  <a:rPr lang="en-US" sz="2400" dirty="0" smtClean="0">
+                    <a:solidFill>
+                      <a:srgbClr val="000000"/>
+                    </a:solidFill>
+                    <a:latin typeface="Arial"/>
+                    <a:ea typeface="ＭＳ Ｐゴシック"/>
+                  </a:rPr>
+                  <a:t>Good model for dark field above 50 </a:t>
+                </a:r>
+                <a:r>
+                  <a:rPr lang="en-US" sz="2400" dirty="0" err="1" smtClean="0">
+                    <a:solidFill>
+                      <a:srgbClr val="000000"/>
+                    </a:solidFill>
+                    <a:latin typeface="Arial"/>
+                    <a:ea typeface="ＭＳ Ｐゴシック"/>
+                  </a:rPr>
+                  <a:t>keV</a:t>
+                </a:r>
+                <a:r>
+                  <a:rPr lang="en-US" sz="2400" dirty="0" smtClean="0">
+                    <a:solidFill>
+                      <a:srgbClr val="000000"/>
+                    </a:solidFill>
+                    <a:latin typeface="Arial"/>
+                    <a:ea typeface="ＭＳ Ｐゴシック"/>
+                  </a:rPr>
+                  <a:t> on polychromatic sources</a:t>
+                </a:r>
+                <a:endParaRPr lang="en-US" sz="2400" dirty="0" smtClean="0">
+                  <a:solidFill>
+                    <a:srgbClr val="000000"/>
+                  </a:solidFill>
+                  <a:latin typeface="Arial"/>
+                  <a:ea typeface="ＭＳ Ｐゴシック"/>
+                </a:endParaRPr>
+              </a:p>
+              <a:p>
+                <a:pPr marL="342900" indent="-342900">
+                  <a:lnSpc>
+                    <a:spcPct val="100000"/>
+                  </a:lnSpc>
+                  <a:buFont typeface="Arial" panose="020B0604020202020204" pitchFamily="34" charset="0"/>
+                  <a:buChar char="•"/>
+                </a:pPr>
+                <a:endParaRPr lang="en-US" sz="2400" dirty="0" smtClean="0">
+                  <a:solidFill>
+                    <a:srgbClr val="000000"/>
+                  </a:solidFill>
+                  <a:latin typeface="Arial"/>
+                  <a:ea typeface="ＭＳ Ｐゴシック"/>
+                </a:endParaRPr>
+              </a:p>
+              <a:p>
+                <a:pPr marL="342900" indent="-342900">
+                  <a:lnSpc>
+                    <a:spcPct val="100000"/>
+                  </a:lnSpc>
+                  <a:buFont typeface="Arial" panose="020B0604020202020204" pitchFamily="34" charset="0"/>
+                  <a:buChar char="•"/>
+                </a:pPr>
+                <a:r>
+                  <a:rPr lang="en-US" sz="2400" dirty="0" smtClean="0">
+                    <a:solidFill>
+                      <a:srgbClr val="000000"/>
+                    </a:solidFill>
+                    <a:latin typeface="Arial"/>
+                    <a:ea typeface="ＭＳ Ｐゴシック"/>
+                  </a:rPr>
+                  <a:t>Effective Z information is lost</a:t>
+                </a:r>
+              </a:p>
+              <a:p>
+                <a:pPr marL="342900" indent="-342900">
+                  <a:lnSpc>
+                    <a:spcPct val="100000"/>
+                  </a:lnSpc>
+                  <a:buFont typeface="Arial" panose="020B0604020202020204" pitchFamily="34" charset="0"/>
+                  <a:buChar char="•"/>
+                </a:pPr>
+                <a:endParaRPr lang="en-US" sz="2400" dirty="0" smtClean="0">
+                  <a:solidFill>
+                    <a:srgbClr val="000000"/>
+                  </a:solidFill>
+                  <a:latin typeface="Arial"/>
+                  <a:ea typeface="ＭＳ Ｐゴシック"/>
+                </a:endParaRPr>
+              </a:p>
+              <a:p>
+                <a:pPr marL="342900" indent="-342900">
+                  <a:lnSpc>
+                    <a:spcPct val="100000"/>
+                  </a:lnSpc>
+                  <a:buFont typeface="Arial" panose="020B0604020202020204" pitchFamily="34" charset="0"/>
+                  <a:buChar char="•"/>
+                </a:pPr>
+                <a:r>
+                  <a:rPr lang="en-US" sz="2400" dirty="0" smtClean="0">
+                    <a:solidFill>
+                      <a:srgbClr val="000000"/>
+                    </a:solidFill>
+                    <a:latin typeface="Arial"/>
+                    <a:ea typeface="ＭＳ Ｐゴシック"/>
+                  </a:rPr>
+                  <a:t>Fully complementary information on microstructures can be retrieved with </a:t>
+                </a:r>
+                <a14:m>
+                  <m:oMath xmlns:m="http://schemas.openxmlformats.org/officeDocument/2006/math">
+                    <m:r>
+                      <a:rPr lang="en-US" sz="2400" b="0" i="1" smtClean="0">
+                        <a:solidFill>
+                          <a:srgbClr val="000000"/>
+                        </a:solidFill>
+                        <a:latin typeface="Cambria Math"/>
+                        <a:ea typeface="ＭＳ Ｐゴシック"/>
+                      </a:rPr>
+                      <m:t>𝑅</m:t>
+                    </m:r>
+                  </m:oMath>
+                </a14:m>
+                <a:endParaRPr lang="en-US" sz="2400" dirty="0" smtClean="0">
+                  <a:solidFill>
+                    <a:srgbClr val="000000"/>
+                  </a:solidFill>
+                  <a:latin typeface="Arial"/>
+                  <a:ea typeface="ＭＳ Ｐゴシック"/>
+                </a:endParaRPr>
+              </a:p>
+              <a:p>
+                <a:pPr marL="342900" indent="-342900">
+                  <a:lnSpc>
+                    <a:spcPct val="100000"/>
+                  </a:lnSpc>
+                  <a:buFont typeface="Arial" panose="020B0604020202020204" pitchFamily="34" charset="0"/>
+                  <a:buChar char="•"/>
+                </a:pPr>
+                <a:endParaRPr lang="en-US" sz="2400" dirty="0" smtClean="0">
+                  <a:solidFill>
+                    <a:srgbClr val="000000"/>
+                  </a:solidFill>
+                  <a:latin typeface="Arial"/>
+                  <a:ea typeface="ＭＳ Ｐゴシック"/>
+                </a:endParaRPr>
+              </a:p>
+              <a:p>
+                <a:pPr marL="342900" indent="-342900">
+                  <a:lnSpc>
+                    <a:spcPct val="100000"/>
+                  </a:lnSpc>
+                  <a:buFont typeface="Arial" panose="020B0604020202020204" pitchFamily="34" charset="0"/>
+                  <a:buChar char="•"/>
+                </a:pPr>
+                <a14:m>
+                  <m:oMath xmlns:m="http://schemas.openxmlformats.org/officeDocument/2006/math">
+                    <m:sSub>
+                      <m:sSubPr>
+                        <m:ctrlPr>
+                          <a:rPr lang="en-US" sz="2400" b="0" i="1" smtClean="0">
+                            <a:solidFill>
+                              <a:srgbClr val="000000"/>
+                            </a:solidFill>
+                            <a:latin typeface="Cambria Math"/>
+                            <a:ea typeface="ＭＳ Ｐゴシック"/>
+                          </a:rPr>
+                        </m:ctrlPr>
+                      </m:sSubPr>
+                      <m:e>
+                        <m:r>
+                          <a:rPr lang="en-US" sz="2400" b="0" i="1" smtClean="0">
+                            <a:solidFill>
+                              <a:srgbClr val="000000"/>
+                            </a:solidFill>
+                            <a:latin typeface="Cambria Math"/>
+                            <a:ea typeface="ＭＳ Ｐゴシック"/>
+                          </a:rPr>
+                          <m:t>𝑅</m:t>
+                        </m:r>
+                      </m:e>
+                      <m:sub>
+                        <m:r>
+                          <a:rPr lang="en-US" sz="2400" b="0" i="1" smtClean="0">
+                            <a:solidFill>
+                              <a:srgbClr val="000000"/>
+                            </a:solidFill>
+                            <a:latin typeface="Cambria Math"/>
+                            <a:ea typeface="ＭＳ Ｐゴシック"/>
+                          </a:rPr>
+                          <m:t>0</m:t>
+                        </m:r>
+                      </m:sub>
+                    </m:sSub>
+                    <m:r>
+                      <a:rPr lang="en-US" sz="2400" b="0" i="1" smtClean="0">
+                        <a:solidFill>
+                          <a:srgbClr val="000000"/>
+                        </a:solidFill>
+                        <a:latin typeface="Cambria Math"/>
+                        <a:ea typeface="ＭＳ Ｐゴシック"/>
+                      </a:rPr>
+                      <m:t>&gt;1</m:t>
+                    </m:r>
+                  </m:oMath>
+                </a14:m>
+                <a:r>
+                  <a:rPr lang="en-US" sz="2400" dirty="0" smtClean="0">
+                    <a:solidFill>
+                      <a:srgbClr val="000000"/>
+                    </a:solidFill>
+                    <a:latin typeface="Arial"/>
+                    <a:ea typeface="ＭＳ Ｐゴシック"/>
+                  </a:rPr>
+                  <a:t> means that the phase signal is very difficult to recover</a:t>
+                </a:r>
+                <a:endParaRPr lang="en-US" sz="2400" dirty="0" smtClean="0">
+                  <a:solidFill>
+                    <a:srgbClr val="000000"/>
+                  </a:solidFill>
+                  <a:latin typeface="Arial"/>
+                  <a:ea typeface="ＭＳ Ｐゴシック"/>
+                </a:endParaRPr>
+              </a:p>
+            </p:txBody>
+          </p:sp>
+        </mc:Choice>
+        <mc:Fallback>
+          <p:sp>
+            <p:nvSpPr>
+              <p:cNvPr id="159" name="CustomShape 2"/>
+              <p:cNvSpPr>
+                <a:spLocks noRot="1" noChangeAspect="1" noMove="1" noResize="1" noEditPoints="1" noAdjustHandles="1" noChangeArrowheads="1" noChangeShapeType="1" noTextEdit="1"/>
+              </p:cNvSpPr>
+              <p:nvPr/>
+            </p:nvSpPr>
+            <p:spPr>
+              <a:xfrm>
+                <a:off x="380880" y="1252440"/>
+                <a:ext cx="8583608" cy="4480816"/>
+              </a:xfrm>
+              <a:prstGeom prst="rect">
+                <a:avLst/>
+              </a:prstGeom>
+              <a:blipFill rotWithShape="1">
+                <a:blip r:embed="rId2"/>
+                <a:stretch>
+                  <a:fillRect l="-1987" t="-1088" r="-2058"/>
+                </a:stretch>
+              </a:blipFill>
+              <a:ln>
+                <a:noFill/>
+              </a:ln>
+            </p:spPr>
+            <p:txBody>
+              <a:bodyPr/>
+              <a:lstStyle/>
+              <a:p>
+                <a:r>
+                  <a:rPr lang="de-CH">
+                    <a:noFill/>
+                  </a:rPr>
+                  <a:t> </a:t>
+                </a:r>
+              </a:p>
+            </p:txBody>
+          </p:sp>
+        </mc:Fallback>
+      </mc:AlternateContent>
+      <p:sp>
+        <p:nvSpPr>
+          <p:cNvPr id="160" name="CustomShape 3"/>
+          <p:cNvSpPr/>
+          <p:nvPr/>
+        </p:nvSpPr>
+        <p:spPr>
+          <a:xfrm>
+            <a:off x="7203960" y="6635880"/>
+            <a:ext cx="1637640" cy="456480"/>
+          </a:xfrm>
+          <a:prstGeom prst="rect">
+            <a:avLst/>
+          </a:prstGeom>
+          <a:noFill/>
+          <a:ln>
+            <a:noFill/>
+          </a:ln>
+        </p:spPr>
+        <p:txBody>
+          <a:bodyPr lIns="90000" tIns="45000" rIns="90000" bIns="45000"/>
+          <a:lstStyle/>
+          <a:p>
+            <a:pPr>
+              <a:lnSpc>
+                <a:spcPct val="100000"/>
+              </a:lnSpc>
+            </a:pPr>
+            <a:fld id="{AD907E7C-7299-434B-BF89-8702846DA1AD}" type="slidenum">
+              <a:rPr lang="it-CH" sz="800">
+                <a:solidFill>
+                  <a:srgbClr val="FFFFFF"/>
+                </a:solidFill>
+                <a:latin typeface="Arial"/>
+                <a:ea typeface="ＭＳ Ｐゴシック"/>
+              </a:rPr>
+              <a:t>12</a:t>
+            </a:fld>
+            <a:endParaRPr/>
+          </a:p>
+        </p:txBody>
+      </p:sp>
+      <p:sp>
+        <p:nvSpPr>
+          <p:cNvPr id="161" name="CustomShape 4"/>
+          <p:cNvSpPr/>
+          <p:nvPr/>
+        </p:nvSpPr>
+        <p:spPr>
+          <a:xfrm>
+            <a:off x="2239920" y="6635880"/>
+            <a:ext cx="4772880" cy="448560"/>
+          </a:xfrm>
+          <a:prstGeom prst="rect">
+            <a:avLst/>
+          </a:prstGeom>
+          <a:noFill/>
+          <a:ln>
+            <a:noFill/>
+          </a:ln>
+        </p:spPr>
+        <p:txBody>
+          <a:bodyPr lIns="90000" tIns="45000" rIns="90000" bIns="45000"/>
+          <a:lstStyle/>
+          <a:p>
+            <a:pPr>
+              <a:lnSpc>
+                <a:spcPct val="100000"/>
+              </a:lnSpc>
+            </a:pPr>
+            <a:r>
+              <a:rPr lang="it-CH" sz="800">
+                <a:solidFill>
+                  <a:srgbClr val="FFFFFF"/>
+                </a:solidFill>
+                <a:latin typeface="Arial"/>
+                <a:ea typeface="ＭＳ Ｐゴシック"/>
+              </a:rPr>
+              <a:t>Matteo Abis – XNPIG2015</a:t>
+            </a:r>
+            <a:endParaRPr/>
+          </a:p>
+        </p:txBody>
+      </p:sp>
+    </p:spTree>
+    <p:extLst>
+      <p:ext uri="{BB962C8B-B14F-4D97-AF65-F5344CB8AC3E}">
+        <p14:creationId xmlns:p14="http://schemas.microsoft.com/office/powerpoint/2010/main" val="1997396758"/>
+      </p:ext>
+    </p:extLst>
+  </p:cSld>
+  <p:clrMapOvr>
+    <a:masterClrMapping/>
+  </p:clrMapOvr>
+  <p:transition spd="slow">
+    <p:fade/>
+  </p:transition>
+  <p:timing>
+    <p:tnLst>
+      <p:par>
+        <p:cTn id="1" dur="indefinite" restart="never" nodeType="tmRoot">
+          <p:childTnLst>
+            <p:seq>
+              <p:cTn id="2" nodeType="mainSeq"/>
+              <p:prevCondLst>
+                <p:cond evt="onPrev" delay="0">
+                  <p:tgtEl>
+                    <p:sldTgt/>
+                  </p:tgtEl>
+                </p:cond>
+              </p:prevCondLst>
+              <p:nextCondLst>
+                <p:cond evt="onNext" delay="0">
+                  <p:tgtEl>
+                    <p:sldTgt/>
+                  </p:tgtEl>
+                </p:cond>
+              </p:nextCondLst>
+            </p:seq>
+          </p:childTnLst>
+        </p:cTn>
+      </p:par>
+    </p:tnLst>
+  </p:timing>
+</p:sld>
+</file>
+
+<file path=ppt/slides/slide13.xml><?xml version="1.0" encoding="utf-8"?>
+<p:sld xmlns:a="http://schemas.openxmlformats.org/drawingml/2006/main" xmlns:r="http://schemas.openxmlformats.org/officeDocument/2006/relationships" xmlns:p="http://schemas.openxmlformats.org/presentationml/2006/main">
+  <p:cSld>
+    <p:spTree>
+      <p:nvGrpSpPr>
+        <p:cNvPr id="1" name=""/>
+        <p:cNvGrpSpPr/>
+        <p:nvPr/>
+      </p:nvGrpSpPr>
+      <p:grpSpPr>
+        <a:xfrm>
+          <a:off x="0" y="0"/>
+          <a:ext cx="0" cy="0"/>
+          <a:chOff x="0" y="0"/>
+          <a:chExt cx="0" cy="0"/>
+        </a:xfrm>
+      </p:grpSpPr>
+      <p:sp>
+        <p:nvSpPr>
+          <p:cNvPr id="162" name="CustomShape 1"/>
+          <p:cNvSpPr/>
+          <p:nvPr/>
+        </p:nvSpPr>
+        <p:spPr>
+          <a:xfrm>
+            <a:off x="428760" y="411120"/>
+            <a:ext cx="8381160" cy="766080"/>
+          </a:xfrm>
+          <a:prstGeom prst="rect">
+            <a:avLst/>
+          </a:prstGeom>
+          <a:noFill/>
+          <a:ln>
+            <a:noFill/>
+          </a:ln>
+        </p:spPr>
+        <p:txBody>
+          <a:bodyPr lIns="0" tIns="36000" rIns="0" bIns="36000"/>
+          <a:lstStyle/>
+          <a:p>
+            <a:pPr algn="ctr">
+              <a:lnSpc>
+                <a:spcPct val="100000"/>
+              </a:lnSpc>
+            </a:pPr>
+            <a:r>
+              <a:rPr lang="it-CH" sz="2800" b="1">
+                <a:solidFill>
+                  <a:srgbClr val="00335B"/>
+                </a:solidFill>
+                <a:latin typeface="Arial"/>
+                <a:ea typeface="ＭＳ Ｐゴシック"/>
+              </a:rPr>
+              <a:t>Acknowledgements </a:t>
+            </a:r>
+            <a:endParaRPr/>
+          </a:p>
+        </p:txBody>
+      </p:sp>
+      <p:sp>
+        <p:nvSpPr>
+          <p:cNvPr id="163" name="CustomShape 2"/>
+          <p:cNvSpPr/>
+          <p:nvPr/>
+        </p:nvSpPr>
+        <p:spPr>
+          <a:xfrm>
+            <a:off x="7203960" y="6635880"/>
+            <a:ext cx="1637640" cy="456480"/>
+          </a:xfrm>
+          <a:prstGeom prst="rect">
+            <a:avLst/>
+          </a:prstGeom>
+          <a:noFill/>
+          <a:ln>
+            <a:noFill/>
+          </a:ln>
+        </p:spPr>
+        <p:txBody>
+          <a:bodyPr lIns="90000" tIns="45000" rIns="90000" bIns="45000"/>
+          <a:lstStyle/>
+          <a:p>
+            <a:pPr>
+              <a:lnSpc>
+                <a:spcPct val="100000"/>
+              </a:lnSpc>
+            </a:pPr>
+            <a:fld id="{C042A7DD-3327-4BEE-90A9-E88944A8FBAD}" type="slidenum">
+              <a:rPr lang="it-CH" sz="800">
+                <a:solidFill>
+                  <a:srgbClr val="FFFFFF"/>
+                </a:solidFill>
+                <a:latin typeface="Arial"/>
+                <a:ea typeface="ＭＳ Ｐゴシック"/>
+              </a:rPr>
+              <a:t>13</a:t>
+            </a:fld>
+            <a:endParaRPr/>
+          </a:p>
+        </p:txBody>
+      </p:sp>
+      <p:sp>
+        <p:nvSpPr>
+          <p:cNvPr id="164" name="CustomShape 3"/>
+          <p:cNvSpPr/>
+          <p:nvPr/>
+        </p:nvSpPr>
+        <p:spPr>
+          <a:xfrm>
+            <a:off x="215640" y="833400"/>
+            <a:ext cx="1591920" cy="333360"/>
+          </a:xfrm>
+          <a:prstGeom prst="rect">
+            <a:avLst/>
+          </a:prstGeom>
+          <a:noFill/>
+          <a:ln w="9360">
+            <a:noFill/>
+          </a:ln>
+        </p:spPr>
+        <p:txBody>
+          <a:bodyPr wrap="none" lIns="90000" tIns="45000" rIns="90000" bIns="45000"/>
+          <a:lstStyle/>
+          <a:p>
+            <a:pPr>
+              <a:lnSpc>
+                <a:spcPct val="100000"/>
+              </a:lnSpc>
+            </a:pPr>
+            <a:r>
+              <a:rPr lang="it-CH" sz="1600" b="1">
+                <a:solidFill>
+                  <a:srgbClr val="000000"/>
+                </a:solidFill>
+                <a:latin typeface="Arial"/>
+                <a:ea typeface="ＭＳ Ｐゴシック"/>
+              </a:rPr>
+              <a:t>TOMCAT Team</a:t>
+            </a:r>
+            <a:endParaRPr/>
+          </a:p>
+        </p:txBody>
+      </p:sp>
+      <p:pic>
+        <p:nvPicPr>
+          <p:cNvPr id="165" name="Picture 11"/>
+          <p:cNvPicPr/>
+          <p:nvPr/>
+        </p:nvPicPr>
+        <p:blipFill>
+          <a:blip r:embed="rId3"/>
+          <a:stretch>
+            <a:fillRect/>
+          </a:stretch>
+        </p:blipFill>
+        <p:spPr>
+          <a:xfrm>
+            <a:off x="0" y="5799240"/>
+            <a:ext cx="943920" cy="615240"/>
+          </a:xfrm>
+          <a:prstGeom prst="rect">
+            <a:avLst/>
+          </a:prstGeom>
+          <a:ln w="9360">
+            <a:noFill/>
+          </a:ln>
+        </p:spPr>
+      </p:pic>
+      <p:pic>
+        <p:nvPicPr>
+          <p:cNvPr id="166" name="Picture 13"/>
+          <p:cNvPicPr/>
+          <p:nvPr/>
+        </p:nvPicPr>
+        <p:blipFill>
+          <a:blip r:embed="rId4"/>
+          <a:stretch>
+            <a:fillRect/>
+          </a:stretch>
+        </p:blipFill>
+        <p:spPr>
+          <a:xfrm>
+            <a:off x="1693800" y="5945400"/>
+            <a:ext cx="1353240" cy="478800"/>
+          </a:xfrm>
+          <a:prstGeom prst="rect">
+            <a:avLst/>
+          </a:prstGeom>
+          <a:ln w="9360">
+            <a:noFill/>
+          </a:ln>
+        </p:spPr>
+      </p:pic>
+      <p:pic>
+        <p:nvPicPr>
+          <p:cNvPr id="167" name="Picture 14"/>
+          <p:cNvPicPr/>
+          <p:nvPr/>
+        </p:nvPicPr>
+        <p:blipFill>
+          <a:blip r:embed="rId5"/>
+          <a:stretch>
+            <a:fillRect/>
+          </a:stretch>
+        </p:blipFill>
+        <p:spPr>
+          <a:xfrm>
+            <a:off x="3232080" y="6075360"/>
+            <a:ext cx="2869560" cy="348480"/>
+          </a:xfrm>
+          <a:prstGeom prst="rect">
+            <a:avLst/>
+          </a:prstGeom>
+          <a:ln w="9360">
+            <a:noFill/>
+          </a:ln>
+        </p:spPr>
+      </p:pic>
+      <p:pic>
+        <p:nvPicPr>
+          <p:cNvPr id="168" name="Picture 15"/>
+          <p:cNvPicPr/>
+          <p:nvPr/>
+        </p:nvPicPr>
+        <p:blipFill>
+          <a:blip r:embed="rId6"/>
+          <a:stretch>
+            <a:fillRect/>
+          </a:stretch>
+        </p:blipFill>
+        <p:spPr>
+          <a:xfrm>
+            <a:off x="6597720" y="5627880"/>
+            <a:ext cx="2297880" cy="818280"/>
+          </a:xfrm>
+          <a:prstGeom prst="rect">
+            <a:avLst/>
+          </a:prstGeom>
+          <a:ln w="9360">
+            <a:noFill/>
+          </a:ln>
+        </p:spPr>
+      </p:pic>
+      <p:pic>
+        <p:nvPicPr>
+          <p:cNvPr id="169" name="Picture 1"/>
+          <p:cNvPicPr/>
+          <p:nvPr/>
+        </p:nvPicPr>
+        <p:blipFill>
+          <a:blip r:embed="rId7"/>
+          <a:srcRect l="8743" t="35871" r="5173" b="31590"/>
+          <a:stretch>
+            <a:fillRect/>
+          </a:stretch>
+        </p:blipFill>
+        <p:spPr>
+          <a:xfrm>
+            <a:off x="389520" y="1403280"/>
+            <a:ext cx="8523720" cy="2147400"/>
+          </a:xfrm>
+          <a:prstGeom prst="rect">
+            <a:avLst/>
+          </a:prstGeom>
+          <a:ln>
+            <a:noFill/>
+          </a:ln>
+        </p:spPr>
+      </p:pic>
+    </p:spTree>
+  </p:cSld>
+  <p:clrMapOvr>
+    <a:masterClrMapping/>
+  </p:clrMapOvr>
+  <p:timing>
+    <p:tnLst>
+      <p:par>
+        <p:cTn id="1" dur="indefinite" restart="never" nodeType="tmRoot">
+          <p:childTnLst>
+            <p:seq>
+              <p:cTn id="2" nodeType="mainSeq"/>
+              <p:prevCondLst>
+                <p:cond evt="onPrev" delay="0">
+                  <p:tgtEl>
+                    <p:sldTgt/>
+                  </p:tgtEl>
+                </p:cond>
+              </p:prevCondLst>
+              <p:nextCondLst>
+                <p:cond evt="onNext" delay="0">
                   <p:tgtEl>
                     <p:sldTgt/>
                   </p:tgtEl>
@@ -5379,7 +8265,7 @@
 </file>
 
 <file path=ppt/slides/slide2.xml><?xml version="1.0" encoding="utf-8"?>
-<p:sld xmlns:a="http://schemas.openxmlformats.org/drawingml/2006/main" xmlns:p="http://schemas.openxmlformats.org/presentationml/2006/main" xmlns:r="http://schemas.openxmlformats.org/officeDocument/2006/relationships">
+<p:sld xmlns:a="http://schemas.openxmlformats.org/drawingml/2006/main" xmlns:r="http://schemas.openxmlformats.org/officeDocument/2006/relationships" xmlns:p="http://schemas.openxmlformats.org/presentationml/2006/main">
   <p:cSld>
     <p:spTree>
       <p:nvGrpSpPr>
@@ -5415,7 +8301,8 @@
           </a:ln>
         </p:spPr>
         <p:txBody>
-          <a:bodyPr lIns="0" rIns="0" tIns="36000" bIns="36000"/>
+          <a:bodyPr lIns="0" tIns="36000" rIns="0" bIns="36000"/>
+          <a:lstStyle/>
           <a:p>
             <a:pPr>
               <a:lnSpc>
@@ -5423,9 +8310,9 @@
               </a:lnSpc>
             </a:pPr>
             <a:r>
-              <a:rPr b="1" lang="it-CH" sz="2800">
+              <a:rPr lang="it-CH" sz="2800" b="1">
                 <a:solidFill>
-                  <a:srgbClr val="00335b"/>
+                  <a:srgbClr val="00335B"/>
                 </a:solidFill>
                 <a:latin typeface="Arial"/>
                 <a:ea typeface="ＭＳ Ｐゴシック"/>
@@ -5456,7 +8343,8 @@
           </a:ln>
         </p:spPr>
         <p:txBody>
-          <a:bodyPr lIns="0" rIns="0" tIns="36000" bIns="36000"/>
+          <a:bodyPr lIns="0" tIns="36000" rIns="0" bIns="36000"/>
+          <a:lstStyle/>
           <a:p>
             <a:pPr>
               <a:lnSpc>
@@ -5497,7 +8385,8 @@
           </a:ln>
         </p:spPr>
         <p:txBody>
-          <a:bodyPr lIns="90000" rIns="90000" tIns="45000" bIns="45000"/>
+          <a:bodyPr lIns="90000" tIns="45000" rIns="90000" bIns="45000"/>
+          <a:lstStyle/>
           <a:p>
             <a:pPr>
               <a:lnSpc>
@@ -5507,12 +8396,12 @@
             <a:fld id="{798D3065-9B14-401E-9BF8-02DC02812377}" type="slidenum">
               <a:rPr lang="it-CH" sz="800">
                 <a:solidFill>
-                  <a:srgbClr val="ffffff"/>
+                  <a:srgbClr val="FFFFFF"/>
                 </a:solidFill>
                 <a:latin typeface="Arial"/>
                 <a:ea typeface="ＭＳ Ｐゴシック"/>
               </a:rPr>
-              <a:t>&lt;numero&gt;</a:t>
+              <a:t>2</a:t>
             </a:fld>
             <a:endParaRPr/>
           </a:p>
@@ -5538,7 +8427,8 @@
           </a:ln>
         </p:spPr>
         <p:txBody>
-          <a:bodyPr lIns="90000" rIns="90000" tIns="45000" bIns="45000"/>
+          <a:bodyPr lIns="90000" tIns="45000" rIns="90000" bIns="45000"/>
+          <a:lstStyle/>
           <a:p>
             <a:pPr>
               <a:lnSpc>
@@ -5548,7 +8438,7 @@
             <a:r>
               <a:rPr lang="it-CH" sz="800">
                 <a:solidFill>
-                  <a:srgbClr val="ffffff"/>
+                  <a:srgbClr val="FFFFFF"/>
                 </a:solidFill>
                 <a:latin typeface="Arial"/>
                 <a:ea typeface="ＭＳ Ｐゴシック"/>
@@ -5561,19 +8451,19 @@
       </p:sp>
       <p:pic>
         <p:nvPicPr>
-          <p:cNvPr id="157" name="" descr=""/>
+          <p:cNvPr id="157" name="Picture 156"/>
           <p:cNvPicPr/>
           <p:nvPr/>
         </p:nvPicPr>
         <p:blipFill>
-          <a:blip r:embed="rId1"/>
+          <a:blip r:embed="rId2"/>
           <a:stretch>
             <a:fillRect/>
           </a:stretch>
         </p:blipFill>
         <p:spPr>
           <a:xfrm>
-            <a:off x="439560" y="1735200"/>
+            <a:off x="723780" y="1735200"/>
             <a:ext cx="7696440" cy="4753080"/>
           </a:xfrm>
           <a:prstGeom prst="rect">
@@ -5586,25 +8476,28 @@
       </p:pic>
     </p:spTree>
   </p:cSld>
+  <p:clrMapOvr>
+    <a:masterClrMapping/>
+  </p:clrMapOvr>
   <p:transition spd="slow">
     <p:fade/>
   </p:transition>
   <p:timing>
     <p:tnLst>
       <p:par>
-        <p:cTn id="3" dur="indefinite" restart="never" nodeType="tmRoot">
+        <p:cTn id="1" dur="indefinite" restart="never" nodeType="tmRoot">
           <p:childTnLst>
             <p:seq>
-              <p:cTn id="4" nodeType="mainSeq"/>
+              <p:cTn id="2" nodeType="mainSeq"/>
               <p:prevCondLst>
-                <p:cond delay="0" evt="onPrev">
+                <p:cond evt="onPrev" delay="0">
                   <p:tgtEl>
                     <p:sldTgt/>
                   </p:tgtEl>
                 </p:cond>
               </p:prevCondLst>
               <p:nextCondLst>
-                <p:cond delay="0" evt="onNext">
+                <p:cond evt="onNext" delay="0">
                   <p:tgtEl>
                     <p:sldTgt/>
                   </p:tgtEl>
@@ -5620,7 +8513,7 @@
 </file>
 
 <file path=ppt/slides/slide3.xml><?xml version="1.0" encoding="utf-8"?>
-<p:sld xmlns:a="http://schemas.openxmlformats.org/drawingml/2006/main" xmlns:p="http://schemas.openxmlformats.org/presentationml/2006/main" xmlns:r="http://schemas.openxmlformats.org/officeDocument/2006/relationships">
+<p:sld xmlns:a="http://schemas.openxmlformats.org/drawingml/2006/main" xmlns:r="http://schemas.openxmlformats.org/officeDocument/2006/relationships" xmlns:p="http://schemas.openxmlformats.org/presentationml/2006/main">
   <p:cSld>
     <p:spTree>
       <p:nvGrpSpPr>
@@ -5656,7 +8549,8 @@
           </a:ln>
         </p:spPr>
         <p:txBody>
-          <a:bodyPr lIns="0" rIns="0" tIns="36000" bIns="36000"/>
+          <a:bodyPr lIns="0" tIns="36000" rIns="0" bIns="36000"/>
+          <a:lstStyle/>
           <a:p>
             <a:pPr>
               <a:lnSpc>
@@ -5664,9 +8558,9 @@
               </a:lnSpc>
             </a:pPr>
             <a:r>
-              <a:rPr b="1" lang="it-CH" sz="2800">
+              <a:rPr lang="it-CH" sz="2800" b="1">
                 <a:solidFill>
-                  <a:srgbClr val="00335b"/>
+                  <a:srgbClr val="00335B"/>
                 </a:solidFill>
                 <a:latin typeface="Arial"/>
                 <a:ea typeface="ＭＳ Ｐゴシック"/>
@@ -5677,16 +8571,865 @@
           </a:p>
         </p:txBody>
       </p:sp>
-      <p:sp>
-        <p:nvSpPr>
-          <p:cNvPr id="159" name="CustomShape 2"/>
+      <mc:AlternateContent xmlns:mc="http://schemas.openxmlformats.org/markup-compatibility/2006" xmlns:a14="http://schemas.microsoft.com/office/drawing/2010/main">
+        <mc:Choice Requires="a14">
+          <p:sp>
+            <p:nvSpPr>
+              <p:cNvPr id="159" name="CustomShape 2"/>
+              <p:cNvSpPr/>
+              <p:nvPr/>
+            </p:nvSpPr>
+            <p:spPr>
+              <a:xfrm>
+                <a:off x="380880" y="1252440"/>
+                <a:ext cx="7071440" cy="3616720"/>
+              </a:xfrm>
+              <a:prstGeom prst="rect">
+                <a:avLst/>
+              </a:prstGeom>
+              <a:noFill/>
+              <a:ln>
+                <a:noFill/>
+              </a:ln>
+            </p:spPr>
+            <p:txBody>
+              <a:bodyPr lIns="0" tIns="36000" rIns="0" bIns="36000"/>
+              <a:lstStyle/>
+              <a:p>
+                <a:pPr marL="342900" indent="-342900">
+                  <a:lnSpc>
+                    <a:spcPct val="100000"/>
+                  </a:lnSpc>
+                  <a:buFont typeface="Arial" panose="020B0604020202020204" pitchFamily="34" charset="0"/>
+                  <a:buChar char="•"/>
+                </a:pPr>
+                <a:r>
+                  <a:rPr lang="it-CH" sz="2400" dirty="0" smtClean="0">
+                    <a:solidFill>
+                      <a:srgbClr val="000000"/>
+                    </a:solidFill>
+                    <a:latin typeface="Arial"/>
+                    <a:ea typeface="ＭＳ Ｐゴシック"/>
+                  </a:rPr>
+                  <a:t>Moduli of the first </a:t>
+                </a:r>
+                <a:r>
+                  <a:rPr lang="it-CH" sz="2400" dirty="0" err="1" smtClean="0">
+                    <a:solidFill>
+                      <a:srgbClr val="000000"/>
+                    </a:solidFill>
+                    <a:latin typeface="Arial"/>
+                    <a:ea typeface="ＭＳ Ｐゴシック"/>
+                  </a:rPr>
+                  <a:t>two</a:t>
+                </a:r>
+                <a:r>
+                  <a:rPr lang="it-CH" sz="2400" dirty="0" smtClean="0">
+                    <a:solidFill>
+                      <a:srgbClr val="000000"/>
+                    </a:solidFill>
+                    <a:latin typeface="Arial"/>
+                    <a:ea typeface="ＭＳ Ｐゴシック"/>
+                  </a:rPr>
+                  <a:t> Fourier </a:t>
+                </a:r>
+                <a:r>
+                  <a:rPr lang="it-CH" sz="2400" dirty="0" err="1" smtClean="0">
+                    <a:solidFill>
+                      <a:srgbClr val="000000"/>
+                    </a:solidFill>
+                    <a:latin typeface="Arial"/>
+                    <a:ea typeface="ＭＳ Ｐゴシック"/>
+                  </a:rPr>
+                  <a:t>coefficients</a:t>
+                </a:r>
+                <a:r>
+                  <a:rPr lang="it-CH" sz="2400" dirty="0" smtClean="0">
+                    <a:solidFill>
+                      <a:srgbClr val="000000"/>
+                    </a:solidFill>
+                    <a:latin typeface="Arial"/>
+                    <a:ea typeface="ＭＳ Ｐゴシック"/>
+                  </a:rPr>
+                  <a:t> </a:t>
+                </a:r>
+                <a14:m>
+                  <m:oMath xmlns:m="http://schemas.openxmlformats.org/officeDocument/2006/math">
+                    <m:sSub>
+                      <m:sSubPr>
+                        <m:ctrlPr>
+                          <a:rPr lang="en-US" sz="2400" b="0" i="1" smtClean="0">
+                            <a:solidFill>
+                              <a:srgbClr val="000000"/>
+                            </a:solidFill>
+                            <a:latin typeface="Cambria Math"/>
+                            <a:ea typeface="ＭＳ Ｐゴシック"/>
+                          </a:rPr>
+                        </m:ctrlPr>
+                      </m:sSubPr>
+                      <m:e>
+                        <m:r>
+                          <a:rPr lang="en-US" sz="2400" b="0" i="1" smtClean="0">
+                            <a:solidFill>
+                              <a:srgbClr val="000000"/>
+                            </a:solidFill>
+                            <a:latin typeface="Cambria Math"/>
+                            <a:ea typeface="ＭＳ Ｐゴシック"/>
+                          </a:rPr>
+                          <m:t>𝑎</m:t>
+                        </m:r>
+                      </m:e>
+                      <m:sub>
+                        <m:r>
+                          <a:rPr lang="en-US" sz="2400" b="0" i="1" smtClean="0">
+                            <a:solidFill>
+                              <a:srgbClr val="000000"/>
+                            </a:solidFill>
+                            <a:latin typeface="Cambria Math"/>
+                            <a:ea typeface="ＭＳ Ｐゴシック"/>
+                          </a:rPr>
+                          <m:t>0</m:t>
+                        </m:r>
+                      </m:sub>
+                    </m:sSub>
+                    <m:r>
+                      <a:rPr lang="en-US" sz="2400" b="0" i="1" smtClean="0">
+                        <a:solidFill>
+                          <a:srgbClr val="000000"/>
+                        </a:solidFill>
+                        <a:latin typeface="Cambria Math"/>
+                        <a:ea typeface="ＭＳ Ｐゴシック"/>
+                      </a:rPr>
+                      <m:t>,</m:t>
+                    </m:r>
+                    <m:sSub>
+                      <m:sSubPr>
+                        <m:ctrlPr>
+                          <a:rPr lang="en-US" sz="2400" b="0" i="1" smtClean="0">
+                            <a:solidFill>
+                              <a:srgbClr val="000000"/>
+                            </a:solidFill>
+                            <a:latin typeface="Cambria Math"/>
+                            <a:ea typeface="ＭＳ Ｐゴシック"/>
+                          </a:rPr>
+                        </m:ctrlPr>
+                      </m:sSubPr>
+                      <m:e>
+                        <m:r>
+                          <a:rPr lang="en-US" sz="2400" b="0" i="1" smtClean="0">
+                            <a:solidFill>
+                              <a:srgbClr val="000000"/>
+                            </a:solidFill>
+                            <a:latin typeface="Cambria Math"/>
+                            <a:ea typeface="ＭＳ Ｐゴシック"/>
+                          </a:rPr>
+                          <m:t>𝑎</m:t>
+                        </m:r>
+                      </m:e>
+                      <m:sub>
+                        <m:r>
+                          <a:rPr lang="en-US" sz="2400" b="0" i="1" smtClean="0">
+                            <a:solidFill>
+                              <a:srgbClr val="000000"/>
+                            </a:solidFill>
+                            <a:latin typeface="Cambria Math"/>
+                            <a:ea typeface="ＭＳ Ｐゴシック"/>
+                          </a:rPr>
+                          <m:t>1</m:t>
+                        </m:r>
+                      </m:sub>
+                    </m:sSub>
+                  </m:oMath>
+                </a14:m>
+                <a:endParaRPr lang="en-US" sz="2400" b="0" dirty="0" smtClean="0">
+                  <a:solidFill>
+                    <a:srgbClr val="000000"/>
+                  </a:solidFill>
+                  <a:latin typeface="Arial"/>
+                  <a:ea typeface="ＭＳ Ｐゴシック"/>
+                </a:endParaRPr>
+              </a:p>
+              <a:p>
+                <a:pPr marL="342900" indent="-342900">
+                  <a:lnSpc>
+                    <a:spcPct val="100000"/>
+                  </a:lnSpc>
+                  <a:buFont typeface="Arial" panose="020B0604020202020204" pitchFamily="34" charset="0"/>
+                  <a:buChar char="•"/>
+                </a:pPr>
+                <a:endParaRPr lang="en-US" sz="2400" dirty="0" smtClean="0">
+                  <a:solidFill>
+                    <a:srgbClr val="000000"/>
+                  </a:solidFill>
+                  <a:latin typeface="Arial"/>
+                  <a:ea typeface="ＭＳ Ｐゴシック"/>
+                </a:endParaRPr>
+              </a:p>
+              <a:p>
+                <a:pPr marL="342900" indent="-342900">
+                  <a:lnSpc>
+                    <a:spcPct val="100000"/>
+                  </a:lnSpc>
+                  <a:buFont typeface="Arial" panose="020B0604020202020204" pitchFamily="34" charset="0"/>
+                  <a:buChar char="•"/>
+                </a:pPr>
+                <a:r>
+                  <a:rPr lang="en-US" sz="2400" dirty="0" smtClean="0">
+                    <a:solidFill>
+                      <a:srgbClr val="000000"/>
+                    </a:solidFill>
+                    <a:latin typeface="Arial"/>
+                    <a:ea typeface="ＭＳ Ｐゴシック"/>
+                  </a:rPr>
+                  <a:t>Transmission </a:t>
+                </a:r>
+                <a14:m>
+                  <m:oMath xmlns:m="http://schemas.openxmlformats.org/officeDocument/2006/math">
+                    <m:r>
+                      <a:rPr lang="en-US" sz="2400" b="0" i="1" smtClean="0">
+                        <a:solidFill>
+                          <a:srgbClr val="000000"/>
+                        </a:solidFill>
+                        <a:latin typeface="Cambria Math"/>
+                        <a:ea typeface="ＭＳ Ｐゴシック"/>
+                      </a:rPr>
+                      <m:t>𝐴</m:t>
+                    </m:r>
+                    <m:r>
+                      <a:rPr lang="en-US" sz="2400" b="0" i="1" smtClean="0">
+                        <a:solidFill>
+                          <a:srgbClr val="000000"/>
+                        </a:solidFill>
+                        <a:latin typeface="Cambria Math"/>
+                        <a:ea typeface="ＭＳ Ｐゴシック"/>
+                      </a:rPr>
+                      <m:t>= </m:t>
+                    </m:r>
+                    <m:f>
+                      <m:fPr>
+                        <m:ctrlPr>
+                          <a:rPr lang="en-US" sz="2400" b="0" i="1" smtClean="0">
+                            <a:solidFill>
+                              <a:srgbClr val="000000"/>
+                            </a:solidFill>
+                            <a:latin typeface="Cambria Math"/>
+                            <a:ea typeface="ＭＳ Ｐゴシック"/>
+                          </a:rPr>
+                        </m:ctrlPr>
+                      </m:fPr>
+                      <m:num>
+                        <m:sSub>
+                          <m:sSubPr>
+                            <m:ctrlPr>
+                              <a:rPr lang="en-US" sz="2400" b="0" i="1" smtClean="0">
+                                <a:solidFill>
+                                  <a:srgbClr val="000000"/>
+                                </a:solidFill>
+                                <a:latin typeface="Cambria Math"/>
+                                <a:ea typeface="ＭＳ Ｐゴシック"/>
+                              </a:rPr>
+                            </m:ctrlPr>
+                          </m:sSubPr>
+                          <m:e>
+                            <m:r>
+                              <a:rPr lang="en-US" sz="2400" b="0" i="1" smtClean="0">
+                                <a:solidFill>
+                                  <a:srgbClr val="000000"/>
+                                </a:solidFill>
+                                <a:latin typeface="Cambria Math"/>
+                                <a:ea typeface="ＭＳ Ｐゴシック"/>
+                              </a:rPr>
+                              <m:t>𝑎</m:t>
+                            </m:r>
+                          </m:e>
+                          <m:sub>
+                            <m:r>
+                              <a:rPr lang="en-US" sz="2400" b="0" i="1" smtClean="0">
+                                <a:solidFill>
+                                  <a:srgbClr val="000000"/>
+                                </a:solidFill>
+                                <a:latin typeface="Cambria Math"/>
+                                <a:ea typeface="ＭＳ Ｐゴシック"/>
+                              </a:rPr>
+                              <m:t>0,</m:t>
+                            </m:r>
+                            <m:r>
+                              <a:rPr lang="en-US" sz="2400" b="0" i="1" smtClean="0">
+                                <a:solidFill>
+                                  <a:srgbClr val="000000"/>
+                                </a:solidFill>
+                                <a:latin typeface="Cambria Math"/>
+                                <a:ea typeface="ＭＳ Ｐゴシック"/>
+                              </a:rPr>
+                              <m:t>𝑠</m:t>
+                            </m:r>
+                          </m:sub>
+                        </m:sSub>
+                      </m:num>
+                      <m:den>
+                        <m:sSub>
+                          <m:sSubPr>
+                            <m:ctrlPr>
+                              <a:rPr lang="en-US" sz="2400" b="0" i="1" smtClean="0">
+                                <a:solidFill>
+                                  <a:srgbClr val="000000"/>
+                                </a:solidFill>
+                                <a:latin typeface="Cambria Math"/>
+                                <a:ea typeface="ＭＳ Ｐゴシック"/>
+                              </a:rPr>
+                            </m:ctrlPr>
+                          </m:sSubPr>
+                          <m:e>
+                            <m:r>
+                              <a:rPr lang="en-US" sz="2400" b="0" i="1" smtClean="0">
+                                <a:solidFill>
+                                  <a:srgbClr val="000000"/>
+                                </a:solidFill>
+                                <a:latin typeface="Cambria Math"/>
+                                <a:ea typeface="ＭＳ Ｐゴシック"/>
+                              </a:rPr>
+                              <m:t>𝑎</m:t>
+                            </m:r>
+                          </m:e>
+                          <m:sub>
+                            <m:r>
+                              <a:rPr lang="en-US" sz="2400" b="0" i="1" smtClean="0">
+                                <a:solidFill>
+                                  <a:srgbClr val="000000"/>
+                                </a:solidFill>
+                                <a:latin typeface="Cambria Math"/>
+                                <a:ea typeface="ＭＳ Ｐゴシック"/>
+                              </a:rPr>
+                              <m:t>0,</m:t>
+                            </m:r>
+                            <m:r>
+                              <a:rPr lang="en-US" sz="2400" b="0" i="1" smtClean="0">
+                                <a:solidFill>
+                                  <a:srgbClr val="000000"/>
+                                </a:solidFill>
+                                <a:latin typeface="Cambria Math"/>
+                                <a:ea typeface="ＭＳ Ｐゴシック"/>
+                              </a:rPr>
+                              <m:t>𝑓</m:t>
+                            </m:r>
+                          </m:sub>
+                        </m:sSub>
+                      </m:den>
+                    </m:f>
+                  </m:oMath>
+                </a14:m>
+                <a:endParaRPr lang="en-US" sz="2400" b="0" dirty="0" smtClean="0">
+                  <a:solidFill>
+                    <a:srgbClr val="000000"/>
+                  </a:solidFill>
+                  <a:latin typeface="Arial"/>
+                  <a:ea typeface="ＭＳ Ｐゴシック"/>
+                </a:endParaRPr>
+              </a:p>
+              <a:p>
+                <a:pPr marL="342900" indent="-342900">
+                  <a:lnSpc>
+                    <a:spcPct val="100000"/>
+                  </a:lnSpc>
+                  <a:buFont typeface="Arial" panose="020B0604020202020204" pitchFamily="34" charset="0"/>
+                  <a:buChar char="•"/>
+                </a:pPr>
+                <a:endParaRPr lang="en-US" sz="2400" b="0" dirty="0" smtClean="0">
+                  <a:solidFill>
+                    <a:srgbClr val="000000"/>
+                  </a:solidFill>
+                  <a:latin typeface="Arial"/>
+                  <a:ea typeface="ＭＳ Ｐゴシック"/>
+                </a:endParaRPr>
+              </a:p>
+              <a:p>
+                <a:pPr marL="342900" indent="-342900">
+                  <a:lnSpc>
+                    <a:spcPct val="100000"/>
+                  </a:lnSpc>
+                  <a:buFont typeface="Arial" panose="020B0604020202020204" pitchFamily="34" charset="0"/>
+                  <a:buChar char="•"/>
+                </a:pPr>
+                <a:r>
+                  <a:rPr lang="en-US" sz="2400" b="0" dirty="0" smtClean="0">
+                    <a:solidFill>
+                      <a:srgbClr val="000000"/>
+                    </a:solidFill>
+                    <a:latin typeface="Arial"/>
+                    <a:ea typeface="ＭＳ Ｐゴシック"/>
+                  </a:rPr>
+                  <a:t>Dark field </a:t>
+                </a:r>
+                <a14:m>
+                  <m:oMath xmlns:m="http://schemas.openxmlformats.org/officeDocument/2006/math">
+                    <m:r>
+                      <a:rPr lang="en-US" sz="2400" b="0" i="1" smtClean="0">
+                        <a:solidFill>
+                          <a:srgbClr val="000000"/>
+                        </a:solidFill>
+                        <a:latin typeface="Cambria Math"/>
+                        <a:ea typeface="ＭＳ Ｐゴシック"/>
+                      </a:rPr>
+                      <m:t>𝐵</m:t>
+                    </m:r>
+                    <m:r>
+                      <a:rPr lang="en-US" sz="2400" b="0" i="1" smtClean="0">
+                        <a:solidFill>
+                          <a:srgbClr val="000000"/>
+                        </a:solidFill>
+                        <a:latin typeface="Cambria Math"/>
+                        <a:ea typeface="ＭＳ Ｐゴシック"/>
+                      </a:rPr>
+                      <m:t>= </m:t>
+                    </m:r>
+                    <m:f>
+                      <m:fPr>
+                        <m:ctrlPr>
+                          <a:rPr lang="en-US" sz="2400" b="0" i="1" smtClean="0">
+                            <a:solidFill>
+                              <a:srgbClr val="000000"/>
+                            </a:solidFill>
+                            <a:latin typeface="Cambria Math"/>
+                            <a:ea typeface="ＭＳ Ｐゴシック"/>
+                          </a:rPr>
+                        </m:ctrlPr>
+                      </m:fPr>
+                      <m:num>
+                        <m:sSub>
+                          <m:sSubPr>
+                            <m:ctrlPr>
+                              <a:rPr lang="en-US" sz="2400" b="0" i="1" smtClean="0">
+                                <a:solidFill>
+                                  <a:srgbClr val="000000"/>
+                                </a:solidFill>
+                                <a:latin typeface="Cambria Math"/>
+                                <a:ea typeface="ＭＳ Ｐゴシック"/>
+                              </a:rPr>
+                            </m:ctrlPr>
+                          </m:sSubPr>
+                          <m:e>
+                            <m:r>
+                              <a:rPr lang="en-US" sz="2400" b="0" i="1" smtClean="0">
+                                <a:solidFill>
+                                  <a:srgbClr val="000000"/>
+                                </a:solidFill>
+                                <a:latin typeface="Cambria Math"/>
+                                <a:ea typeface="ＭＳ Ｐゴシック"/>
+                              </a:rPr>
+                              <m:t>𝑎</m:t>
+                            </m:r>
+                          </m:e>
+                          <m:sub>
+                            <m:r>
+                              <a:rPr lang="en-US" sz="2400" b="0" i="1" smtClean="0">
+                                <a:solidFill>
+                                  <a:srgbClr val="000000"/>
+                                </a:solidFill>
+                                <a:latin typeface="Cambria Math"/>
+                                <a:ea typeface="ＭＳ Ｐゴシック"/>
+                              </a:rPr>
+                              <m:t>1,</m:t>
+                            </m:r>
+                            <m:r>
+                              <a:rPr lang="en-US" sz="2400" b="0" i="1" smtClean="0">
+                                <a:solidFill>
+                                  <a:srgbClr val="000000"/>
+                                </a:solidFill>
+                                <a:latin typeface="Cambria Math"/>
+                                <a:ea typeface="ＭＳ Ｐゴシック"/>
+                              </a:rPr>
+                              <m:t>𝑠</m:t>
+                            </m:r>
+                          </m:sub>
+                        </m:sSub>
+                      </m:num>
+                      <m:den>
+                        <m:sSub>
+                          <m:sSubPr>
+                            <m:ctrlPr>
+                              <a:rPr lang="en-US" sz="2400" b="0" i="1" smtClean="0">
+                                <a:solidFill>
+                                  <a:srgbClr val="000000"/>
+                                </a:solidFill>
+                                <a:latin typeface="Cambria Math"/>
+                                <a:ea typeface="ＭＳ Ｐゴシック"/>
+                              </a:rPr>
+                            </m:ctrlPr>
+                          </m:sSubPr>
+                          <m:e>
+                            <m:r>
+                              <a:rPr lang="en-US" sz="2400" b="0" i="1" smtClean="0">
+                                <a:solidFill>
+                                  <a:srgbClr val="000000"/>
+                                </a:solidFill>
+                                <a:latin typeface="Cambria Math"/>
+                                <a:ea typeface="ＭＳ Ｐゴシック"/>
+                              </a:rPr>
+                              <m:t>𝑎</m:t>
+                            </m:r>
+                          </m:e>
+                          <m:sub>
+                            <m:r>
+                              <a:rPr lang="en-US" sz="2400" b="0" i="1" smtClean="0">
+                                <a:solidFill>
+                                  <a:srgbClr val="000000"/>
+                                </a:solidFill>
+                                <a:latin typeface="Cambria Math"/>
+                                <a:ea typeface="ＭＳ Ｐゴシック"/>
+                              </a:rPr>
+                              <m:t>1,</m:t>
+                            </m:r>
+                            <m:r>
+                              <a:rPr lang="en-US" sz="2400" b="0" i="1" smtClean="0">
+                                <a:solidFill>
+                                  <a:srgbClr val="000000"/>
+                                </a:solidFill>
+                                <a:latin typeface="Cambria Math"/>
+                                <a:ea typeface="ＭＳ Ｐゴシック"/>
+                              </a:rPr>
+                              <m:t>𝑓</m:t>
+                            </m:r>
+                          </m:sub>
+                        </m:sSub>
+                      </m:den>
+                    </m:f>
+                    <m:f>
+                      <m:fPr>
+                        <m:ctrlPr>
+                          <a:rPr lang="en-US" sz="2400" b="0" i="1" smtClean="0">
+                            <a:solidFill>
+                              <a:srgbClr val="000000"/>
+                            </a:solidFill>
+                            <a:latin typeface="Cambria Math"/>
+                            <a:ea typeface="ＭＳ Ｐゴシック"/>
+                          </a:rPr>
+                        </m:ctrlPr>
+                      </m:fPr>
+                      <m:num>
+                        <m:sSub>
+                          <m:sSubPr>
+                            <m:ctrlPr>
+                              <a:rPr lang="en-US" sz="2400" b="0" i="1" smtClean="0">
+                                <a:solidFill>
+                                  <a:srgbClr val="000000"/>
+                                </a:solidFill>
+                                <a:latin typeface="Cambria Math"/>
+                                <a:ea typeface="ＭＳ Ｐゴシック"/>
+                              </a:rPr>
+                            </m:ctrlPr>
+                          </m:sSubPr>
+                          <m:e>
+                            <m:r>
+                              <a:rPr lang="en-US" sz="2400" b="0" i="1" smtClean="0">
+                                <a:solidFill>
+                                  <a:srgbClr val="000000"/>
+                                </a:solidFill>
+                                <a:latin typeface="Cambria Math"/>
+                                <a:ea typeface="ＭＳ Ｐゴシック"/>
+                              </a:rPr>
+                              <m:t>𝑎</m:t>
+                            </m:r>
+                          </m:e>
+                          <m:sub>
+                            <m:r>
+                              <a:rPr lang="en-US" sz="2400" b="0" i="1" smtClean="0">
+                                <a:solidFill>
+                                  <a:srgbClr val="000000"/>
+                                </a:solidFill>
+                                <a:latin typeface="Cambria Math"/>
+                                <a:ea typeface="ＭＳ Ｐゴシック"/>
+                              </a:rPr>
+                              <m:t>0,</m:t>
+                            </m:r>
+                            <m:r>
+                              <a:rPr lang="en-US" sz="2400" b="0" i="1" smtClean="0">
+                                <a:solidFill>
+                                  <a:srgbClr val="000000"/>
+                                </a:solidFill>
+                                <a:latin typeface="Cambria Math"/>
+                                <a:ea typeface="ＭＳ Ｐゴシック"/>
+                              </a:rPr>
+                              <m:t>𝑓</m:t>
+                            </m:r>
+                          </m:sub>
+                        </m:sSub>
+                      </m:num>
+                      <m:den>
+                        <m:sSub>
+                          <m:sSubPr>
+                            <m:ctrlPr>
+                              <a:rPr lang="en-US" sz="2400" b="0" i="1" smtClean="0">
+                                <a:solidFill>
+                                  <a:srgbClr val="000000"/>
+                                </a:solidFill>
+                                <a:latin typeface="Cambria Math"/>
+                                <a:ea typeface="ＭＳ Ｐゴシック"/>
+                              </a:rPr>
+                            </m:ctrlPr>
+                          </m:sSubPr>
+                          <m:e>
+                            <m:r>
+                              <a:rPr lang="en-US" sz="2400" b="0" i="1" smtClean="0">
+                                <a:solidFill>
+                                  <a:srgbClr val="000000"/>
+                                </a:solidFill>
+                                <a:latin typeface="Cambria Math"/>
+                                <a:ea typeface="ＭＳ Ｐゴシック"/>
+                              </a:rPr>
+                              <m:t>𝑎</m:t>
+                            </m:r>
+                          </m:e>
+                          <m:sub>
+                            <m:r>
+                              <a:rPr lang="en-US" sz="2400" b="0" i="1" smtClean="0">
+                                <a:solidFill>
+                                  <a:srgbClr val="000000"/>
+                                </a:solidFill>
+                                <a:latin typeface="Cambria Math"/>
+                                <a:ea typeface="ＭＳ Ｐゴシック"/>
+                              </a:rPr>
+                              <m:t>0,</m:t>
+                            </m:r>
+                            <m:r>
+                              <a:rPr lang="en-US" sz="2400" b="0" i="1" smtClean="0">
+                                <a:solidFill>
+                                  <a:srgbClr val="000000"/>
+                                </a:solidFill>
+                                <a:latin typeface="Cambria Math"/>
+                                <a:ea typeface="ＭＳ Ｐゴシック"/>
+                              </a:rPr>
+                              <m:t>𝑠</m:t>
+                            </m:r>
+                          </m:sub>
+                        </m:sSub>
+                      </m:den>
+                    </m:f>
+                  </m:oMath>
+                </a14:m>
+                <a:endParaRPr lang="en-US" sz="2400" b="0" dirty="0" smtClean="0">
+                  <a:solidFill>
+                    <a:srgbClr val="000000"/>
+                  </a:solidFill>
+                  <a:latin typeface="Arial"/>
+                  <a:ea typeface="ＭＳ Ｐゴシック"/>
+                </a:endParaRPr>
+              </a:p>
+              <a:p>
+                <a:pPr>
+                  <a:lnSpc>
+                    <a:spcPct val="100000"/>
+                  </a:lnSpc>
+                </a:pPr>
+                <a:endParaRPr lang="en-US" sz="2400" dirty="0" smtClean="0">
+                  <a:solidFill>
+                    <a:srgbClr val="000000"/>
+                  </a:solidFill>
+                  <a:latin typeface="Arial"/>
+                  <a:ea typeface="ＭＳ Ｐゴシック"/>
+                </a:endParaRPr>
+              </a:p>
+              <a:p>
+                <a:pPr marL="342900" indent="-342900">
+                  <a:lnSpc>
+                    <a:spcPct val="100000"/>
+                  </a:lnSpc>
+                  <a:buFont typeface="Arial" panose="020B0604020202020204" pitchFamily="34" charset="0"/>
+                  <a:buChar char="•"/>
+                </a:pPr>
+                <a:r>
+                  <a:rPr lang="en-US" sz="2400" dirty="0" smtClean="0">
+                    <a:solidFill>
+                      <a:srgbClr val="000000"/>
+                    </a:solidFill>
+                    <a:latin typeface="Arial"/>
+                    <a:ea typeface="ＭＳ Ｐゴシック"/>
+                  </a:rPr>
+                  <a:t>Ratio </a:t>
+                </a:r>
+                <a14:m>
+                  <m:oMath xmlns:m="http://schemas.openxmlformats.org/officeDocument/2006/math">
+                    <m:r>
+                      <a:rPr lang="en-US" sz="2400" b="0" i="1" smtClean="0">
+                        <a:solidFill>
+                          <a:srgbClr val="000000"/>
+                        </a:solidFill>
+                        <a:latin typeface="Cambria Math"/>
+                        <a:ea typeface="ＭＳ Ｐゴシック"/>
+                      </a:rPr>
+                      <m:t>𝑅</m:t>
+                    </m:r>
+                    <m:r>
+                      <a:rPr lang="en-US" sz="2400" b="0" i="1" smtClean="0">
+                        <a:solidFill>
+                          <a:srgbClr val="000000"/>
+                        </a:solidFill>
+                        <a:latin typeface="Cambria Math"/>
+                        <a:ea typeface="ＭＳ Ｐゴシック"/>
+                      </a:rPr>
+                      <m:t>= </m:t>
+                    </m:r>
+                    <m:f>
+                      <m:fPr>
+                        <m:ctrlPr>
+                          <a:rPr lang="en-US" sz="2400" b="0" i="1" smtClean="0">
+                            <a:solidFill>
+                              <a:srgbClr val="000000"/>
+                            </a:solidFill>
+                            <a:latin typeface="Cambria Math"/>
+                            <a:ea typeface="ＭＳ Ｐゴシック"/>
+                          </a:rPr>
+                        </m:ctrlPr>
+                      </m:fPr>
+                      <m:num>
+                        <m:func>
+                          <m:funcPr>
+                            <m:ctrlPr>
+                              <a:rPr lang="en-US" sz="2400" b="0" i="1" smtClean="0">
+                                <a:solidFill>
+                                  <a:srgbClr val="000000"/>
+                                </a:solidFill>
+                                <a:latin typeface="Cambria Math"/>
+                                <a:ea typeface="ＭＳ Ｐゴシック"/>
+                              </a:rPr>
+                            </m:ctrlPr>
+                          </m:funcPr>
+                          <m:fName>
+                            <m:r>
+                              <m:rPr>
+                                <m:sty m:val="p"/>
+                              </m:rPr>
+                              <a:rPr lang="en-US" sz="2400" b="0" i="0" smtClean="0">
+                                <a:solidFill>
+                                  <a:srgbClr val="000000"/>
+                                </a:solidFill>
+                                <a:latin typeface="Cambria Math"/>
+                                <a:ea typeface="ＭＳ Ｐゴシック"/>
+                              </a:rPr>
+                              <m:t>log</m:t>
+                            </m:r>
+                          </m:fName>
+                          <m:e>
+                            <m:r>
+                              <a:rPr lang="en-US" sz="2400" b="0" i="1" smtClean="0">
+                                <a:solidFill>
+                                  <a:srgbClr val="000000"/>
+                                </a:solidFill>
+                                <a:latin typeface="Cambria Math"/>
+                                <a:ea typeface="ＭＳ Ｐゴシック"/>
+                              </a:rPr>
+                              <m:t>𝐵</m:t>
+                            </m:r>
+                          </m:e>
+                        </m:func>
+                      </m:num>
+                      <m:den>
+                        <m:func>
+                          <m:funcPr>
+                            <m:ctrlPr>
+                              <a:rPr lang="en-US" sz="2400" b="0" i="1" smtClean="0">
+                                <a:solidFill>
+                                  <a:srgbClr val="000000"/>
+                                </a:solidFill>
+                                <a:latin typeface="Cambria Math"/>
+                                <a:ea typeface="ＭＳ Ｐゴシック"/>
+                              </a:rPr>
+                            </m:ctrlPr>
+                          </m:funcPr>
+                          <m:fName>
+                            <m:r>
+                              <m:rPr>
+                                <m:sty m:val="p"/>
+                              </m:rPr>
+                              <a:rPr lang="en-US" sz="2400" b="0" i="0" smtClean="0">
+                                <a:solidFill>
+                                  <a:srgbClr val="000000"/>
+                                </a:solidFill>
+                                <a:latin typeface="Cambria Math"/>
+                                <a:ea typeface="ＭＳ Ｐゴシック"/>
+                              </a:rPr>
+                              <m:t>log</m:t>
+                            </m:r>
+                          </m:fName>
+                          <m:e>
+                            <m:r>
+                              <a:rPr lang="en-US" sz="2400" b="0" i="1" smtClean="0">
+                                <a:solidFill>
+                                  <a:srgbClr val="000000"/>
+                                </a:solidFill>
+                                <a:latin typeface="Cambria Math"/>
+                                <a:ea typeface="ＭＳ Ｐゴシック"/>
+                              </a:rPr>
+                              <m:t>𝐴</m:t>
+                            </m:r>
+                          </m:e>
+                        </m:func>
+                      </m:den>
+                    </m:f>
+                  </m:oMath>
+                </a14:m>
+                <a:endParaRPr lang="en-US" sz="2400" b="0" dirty="0" smtClean="0">
+                  <a:solidFill>
+                    <a:srgbClr val="000000"/>
+                  </a:solidFill>
+                  <a:latin typeface="Arial"/>
+                  <a:ea typeface="ＭＳ Ｐゴシック"/>
+                </a:endParaRPr>
+              </a:p>
+            </p:txBody>
+          </p:sp>
+        </mc:Choice>
+        <mc:Fallback xmlns="">
+          <p:sp>
+            <p:nvSpPr>
+              <p:cNvPr id="159" name="CustomShape 2"/>
+              <p:cNvSpPr>
+                <a:spLocks noRot="1" noChangeAspect="1" noMove="1" noResize="1" noEditPoints="1" noAdjustHandles="1" noChangeArrowheads="1" noChangeShapeType="1" noTextEdit="1"/>
+              </p:cNvSpPr>
+              <p:nvPr/>
+            </p:nvSpPr>
+            <p:spPr>
+              <a:xfrm>
+                <a:off x="380880" y="1252440"/>
+                <a:ext cx="7071440" cy="3616720"/>
+              </a:xfrm>
+              <a:prstGeom prst="rect">
+                <a:avLst/>
+              </a:prstGeom>
+              <a:blipFill rotWithShape="1">
+                <a:blip r:embed="rId2"/>
+                <a:stretch>
+                  <a:fillRect l="-2414" t="-1347"/>
+                </a:stretch>
+              </a:blipFill>
+              <a:ln>
+                <a:noFill/>
+              </a:ln>
+            </p:spPr>
+            <p:txBody>
+              <a:bodyPr/>
+              <a:lstStyle/>
+              <a:p>
+                <a:r>
+                  <a:rPr lang="de-CH">
+                    <a:noFill/>
+                  </a:rPr>
+                  <a:t> </a:t>
+                </a:r>
+              </a:p>
+            </p:txBody>
+          </p:sp>
+        </mc:Fallback>
+      </mc:AlternateContent>
+      <p:sp>
+        <p:nvSpPr>
+          <p:cNvPr id="160" name="CustomShape 3"/>
           <p:cNvSpPr/>
           <p:nvPr/>
         </p:nvSpPr>
         <p:spPr>
           <a:xfrm>
-            <a:off x="380880" y="1252440"/>
-            <a:ext cx="4515120" cy="475560"/>
+            <a:off x="7203960" y="6635880"/>
+            <a:ext cx="1637640" cy="456480"/>
           </a:xfrm>
           <a:prstGeom prst="rect">
             <a:avLst/>
@@ -5697,50 +9440,8 @@
           </a:ln>
         </p:spPr>
         <p:txBody>
-          <a:bodyPr lIns="0" rIns="0" tIns="36000" bIns="36000"/>
-          <a:p>
-            <a:pPr>
-              <a:lnSpc>
-                <a:spcPct val="100000"/>
-              </a:lnSpc>
-              <a:buFont typeface="Wingdings" charset="2"/>
-              <a:buChar char=""/>
-            </a:pPr>
-            <a:r>
-              <a:rPr lang="it-CH" sz="2400">
-                <a:solidFill>
-                  <a:srgbClr val="000000"/>
-                </a:solidFill>
-                <a:latin typeface="Arial"/>
-                <a:ea typeface="ＭＳ Ｐゴシック"/>
-              </a:rPr>
-              <a:t>Moduli of the Fourier transform:  </a:t>
-            </a:r>
-            <a:endParaRPr/>
-          </a:p>
-        </p:txBody>
-      </p:sp>
-      <p:sp>
-        <p:nvSpPr>
-          <p:cNvPr id="160" name="CustomShape 3"/>
-          <p:cNvSpPr/>
-          <p:nvPr/>
-        </p:nvSpPr>
-        <p:spPr>
-          <a:xfrm>
-            <a:off x="7203960" y="6635880"/>
-            <a:ext cx="1637640" cy="456480"/>
-          </a:xfrm>
-          <a:prstGeom prst="rect">
-            <a:avLst/>
-          </a:prstGeom>
-          <a:noFill/>
-          <a:ln>
-            <a:noFill/>
-          </a:ln>
-        </p:spPr>
-        <p:txBody>
-          <a:bodyPr lIns="90000" rIns="90000" tIns="45000" bIns="45000"/>
+          <a:bodyPr lIns="90000" tIns="45000" rIns="90000" bIns="45000"/>
+          <a:lstStyle/>
           <a:p>
             <a:pPr>
               <a:lnSpc>
@@ -5750,12 +9451,12 @@
             <a:fld id="{AD907E7C-7299-434B-BF89-8702846DA1AD}" type="slidenum">
               <a:rPr lang="it-CH" sz="800">
                 <a:solidFill>
-                  <a:srgbClr val="ffffff"/>
+                  <a:srgbClr val="FFFFFF"/>
                 </a:solidFill>
                 <a:latin typeface="Arial"/>
                 <a:ea typeface="ＭＳ Ｐゴシック"/>
               </a:rPr>
-              <a:t>&lt;numero&gt;</a:t>
+              <a:t>3</a:t>
             </a:fld>
             <a:endParaRPr/>
           </a:p>
@@ -5781,7 +9482,8 @@
           </a:ln>
         </p:spPr>
         <p:txBody>
-          <a:bodyPr lIns="90000" rIns="90000" tIns="45000" bIns="45000"/>
+          <a:bodyPr lIns="90000" tIns="45000" rIns="90000" bIns="45000"/>
+          <a:lstStyle/>
           <a:p>
             <a:pPr>
               <a:lnSpc>
@@ -5791,7 +9493,7 @@
             <a:r>
               <a:rPr lang="it-CH" sz="800">
                 <a:solidFill>
-                  <a:srgbClr val="ffffff"/>
+                  <a:srgbClr val="FFFFFF"/>
                 </a:solidFill>
                 <a:latin typeface="Arial"/>
                 <a:ea typeface="ＭＳ Ｐゴシック"/>
@@ -5804,25 +9506,28 @@
       </p:sp>
     </p:spTree>
   </p:cSld>
+  <p:clrMapOvr>
+    <a:masterClrMapping/>
+  </p:clrMapOvr>
   <p:transition spd="slow">
     <p:fade/>
   </p:transition>
   <p:timing>
     <p:tnLst>
       <p:par>
-        <p:cTn id="5" dur="indefinite" restart="never" nodeType="tmRoot">
+        <p:cTn id="1" dur="indefinite" restart="never" nodeType="tmRoot">
           <p:childTnLst>
             <p:seq>
-              <p:cTn id="6" nodeType="mainSeq"/>
+              <p:cTn id="2" nodeType="mainSeq"/>
               <p:prevCondLst>
-                <p:cond delay="0" evt="onPrev">
+                <p:cond evt="onPrev" delay="0">
                   <p:tgtEl>
                     <p:sldTgt/>
                   </p:tgtEl>
                 </p:cond>
               </p:prevCondLst>
               <p:nextCondLst>
-                <p:cond delay="0" evt="onNext">
+                <p:cond evt="onNext" delay="0">
                   <p:tgtEl>
                     <p:sldTgt/>
                   </p:tgtEl>
@@ -5838,7 +9543,7 @@
 </file>
 
 <file path=ppt/slides/slide4.xml><?xml version="1.0" encoding="utf-8"?>
-<p:sld xmlns:a="http://schemas.openxmlformats.org/drawingml/2006/main" xmlns:p="http://schemas.openxmlformats.org/presentationml/2006/main" xmlns:r="http://schemas.openxmlformats.org/officeDocument/2006/relationships">
+<p:sld xmlns:a="http://schemas.openxmlformats.org/drawingml/2006/main" xmlns:r="http://schemas.openxmlformats.org/officeDocument/2006/relationships" xmlns:p="http://schemas.openxmlformats.org/presentationml/2006/main">
   <p:cSld>
     <p:spTree>
       <p:nvGrpSpPr>
@@ -5854,16 +9559,187 @@
           <a:chExt cx="0" cy="0"/>
         </a:xfrm>
       </p:grpSpPr>
-      <p:sp>
-        <p:nvSpPr>
-          <p:cNvPr id="162" name="CustomShape 1"/>
+      <mc:AlternateContent xmlns:mc="http://schemas.openxmlformats.org/markup-compatibility/2006" xmlns:a14="http://schemas.microsoft.com/office/drawing/2010/main">
+        <mc:Choice Requires="a14">
+          <p:sp>
+            <p:nvSpPr>
+              <p:cNvPr id="158" name="CustomShape 1"/>
+              <p:cNvSpPr/>
+              <p:nvPr/>
+            </p:nvSpPr>
+            <p:spPr>
+              <a:xfrm>
+                <a:off x="380880" y="411120"/>
+                <a:ext cx="8381160" cy="766080"/>
+              </a:xfrm>
+              <a:prstGeom prst="rect">
+                <a:avLst/>
+              </a:prstGeom>
+              <a:noFill/>
+              <a:ln>
+                <a:noFill/>
+              </a:ln>
+            </p:spPr>
+            <p:txBody>
+              <a:bodyPr lIns="0" tIns="36000" rIns="0" bIns="36000"/>
+              <a:lstStyle/>
+              <a:p>
+                <a:pPr>
+                  <a:lnSpc>
+                    <a:spcPct val="100000"/>
+                  </a:lnSpc>
+                </a:pPr>
+                <a:r>
+                  <a:rPr lang="it-CH" sz="2800" b="1" dirty="0" smtClean="0">
+                    <a:solidFill>
+                      <a:srgbClr val="00335B"/>
+                    </a:solidFill>
+                    <a:latin typeface="Arial"/>
+                    <a:ea typeface="ＭＳ Ｐゴシック"/>
+                  </a:rPr>
+                  <a:t>The ratio </a:t>
+                </a:r>
+                <a14:m>
+                  <m:oMath xmlns:m="http://schemas.openxmlformats.org/officeDocument/2006/math">
+                    <m:r>
+                      <a:rPr lang="en-US" sz="2800" b="1" i="1" smtClean="0">
+                        <a:solidFill>
+                          <a:srgbClr val="00335B"/>
+                        </a:solidFill>
+                        <a:latin typeface="Cambria Math"/>
+                        <a:ea typeface="ＭＳ Ｐゴシック"/>
+                      </a:rPr>
+                      <m:t>𝑹</m:t>
+                    </m:r>
+                    <m:r>
+                      <a:rPr lang="en-US" sz="2800" b="1" i="1" smtClean="0">
+                        <a:solidFill>
+                          <a:srgbClr val="00335B"/>
+                        </a:solidFill>
+                        <a:latin typeface="Cambria Math"/>
+                        <a:ea typeface="ＭＳ Ｐゴシック"/>
+                      </a:rPr>
+                      <m:t> </m:t>
+                    </m:r>
+                  </m:oMath>
+                </a14:m>
+                <a:r>
+                  <a:rPr lang="it-CH" sz="2800" b="1" dirty="0" smtClean="0">
+                    <a:solidFill>
+                      <a:srgbClr val="00335B"/>
+                    </a:solidFill>
+                    <a:latin typeface="Arial"/>
+                    <a:ea typeface="ＭＳ Ｐゴシック"/>
+                  </a:rPr>
+                  <a:t>in </a:t>
+                </a:r>
+                <a:r>
+                  <a:rPr lang="it-CH" sz="2800" b="1" dirty="0" err="1" smtClean="0">
+                    <a:solidFill>
+                      <a:srgbClr val="00335B"/>
+                    </a:solidFill>
+                    <a:latin typeface="Arial"/>
+                    <a:ea typeface="ＭＳ Ｐゴシック"/>
+                  </a:rPr>
+                  <a:t>literature</a:t>
+                </a:r>
+                <a:r>
+                  <a:rPr lang="it-CH" sz="2800" b="1" dirty="0" smtClean="0">
+                    <a:solidFill>
+                      <a:srgbClr val="00335B"/>
+                    </a:solidFill>
+                    <a:latin typeface="Arial"/>
+                    <a:ea typeface="ＭＳ Ｐゴシック"/>
+                  </a:rPr>
+                  <a:t> </a:t>
+                </a:r>
+                <a:r>
+                  <a:rPr lang="it-CH" sz="2800" b="1" dirty="0" err="1" smtClean="0">
+                    <a:solidFill>
+                      <a:srgbClr val="00335B"/>
+                    </a:solidFill>
+                    <a:latin typeface="Arial"/>
+                    <a:ea typeface="ＭＳ Ｐゴシック"/>
+                  </a:rPr>
+                  <a:t>below</a:t>
+                </a:r>
+                <a:r>
+                  <a:rPr lang="it-CH" sz="2800" b="1" dirty="0" smtClean="0">
+                    <a:solidFill>
+                      <a:srgbClr val="00335B"/>
+                    </a:solidFill>
+                    <a:latin typeface="Arial"/>
+                    <a:ea typeface="ＭＳ Ｐゴシック"/>
+                  </a:rPr>
+                  <a:t> 40 </a:t>
+                </a:r>
+                <a:r>
+                  <a:rPr lang="it-CH" sz="2800" b="1" dirty="0" err="1" smtClean="0">
+                    <a:solidFill>
+                      <a:srgbClr val="00335B"/>
+                    </a:solidFill>
+                    <a:latin typeface="Arial"/>
+                    <a:ea typeface="ＭＳ Ｐゴシック"/>
+                  </a:rPr>
+                  <a:t>kVp</a:t>
+                </a:r>
+                <a:endParaRPr dirty="0"/>
+              </a:p>
+            </p:txBody>
+          </p:sp>
+        </mc:Choice>
+        <mc:Fallback xmlns="">
+          <p:sp>
+            <p:nvSpPr>
+              <p:cNvPr id="158" name="CustomShape 1"/>
+              <p:cNvSpPr>
+                <a:spLocks noRot="1" noChangeAspect="1" noMove="1" noResize="1" noEditPoints="1" noAdjustHandles="1" noChangeArrowheads="1" noChangeShapeType="1" noTextEdit="1"/>
+              </p:cNvSpPr>
+              <p:nvPr/>
+            </p:nvSpPr>
+            <p:spPr>
+              <a:xfrm>
+                <a:off x="380880" y="411120"/>
+                <a:ext cx="8381160" cy="766080"/>
+              </a:xfrm>
+              <a:prstGeom prst="rect">
+                <a:avLst/>
+              </a:prstGeom>
+              <a:blipFill rotWithShape="1">
+                <a:blip r:embed="rId2"/>
+                <a:stretch>
+                  <a:fillRect l="-2545" t="-8730"/>
+                </a:stretch>
+              </a:blipFill>
+              <a:ln>
+                <a:noFill/>
+              </a:ln>
+            </p:spPr>
+            <p:txBody>
+              <a:bodyPr/>
+              <a:lstStyle/>
+              <a:p>
+                <a:r>
+                  <a:rPr lang="de-CH">
+                    <a:noFill/>
+                  </a:rPr>
+                  <a:t> </a:t>
+                </a:r>
+              </a:p>
+            </p:txBody>
+          </p:sp>
+        </mc:Fallback>
+      </mc:AlternateContent>
+      <p:sp>
+        <p:nvSpPr>
+          <p:cNvPr id="159" name="CustomShape 2"/>
           <p:cNvSpPr/>
           <p:nvPr/>
         </p:nvSpPr>
         <p:spPr>
           <a:xfrm>
-            <a:off x="428760" y="411120"/>
-            <a:ext cx="8381160" cy="766080"/>
+            <a:off x="380880" y="1252440"/>
+            <a:ext cx="7071440" cy="3616720"/>
           </a:xfrm>
           <a:prstGeom prst="rect">
             <a:avLst/>
@@ -5874,89 +9750,197 @@
           </a:ln>
         </p:spPr>
         <p:txBody>
-          <a:bodyPr lIns="0" rIns="0" tIns="36000" bIns="36000"/>
-          <a:p>
-            <a:pPr algn="ctr">
+          <a:bodyPr lIns="0" tIns="36000" rIns="0" bIns="36000"/>
+          <a:lstStyle/>
+          <a:p>
+            <a:pPr marL="342900" indent="-342900">
               <a:lnSpc>
                 <a:spcPct val="100000"/>
               </a:lnSpc>
+              <a:buFont typeface="Arial" panose="020B0604020202020204" pitchFamily="34" charset="0"/>
+              <a:buChar char="•"/>
             </a:pPr>
             <a:r>
-              <a:rPr b="1" lang="it-CH" sz="2800">
+              <a:rPr lang="en-US" sz="2400" dirty="0" smtClean="0">
                 <a:solidFill>
-                  <a:srgbClr val="00335b"/>
+                  <a:srgbClr val="000000"/>
                 </a:solidFill>
                 <a:latin typeface="Arial"/>
                 <a:ea typeface="ＭＳ Ｐゴシック"/>
               </a:rPr>
-              <a:t>Acknowledgements </a:t>
+              <a:t>Independent of thickness</a:t>
             </a:r>
-            <a:endParaRPr/>
-          </a:p>
-        </p:txBody>
-      </p:sp>
-      <p:sp>
-        <p:nvSpPr>
-          <p:cNvPr id="163" name="CustomShape 2"/>
-          <p:cNvSpPr/>
-          <p:nvPr/>
-        </p:nvSpPr>
-        <p:spPr>
-          <a:xfrm>
-            <a:off x="7203960" y="6635880"/>
-            <a:ext cx="1637640" cy="456480"/>
-          </a:xfrm>
-          <a:prstGeom prst="rect">
-            <a:avLst/>
-          </a:prstGeom>
-          <a:noFill/>
-          <a:ln>
-            <a:noFill/>
-          </a:ln>
-        </p:spPr>
-        <p:txBody>
-          <a:bodyPr lIns="90000" rIns="90000" tIns="45000" bIns="45000"/>
+          </a:p>
+          <a:p>
+            <a:pPr marL="342900" indent="-342900">
+              <a:lnSpc>
+                <a:spcPct val="100000"/>
+              </a:lnSpc>
+              <a:buFont typeface="Arial" panose="020B0604020202020204" pitchFamily="34" charset="0"/>
+              <a:buChar char="•"/>
+            </a:pPr>
+            <a:endParaRPr lang="en-US" sz="2400" dirty="0" smtClean="0">
+              <a:solidFill>
+                <a:srgbClr val="000000"/>
+              </a:solidFill>
+              <a:latin typeface="Arial"/>
+              <a:ea typeface="ＭＳ Ｐゴシック"/>
+            </a:endParaRPr>
+          </a:p>
+          <a:p>
+            <a:pPr marL="342900" indent="-342900">
+              <a:lnSpc>
+                <a:spcPct val="100000"/>
+              </a:lnSpc>
+              <a:buFont typeface="Arial" panose="020B0604020202020204" pitchFamily="34" charset="0"/>
+              <a:buChar char="•"/>
+            </a:pPr>
+            <a:r>
+              <a:rPr lang="en-US" sz="2400" dirty="0" smtClean="0">
+                <a:solidFill>
+                  <a:srgbClr val="000000"/>
+                </a:solidFill>
+                <a:latin typeface="Arial"/>
+                <a:ea typeface="ＭＳ Ｐゴシック"/>
+              </a:rPr>
+              <a:t>Depends on atomic number</a:t>
+            </a:r>
+          </a:p>
+          <a:p>
+            <a:pPr marL="342900" indent="-342900">
+              <a:lnSpc>
+                <a:spcPct val="100000"/>
+              </a:lnSpc>
+              <a:buFont typeface="Arial" panose="020B0604020202020204" pitchFamily="34" charset="0"/>
+              <a:buChar char="•"/>
+            </a:pPr>
+            <a:endParaRPr lang="en-US" sz="2400" dirty="0" smtClean="0">
+              <a:solidFill>
+                <a:srgbClr val="000000"/>
+              </a:solidFill>
+              <a:latin typeface="Arial"/>
+              <a:ea typeface="ＭＳ Ｐゴシック"/>
+            </a:endParaRPr>
+          </a:p>
+          <a:p>
+            <a:pPr marL="342900" indent="-342900">
+              <a:lnSpc>
+                <a:spcPct val="100000"/>
+              </a:lnSpc>
+              <a:buFont typeface="Arial" panose="020B0604020202020204" pitchFamily="34" charset="0"/>
+              <a:buChar char="•"/>
+            </a:pPr>
+            <a:r>
+              <a:rPr lang="en-US" sz="2400" dirty="0" smtClean="0">
+                <a:solidFill>
+                  <a:srgbClr val="000000"/>
+                </a:solidFill>
+                <a:latin typeface="Arial"/>
+                <a:ea typeface="ＭＳ Ｐゴシック"/>
+              </a:rPr>
+              <a:t>Depends on microstructure size</a:t>
+            </a:r>
+          </a:p>
+          <a:p>
+            <a:pPr marL="342900" indent="-342900">
+              <a:lnSpc>
+                <a:spcPct val="100000"/>
+              </a:lnSpc>
+              <a:buFont typeface="Arial" panose="020B0604020202020204" pitchFamily="34" charset="0"/>
+              <a:buChar char="•"/>
+            </a:pPr>
+            <a:endParaRPr lang="en-US" sz="2400" dirty="0">
+              <a:solidFill>
+                <a:srgbClr val="000000"/>
+              </a:solidFill>
+              <a:latin typeface="Arial"/>
+              <a:ea typeface="ＭＳ Ｐゴシック"/>
+            </a:endParaRPr>
+          </a:p>
           <a:p>
             <a:pPr>
               <a:lnSpc>
                 <a:spcPct val="100000"/>
               </a:lnSpc>
             </a:pPr>
-            <a:fld id="{C042A7DD-3327-4BEE-90A9-E88944A8FBAD}" type="slidenum">
-              <a:rPr lang="it-CH" sz="800">
-                <a:solidFill>
-                  <a:srgbClr val="ffffff"/>
-                </a:solidFill>
-                <a:latin typeface="Arial"/>
-                <a:ea typeface="ＭＳ Ｐゴシック"/>
-              </a:rPr>
-              <a:t>&lt;numero&gt;</a:t>
-            </a:fld>
-            <a:endParaRPr/>
-          </a:p>
-        </p:txBody>
-      </p:sp>
-      <p:sp>
-        <p:nvSpPr>
-          <p:cNvPr id="164" name="CustomShape 3"/>
-          <p:cNvSpPr/>
-          <p:nvPr/>
-        </p:nvSpPr>
-        <p:spPr>
-          <a:xfrm>
-            <a:off x="215640" y="833400"/>
-            <a:ext cx="1591920" cy="333360"/>
-          </a:xfrm>
-          <a:prstGeom prst="rect">
-            <a:avLst/>
-          </a:prstGeom>
-          <a:noFill/>
-          <a:ln w="9360">
-            <a:noFill/>
-          </a:ln>
-        </p:spPr>
-        <p:txBody>
-          <a:bodyPr wrap="none" lIns="90000" rIns="90000" tIns="45000" bIns="45000"/>
+            <a:endParaRPr lang="en-US" sz="2400" dirty="0" smtClean="0">
+              <a:solidFill>
+                <a:srgbClr val="000000"/>
+              </a:solidFill>
+              <a:latin typeface="Arial"/>
+              <a:ea typeface="ＭＳ Ｐゴシック"/>
+            </a:endParaRPr>
+          </a:p>
+          <a:p>
+            <a:pPr>
+              <a:lnSpc>
+                <a:spcPct val="100000"/>
+              </a:lnSpc>
+            </a:pPr>
+            <a:endParaRPr lang="en-US" sz="2400" dirty="0">
+              <a:solidFill>
+                <a:srgbClr val="000000"/>
+              </a:solidFill>
+              <a:latin typeface="Arial"/>
+              <a:ea typeface="ＭＳ Ｐゴシック"/>
+            </a:endParaRPr>
+          </a:p>
+          <a:p>
+            <a:pPr>
+              <a:lnSpc>
+                <a:spcPct val="100000"/>
+              </a:lnSpc>
+            </a:pPr>
+            <a:endParaRPr lang="en-US" sz="2400" dirty="0">
+              <a:solidFill>
+                <a:srgbClr val="000000"/>
+              </a:solidFill>
+              <a:latin typeface="Arial"/>
+              <a:ea typeface="ＭＳ Ｐゴシック"/>
+            </a:endParaRPr>
+          </a:p>
+          <a:p>
+            <a:pPr>
+              <a:lnSpc>
+                <a:spcPct val="100000"/>
+              </a:lnSpc>
+            </a:pPr>
+            <a:endParaRPr lang="en-US" sz="2400" dirty="0" smtClean="0">
+              <a:solidFill>
+                <a:srgbClr val="000000"/>
+              </a:solidFill>
+              <a:latin typeface="Arial"/>
+              <a:ea typeface="ＭＳ Ｐゴシック"/>
+            </a:endParaRPr>
+          </a:p>
+          <a:p>
+            <a:pPr>
+              <a:lnSpc>
+                <a:spcPct val="100000"/>
+              </a:lnSpc>
+            </a:pPr>
+            <a:endParaRPr lang="en-US" sz="2400" dirty="0">
+              <a:solidFill>
+                <a:srgbClr val="000000"/>
+              </a:solidFill>
+              <a:latin typeface="Arial"/>
+              <a:ea typeface="ＭＳ Ｐゴシック"/>
+            </a:endParaRPr>
+          </a:p>
+          <a:p>
+            <a:pPr>
+              <a:lnSpc>
+                <a:spcPct val="100000"/>
+              </a:lnSpc>
+            </a:pPr>
+            <a:endParaRPr lang="en-US" sz="2400" dirty="0" smtClean="0">
+              <a:solidFill>
+                <a:srgbClr val="000000"/>
+              </a:solidFill>
+              <a:latin typeface="Arial"/>
+              <a:ea typeface="ＭＳ Ｐゴシック"/>
+            </a:endParaRPr>
+          </a:p>
           <a:p>
             <a:pPr>
               <a:lnSpc>
@@ -5964,163 +9948,2363 @@
               </a:lnSpc>
             </a:pPr>
             <a:r>
-              <a:rPr b="1" lang="it-CH" sz="1600">
+              <a:rPr lang="en-US" sz="1100" dirty="0" smtClean="0">
                 <a:solidFill>
                   <a:srgbClr val="000000"/>
                 </a:solidFill>
                 <a:latin typeface="Arial"/>
                 <a:ea typeface="ＭＳ Ｐゴシック"/>
               </a:rPr>
-              <a:t>TOMCAT Team</a:t>
+              <a:t>Wang and </a:t>
             </a:r>
-            <a:endParaRPr/>
-          </a:p>
-        </p:txBody>
-      </p:sp>
-      <p:pic>
-        <p:nvPicPr>
-          <p:cNvPr id="165" name="Picture 11" descr=""/>
-          <p:cNvPicPr/>
+            <a:r>
+              <a:rPr lang="en-US" sz="1100" dirty="0" err="1" smtClean="0">
+                <a:solidFill>
+                  <a:srgbClr val="000000"/>
+                </a:solidFill>
+                <a:latin typeface="Arial"/>
+                <a:ea typeface="ＭＳ Ｐゴシック"/>
+              </a:rPr>
+              <a:t>Stampanoni</a:t>
+            </a:r>
+            <a:r>
+              <a:rPr lang="en-US" sz="1100" dirty="0" smtClean="0">
+                <a:solidFill>
+                  <a:srgbClr val="000000"/>
+                </a:solidFill>
+                <a:latin typeface="Arial"/>
+                <a:ea typeface="ＭＳ Ｐゴシック"/>
+              </a:rPr>
+              <a:t>, </a:t>
+            </a:r>
+            <a:r>
+              <a:rPr lang="en-US" sz="1100" dirty="0" smtClean="0"/>
+              <a:t>Quantitative x-ray radiography using grating interferometry: a feasibility study, 2013</a:t>
+            </a:r>
+          </a:p>
+          <a:p>
+            <a:pPr>
+              <a:lnSpc>
+                <a:spcPct val="100000"/>
+              </a:lnSpc>
+            </a:pPr>
+            <a:r>
+              <a:rPr lang="en-US" sz="1100" dirty="0" smtClean="0">
+                <a:solidFill>
+                  <a:srgbClr val="000000"/>
+                </a:solidFill>
+                <a:latin typeface="Arial"/>
+                <a:ea typeface="ＭＳ Ｐゴシック"/>
+              </a:rPr>
+              <a:t>Scherer et al., </a:t>
+            </a:r>
+            <a:r>
+              <a:rPr lang="en-US" sz="1100" dirty="0" smtClean="0"/>
+              <a:t>Non-invasive Differentiation of Kidney Stone Types using X-ray Dark-Field Radiography, 2015</a:t>
+            </a:r>
+            <a:endParaRPr lang="en-US" sz="1100" dirty="0">
+              <a:solidFill>
+                <a:srgbClr val="000000"/>
+              </a:solidFill>
+              <a:latin typeface="Arial"/>
+              <a:ea typeface="ＭＳ Ｐゴシック"/>
+            </a:endParaRPr>
+          </a:p>
+        </p:txBody>
+      </p:sp>
+      <p:sp>
+        <p:nvSpPr>
+          <p:cNvPr id="160" name="CustomShape 3"/>
+          <p:cNvSpPr/>
           <p:nvPr/>
-        </p:nvPicPr>
-        <p:blipFill>
-          <a:blip r:embed="rId1"/>
-          <a:stretch>
-            <a:fillRect/>
-          </a:stretch>
-        </p:blipFill>
-        <p:spPr>
-          <a:xfrm>
-            <a:off x="0" y="5799240"/>
-            <a:ext cx="943920" cy="615240"/>
-          </a:xfrm>
-          <a:prstGeom prst="rect">
-            <a:avLst/>
-          </a:prstGeom>
-          <a:ln w="9360">
-            <a:noFill/>
-          </a:ln>
-        </p:spPr>
-      </p:pic>
-      <p:pic>
-        <p:nvPicPr>
-          <p:cNvPr id="166" name="Picture 13" descr=""/>
-          <p:cNvPicPr/>
-          <p:nvPr/>
-        </p:nvPicPr>
-        <p:blipFill>
-          <a:blip r:embed="rId2"/>
-          <a:stretch>
-            <a:fillRect/>
-          </a:stretch>
-        </p:blipFill>
-        <p:spPr>
-          <a:xfrm>
-            <a:off x="1693800" y="5945400"/>
-            <a:ext cx="1353240" cy="478800"/>
-          </a:xfrm>
-          <a:prstGeom prst="rect">
-            <a:avLst/>
-          </a:prstGeom>
-          <a:ln w="9360">
-            <a:noFill/>
-          </a:ln>
-        </p:spPr>
-      </p:pic>
-      <p:pic>
-        <p:nvPicPr>
-          <p:cNvPr id="167" name="Picture 14" descr=""/>
-          <p:cNvPicPr/>
-          <p:nvPr/>
-        </p:nvPicPr>
-        <p:blipFill>
-          <a:blip r:embed="rId3"/>
-          <a:stretch>
-            <a:fillRect/>
-          </a:stretch>
-        </p:blipFill>
-        <p:spPr>
-          <a:xfrm>
-            <a:off x="3232080" y="6075360"/>
-            <a:ext cx="2869560" cy="348480"/>
-          </a:xfrm>
-          <a:prstGeom prst="rect">
-            <a:avLst/>
-          </a:prstGeom>
-          <a:ln w="9360">
-            <a:noFill/>
-          </a:ln>
-        </p:spPr>
-      </p:pic>
-      <p:pic>
-        <p:nvPicPr>
-          <p:cNvPr id="168" name="Picture 15" descr=""/>
-          <p:cNvPicPr/>
-          <p:nvPr/>
-        </p:nvPicPr>
-        <p:blipFill>
-          <a:blip r:embed="rId4"/>
-          <a:stretch>
-            <a:fillRect/>
-          </a:stretch>
-        </p:blipFill>
-        <p:spPr>
-          <a:xfrm>
-            <a:off x="6597720" y="5627880"/>
-            <a:ext cx="2297880" cy="818280"/>
-          </a:xfrm>
-          <a:prstGeom prst="rect">
-            <a:avLst/>
-          </a:prstGeom>
-          <a:ln w="9360">
-            <a:noFill/>
-          </a:ln>
-        </p:spPr>
-      </p:pic>
-      <p:pic>
-        <p:nvPicPr>
-          <p:cNvPr id="169" name="Picture 1" descr=""/>
-          <p:cNvPicPr/>
-          <p:nvPr/>
-        </p:nvPicPr>
-        <p:blipFill>
-          <a:blip r:embed="rId5"/>
-          <a:srcRect l="8743" t="35871" r="5173" b="31590"/>
-          <a:stretch>
-            <a:fillRect/>
-          </a:stretch>
-        </p:blipFill>
-        <p:spPr>
-          <a:xfrm>
-            <a:off x="389520" y="1403280"/>
-            <a:ext cx="8523720" cy="2147400"/>
-          </a:xfrm>
-          <a:prstGeom prst="rect">
-            <a:avLst/>
-          </a:prstGeom>
+        </p:nvSpPr>
+        <p:spPr>
+          <a:xfrm>
+            <a:off x="7203960" y="6635880"/>
+            <a:ext cx="1637640" cy="456480"/>
+          </a:xfrm>
+          <a:prstGeom prst="rect">
+            <a:avLst/>
+          </a:prstGeom>
+          <a:noFill/>
           <a:ln>
             <a:noFill/>
           </a:ln>
         </p:spPr>
-      </p:pic>
+        <p:txBody>
+          <a:bodyPr lIns="90000" tIns="45000" rIns="90000" bIns="45000"/>
+          <a:lstStyle/>
+          <a:p>
+            <a:pPr>
+              <a:lnSpc>
+                <a:spcPct val="100000"/>
+              </a:lnSpc>
+            </a:pPr>
+            <a:fld id="{AD907E7C-7299-434B-BF89-8702846DA1AD}" type="slidenum">
+              <a:rPr lang="it-CH" sz="800">
+                <a:solidFill>
+                  <a:srgbClr val="FFFFFF"/>
+                </a:solidFill>
+                <a:latin typeface="Arial"/>
+                <a:ea typeface="ＭＳ Ｐゴシック"/>
+              </a:rPr>
+              <a:t>4</a:t>
+            </a:fld>
+            <a:endParaRPr/>
+          </a:p>
+        </p:txBody>
+      </p:sp>
+      <p:sp>
+        <p:nvSpPr>
+          <p:cNvPr id="161" name="CustomShape 4"/>
+          <p:cNvSpPr/>
+          <p:nvPr/>
+        </p:nvSpPr>
+        <p:spPr>
+          <a:xfrm>
+            <a:off x="2239920" y="6635880"/>
+            <a:ext cx="4772880" cy="448560"/>
+          </a:xfrm>
+          <a:prstGeom prst="rect">
+            <a:avLst/>
+          </a:prstGeom>
+          <a:noFill/>
+          <a:ln>
+            <a:noFill/>
+          </a:ln>
+        </p:spPr>
+        <p:txBody>
+          <a:bodyPr lIns="90000" tIns="45000" rIns="90000" bIns="45000"/>
+          <a:lstStyle/>
+          <a:p>
+            <a:pPr>
+              <a:lnSpc>
+                <a:spcPct val="100000"/>
+              </a:lnSpc>
+            </a:pPr>
+            <a:r>
+              <a:rPr lang="it-CH" sz="800">
+                <a:solidFill>
+                  <a:srgbClr val="FFFFFF"/>
+                </a:solidFill>
+                <a:latin typeface="Arial"/>
+                <a:ea typeface="ＭＳ Ｐゴシック"/>
+              </a:rPr>
+              <a:t>Matteo Abis – XNPIG2015</a:t>
+            </a:r>
+            <a:endParaRPr/>
+          </a:p>
+        </p:txBody>
+      </p:sp>
     </p:spTree>
+    <p:extLst>
+      <p:ext uri="{BB962C8B-B14F-4D97-AF65-F5344CB8AC3E}">
+        <p14:creationId xmlns:p14="http://schemas.microsoft.com/office/powerpoint/2010/main" val="1032062652"/>
+      </p:ext>
+    </p:extLst>
   </p:cSld>
+  <p:clrMapOvr>
+    <a:masterClrMapping/>
+  </p:clrMapOvr>
+  <p:transition spd="slow">
+    <p:fade/>
+  </p:transition>
   <p:timing>
     <p:tnLst>
       <p:par>
-        <p:cTn id="7" dur="indefinite" restart="never" nodeType="tmRoot">
+        <p:cTn id="1" dur="indefinite" restart="never" nodeType="tmRoot">
           <p:childTnLst>
             <p:seq>
-              <p:cTn id="8" nodeType="mainSeq"/>
+              <p:cTn id="2" nodeType="mainSeq"/>
               <p:prevCondLst>
-                <p:cond delay="0" evt="onPrev">
+                <p:cond evt="onPrev" delay="0">
                   <p:tgtEl>
                     <p:sldTgt/>
                   </p:tgtEl>
                 </p:cond>
               </p:prevCondLst>
               <p:nextCondLst>
-                <p:cond delay="0" evt="onNext">
+                <p:cond evt="onNext" delay="0">
+                  <p:tgtEl>
+                    <p:sldTgt/>
+                  </p:tgtEl>
+                </p:cond>
+              </p:nextCondLst>
+            </p:seq>
+          </p:childTnLst>
+        </p:cTn>
+      </p:par>
+    </p:tnLst>
+  </p:timing>
+</p:sld>
+</file>
+
+<file path=ppt/slides/slide5.xml><?xml version="1.0" encoding="utf-8"?>
+<p:sld xmlns:a="http://schemas.openxmlformats.org/drawingml/2006/main" xmlns:r="http://schemas.openxmlformats.org/officeDocument/2006/relationships" xmlns:p="http://schemas.openxmlformats.org/presentationml/2006/main">
+  <p:cSld>
+    <p:spTree>
+      <p:nvGrpSpPr>
+        <p:cNvPr id="1" name=""/>
+        <p:cNvGrpSpPr/>
+        <p:nvPr/>
+      </p:nvGrpSpPr>
+      <p:grpSpPr>
+        <a:xfrm>
+          <a:off x="0" y="0"/>
+          <a:ext cx="0" cy="0"/>
+          <a:chOff x="0" y="0"/>
+          <a:chExt cx="0" cy="0"/>
+        </a:xfrm>
+      </p:grpSpPr>
+      <p:sp>
+        <p:nvSpPr>
+          <p:cNvPr id="158" name="CustomShape 1"/>
+          <p:cNvSpPr/>
+          <p:nvPr/>
+        </p:nvSpPr>
+        <p:spPr>
+          <a:xfrm>
+            <a:off x="380880" y="411120"/>
+            <a:ext cx="8381160" cy="766080"/>
+          </a:xfrm>
+          <a:prstGeom prst="rect">
+            <a:avLst/>
+          </a:prstGeom>
+          <a:noFill/>
+          <a:ln>
+            <a:noFill/>
+          </a:ln>
+        </p:spPr>
+        <p:txBody>
+          <a:bodyPr lIns="0" tIns="36000" rIns="0" bIns="36000"/>
+          <a:lstStyle/>
+          <a:p>
+            <a:pPr>
+              <a:lnSpc>
+                <a:spcPct val="100000"/>
+              </a:lnSpc>
+            </a:pPr>
+            <a:r>
+              <a:rPr lang="en-US" sz="2800" b="1" dirty="0" smtClean="0">
+                <a:solidFill>
+                  <a:srgbClr val="00335B"/>
+                </a:solidFill>
+                <a:latin typeface="Arial"/>
+                <a:ea typeface="ＭＳ Ｐゴシック"/>
+              </a:rPr>
+              <a:t>Experiment at 160 </a:t>
+            </a:r>
+            <a:r>
+              <a:rPr lang="en-US" sz="2800" b="1" dirty="0" err="1" smtClean="0">
+                <a:solidFill>
+                  <a:srgbClr val="00335B"/>
+                </a:solidFill>
+                <a:latin typeface="Arial"/>
+                <a:ea typeface="ＭＳ Ｐゴシック"/>
+              </a:rPr>
+              <a:t>kVp</a:t>
+            </a:r>
+            <a:endParaRPr dirty="0"/>
+          </a:p>
+        </p:txBody>
+      </p:sp>
+      <p:sp>
+        <p:nvSpPr>
+          <p:cNvPr id="160" name="CustomShape 3"/>
+          <p:cNvSpPr/>
+          <p:nvPr/>
+        </p:nvSpPr>
+        <p:spPr>
+          <a:xfrm>
+            <a:off x="7203960" y="6635880"/>
+            <a:ext cx="1637640" cy="456480"/>
+          </a:xfrm>
+          <a:prstGeom prst="rect">
+            <a:avLst/>
+          </a:prstGeom>
+          <a:noFill/>
+          <a:ln>
+            <a:noFill/>
+          </a:ln>
+        </p:spPr>
+        <p:txBody>
+          <a:bodyPr lIns="90000" tIns="45000" rIns="90000" bIns="45000"/>
+          <a:lstStyle/>
+          <a:p>
+            <a:pPr>
+              <a:lnSpc>
+                <a:spcPct val="100000"/>
+              </a:lnSpc>
+            </a:pPr>
+            <a:fld id="{AD907E7C-7299-434B-BF89-8702846DA1AD}" type="slidenum">
+              <a:rPr lang="it-CH" sz="800">
+                <a:solidFill>
+                  <a:srgbClr val="FFFFFF"/>
+                </a:solidFill>
+                <a:latin typeface="Arial"/>
+                <a:ea typeface="ＭＳ Ｐゴシック"/>
+              </a:rPr>
+              <a:t>5</a:t>
+            </a:fld>
+            <a:endParaRPr/>
+          </a:p>
+        </p:txBody>
+      </p:sp>
+      <p:sp>
+        <p:nvSpPr>
+          <p:cNvPr id="161" name="CustomShape 4"/>
+          <p:cNvSpPr/>
+          <p:nvPr/>
+        </p:nvSpPr>
+        <p:spPr>
+          <a:xfrm>
+            <a:off x="2239920" y="6635880"/>
+            <a:ext cx="4772880" cy="448560"/>
+          </a:xfrm>
+          <a:prstGeom prst="rect">
+            <a:avLst/>
+          </a:prstGeom>
+          <a:noFill/>
+          <a:ln>
+            <a:noFill/>
+          </a:ln>
+        </p:spPr>
+        <p:txBody>
+          <a:bodyPr lIns="90000" tIns="45000" rIns="90000" bIns="45000"/>
+          <a:lstStyle/>
+          <a:p>
+            <a:pPr>
+              <a:lnSpc>
+                <a:spcPct val="100000"/>
+              </a:lnSpc>
+            </a:pPr>
+            <a:r>
+              <a:rPr lang="it-CH" sz="800">
+                <a:solidFill>
+                  <a:srgbClr val="FFFFFF"/>
+                </a:solidFill>
+                <a:latin typeface="Arial"/>
+                <a:ea typeface="ＭＳ Ｐゴシック"/>
+              </a:rPr>
+              <a:t>Matteo Abis – XNPIG2015</a:t>
+            </a:r>
+            <a:endParaRPr/>
+          </a:p>
+        </p:txBody>
+      </p:sp>
+      <p:pic>
+        <p:nvPicPr>
+          <p:cNvPr id="2" name="Picture 1"/>
+          <p:cNvPicPr>
+            <a:picLocks noChangeAspect="1"/>
+          </p:cNvPicPr>
+          <p:nvPr/>
+        </p:nvPicPr>
+        <p:blipFill>
+          <a:blip r:embed="rId2" cstate="print">
+            <a:extLst>
+              <a:ext uri="{28A0092B-C50C-407E-A947-70E740481C1C}">
+                <a14:useLocalDpi xmlns:a14="http://schemas.microsoft.com/office/drawing/2010/main" val="0"/>
+              </a:ext>
+            </a:extLst>
+          </a:blip>
+          <a:stretch>
+            <a:fillRect/>
+          </a:stretch>
+        </p:blipFill>
+        <p:spPr>
+          <a:xfrm>
+            <a:off x="-17079" y="939296"/>
+            <a:ext cx="9161079" cy="5658057"/>
+          </a:xfrm>
+          <a:prstGeom prst="rect">
+            <a:avLst/>
+          </a:prstGeom>
+        </p:spPr>
+      </p:pic>
+    </p:spTree>
+    <p:extLst>
+      <p:ext uri="{BB962C8B-B14F-4D97-AF65-F5344CB8AC3E}">
+        <p14:creationId xmlns:p14="http://schemas.microsoft.com/office/powerpoint/2010/main" val="4181564977"/>
+      </p:ext>
+    </p:extLst>
+  </p:cSld>
+  <p:clrMapOvr>
+    <a:masterClrMapping/>
+  </p:clrMapOvr>
+  <p:transition spd="slow">
+    <p:fade/>
+  </p:transition>
+  <p:timing>
+    <p:tnLst>
+      <p:par>
+        <p:cTn id="1" dur="indefinite" restart="never" nodeType="tmRoot">
+          <p:childTnLst>
+            <p:seq>
+              <p:cTn id="2" nodeType="mainSeq"/>
+              <p:prevCondLst>
+                <p:cond evt="onPrev" delay="0">
+                  <p:tgtEl>
+                    <p:sldTgt/>
+                  </p:tgtEl>
+                </p:cond>
+              </p:prevCondLst>
+              <p:nextCondLst>
+                <p:cond evt="onNext" delay="0">
+                  <p:tgtEl>
+                    <p:sldTgt/>
+                  </p:tgtEl>
+                </p:cond>
+              </p:nextCondLst>
+            </p:seq>
+          </p:childTnLst>
+        </p:cTn>
+      </p:par>
+    </p:tnLst>
+  </p:timing>
+</p:sld>
+</file>
+
+<file path=ppt/slides/slide6.xml><?xml version="1.0" encoding="utf-8"?>
+<p:sld xmlns:a="http://schemas.openxmlformats.org/drawingml/2006/main" xmlns:r="http://schemas.openxmlformats.org/officeDocument/2006/relationships" xmlns:p="http://schemas.openxmlformats.org/presentationml/2006/main">
+  <p:cSld>
+    <p:spTree>
+      <p:nvGrpSpPr>
+        <p:cNvPr id="1" name=""/>
+        <p:cNvGrpSpPr/>
+        <p:nvPr/>
+      </p:nvGrpSpPr>
+      <p:grpSpPr>
+        <a:xfrm>
+          <a:off x="0" y="0"/>
+          <a:ext cx="0" cy="0"/>
+          <a:chOff x="0" y="0"/>
+          <a:chExt cx="0" cy="0"/>
+        </a:xfrm>
+      </p:grpSpPr>
+      <p:sp>
+        <p:nvSpPr>
+          <p:cNvPr id="158" name="CustomShape 1"/>
+          <p:cNvSpPr/>
+          <p:nvPr/>
+        </p:nvSpPr>
+        <p:spPr>
+          <a:xfrm>
+            <a:off x="380880" y="411120"/>
+            <a:ext cx="8381160" cy="766080"/>
+          </a:xfrm>
+          <a:prstGeom prst="rect">
+            <a:avLst/>
+          </a:prstGeom>
+          <a:noFill/>
+          <a:ln>
+            <a:noFill/>
+          </a:ln>
+        </p:spPr>
+        <p:txBody>
+          <a:bodyPr lIns="0" tIns="36000" rIns="0" bIns="36000"/>
+          <a:lstStyle/>
+          <a:p>
+            <a:pPr>
+              <a:lnSpc>
+                <a:spcPct val="100000"/>
+              </a:lnSpc>
+            </a:pPr>
+            <a:r>
+              <a:rPr lang="en-US" sz="2800" b="1" dirty="0" smtClean="0">
+                <a:solidFill>
+                  <a:srgbClr val="00335B"/>
+                </a:solidFill>
+                <a:latin typeface="Arial"/>
+                <a:ea typeface="ＭＳ Ｐゴシック"/>
+              </a:rPr>
+              <a:t>Experiment at 160 </a:t>
+            </a:r>
+            <a:r>
+              <a:rPr lang="en-US" sz="2800" b="1" dirty="0" err="1" smtClean="0">
+                <a:solidFill>
+                  <a:srgbClr val="00335B"/>
+                </a:solidFill>
+                <a:latin typeface="Arial"/>
+                <a:ea typeface="ＭＳ Ｐゴシック"/>
+              </a:rPr>
+              <a:t>kVp</a:t>
+            </a:r>
+            <a:endParaRPr dirty="0"/>
+          </a:p>
+        </p:txBody>
+      </p:sp>
+      <p:sp>
+        <p:nvSpPr>
+          <p:cNvPr id="160" name="CustomShape 3"/>
+          <p:cNvSpPr/>
+          <p:nvPr/>
+        </p:nvSpPr>
+        <p:spPr>
+          <a:xfrm>
+            <a:off x="7203960" y="6635880"/>
+            <a:ext cx="1637640" cy="456480"/>
+          </a:xfrm>
+          <a:prstGeom prst="rect">
+            <a:avLst/>
+          </a:prstGeom>
+          <a:noFill/>
+          <a:ln>
+            <a:noFill/>
+          </a:ln>
+        </p:spPr>
+        <p:txBody>
+          <a:bodyPr lIns="90000" tIns="45000" rIns="90000" bIns="45000"/>
+          <a:lstStyle/>
+          <a:p>
+            <a:pPr>
+              <a:lnSpc>
+                <a:spcPct val="100000"/>
+              </a:lnSpc>
+            </a:pPr>
+            <a:fld id="{AD907E7C-7299-434B-BF89-8702846DA1AD}" type="slidenum">
+              <a:rPr lang="it-CH" sz="800">
+                <a:solidFill>
+                  <a:srgbClr val="FFFFFF"/>
+                </a:solidFill>
+                <a:latin typeface="Arial"/>
+                <a:ea typeface="ＭＳ Ｐゴシック"/>
+              </a:rPr>
+              <a:t>6</a:t>
+            </a:fld>
+            <a:endParaRPr/>
+          </a:p>
+        </p:txBody>
+      </p:sp>
+      <p:sp>
+        <p:nvSpPr>
+          <p:cNvPr id="161" name="CustomShape 4"/>
+          <p:cNvSpPr/>
+          <p:nvPr/>
+        </p:nvSpPr>
+        <p:spPr>
+          <a:xfrm>
+            <a:off x="2239920" y="6635880"/>
+            <a:ext cx="4772880" cy="448560"/>
+          </a:xfrm>
+          <a:prstGeom prst="rect">
+            <a:avLst/>
+          </a:prstGeom>
+          <a:noFill/>
+          <a:ln>
+            <a:noFill/>
+          </a:ln>
+        </p:spPr>
+        <p:txBody>
+          <a:bodyPr lIns="90000" tIns="45000" rIns="90000" bIns="45000"/>
+          <a:lstStyle/>
+          <a:p>
+            <a:pPr>
+              <a:lnSpc>
+                <a:spcPct val="100000"/>
+              </a:lnSpc>
+            </a:pPr>
+            <a:r>
+              <a:rPr lang="it-CH" sz="800">
+                <a:solidFill>
+                  <a:srgbClr val="FFFFFF"/>
+                </a:solidFill>
+                <a:latin typeface="Arial"/>
+                <a:ea typeface="ＭＳ Ｐゴシック"/>
+              </a:rPr>
+              <a:t>Matteo Abis – XNPIG2015</a:t>
+            </a:r>
+            <a:endParaRPr/>
+          </a:p>
+        </p:txBody>
+      </p:sp>
+      <p:pic>
+        <p:nvPicPr>
+          <p:cNvPr id="2" name="Picture 1"/>
+          <p:cNvPicPr>
+            <a:picLocks noChangeAspect="1"/>
+          </p:cNvPicPr>
+          <p:nvPr/>
+        </p:nvPicPr>
+        <p:blipFill>
+          <a:blip r:embed="rId2" cstate="print">
+            <a:extLst>
+              <a:ext uri="{28A0092B-C50C-407E-A947-70E740481C1C}">
+                <a14:useLocalDpi xmlns:a14="http://schemas.microsoft.com/office/drawing/2010/main" val="0"/>
+              </a:ext>
+            </a:extLst>
+          </a:blip>
+          <a:stretch>
+            <a:fillRect/>
+          </a:stretch>
+        </p:blipFill>
+        <p:spPr>
+          <a:xfrm>
+            <a:off x="958456" y="939296"/>
+            <a:ext cx="7227088" cy="4463587"/>
+          </a:xfrm>
+          <a:prstGeom prst="rect">
+            <a:avLst/>
+          </a:prstGeom>
+        </p:spPr>
+      </p:pic>
+      <p:sp>
+        <p:nvSpPr>
+          <p:cNvPr id="3" name="TextBox 2"/>
+          <p:cNvSpPr txBox="1"/>
+          <p:nvPr/>
+        </p:nvSpPr>
+        <p:spPr>
+          <a:xfrm>
+            <a:off x="35496" y="5445224"/>
+            <a:ext cx="9110593" cy="923330"/>
+          </a:xfrm>
+          <a:prstGeom prst="rect">
+            <a:avLst/>
+          </a:prstGeom>
+          <a:noFill/>
+        </p:spPr>
+        <p:txBody>
+          <a:bodyPr wrap="square" rtlCol="0">
+            <a:spAutoFit/>
+          </a:bodyPr>
+          <a:lstStyle/>
+          <a:p>
+            <a:pPr marL="285750" indent="-285750">
+              <a:buFont typeface="Arial" panose="020B0604020202020204" pitchFamily="34" charset="0"/>
+              <a:buChar char="•"/>
+            </a:pPr>
+            <a:r>
+              <a:rPr lang="en-US" dirty="0" smtClean="0">
+                <a:solidFill>
+                  <a:srgbClr val="00B050"/>
+                </a:solidFill>
+              </a:rPr>
+              <a:t>R independent of thickness</a:t>
+            </a:r>
+          </a:p>
+          <a:p>
+            <a:pPr marL="285750" indent="-285750">
+              <a:buFont typeface="Arial" panose="020B0604020202020204" pitchFamily="34" charset="0"/>
+              <a:buChar char="•"/>
+            </a:pPr>
+            <a:r>
+              <a:rPr lang="en-US" dirty="0" smtClean="0">
+                <a:solidFill>
+                  <a:srgbClr val="C00000"/>
+                </a:solidFill>
+              </a:rPr>
+              <a:t>R depends on atomic number</a:t>
+            </a:r>
+          </a:p>
+          <a:p>
+            <a:pPr marL="285750" indent="-285750">
+              <a:buFont typeface="Arial" panose="020B0604020202020204" pitchFamily="34" charset="0"/>
+              <a:buChar char="•"/>
+            </a:pPr>
+            <a:r>
+              <a:rPr lang="en-US" dirty="0" smtClean="0">
+                <a:solidFill>
+                  <a:srgbClr val="00B050"/>
+                </a:solidFill>
+              </a:rPr>
+              <a:t>R depends on microstructures</a:t>
+            </a:r>
+            <a:endParaRPr lang="de-CH" dirty="0">
+              <a:solidFill>
+                <a:srgbClr val="00B050"/>
+              </a:solidFill>
+            </a:endParaRPr>
+          </a:p>
+        </p:txBody>
+      </p:sp>
+    </p:spTree>
+    <p:extLst>
+      <p:ext uri="{BB962C8B-B14F-4D97-AF65-F5344CB8AC3E}">
+        <p14:creationId xmlns:p14="http://schemas.microsoft.com/office/powerpoint/2010/main" val="347621074"/>
+      </p:ext>
+    </p:extLst>
+  </p:cSld>
+  <p:clrMapOvr>
+    <a:masterClrMapping/>
+  </p:clrMapOvr>
+  <p:transition spd="slow">
+    <p:fade/>
+  </p:transition>
+  <p:timing>
+    <p:tnLst>
+      <p:par>
+        <p:cTn id="1" dur="indefinite" restart="never" nodeType="tmRoot">
+          <p:childTnLst>
+            <p:seq>
+              <p:cTn id="2" nodeType="mainSeq"/>
+              <p:prevCondLst>
+                <p:cond evt="onPrev" delay="0">
+                  <p:tgtEl>
+                    <p:sldTgt/>
+                  </p:tgtEl>
+                </p:cond>
+              </p:prevCondLst>
+              <p:nextCondLst>
+                <p:cond evt="onNext" delay="0">
+                  <p:tgtEl>
+                    <p:sldTgt/>
+                  </p:tgtEl>
+                </p:cond>
+              </p:nextCondLst>
+            </p:seq>
+          </p:childTnLst>
+        </p:cTn>
+      </p:par>
+    </p:tnLst>
+  </p:timing>
+</p:sld>
+</file>
+
+<file path=ppt/slides/slide7.xml><?xml version="1.0" encoding="utf-8"?>
+<p:sld xmlns:a="http://schemas.openxmlformats.org/drawingml/2006/main" xmlns:r="http://schemas.openxmlformats.org/officeDocument/2006/relationships" xmlns:p="http://schemas.openxmlformats.org/presentationml/2006/main">
+  <p:cSld>
+    <p:spTree>
+      <p:nvGrpSpPr>
+        <p:cNvPr id="1" name=""/>
+        <p:cNvGrpSpPr/>
+        <p:nvPr/>
+      </p:nvGrpSpPr>
+      <p:grpSpPr>
+        <a:xfrm>
+          <a:off x="0" y="0"/>
+          <a:ext cx="0" cy="0"/>
+          <a:chOff x="0" y="0"/>
+          <a:chExt cx="0" cy="0"/>
+        </a:xfrm>
+      </p:grpSpPr>
+      <p:sp>
+        <p:nvSpPr>
+          <p:cNvPr id="158" name="CustomShape 1"/>
+          <p:cNvSpPr/>
+          <p:nvPr/>
+        </p:nvSpPr>
+        <p:spPr>
+          <a:xfrm>
+            <a:off x="380880" y="411120"/>
+            <a:ext cx="8381160" cy="766080"/>
+          </a:xfrm>
+          <a:prstGeom prst="rect">
+            <a:avLst/>
+          </a:prstGeom>
+          <a:noFill/>
+          <a:ln>
+            <a:noFill/>
+          </a:ln>
+        </p:spPr>
+        <p:txBody>
+          <a:bodyPr lIns="0" tIns="36000" rIns="0" bIns="36000"/>
+          <a:lstStyle/>
+          <a:p>
+            <a:pPr>
+              <a:lnSpc>
+                <a:spcPct val="100000"/>
+              </a:lnSpc>
+            </a:pPr>
+            <a:r>
+              <a:rPr lang="it-CH" sz="2800" b="1" dirty="0" smtClean="0">
+                <a:solidFill>
+                  <a:srgbClr val="00335B"/>
+                </a:solidFill>
+                <a:latin typeface="Arial"/>
+                <a:ea typeface="ＭＳ Ｐゴシック"/>
+              </a:rPr>
+              <a:t>No Z information</a:t>
+            </a:r>
+            <a:endParaRPr dirty="0"/>
+          </a:p>
+        </p:txBody>
+      </p:sp>
+      <mc:AlternateContent xmlns:mc="http://schemas.openxmlformats.org/markup-compatibility/2006">
+        <mc:Choice xmlns:a14="http://schemas.microsoft.com/office/drawing/2010/main" Requires="a14">
+          <p:sp>
+            <p:nvSpPr>
+              <p:cNvPr id="159" name="CustomShape 2"/>
+              <p:cNvSpPr/>
+              <p:nvPr/>
+            </p:nvSpPr>
+            <p:spPr>
+              <a:xfrm>
+                <a:off x="380880" y="1252440"/>
+                <a:ext cx="7071440" cy="808408"/>
+              </a:xfrm>
+              <a:prstGeom prst="rect">
+                <a:avLst/>
+              </a:prstGeom>
+              <a:noFill/>
+              <a:ln>
+                <a:noFill/>
+              </a:ln>
+            </p:spPr>
+            <p:txBody>
+              <a:bodyPr lIns="0" tIns="36000" rIns="0" bIns="36000"/>
+              <a:lstStyle/>
+              <a:p>
+                <a:pPr marL="342900" indent="-342900">
+                  <a:lnSpc>
+                    <a:spcPct val="100000"/>
+                  </a:lnSpc>
+                  <a:buFont typeface="Arial" panose="020B0604020202020204" pitchFamily="34" charset="0"/>
+                  <a:buChar char="•"/>
+                </a:pPr>
+                <a:r>
+                  <a:rPr lang="en-US" sz="2400" dirty="0" smtClean="0">
+                    <a:solidFill>
+                      <a:srgbClr val="000000"/>
+                    </a:solidFill>
+                    <a:latin typeface="Arial"/>
+                    <a:ea typeface="ＭＳ Ｐゴシック"/>
+                  </a:rPr>
+                  <a:t>Given by photoelectric absorption </a:t>
+                </a:r>
+                <a14:m>
+                  <m:oMath xmlns:m="http://schemas.openxmlformats.org/officeDocument/2006/math">
+                    <m:sSup>
+                      <m:sSupPr>
+                        <m:ctrlPr>
+                          <a:rPr lang="en-US" sz="2400" b="0" i="1" smtClean="0">
+                            <a:solidFill>
+                              <a:srgbClr val="000000"/>
+                            </a:solidFill>
+                            <a:latin typeface="Cambria Math"/>
+                            <a:ea typeface="ＭＳ Ｐゴシック"/>
+                          </a:rPr>
+                        </m:ctrlPr>
+                      </m:sSupPr>
+                      <m:e>
+                        <m:r>
+                          <a:rPr lang="en-US" sz="2400" b="0" i="1" smtClean="0">
+                            <a:solidFill>
+                              <a:srgbClr val="000000"/>
+                            </a:solidFill>
+                            <a:latin typeface="Cambria Math"/>
+                            <a:ea typeface="Cambria Math"/>
+                          </a:rPr>
+                          <m:t>∝</m:t>
+                        </m:r>
+                        <m:r>
+                          <a:rPr lang="en-US" sz="2400" b="0" i="1" smtClean="0">
+                            <a:solidFill>
+                              <a:srgbClr val="000000"/>
+                            </a:solidFill>
+                            <a:latin typeface="Cambria Math"/>
+                            <a:ea typeface="ＭＳ Ｐゴシック"/>
+                          </a:rPr>
+                          <m:t>𝑍</m:t>
+                        </m:r>
+                      </m:e>
+                      <m:sup>
+                        <m:r>
+                          <a:rPr lang="en-US" sz="2400" b="0" i="1" smtClean="0">
+                            <a:solidFill>
+                              <a:srgbClr val="000000"/>
+                            </a:solidFill>
+                            <a:latin typeface="Cambria Math"/>
+                            <a:ea typeface="ＭＳ Ｐゴシック"/>
+                          </a:rPr>
+                          <m:t>3−4</m:t>
+                        </m:r>
+                      </m:sup>
+                    </m:sSup>
+                  </m:oMath>
+                </a14:m>
+                <a:endParaRPr lang="en-US" sz="2400" b="0" dirty="0" smtClean="0">
+                  <a:solidFill>
+                    <a:srgbClr val="000000"/>
+                  </a:solidFill>
+                  <a:latin typeface="Arial"/>
+                  <a:ea typeface="ＭＳ Ｐゴシック"/>
+                </a:endParaRPr>
+              </a:p>
+              <a:p>
+                <a:pPr marL="342900" indent="-342900">
+                  <a:lnSpc>
+                    <a:spcPct val="100000"/>
+                  </a:lnSpc>
+                  <a:buFont typeface="Arial" panose="020B0604020202020204" pitchFamily="34" charset="0"/>
+                  <a:buChar char="•"/>
+                </a:pPr>
+                <a:endParaRPr lang="en-US" sz="2400" b="0" dirty="0" smtClean="0">
+                  <a:solidFill>
+                    <a:srgbClr val="000000"/>
+                  </a:solidFill>
+                  <a:latin typeface="Arial"/>
+                  <a:ea typeface="ＭＳ Ｐゴシック"/>
+                </a:endParaRPr>
+              </a:p>
+              <a:p>
+                <a:pPr marL="342900" indent="-342900">
+                  <a:lnSpc>
+                    <a:spcPct val="100000"/>
+                  </a:lnSpc>
+                  <a:buFont typeface="Arial" panose="020B0604020202020204" pitchFamily="34" charset="0"/>
+                  <a:buChar char="•"/>
+                </a:pPr>
+                <a:r>
+                  <a:rPr lang="en-US" sz="2400" dirty="0" smtClean="0">
+                    <a:solidFill>
+                      <a:srgbClr val="000000"/>
+                    </a:solidFill>
+                    <a:latin typeface="Arial"/>
+                    <a:ea typeface="ＭＳ Ｐゴシック"/>
+                  </a:rPr>
+                  <a:t>Irrelevant above 50 </a:t>
+                </a:r>
+                <a:r>
+                  <a:rPr lang="en-US" sz="2400" dirty="0" err="1" smtClean="0">
+                    <a:solidFill>
+                      <a:srgbClr val="000000"/>
+                    </a:solidFill>
+                    <a:latin typeface="Arial"/>
+                    <a:ea typeface="ＭＳ Ｐゴシック"/>
+                  </a:rPr>
+                  <a:t>keV</a:t>
+                </a:r>
+                <a:endParaRPr lang="en-US" sz="2400" b="0" dirty="0" smtClean="0">
+                  <a:solidFill>
+                    <a:srgbClr val="000000"/>
+                  </a:solidFill>
+                  <a:latin typeface="Arial"/>
+                  <a:ea typeface="ＭＳ Ｐゴシック"/>
+                </a:endParaRPr>
+              </a:p>
+            </p:txBody>
+          </p:sp>
+        </mc:Choice>
+        <mc:Fallback>
+          <p:sp>
+            <p:nvSpPr>
+              <p:cNvPr id="159" name="CustomShape 2"/>
+              <p:cNvSpPr>
+                <a:spLocks noRot="1" noChangeAspect="1" noMove="1" noResize="1" noEditPoints="1" noAdjustHandles="1" noChangeArrowheads="1" noChangeShapeType="1" noTextEdit="1"/>
+              </p:cNvSpPr>
+              <p:nvPr/>
+            </p:nvSpPr>
+            <p:spPr>
+              <a:xfrm>
+                <a:off x="380880" y="1252440"/>
+                <a:ext cx="7071440" cy="808408"/>
+              </a:xfrm>
+              <a:prstGeom prst="rect">
+                <a:avLst/>
+              </a:prstGeom>
+              <a:blipFill rotWithShape="1">
+                <a:blip r:embed="rId2"/>
+                <a:stretch>
+                  <a:fillRect l="-2414" t="-6015" b="-63910"/>
+                </a:stretch>
+              </a:blipFill>
+              <a:ln>
+                <a:noFill/>
+              </a:ln>
+            </p:spPr>
+            <p:txBody>
+              <a:bodyPr/>
+              <a:lstStyle/>
+              <a:p>
+                <a:r>
+                  <a:rPr lang="de-CH">
+                    <a:noFill/>
+                  </a:rPr>
+                  <a:t> </a:t>
+                </a:r>
+              </a:p>
+            </p:txBody>
+          </p:sp>
+        </mc:Fallback>
+      </mc:AlternateContent>
+      <p:sp>
+        <p:nvSpPr>
+          <p:cNvPr id="160" name="CustomShape 3"/>
+          <p:cNvSpPr/>
+          <p:nvPr/>
+        </p:nvSpPr>
+        <p:spPr>
+          <a:xfrm>
+            <a:off x="7203960" y="6635880"/>
+            <a:ext cx="1637640" cy="456480"/>
+          </a:xfrm>
+          <a:prstGeom prst="rect">
+            <a:avLst/>
+          </a:prstGeom>
+          <a:noFill/>
+          <a:ln>
+            <a:noFill/>
+          </a:ln>
+        </p:spPr>
+        <p:txBody>
+          <a:bodyPr lIns="90000" tIns="45000" rIns="90000" bIns="45000"/>
+          <a:lstStyle/>
+          <a:p>
+            <a:pPr>
+              <a:lnSpc>
+                <a:spcPct val="100000"/>
+              </a:lnSpc>
+            </a:pPr>
+            <a:fld id="{AD907E7C-7299-434B-BF89-8702846DA1AD}" type="slidenum">
+              <a:rPr lang="it-CH" sz="800">
+                <a:solidFill>
+                  <a:srgbClr val="FFFFFF"/>
+                </a:solidFill>
+                <a:latin typeface="Arial"/>
+                <a:ea typeface="ＭＳ Ｐゴシック"/>
+              </a:rPr>
+              <a:t>7</a:t>
+            </a:fld>
+            <a:endParaRPr/>
+          </a:p>
+        </p:txBody>
+      </p:sp>
+      <p:sp>
+        <p:nvSpPr>
+          <p:cNvPr id="161" name="CustomShape 4"/>
+          <p:cNvSpPr/>
+          <p:nvPr/>
+        </p:nvSpPr>
+        <p:spPr>
+          <a:xfrm>
+            <a:off x="2239920" y="6635880"/>
+            <a:ext cx="4772880" cy="448560"/>
+          </a:xfrm>
+          <a:prstGeom prst="rect">
+            <a:avLst/>
+          </a:prstGeom>
+          <a:noFill/>
+          <a:ln>
+            <a:noFill/>
+          </a:ln>
+        </p:spPr>
+        <p:txBody>
+          <a:bodyPr lIns="90000" tIns="45000" rIns="90000" bIns="45000"/>
+          <a:lstStyle/>
+          <a:p>
+            <a:pPr>
+              <a:lnSpc>
+                <a:spcPct val="100000"/>
+              </a:lnSpc>
+            </a:pPr>
+            <a:r>
+              <a:rPr lang="it-CH" sz="800">
+                <a:solidFill>
+                  <a:srgbClr val="FFFFFF"/>
+                </a:solidFill>
+                <a:latin typeface="Arial"/>
+                <a:ea typeface="ＭＳ Ｐゴシック"/>
+              </a:rPr>
+              <a:t>Matteo Abis – XNPIG2015</a:t>
+            </a:r>
+            <a:endParaRPr/>
+          </a:p>
+        </p:txBody>
+      </p:sp>
+    </p:spTree>
+    <p:extLst>
+      <p:ext uri="{BB962C8B-B14F-4D97-AF65-F5344CB8AC3E}">
+        <p14:creationId xmlns:p14="http://schemas.microsoft.com/office/powerpoint/2010/main" val="2160107062"/>
+      </p:ext>
+    </p:extLst>
+  </p:cSld>
+  <p:clrMapOvr>
+    <a:masterClrMapping/>
+  </p:clrMapOvr>
+  <p:transition spd="slow">
+    <p:fade/>
+  </p:transition>
+  <p:timing>
+    <p:tnLst>
+      <p:par>
+        <p:cTn id="1" dur="indefinite" restart="never" nodeType="tmRoot">
+          <p:childTnLst>
+            <p:seq>
+              <p:cTn id="2" nodeType="mainSeq"/>
+              <p:prevCondLst>
+                <p:cond evt="onPrev" delay="0">
+                  <p:tgtEl>
+                    <p:sldTgt/>
+                  </p:tgtEl>
+                </p:cond>
+              </p:prevCondLst>
+              <p:nextCondLst>
+                <p:cond evt="onNext" delay="0">
+                  <p:tgtEl>
+                    <p:sldTgt/>
+                  </p:tgtEl>
+                </p:cond>
+              </p:nextCondLst>
+            </p:seq>
+          </p:childTnLst>
+        </p:cTn>
+      </p:par>
+    </p:tnLst>
+  </p:timing>
+</p:sld>
+</file>
+
+<file path=ppt/slides/slide8.xml><?xml version="1.0" encoding="utf-8"?>
+<p:sld xmlns:a="http://schemas.openxmlformats.org/drawingml/2006/main" xmlns:r="http://schemas.openxmlformats.org/officeDocument/2006/relationships" xmlns:p="http://schemas.openxmlformats.org/presentationml/2006/main">
+  <p:cSld>
+    <p:spTree>
+      <p:nvGrpSpPr>
+        <p:cNvPr id="1" name=""/>
+        <p:cNvGrpSpPr/>
+        <p:nvPr/>
+      </p:nvGrpSpPr>
+      <p:grpSpPr>
+        <a:xfrm>
+          <a:off x="0" y="0"/>
+          <a:ext cx="0" cy="0"/>
+          <a:chOff x="0" y="0"/>
+          <a:chExt cx="0" cy="0"/>
+        </a:xfrm>
+      </p:grpSpPr>
+      <p:sp>
+        <p:nvSpPr>
+          <p:cNvPr id="158" name="CustomShape 1"/>
+          <p:cNvSpPr/>
+          <p:nvPr/>
+        </p:nvSpPr>
+        <p:spPr>
+          <a:xfrm>
+            <a:off x="380880" y="411120"/>
+            <a:ext cx="8381160" cy="766080"/>
+          </a:xfrm>
+          <a:prstGeom prst="rect">
+            <a:avLst/>
+          </a:prstGeom>
+          <a:noFill/>
+          <a:ln>
+            <a:noFill/>
+          </a:ln>
+        </p:spPr>
+        <p:txBody>
+          <a:bodyPr lIns="0" tIns="36000" rIns="0" bIns="36000"/>
+          <a:lstStyle/>
+          <a:p>
+            <a:pPr>
+              <a:lnSpc>
+                <a:spcPct val="100000"/>
+              </a:lnSpc>
+            </a:pPr>
+            <a:r>
+              <a:rPr lang="it-CH" sz="2800" b="1" dirty="0" err="1" smtClean="0">
+                <a:solidFill>
+                  <a:srgbClr val="00335B"/>
+                </a:solidFill>
+                <a:latin typeface="Arial"/>
+                <a:ea typeface="ＭＳ Ｐゴシック"/>
+              </a:rPr>
+              <a:t>Microstructures</a:t>
+            </a:r>
+            <a:endParaRPr dirty="0"/>
+          </a:p>
+        </p:txBody>
+      </p:sp>
+      <p:sp>
+        <p:nvSpPr>
+          <p:cNvPr id="159" name="CustomShape 2"/>
+          <p:cNvSpPr/>
+          <p:nvPr/>
+        </p:nvSpPr>
+        <p:spPr>
+          <a:xfrm>
+            <a:off x="380880" y="1252440"/>
+            <a:ext cx="7071440" cy="520376"/>
+          </a:xfrm>
+          <a:prstGeom prst="rect">
+            <a:avLst/>
+          </a:prstGeom>
+          <a:noFill/>
+          <a:ln>
+            <a:noFill/>
+          </a:ln>
+        </p:spPr>
+        <p:txBody>
+          <a:bodyPr lIns="0" tIns="36000" rIns="0" bIns="36000"/>
+          <a:lstStyle/>
+          <a:p>
+            <a:pPr marL="342900" indent="-342900">
+              <a:lnSpc>
+                <a:spcPct val="100000"/>
+              </a:lnSpc>
+              <a:buFont typeface="Arial" panose="020B0604020202020204" pitchFamily="34" charset="0"/>
+              <a:buChar char="•"/>
+            </a:pPr>
+            <a:r>
+              <a:rPr lang="en-US" sz="2400" dirty="0" smtClean="0">
+                <a:solidFill>
+                  <a:srgbClr val="000000"/>
+                </a:solidFill>
+                <a:latin typeface="Arial"/>
+                <a:ea typeface="ＭＳ Ｐゴシック"/>
+              </a:rPr>
+              <a:t>Lynch et al. 2011, synchrotron experiment, analytical description</a:t>
+            </a:r>
+          </a:p>
+          <a:p>
+            <a:pPr>
+              <a:lnSpc>
+                <a:spcPct val="100000"/>
+              </a:lnSpc>
+            </a:pPr>
+            <a:endParaRPr lang="en-US" sz="2400" b="0" dirty="0" smtClean="0">
+              <a:solidFill>
+                <a:srgbClr val="000000"/>
+              </a:solidFill>
+              <a:latin typeface="Arial"/>
+              <a:ea typeface="ＭＳ Ｐゴシック"/>
+            </a:endParaRPr>
+          </a:p>
+        </p:txBody>
+      </p:sp>
+      <p:sp>
+        <p:nvSpPr>
+          <p:cNvPr id="160" name="CustomShape 3"/>
+          <p:cNvSpPr/>
+          <p:nvPr/>
+        </p:nvSpPr>
+        <p:spPr>
+          <a:xfrm>
+            <a:off x="7203960" y="6635880"/>
+            <a:ext cx="1637640" cy="456480"/>
+          </a:xfrm>
+          <a:prstGeom prst="rect">
+            <a:avLst/>
+          </a:prstGeom>
+          <a:noFill/>
+          <a:ln>
+            <a:noFill/>
+          </a:ln>
+        </p:spPr>
+        <p:txBody>
+          <a:bodyPr lIns="90000" tIns="45000" rIns="90000" bIns="45000"/>
+          <a:lstStyle/>
+          <a:p>
+            <a:pPr>
+              <a:lnSpc>
+                <a:spcPct val="100000"/>
+              </a:lnSpc>
+            </a:pPr>
+            <a:fld id="{AD907E7C-7299-434B-BF89-8702846DA1AD}" type="slidenum">
+              <a:rPr lang="it-CH" sz="800">
+                <a:solidFill>
+                  <a:srgbClr val="FFFFFF"/>
+                </a:solidFill>
+                <a:latin typeface="Arial"/>
+                <a:ea typeface="ＭＳ Ｐゴシック"/>
+              </a:rPr>
+              <a:t>8</a:t>
+            </a:fld>
+            <a:endParaRPr/>
+          </a:p>
+        </p:txBody>
+      </p:sp>
+      <p:sp>
+        <p:nvSpPr>
+          <p:cNvPr id="161" name="CustomShape 4"/>
+          <p:cNvSpPr/>
+          <p:nvPr/>
+        </p:nvSpPr>
+        <p:spPr>
+          <a:xfrm>
+            <a:off x="2239920" y="6635880"/>
+            <a:ext cx="4772880" cy="448560"/>
+          </a:xfrm>
+          <a:prstGeom prst="rect">
+            <a:avLst/>
+          </a:prstGeom>
+          <a:noFill/>
+          <a:ln>
+            <a:noFill/>
+          </a:ln>
+        </p:spPr>
+        <p:txBody>
+          <a:bodyPr lIns="90000" tIns="45000" rIns="90000" bIns="45000"/>
+          <a:lstStyle/>
+          <a:p>
+            <a:pPr>
+              <a:lnSpc>
+                <a:spcPct val="100000"/>
+              </a:lnSpc>
+            </a:pPr>
+            <a:r>
+              <a:rPr lang="it-CH" sz="800">
+                <a:solidFill>
+                  <a:srgbClr val="FFFFFF"/>
+                </a:solidFill>
+                <a:latin typeface="Arial"/>
+                <a:ea typeface="ＭＳ Ｐゴシック"/>
+              </a:rPr>
+              <a:t>Matteo Abis – XNPIG2015</a:t>
+            </a:r>
+            <a:endParaRPr/>
+          </a:p>
+        </p:txBody>
+      </p:sp>
+      <p:pic>
+        <p:nvPicPr>
+          <p:cNvPr id="2" name="Picture 1"/>
+          <p:cNvPicPr>
+            <a:picLocks noChangeAspect="1"/>
+          </p:cNvPicPr>
+          <p:nvPr/>
+        </p:nvPicPr>
+        <p:blipFill>
+          <a:blip r:embed="rId2" cstate="print">
+            <a:extLst>
+              <a:ext uri="{28A0092B-C50C-407E-A947-70E740481C1C}">
+                <a14:useLocalDpi xmlns:a14="http://schemas.microsoft.com/office/drawing/2010/main" val="0"/>
+              </a:ext>
+            </a:extLst>
+          </a:blip>
+          <a:stretch>
+            <a:fillRect/>
+          </a:stretch>
+        </p:blipFill>
+        <p:spPr>
+          <a:xfrm>
+            <a:off x="5069948" y="2996952"/>
+            <a:ext cx="3771652" cy="1440160"/>
+          </a:xfrm>
+          <a:prstGeom prst="rect">
+            <a:avLst/>
+          </a:prstGeom>
+        </p:spPr>
+      </p:pic>
+      <p:pic>
+        <p:nvPicPr>
+          <p:cNvPr id="3" name="Picture 2"/>
+          <p:cNvPicPr>
+            <a:picLocks noChangeAspect="1"/>
+          </p:cNvPicPr>
+          <p:nvPr/>
+        </p:nvPicPr>
+        <p:blipFill>
+          <a:blip r:embed="rId3" cstate="print">
+            <a:extLst>
+              <a:ext uri="{28A0092B-C50C-407E-A947-70E740481C1C}">
+                <a14:useLocalDpi xmlns:a14="http://schemas.microsoft.com/office/drawing/2010/main" val="0"/>
+              </a:ext>
+            </a:extLst>
+          </a:blip>
+          <a:stretch>
+            <a:fillRect/>
+          </a:stretch>
+        </p:blipFill>
+        <p:spPr>
+          <a:xfrm>
+            <a:off x="304837" y="2035507"/>
+            <a:ext cx="4699211" cy="4386252"/>
+          </a:xfrm>
+          <a:prstGeom prst="rect">
+            <a:avLst/>
+          </a:prstGeom>
+        </p:spPr>
+      </p:pic>
+      <mc:AlternateContent xmlns:mc="http://schemas.openxmlformats.org/markup-compatibility/2006">
+        <mc:Choice xmlns:a14="http://schemas.microsoft.com/office/drawing/2010/main" Requires="a14">
+          <p:sp>
+            <p:nvSpPr>
+              <p:cNvPr id="4" name="TextBox 3"/>
+              <p:cNvSpPr txBox="1"/>
+              <p:nvPr/>
+            </p:nvSpPr>
+            <p:spPr>
+              <a:xfrm>
+                <a:off x="5868144" y="5157192"/>
+                <a:ext cx="2100319" cy="618311"/>
+              </a:xfrm>
+              <a:prstGeom prst="rect">
+                <a:avLst/>
+              </a:prstGeom>
+              <a:noFill/>
+            </p:spPr>
+            <p:txBody>
+              <a:bodyPr wrap="none" rtlCol="0">
+                <a:spAutoFit/>
+              </a:bodyPr>
+              <a:lstStyle/>
+              <a:p>
+                <a14:m>
+                  <m:oMathPara xmlns:m="http://schemas.openxmlformats.org/officeDocument/2006/math">
+                    <m:oMathParaPr>
+                      <m:jc m:val="centerGroup"/>
+                    </m:oMathParaPr>
+                    <m:oMath xmlns:m="http://schemas.openxmlformats.org/officeDocument/2006/math">
+                      <m:sSub>
+                        <m:sSubPr>
+                          <m:ctrlPr>
+                            <a:rPr lang="en-US" b="0" i="1" smtClean="0">
+                              <a:latin typeface="Cambria Math"/>
+                              <a:ea typeface="Cambria Math"/>
+                            </a:rPr>
+                          </m:ctrlPr>
+                        </m:sSubPr>
+                        <m:e>
+                          <m:r>
+                            <a:rPr lang="de-CH" i="1" smtClean="0">
+                              <a:latin typeface="Cambria Math"/>
+                              <a:ea typeface="Cambria Math"/>
+                            </a:rPr>
+                            <m:t>𝜇</m:t>
+                          </m:r>
+                        </m:e>
+                        <m:sub>
+                          <m:r>
+                            <a:rPr lang="en-US" b="0" i="1" smtClean="0">
+                              <a:latin typeface="Cambria Math"/>
+                              <a:ea typeface="Cambria Math"/>
+                            </a:rPr>
+                            <m:t>𝑑</m:t>
+                          </m:r>
+                        </m:sub>
+                      </m:sSub>
+                      <m:r>
+                        <a:rPr lang="en-US" b="0" i="1" smtClean="0">
+                          <a:latin typeface="Cambria Math"/>
+                          <a:ea typeface="Cambria Math"/>
+                        </a:rPr>
+                        <m:t>= </m:t>
+                      </m:r>
+                      <m:f>
+                        <m:fPr>
+                          <m:ctrlPr>
+                            <a:rPr lang="en-US" b="0" i="1" smtClean="0">
+                              <a:latin typeface="Cambria Math"/>
+                              <a:ea typeface="Cambria Math"/>
+                            </a:rPr>
+                          </m:ctrlPr>
+                        </m:fPr>
+                        <m:num>
+                          <m:func>
+                            <m:funcPr>
+                              <m:ctrlPr>
+                                <a:rPr lang="en-US" b="0" i="1" smtClean="0">
+                                  <a:latin typeface="Cambria Math"/>
+                                  <a:ea typeface="Cambria Math"/>
+                                </a:rPr>
+                              </m:ctrlPr>
+                            </m:funcPr>
+                            <m:fName>
+                              <m:r>
+                                <a:rPr lang="en-US" b="0" i="0" smtClean="0">
+                                  <a:latin typeface="Cambria Math"/>
+                                  <a:ea typeface="Cambria Math"/>
+                                </a:rPr>
+                                <m:t>−</m:t>
+                              </m:r>
+                              <m:r>
+                                <m:rPr>
+                                  <m:sty m:val="p"/>
+                                </m:rPr>
+                                <a:rPr lang="en-US" b="0" i="0" smtClean="0">
+                                  <a:latin typeface="Cambria Math"/>
+                                  <a:ea typeface="Cambria Math"/>
+                                </a:rPr>
+                                <m:t>log</m:t>
+                              </m:r>
+                            </m:fName>
+                            <m:e>
+                              <m:r>
+                                <a:rPr lang="en-US" b="0" i="1" smtClean="0">
+                                  <a:latin typeface="Cambria Math"/>
+                                  <a:ea typeface="Cambria Math"/>
+                                </a:rPr>
+                                <m:t>𝐵</m:t>
+                              </m:r>
+                            </m:e>
+                          </m:func>
+                        </m:num>
+                        <m:den>
+                          <m:r>
+                            <a:rPr lang="en-US" b="0" i="1" smtClean="0">
+                              <a:latin typeface="Cambria Math"/>
+                              <a:ea typeface="Cambria Math"/>
+                            </a:rPr>
+                            <m:t>𝑡</m:t>
+                          </m:r>
+                        </m:den>
+                      </m:f>
+                      <m:r>
+                        <a:rPr lang="en-US" b="0" i="1" smtClean="0">
+                          <a:latin typeface="Cambria Math"/>
+                          <a:ea typeface="Cambria Math"/>
+                        </a:rPr>
+                        <m:t>=</m:t>
+                      </m:r>
+                      <m:r>
+                        <a:rPr lang="en-US" b="0" i="1" smtClean="0">
+                          <a:latin typeface="Cambria Math"/>
+                          <a:ea typeface="Cambria Math"/>
+                        </a:rPr>
+                        <m:t>𝑅</m:t>
+                      </m:r>
+                      <m:r>
+                        <a:rPr lang="en-US" b="0" i="1" smtClean="0">
+                          <a:latin typeface="Cambria Math"/>
+                          <a:ea typeface="Cambria Math"/>
+                        </a:rPr>
+                        <m:t>𝜇</m:t>
+                      </m:r>
+                    </m:oMath>
+                  </m:oMathPara>
+                </a14:m>
+                <a:endParaRPr lang="de-CH" dirty="0"/>
+              </a:p>
+            </p:txBody>
+          </p:sp>
+        </mc:Choice>
+        <mc:Fallback>
+          <p:sp>
+            <p:nvSpPr>
+              <p:cNvPr id="4" name="TextBox 3"/>
+              <p:cNvSpPr txBox="1">
+                <a:spLocks noRot="1" noChangeAspect="1" noMove="1" noResize="1" noEditPoints="1" noAdjustHandles="1" noChangeArrowheads="1" noChangeShapeType="1" noTextEdit="1"/>
+              </p:cNvSpPr>
+              <p:nvPr/>
+            </p:nvSpPr>
+            <p:spPr>
+              <a:xfrm>
+                <a:off x="5868144" y="5157192"/>
+                <a:ext cx="2100319" cy="618311"/>
+              </a:xfrm>
+              <a:prstGeom prst="rect">
+                <a:avLst/>
+              </a:prstGeom>
+              <a:blipFill rotWithShape="1">
+                <a:blip r:embed="rId4"/>
+                <a:stretch>
+                  <a:fillRect/>
+                </a:stretch>
+              </a:blipFill>
+            </p:spPr>
+            <p:txBody>
+              <a:bodyPr/>
+              <a:lstStyle/>
+              <a:p>
+                <a:r>
+                  <a:rPr lang="de-CH">
+                    <a:noFill/>
+                  </a:rPr>
+                  <a:t> </a:t>
+                </a:r>
+              </a:p>
+            </p:txBody>
+          </p:sp>
+        </mc:Fallback>
+      </mc:AlternateContent>
+    </p:spTree>
+    <p:extLst>
+      <p:ext uri="{BB962C8B-B14F-4D97-AF65-F5344CB8AC3E}">
+        <p14:creationId xmlns:p14="http://schemas.microsoft.com/office/powerpoint/2010/main" val="3913380876"/>
+      </p:ext>
+    </p:extLst>
+  </p:cSld>
+  <p:clrMapOvr>
+    <a:masterClrMapping/>
+  </p:clrMapOvr>
+  <p:transition spd="slow">
+    <p:fade/>
+  </p:transition>
+  <p:timing>
+    <p:tnLst>
+      <p:par>
+        <p:cTn id="1" dur="indefinite" restart="never" nodeType="tmRoot">
+          <p:childTnLst>
+            <p:seq>
+              <p:cTn id="2" nodeType="mainSeq"/>
+              <p:prevCondLst>
+                <p:cond evt="onPrev" delay="0">
+                  <p:tgtEl>
+                    <p:sldTgt/>
+                  </p:tgtEl>
+                </p:cond>
+              </p:prevCondLst>
+              <p:nextCondLst>
+                <p:cond evt="onNext" delay="0">
+                  <p:tgtEl>
+                    <p:sldTgt/>
+                  </p:tgtEl>
+                </p:cond>
+              </p:nextCondLst>
+            </p:seq>
+          </p:childTnLst>
+        </p:cTn>
+      </p:par>
+    </p:tnLst>
+  </p:timing>
+</p:sld>
+</file>
+
+<file path=ppt/slides/slide9.xml><?xml version="1.0" encoding="utf-8"?>
+<p:sld xmlns:a="http://schemas.openxmlformats.org/drawingml/2006/main" xmlns:r="http://schemas.openxmlformats.org/officeDocument/2006/relationships" xmlns:p="http://schemas.openxmlformats.org/presentationml/2006/main">
+  <p:cSld>
+    <p:spTree>
+      <p:nvGrpSpPr>
+        <p:cNvPr id="1" name=""/>
+        <p:cNvGrpSpPr/>
+        <p:nvPr/>
+      </p:nvGrpSpPr>
+      <p:grpSpPr>
+        <a:xfrm>
+          <a:off x="0" y="0"/>
+          <a:ext cx="0" cy="0"/>
+          <a:chOff x="0" y="0"/>
+          <a:chExt cx="0" cy="0"/>
+        </a:xfrm>
+      </p:grpSpPr>
+      <p:sp>
+        <p:nvSpPr>
+          <p:cNvPr id="158" name="CustomShape 1"/>
+          <p:cNvSpPr/>
+          <p:nvPr/>
+        </p:nvSpPr>
+        <p:spPr>
+          <a:xfrm>
+            <a:off x="380880" y="411120"/>
+            <a:ext cx="8381160" cy="766080"/>
+          </a:xfrm>
+          <a:prstGeom prst="rect">
+            <a:avLst/>
+          </a:prstGeom>
+          <a:noFill/>
+          <a:ln>
+            <a:noFill/>
+          </a:ln>
+        </p:spPr>
+        <p:txBody>
+          <a:bodyPr lIns="0" tIns="36000" rIns="0" bIns="36000"/>
+          <a:lstStyle/>
+          <a:p>
+            <a:pPr>
+              <a:lnSpc>
+                <a:spcPct val="100000"/>
+              </a:lnSpc>
+            </a:pPr>
+            <a:r>
+              <a:rPr lang="it-CH" sz="2800" b="1" dirty="0" err="1" smtClean="0">
+                <a:solidFill>
+                  <a:srgbClr val="00335B"/>
+                </a:solidFill>
+                <a:latin typeface="Arial"/>
+                <a:ea typeface="ＭＳ Ｐゴシック"/>
+              </a:rPr>
+              <a:t>Microstructures</a:t>
+            </a:r>
+            <a:r>
+              <a:rPr lang="it-CH" sz="2800" b="1" dirty="0" smtClean="0">
+                <a:solidFill>
+                  <a:srgbClr val="00335B"/>
+                </a:solidFill>
+                <a:latin typeface="Arial"/>
+                <a:ea typeface="ＭＳ Ｐゴシック"/>
+              </a:rPr>
+              <a:t> on </a:t>
+            </a:r>
+            <a:r>
+              <a:rPr lang="it-CH" sz="2800" b="1" dirty="0" err="1" smtClean="0">
+                <a:solidFill>
+                  <a:srgbClr val="00335B"/>
+                </a:solidFill>
+                <a:latin typeface="Arial"/>
+                <a:ea typeface="ＭＳ Ｐゴシック"/>
+              </a:rPr>
+              <a:t>polychromatic</a:t>
+            </a:r>
+            <a:r>
+              <a:rPr lang="it-CH" sz="2800" b="1" dirty="0" smtClean="0">
+                <a:solidFill>
+                  <a:srgbClr val="00335B"/>
+                </a:solidFill>
+                <a:latin typeface="Arial"/>
+                <a:ea typeface="ＭＳ Ｐゴシック"/>
+              </a:rPr>
+              <a:t> </a:t>
+            </a:r>
+            <a:r>
+              <a:rPr lang="it-CH" sz="2800" b="1" dirty="0" err="1" smtClean="0">
+                <a:solidFill>
+                  <a:srgbClr val="00335B"/>
+                </a:solidFill>
+                <a:latin typeface="Arial"/>
+                <a:ea typeface="ＭＳ Ｐゴシック"/>
+              </a:rPr>
+              <a:t>sources</a:t>
+            </a:r>
+            <a:endParaRPr dirty="0"/>
+          </a:p>
+        </p:txBody>
+      </p:sp>
+      <mc:AlternateContent xmlns:mc="http://schemas.openxmlformats.org/markup-compatibility/2006" xmlns:a14="http://schemas.microsoft.com/office/drawing/2010/main">
+        <mc:Choice Requires="a14">
+          <p:sp>
+            <p:nvSpPr>
+              <p:cNvPr id="159" name="CustomShape 2"/>
+              <p:cNvSpPr/>
+              <p:nvPr/>
+            </p:nvSpPr>
+            <p:spPr>
+              <a:xfrm>
+                <a:off x="380880" y="1252440"/>
+                <a:ext cx="7071440" cy="520376"/>
+              </a:xfrm>
+              <a:prstGeom prst="rect">
+                <a:avLst/>
+              </a:prstGeom>
+              <a:noFill/>
+              <a:ln>
+                <a:noFill/>
+              </a:ln>
+            </p:spPr>
+            <p:txBody>
+              <a:bodyPr lIns="0" tIns="36000" rIns="0" bIns="36000"/>
+              <a:lstStyle/>
+              <a:p>
+                <a:pPr marL="342900" indent="-342900">
+                  <a:lnSpc>
+                    <a:spcPct val="100000"/>
+                  </a:lnSpc>
+                  <a:buFont typeface="Arial" panose="020B0604020202020204" pitchFamily="34" charset="0"/>
+                  <a:buChar char="•"/>
+                </a:pPr>
+                <a:r>
+                  <a:rPr lang="en-US" sz="2400" b="0" dirty="0" smtClean="0">
+                    <a:solidFill>
+                      <a:srgbClr val="000000"/>
+                    </a:solidFill>
+                    <a:latin typeface="Arial"/>
+                    <a:ea typeface="ＭＳ Ｐゴシック"/>
+                  </a:rPr>
+                  <a:t>Compute the contribution as in Lynch et al for each energy </a:t>
+                </a:r>
+                <a14:m>
+                  <m:oMath xmlns:m="http://schemas.openxmlformats.org/officeDocument/2006/math">
+                    <m:r>
+                      <a:rPr lang="en-US" sz="2400" b="0" i="1" smtClean="0">
+                        <a:solidFill>
+                          <a:srgbClr val="000000"/>
+                        </a:solidFill>
+                        <a:latin typeface="Cambria Math"/>
+                        <a:ea typeface="Cambria Math"/>
+                      </a:rPr>
+                      <m:t>→</m:t>
+                    </m:r>
+                    <m:r>
+                      <a:rPr lang="en-US" sz="2400" b="0" i="1" smtClean="0">
+                        <a:solidFill>
+                          <a:srgbClr val="000000"/>
+                        </a:solidFill>
+                        <a:latin typeface="Cambria Math"/>
+                        <a:ea typeface="Cambria Math"/>
+                      </a:rPr>
+                      <m:t>𝑅</m:t>
+                    </m:r>
+                    <m:r>
+                      <a:rPr lang="en-US" sz="2400" b="0" i="1" smtClean="0">
+                        <a:solidFill>
+                          <a:srgbClr val="000000"/>
+                        </a:solidFill>
+                        <a:latin typeface="Cambria Math"/>
+                        <a:ea typeface="Cambria Math"/>
+                      </a:rPr>
+                      <m:t>(</m:t>
+                    </m:r>
+                    <m:r>
+                      <a:rPr lang="en-US" sz="2400" b="0" i="1" smtClean="0">
+                        <a:solidFill>
+                          <a:srgbClr val="000000"/>
+                        </a:solidFill>
+                        <a:latin typeface="Cambria Math"/>
+                        <a:ea typeface="Cambria Math"/>
+                      </a:rPr>
+                      <m:t>𝐸</m:t>
+                    </m:r>
+                    <m:r>
+                      <a:rPr lang="en-US" sz="2400" b="0" i="1" smtClean="0">
+                        <a:solidFill>
+                          <a:srgbClr val="000000"/>
+                        </a:solidFill>
+                        <a:latin typeface="Cambria Math"/>
+                        <a:ea typeface="Cambria Math"/>
+                      </a:rPr>
+                      <m:t>)</m:t>
+                    </m:r>
+                  </m:oMath>
+                </a14:m>
+                <a:endParaRPr lang="en-US" sz="2400" b="0" dirty="0" smtClean="0">
+                  <a:solidFill>
+                    <a:srgbClr val="000000"/>
+                  </a:solidFill>
+                  <a:latin typeface="Arial"/>
+                  <a:ea typeface="ＭＳ Ｐゴシック"/>
+                </a:endParaRPr>
+              </a:p>
+              <a:p>
+                <a:pPr marL="342900" indent="-342900">
+                  <a:lnSpc>
+                    <a:spcPct val="100000"/>
+                  </a:lnSpc>
+                  <a:buFont typeface="Arial" panose="020B0604020202020204" pitchFamily="34" charset="0"/>
+                  <a:buChar char="•"/>
+                </a:pPr>
+                <a:endParaRPr lang="en-US" sz="2400" b="0" dirty="0" smtClean="0">
+                  <a:solidFill>
+                    <a:srgbClr val="000000"/>
+                  </a:solidFill>
+                  <a:latin typeface="Arial"/>
+                  <a:ea typeface="ＭＳ Ｐゴシック"/>
+                </a:endParaRPr>
+              </a:p>
+              <a:p>
+                <a:pPr marL="342900" indent="-342900">
+                  <a:lnSpc>
+                    <a:spcPct val="100000"/>
+                  </a:lnSpc>
+                  <a:buFont typeface="Arial" panose="020B0604020202020204" pitchFamily="34" charset="0"/>
+                  <a:buChar char="•"/>
+                </a:pPr>
+                <a:r>
+                  <a:rPr lang="en-US" sz="2400" dirty="0" smtClean="0">
+                    <a:solidFill>
+                      <a:srgbClr val="000000"/>
+                    </a:solidFill>
+                    <a:latin typeface="Arial"/>
+                    <a:ea typeface="ＭＳ Ｐゴシック"/>
+                  </a:rPr>
+                  <a:t>Sum over spectral weights </a:t>
+                </a:r>
+                <a14:m>
+                  <m:oMath xmlns:m="http://schemas.openxmlformats.org/officeDocument/2006/math">
+                    <m:r>
+                      <a:rPr lang="en-US" sz="2400" b="0" i="1" smtClean="0">
+                        <a:solidFill>
+                          <a:srgbClr val="000000"/>
+                        </a:solidFill>
+                        <a:latin typeface="Cambria Math"/>
+                        <a:ea typeface="ＭＳ Ｐゴシック"/>
+                      </a:rPr>
+                      <m:t>𝑤</m:t>
+                    </m:r>
+                    <m:r>
+                      <a:rPr lang="en-US" sz="2400" b="0" i="1" smtClean="0">
+                        <a:solidFill>
+                          <a:srgbClr val="000000"/>
+                        </a:solidFill>
+                        <a:latin typeface="Cambria Math"/>
+                        <a:ea typeface="ＭＳ Ｐゴシック"/>
+                      </a:rPr>
+                      <m:t>(</m:t>
+                    </m:r>
+                    <m:r>
+                      <a:rPr lang="en-US" sz="2400" b="0" i="1" smtClean="0">
+                        <a:solidFill>
+                          <a:srgbClr val="000000"/>
+                        </a:solidFill>
+                        <a:latin typeface="Cambria Math"/>
+                        <a:ea typeface="ＭＳ Ｐゴシック"/>
+                      </a:rPr>
+                      <m:t>𝐸</m:t>
+                    </m:r>
+                    <m:r>
+                      <a:rPr lang="en-US" sz="2400" b="0" i="1" smtClean="0">
+                        <a:solidFill>
+                          <a:srgbClr val="000000"/>
+                        </a:solidFill>
+                        <a:latin typeface="Cambria Math"/>
+                        <a:ea typeface="ＭＳ Ｐゴシック"/>
+                      </a:rPr>
+                      <m:t>)</m:t>
+                    </m:r>
+                  </m:oMath>
+                </a14:m>
+                <a:endParaRPr lang="en-US" sz="2400" b="0" dirty="0" smtClean="0">
+                  <a:solidFill>
+                    <a:srgbClr val="000000"/>
+                  </a:solidFill>
+                  <a:latin typeface="Arial"/>
+                  <a:ea typeface="ＭＳ Ｐゴシック"/>
+                </a:endParaRPr>
+              </a:p>
+              <a:p>
+                <a:pPr marL="342900" indent="-342900">
+                  <a:lnSpc>
+                    <a:spcPct val="100000"/>
+                  </a:lnSpc>
+                  <a:buFont typeface="Arial" panose="020B0604020202020204" pitchFamily="34" charset="0"/>
+                  <a:buChar char="•"/>
+                </a:pPr>
+                <a:endParaRPr lang="en-US" sz="2400" dirty="0">
+                  <a:solidFill>
+                    <a:srgbClr val="000000"/>
+                  </a:solidFill>
+                  <a:latin typeface="Arial"/>
+                  <a:ea typeface="ＭＳ Ｐゴシック"/>
+                </a:endParaRPr>
+              </a:p>
+              <a:p>
+                <a:pPr marL="342900" indent="-342900">
+                  <a:lnSpc>
+                    <a:spcPct val="100000"/>
+                  </a:lnSpc>
+                  <a:buFont typeface="Arial" panose="020B0604020202020204" pitchFamily="34" charset="0"/>
+                  <a:buChar char="•"/>
+                </a:pPr>
+                <a:r>
+                  <a:rPr lang="en-US" sz="2400" dirty="0" smtClean="0">
+                    <a:solidFill>
+                      <a:srgbClr val="000000"/>
+                    </a:solidFill>
+                    <a:latin typeface="Arial"/>
+                    <a:ea typeface="ＭＳ Ｐゴシック"/>
+                  </a:rPr>
+                  <a:t>Our model, with 2 parameters </a:t>
+                </a:r>
+                <a14:m>
+                  <m:oMath xmlns:m="http://schemas.openxmlformats.org/officeDocument/2006/math">
+                    <m:sSub>
+                      <m:sSubPr>
+                        <m:ctrlPr>
+                          <a:rPr lang="en-US" sz="2400" b="0" i="1" smtClean="0">
+                            <a:solidFill>
+                              <a:srgbClr val="000000"/>
+                            </a:solidFill>
+                            <a:latin typeface="Cambria Math"/>
+                            <a:ea typeface="ＭＳ Ｐゴシック"/>
+                          </a:rPr>
+                        </m:ctrlPr>
+                      </m:sSubPr>
+                      <m:e>
+                        <m:r>
+                          <a:rPr lang="en-US" sz="2400" b="0" i="1" smtClean="0">
+                            <a:solidFill>
+                              <a:srgbClr val="000000"/>
+                            </a:solidFill>
+                            <a:latin typeface="Cambria Math"/>
+                            <a:ea typeface="ＭＳ Ｐゴシック"/>
+                          </a:rPr>
+                          <m:t>𝑅</m:t>
+                        </m:r>
+                      </m:e>
+                      <m:sub>
+                        <m:r>
+                          <a:rPr lang="en-US" sz="2400" b="0" i="1" smtClean="0">
+                            <a:solidFill>
+                              <a:srgbClr val="000000"/>
+                            </a:solidFill>
+                            <a:latin typeface="Cambria Math"/>
+                            <a:ea typeface="ＭＳ Ｐゴシック"/>
+                          </a:rPr>
+                          <m:t>0</m:t>
+                        </m:r>
+                      </m:sub>
+                    </m:sSub>
+                  </m:oMath>
+                </a14:m>
+                <a:r>
+                  <a:rPr lang="en-US" sz="2400" dirty="0" smtClean="0">
+                    <a:solidFill>
+                      <a:srgbClr val="000000"/>
+                    </a:solidFill>
+                    <a:latin typeface="Arial"/>
+                    <a:ea typeface="ＭＳ Ｐゴシック"/>
+                  </a:rPr>
+                  <a:t> and </a:t>
+                </a:r>
+                <a14:m>
+                  <m:oMath xmlns:m="http://schemas.openxmlformats.org/officeDocument/2006/math">
+                    <m:r>
+                      <a:rPr lang="en-US" sz="2400" b="0" i="1" smtClean="0">
+                        <a:solidFill>
+                          <a:srgbClr val="000000"/>
+                        </a:solidFill>
+                        <a:latin typeface="Cambria Math"/>
+                        <a:ea typeface="ＭＳ Ｐゴシック"/>
+                      </a:rPr>
+                      <m:t>𝐶</m:t>
+                    </m:r>
+                  </m:oMath>
+                </a14:m>
+                <a:r>
+                  <a:rPr lang="en-US" sz="2400" dirty="0" smtClean="0">
+                    <a:solidFill>
+                      <a:srgbClr val="000000"/>
+                    </a:solidFill>
+                    <a:latin typeface="Arial"/>
+                    <a:ea typeface="ＭＳ Ｐゴシック"/>
+                  </a:rPr>
+                  <a:t>:</a:t>
+                </a:r>
+              </a:p>
+              <a:p>
+                <a:pPr>
+                  <a:lnSpc>
+                    <a:spcPct val="100000"/>
+                  </a:lnSpc>
+                </a:pPr>
+                <a14:m>
+                  <m:oMathPara xmlns:m="http://schemas.openxmlformats.org/officeDocument/2006/math">
+                    <m:oMathParaPr>
+                      <m:jc m:val="centerGroup"/>
+                    </m:oMathParaPr>
+                    <m:oMath xmlns:m="http://schemas.openxmlformats.org/officeDocument/2006/math">
+                      <m:r>
+                        <a:rPr lang="en-US" sz="2400" b="0" i="1" smtClean="0">
+                          <a:solidFill>
+                            <a:srgbClr val="000000"/>
+                          </a:solidFill>
+                          <a:latin typeface="Cambria Math"/>
+                          <a:ea typeface="ＭＳ Ｐゴシック"/>
+                        </a:rPr>
+                        <m:t>𝑅</m:t>
+                      </m:r>
+                      <m:r>
+                        <a:rPr lang="en-US" sz="2400" b="0" i="1" smtClean="0">
+                          <a:solidFill>
+                            <a:srgbClr val="000000"/>
+                          </a:solidFill>
+                          <a:latin typeface="Cambria Math"/>
+                          <a:ea typeface="ＭＳ Ｐゴシック"/>
+                        </a:rPr>
+                        <m:t>=</m:t>
+                      </m:r>
+                      <m:sSub>
+                        <m:sSubPr>
+                          <m:ctrlPr>
+                            <a:rPr lang="en-US" sz="2400" b="0" i="1" smtClean="0">
+                              <a:solidFill>
+                                <a:srgbClr val="000000"/>
+                              </a:solidFill>
+                              <a:latin typeface="Cambria Math"/>
+                              <a:ea typeface="ＭＳ Ｐゴシック"/>
+                            </a:rPr>
+                          </m:ctrlPr>
+                        </m:sSubPr>
+                        <m:e>
+                          <m:r>
+                            <a:rPr lang="en-US" sz="2400" b="0" i="1" smtClean="0">
+                              <a:solidFill>
+                                <a:srgbClr val="000000"/>
+                              </a:solidFill>
+                              <a:latin typeface="Cambria Math"/>
+                              <a:ea typeface="ＭＳ Ｐゴシック"/>
+                            </a:rPr>
+                            <m:t>𝑅</m:t>
+                          </m:r>
+                        </m:e>
+                        <m:sub>
+                          <m:r>
+                            <a:rPr lang="en-US" sz="2400" b="0" i="1" smtClean="0">
+                              <a:solidFill>
+                                <a:srgbClr val="000000"/>
+                              </a:solidFill>
+                              <a:latin typeface="Cambria Math"/>
+                              <a:ea typeface="ＭＳ Ｐゴシック"/>
+                            </a:rPr>
+                            <m:t>0</m:t>
+                          </m:r>
+                        </m:sub>
+                      </m:sSub>
+                      <m:r>
+                        <a:rPr lang="en-US" sz="2400" b="0" i="1" smtClean="0">
+                          <a:solidFill>
+                            <a:srgbClr val="000000"/>
+                          </a:solidFill>
+                          <a:latin typeface="Cambria Math"/>
+                          <a:ea typeface="ＭＳ Ｐゴシック"/>
+                        </a:rPr>
+                        <m:t>+</m:t>
+                      </m:r>
+                      <m:r>
+                        <a:rPr lang="en-US" sz="2400" b="0" i="1" smtClean="0">
+                          <a:solidFill>
+                            <a:srgbClr val="000000"/>
+                          </a:solidFill>
+                          <a:latin typeface="Cambria Math"/>
+                          <a:ea typeface="ＭＳ Ｐゴシック"/>
+                        </a:rPr>
+                        <m:t>𝐶</m:t>
+                      </m:r>
+                      <m:nary>
+                        <m:naryPr>
+                          <m:chr m:val="∑"/>
+                          <m:supHide m:val="on"/>
+                          <m:ctrlPr>
+                            <a:rPr lang="en-US" sz="2400" b="0" i="1" smtClean="0">
+                              <a:solidFill>
+                                <a:srgbClr val="000000"/>
+                              </a:solidFill>
+                              <a:latin typeface="Cambria Math"/>
+                              <a:ea typeface="ＭＳ Ｐゴシック"/>
+                            </a:rPr>
+                          </m:ctrlPr>
+                        </m:naryPr>
+                        <m:sub>
+                          <m:r>
+                            <m:rPr>
+                              <m:brk m:alnAt="7"/>
+                            </m:rPr>
+                            <a:rPr lang="en-US" sz="2400" b="0" i="1" smtClean="0">
+                              <a:solidFill>
+                                <a:srgbClr val="000000"/>
+                              </a:solidFill>
+                              <a:latin typeface="Cambria Math"/>
+                              <a:ea typeface="ＭＳ Ｐゴシック"/>
+                            </a:rPr>
+                            <m:t>𝐸</m:t>
+                          </m:r>
+                        </m:sub>
+                        <m:sup/>
+                        <m:e>
+                          <m:r>
+                            <a:rPr lang="en-US" sz="2400" b="0" i="1" smtClean="0">
+                              <a:solidFill>
+                                <a:srgbClr val="000000"/>
+                              </a:solidFill>
+                              <a:latin typeface="Cambria Math"/>
+                              <a:ea typeface="ＭＳ Ｐゴシック"/>
+                            </a:rPr>
+                            <m:t>𝑤</m:t>
+                          </m:r>
+                          <m:d>
+                            <m:dPr>
+                              <m:ctrlPr>
+                                <a:rPr lang="en-US" sz="2400" b="0" i="1" smtClean="0">
+                                  <a:solidFill>
+                                    <a:srgbClr val="000000"/>
+                                  </a:solidFill>
+                                  <a:latin typeface="Cambria Math"/>
+                                  <a:ea typeface="ＭＳ Ｐゴシック"/>
+                                </a:rPr>
+                              </m:ctrlPr>
+                            </m:dPr>
+                            <m:e>
+                              <m:r>
+                                <a:rPr lang="en-US" sz="2400" b="0" i="1" smtClean="0">
+                                  <a:solidFill>
+                                    <a:srgbClr val="000000"/>
+                                  </a:solidFill>
+                                  <a:latin typeface="Cambria Math"/>
+                                  <a:ea typeface="ＭＳ Ｐゴシック"/>
+                                </a:rPr>
+                                <m:t>𝐸</m:t>
+                              </m:r>
+                            </m:e>
+                          </m:d>
+                          <m:r>
+                            <a:rPr lang="en-US" sz="2400" b="0" i="1" smtClean="0">
+                              <a:solidFill>
+                                <a:srgbClr val="000000"/>
+                              </a:solidFill>
+                              <a:latin typeface="Cambria Math"/>
+                              <a:ea typeface="ＭＳ Ｐゴシック"/>
+                            </a:rPr>
+                            <m:t>𝑅</m:t>
+                          </m:r>
+                          <m:r>
+                            <a:rPr lang="en-US" sz="2400" b="0" i="1" smtClean="0">
+                              <a:solidFill>
+                                <a:srgbClr val="000000"/>
+                              </a:solidFill>
+                              <a:latin typeface="Cambria Math"/>
+                              <a:ea typeface="ＭＳ Ｐゴシック"/>
+                            </a:rPr>
+                            <m:t>(</m:t>
+                          </m:r>
+                          <m:r>
+                            <a:rPr lang="en-US" sz="2400" b="0" i="1" smtClean="0">
+                              <a:solidFill>
+                                <a:srgbClr val="000000"/>
+                              </a:solidFill>
+                              <a:latin typeface="Cambria Math"/>
+                              <a:ea typeface="ＭＳ Ｐゴシック"/>
+                            </a:rPr>
+                            <m:t>𝐸</m:t>
+                          </m:r>
+                          <m:r>
+                            <a:rPr lang="en-US" sz="2400" b="0" i="1" smtClean="0">
+                              <a:solidFill>
+                                <a:srgbClr val="000000"/>
+                              </a:solidFill>
+                              <a:latin typeface="Cambria Math"/>
+                              <a:ea typeface="ＭＳ Ｐゴシック"/>
+                            </a:rPr>
+                            <m:t>)</m:t>
+                          </m:r>
+                        </m:e>
+                      </m:nary>
+                    </m:oMath>
+                  </m:oMathPara>
+                </a14:m>
+                <a:endParaRPr lang="en-US" sz="2400" b="0" dirty="0" smtClean="0">
+                  <a:solidFill>
+                    <a:srgbClr val="000000"/>
+                  </a:solidFill>
+                  <a:latin typeface="Arial"/>
+                  <a:ea typeface="ＭＳ Ｐゴシック"/>
+                </a:endParaRPr>
+              </a:p>
+            </p:txBody>
+          </p:sp>
+        </mc:Choice>
+        <mc:Fallback xmlns="">
+          <p:sp>
+            <p:nvSpPr>
+              <p:cNvPr id="159" name="CustomShape 2"/>
+              <p:cNvSpPr>
+                <a:spLocks noRot="1" noChangeAspect="1" noMove="1" noResize="1" noEditPoints="1" noAdjustHandles="1" noChangeArrowheads="1" noChangeShapeType="1" noTextEdit="1"/>
+              </p:cNvSpPr>
+              <p:nvPr/>
+            </p:nvSpPr>
+            <p:spPr>
+              <a:xfrm>
+                <a:off x="380880" y="1252440"/>
+                <a:ext cx="7071440" cy="520376"/>
+              </a:xfrm>
+              <a:prstGeom prst="rect">
+                <a:avLst/>
+              </a:prstGeom>
+              <a:blipFill rotWithShape="1">
+                <a:blip r:embed="rId2"/>
+                <a:stretch>
+                  <a:fillRect l="-2414" t="-9302" b="-495349"/>
+                </a:stretch>
+              </a:blipFill>
+              <a:ln>
+                <a:noFill/>
+              </a:ln>
+            </p:spPr>
+            <p:txBody>
+              <a:bodyPr/>
+              <a:lstStyle/>
+              <a:p>
+                <a:r>
+                  <a:rPr lang="de-CH">
+                    <a:noFill/>
+                  </a:rPr>
+                  <a:t> </a:t>
+                </a:r>
+              </a:p>
+            </p:txBody>
+          </p:sp>
+        </mc:Fallback>
+      </mc:AlternateContent>
+      <p:sp>
+        <p:nvSpPr>
+          <p:cNvPr id="160" name="CustomShape 3"/>
+          <p:cNvSpPr/>
+          <p:nvPr/>
+        </p:nvSpPr>
+        <p:spPr>
+          <a:xfrm>
+            <a:off x="7203960" y="6635880"/>
+            <a:ext cx="1637640" cy="456480"/>
+          </a:xfrm>
+          <a:prstGeom prst="rect">
+            <a:avLst/>
+          </a:prstGeom>
+          <a:noFill/>
+          <a:ln>
+            <a:noFill/>
+          </a:ln>
+        </p:spPr>
+        <p:txBody>
+          <a:bodyPr lIns="90000" tIns="45000" rIns="90000" bIns="45000"/>
+          <a:lstStyle/>
+          <a:p>
+            <a:pPr>
+              <a:lnSpc>
+                <a:spcPct val="100000"/>
+              </a:lnSpc>
+            </a:pPr>
+            <a:fld id="{AD907E7C-7299-434B-BF89-8702846DA1AD}" type="slidenum">
+              <a:rPr lang="it-CH" sz="800">
+                <a:solidFill>
+                  <a:srgbClr val="FFFFFF"/>
+                </a:solidFill>
+                <a:latin typeface="Arial"/>
+                <a:ea typeface="ＭＳ Ｐゴシック"/>
+              </a:rPr>
+              <a:t>9</a:t>
+            </a:fld>
+            <a:endParaRPr/>
+          </a:p>
+        </p:txBody>
+      </p:sp>
+      <p:sp>
+        <p:nvSpPr>
+          <p:cNvPr id="161" name="CustomShape 4"/>
+          <p:cNvSpPr/>
+          <p:nvPr/>
+        </p:nvSpPr>
+        <p:spPr>
+          <a:xfrm>
+            <a:off x="2239920" y="6635880"/>
+            <a:ext cx="4772880" cy="448560"/>
+          </a:xfrm>
+          <a:prstGeom prst="rect">
+            <a:avLst/>
+          </a:prstGeom>
+          <a:noFill/>
+          <a:ln>
+            <a:noFill/>
+          </a:ln>
+        </p:spPr>
+        <p:txBody>
+          <a:bodyPr lIns="90000" tIns="45000" rIns="90000" bIns="45000"/>
+          <a:lstStyle/>
+          <a:p>
+            <a:pPr>
+              <a:lnSpc>
+                <a:spcPct val="100000"/>
+              </a:lnSpc>
+            </a:pPr>
+            <a:r>
+              <a:rPr lang="it-CH" sz="800">
+                <a:solidFill>
+                  <a:srgbClr val="FFFFFF"/>
+                </a:solidFill>
+                <a:latin typeface="Arial"/>
+                <a:ea typeface="ＭＳ Ｐゴシック"/>
+              </a:rPr>
+              <a:t>Matteo Abis – XNPIG2015</a:t>
+            </a:r>
+            <a:endParaRPr/>
+          </a:p>
+        </p:txBody>
+      </p:sp>
+    </p:spTree>
+    <p:extLst>
+      <p:ext uri="{BB962C8B-B14F-4D97-AF65-F5344CB8AC3E}">
+        <p14:creationId xmlns:p14="http://schemas.microsoft.com/office/powerpoint/2010/main" val="1150346671"/>
+      </p:ext>
+    </p:extLst>
+  </p:cSld>
+  <p:clrMapOvr>
+    <a:masterClrMapping/>
+  </p:clrMapOvr>
+  <p:transition spd="slow">
+    <p:fade/>
+  </p:transition>
+  <p:timing>
+    <p:tnLst>
+      <p:par>
+        <p:cTn id="1" dur="indefinite" restart="never" nodeType="tmRoot">
+          <p:childTnLst>
+            <p:seq>
+              <p:cTn id="2" nodeType="mainSeq"/>
+              <p:prevCondLst>
+                <p:cond evt="onPrev" delay="0">
+                  <p:tgtEl>
+                    <p:sldTgt/>
+                  </p:tgtEl>
+                </p:cond>
+              </p:prevCondLst>
+              <p:nextCondLst>
+                <p:cond evt="onNext" delay="0">
                   <p:tgtEl>
                     <p:sldTgt/>
                   </p:tgtEl>
@@ -6355,6 +12539,8 @@
       </a:bgFillStyleLst>
     </a:fmtScheme>
   </a:themeElements>
+  <a:objectDefaults/>
+  <a:extraClrSchemeLst/>
 </a:theme>
 </file>
 
@@ -6578,6 +12764,8 @@
       </a:bgFillStyleLst>
     </a:fmtScheme>
   </a:themeElements>
+  <a:objectDefaults/>
+  <a:extraClrSchemeLst/>
 </a:theme>
 </file>
 
@@ -6801,6 +12989,8 @@
       </a:bgFillStyleLst>
     </a:fmtScheme>
   </a:themeElements>
+  <a:objectDefaults/>
+  <a:extraClrSchemeLst/>
 </a:theme>
 </file>
 
@@ -7024,5 +13214,7 @@
       </a:bgFillStyleLst>
     </a:fmtScheme>
   </a:themeElements>
+  <a:objectDefaults/>
+  <a:extraClrSchemeLst/>
 </a:theme>
 </file>
--- a/TOMCAT_Team_Corporate.pptx
+++ b/TOMCAT_Team_Corporate.pptx
@@ -7,22 +7,23 @@
     <p:sldMasterId id="2147483674" r:id="rId3"/>
   </p:sldMasterIdLst>
   <p:notesMasterIdLst>
-    <p:notesMasterId r:id="rId17"/>
+    <p:notesMasterId r:id="rId18"/>
   </p:notesMasterIdLst>
   <p:sldIdLst>
     <p:sldId id="256" r:id="rId4"/>
     <p:sldId id="257" r:id="rId5"/>
     <p:sldId id="258" r:id="rId6"/>
     <p:sldId id="260" r:id="rId7"/>
-    <p:sldId id="261" r:id="rId8"/>
-    <p:sldId id="262" r:id="rId9"/>
-    <p:sldId id="263" r:id="rId10"/>
-    <p:sldId id="264" r:id="rId11"/>
-    <p:sldId id="265" r:id="rId12"/>
-    <p:sldId id="266" r:id="rId13"/>
-    <p:sldId id="267" r:id="rId14"/>
-    <p:sldId id="268" r:id="rId15"/>
-    <p:sldId id="259" r:id="rId16"/>
+    <p:sldId id="269" r:id="rId8"/>
+    <p:sldId id="261" r:id="rId9"/>
+    <p:sldId id="262" r:id="rId10"/>
+    <p:sldId id="263" r:id="rId11"/>
+    <p:sldId id="264" r:id="rId12"/>
+    <p:sldId id="265" r:id="rId13"/>
+    <p:sldId id="266" r:id="rId14"/>
+    <p:sldId id="267" r:id="rId15"/>
+    <p:sldId id="268" r:id="rId16"/>
+    <p:sldId id="259" r:id="rId17"/>
   </p:sldIdLst>
   <p:sldSz cx="9144000" cy="6858000" type="screen4x3"/>
   <p:notesSz cx="6797675" cy="9874250"/>
@@ -5827,6 +5828,785 @@
 </file>
 
 <file path=ppt/slides/slide10.xml><?xml version="1.0" encoding="utf-8"?>
+<p:sld xmlns:a="http://schemas.openxmlformats.org/drawingml/2006/main" xmlns:r="http://schemas.openxmlformats.org/officeDocument/2006/relationships" xmlns:p="http://schemas.openxmlformats.org/presentationml/2006/main">
+  <p:cSld>
+    <p:spTree>
+      <p:nvGrpSpPr>
+        <p:cNvPr id="1" name=""/>
+        <p:cNvGrpSpPr/>
+        <p:nvPr/>
+      </p:nvGrpSpPr>
+      <p:grpSpPr>
+        <a:xfrm>
+          <a:off x="0" y="0"/>
+          <a:ext cx="0" cy="0"/>
+          <a:chOff x="0" y="0"/>
+          <a:chExt cx="0" cy="0"/>
+        </a:xfrm>
+      </p:grpSpPr>
+      <p:sp>
+        <p:nvSpPr>
+          <p:cNvPr id="158" name="CustomShape 1"/>
+          <p:cNvSpPr/>
+          <p:nvPr/>
+        </p:nvSpPr>
+        <p:spPr>
+          <a:xfrm>
+            <a:off x="380880" y="411120"/>
+            <a:ext cx="8381160" cy="766080"/>
+          </a:xfrm>
+          <a:prstGeom prst="rect">
+            <a:avLst/>
+          </a:prstGeom>
+          <a:noFill/>
+          <a:ln>
+            <a:noFill/>
+          </a:ln>
+        </p:spPr>
+        <p:txBody>
+          <a:bodyPr lIns="0" tIns="36000" rIns="0" bIns="36000"/>
+          <a:lstStyle/>
+          <a:p>
+            <a:pPr>
+              <a:lnSpc>
+                <a:spcPct val="100000"/>
+              </a:lnSpc>
+            </a:pPr>
+            <a:r>
+              <a:rPr lang="it-CH" sz="2800" b="1" dirty="0" err="1" smtClean="0">
+                <a:solidFill>
+                  <a:srgbClr val="00335B"/>
+                </a:solidFill>
+                <a:latin typeface="Arial"/>
+                <a:ea typeface="ＭＳ Ｐゴシック"/>
+              </a:rPr>
+              <a:t>Microstructures</a:t>
+            </a:r>
+            <a:r>
+              <a:rPr lang="it-CH" sz="2800" b="1" dirty="0" smtClean="0">
+                <a:solidFill>
+                  <a:srgbClr val="00335B"/>
+                </a:solidFill>
+                <a:latin typeface="Arial"/>
+                <a:ea typeface="ＭＳ Ｐゴシック"/>
+              </a:rPr>
+              <a:t> on </a:t>
+            </a:r>
+            <a:r>
+              <a:rPr lang="it-CH" sz="2800" b="1" dirty="0" err="1" smtClean="0">
+                <a:solidFill>
+                  <a:srgbClr val="00335B"/>
+                </a:solidFill>
+                <a:latin typeface="Arial"/>
+                <a:ea typeface="ＭＳ Ｐゴシック"/>
+              </a:rPr>
+              <a:t>polychromatic</a:t>
+            </a:r>
+            <a:r>
+              <a:rPr lang="it-CH" sz="2800" b="1" dirty="0" smtClean="0">
+                <a:solidFill>
+                  <a:srgbClr val="00335B"/>
+                </a:solidFill>
+                <a:latin typeface="Arial"/>
+                <a:ea typeface="ＭＳ Ｐゴシック"/>
+              </a:rPr>
+              <a:t> </a:t>
+            </a:r>
+            <a:r>
+              <a:rPr lang="it-CH" sz="2800" b="1" dirty="0" err="1" smtClean="0">
+                <a:solidFill>
+                  <a:srgbClr val="00335B"/>
+                </a:solidFill>
+                <a:latin typeface="Arial"/>
+                <a:ea typeface="ＭＳ Ｐゴシック"/>
+              </a:rPr>
+              <a:t>sources</a:t>
+            </a:r>
+            <a:endParaRPr dirty="0"/>
+          </a:p>
+        </p:txBody>
+      </p:sp>
+      <mc:AlternateContent xmlns:mc="http://schemas.openxmlformats.org/markup-compatibility/2006" xmlns:a14="http://schemas.microsoft.com/office/drawing/2010/main">
+        <mc:Choice Requires="a14">
+          <p:sp>
+            <p:nvSpPr>
+              <p:cNvPr id="159" name="CustomShape 2"/>
+              <p:cNvSpPr/>
+              <p:nvPr/>
+            </p:nvSpPr>
+            <p:spPr>
+              <a:xfrm>
+                <a:off x="380880" y="1252440"/>
+                <a:ext cx="7071440" cy="520376"/>
+              </a:xfrm>
+              <a:prstGeom prst="rect">
+                <a:avLst/>
+              </a:prstGeom>
+              <a:noFill/>
+              <a:ln>
+                <a:noFill/>
+              </a:ln>
+            </p:spPr>
+            <p:txBody>
+              <a:bodyPr lIns="0" tIns="36000" rIns="0" bIns="36000"/>
+              <a:lstStyle/>
+              <a:p>
+                <a:pPr marL="342900" indent="-342900">
+                  <a:lnSpc>
+                    <a:spcPct val="100000"/>
+                  </a:lnSpc>
+                  <a:buFont typeface="Arial" panose="020B0604020202020204" pitchFamily="34" charset="0"/>
+                  <a:buChar char="•"/>
+                </a:pPr>
+                <a:r>
+                  <a:rPr lang="en-US" sz="2400" b="0" dirty="0" smtClean="0">
+                    <a:solidFill>
+                      <a:srgbClr val="000000"/>
+                    </a:solidFill>
+                    <a:latin typeface="Arial"/>
+                    <a:ea typeface="ＭＳ Ｐゴシック"/>
+                  </a:rPr>
+                  <a:t>Compute the contribution as in Lynch et al for each energy </a:t>
+                </a:r>
+                <a14:m>
+                  <m:oMath xmlns:m="http://schemas.openxmlformats.org/officeDocument/2006/math">
+                    <m:r>
+                      <a:rPr lang="en-US" sz="2400" b="0" i="1" smtClean="0">
+                        <a:solidFill>
+                          <a:srgbClr val="000000"/>
+                        </a:solidFill>
+                        <a:latin typeface="Cambria Math"/>
+                        <a:ea typeface="Cambria Math"/>
+                      </a:rPr>
+                      <m:t>→</m:t>
+                    </m:r>
+                    <m:r>
+                      <a:rPr lang="en-US" sz="2400" b="0" i="1" smtClean="0">
+                        <a:solidFill>
+                          <a:srgbClr val="000000"/>
+                        </a:solidFill>
+                        <a:latin typeface="Cambria Math"/>
+                        <a:ea typeface="Cambria Math"/>
+                      </a:rPr>
+                      <m:t>𝑅</m:t>
+                    </m:r>
+                    <m:r>
+                      <a:rPr lang="en-US" sz="2400" b="0" i="1" smtClean="0">
+                        <a:solidFill>
+                          <a:srgbClr val="000000"/>
+                        </a:solidFill>
+                        <a:latin typeface="Cambria Math"/>
+                        <a:ea typeface="Cambria Math"/>
+                      </a:rPr>
+                      <m:t>(</m:t>
+                    </m:r>
+                    <m:r>
+                      <a:rPr lang="en-US" sz="2400" b="0" i="1" smtClean="0">
+                        <a:solidFill>
+                          <a:srgbClr val="000000"/>
+                        </a:solidFill>
+                        <a:latin typeface="Cambria Math"/>
+                        <a:ea typeface="Cambria Math"/>
+                      </a:rPr>
+                      <m:t>𝐸</m:t>
+                    </m:r>
+                    <m:r>
+                      <a:rPr lang="en-US" sz="2400" b="0" i="1" smtClean="0">
+                        <a:solidFill>
+                          <a:srgbClr val="000000"/>
+                        </a:solidFill>
+                        <a:latin typeface="Cambria Math"/>
+                        <a:ea typeface="Cambria Math"/>
+                      </a:rPr>
+                      <m:t>)</m:t>
+                    </m:r>
+                  </m:oMath>
+                </a14:m>
+                <a:endParaRPr lang="en-US" sz="2400" b="0" dirty="0" smtClean="0">
+                  <a:solidFill>
+                    <a:srgbClr val="000000"/>
+                  </a:solidFill>
+                  <a:latin typeface="Arial"/>
+                  <a:ea typeface="ＭＳ Ｐゴシック"/>
+                </a:endParaRPr>
+              </a:p>
+              <a:p>
+                <a:pPr marL="342900" indent="-342900">
+                  <a:lnSpc>
+                    <a:spcPct val="100000"/>
+                  </a:lnSpc>
+                  <a:buFont typeface="Arial" panose="020B0604020202020204" pitchFamily="34" charset="0"/>
+                  <a:buChar char="•"/>
+                </a:pPr>
+                <a:endParaRPr lang="en-US" sz="2400" b="0" dirty="0" smtClean="0">
+                  <a:solidFill>
+                    <a:srgbClr val="000000"/>
+                  </a:solidFill>
+                  <a:latin typeface="Arial"/>
+                  <a:ea typeface="ＭＳ Ｐゴシック"/>
+                </a:endParaRPr>
+              </a:p>
+              <a:p>
+                <a:pPr marL="342900" indent="-342900">
+                  <a:lnSpc>
+                    <a:spcPct val="100000"/>
+                  </a:lnSpc>
+                  <a:buFont typeface="Arial" panose="020B0604020202020204" pitchFamily="34" charset="0"/>
+                  <a:buChar char="•"/>
+                </a:pPr>
+                <a:r>
+                  <a:rPr lang="en-US" sz="2400" dirty="0" smtClean="0">
+                    <a:solidFill>
+                      <a:srgbClr val="000000"/>
+                    </a:solidFill>
+                    <a:latin typeface="Arial"/>
+                    <a:ea typeface="ＭＳ Ｐゴシック"/>
+                  </a:rPr>
+                  <a:t>Sum over spectral weights </a:t>
+                </a:r>
+                <a14:m>
+                  <m:oMath xmlns:m="http://schemas.openxmlformats.org/officeDocument/2006/math">
+                    <m:r>
+                      <a:rPr lang="en-US" sz="2400" b="0" i="1" smtClean="0">
+                        <a:solidFill>
+                          <a:srgbClr val="000000"/>
+                        </a:solidFill>
+                        <a:latin typeface="Cambria Math"/>
+                        <a:ea typeface="ＭＳ Ｐゴシック"/>
+                      </a:rPr>
+                      <m:t>𝑤</m:t>
+                    </m:r>
+                    <m:r>
+                      <a:rPr lang="en-US" sz="2400" b="0" i="1" smtClean="0">
+                        <a:solidFill>
+                          <a:srgbClr val="000000"/>
+                        </a:solidFill>
+                        <a:latin typeface="Cambria Math"/>
+                        <a:ea typeface="ＭＳ Ｐゴシック"/>
+                      </a:rPr>
+                      <m:t>(</m:t>
+                    </m:r>
+                    <m:r>
+                      <a:rPr lang="en-US" sz="2400" b="0" i="1" smtClean="0">
+                        <a:solidFill>
+                          <a:srgbClr val="000000"/>
+                        </a:solidFill>
+                        <a:latin typeface="Cambria Math"/>
+                        <a:ea typeface="ＭＳ Ｐゴシック"/>
+                      </a:rPr>
+                      <m:t>𝐸</m:t>
+                    </m:r>
+                    <m:r>
+                      <a:rPr lang="en-US" sz="2400" b="0" i="1" smtClean="0">
+                        <a:solidFill>
+                          <a:srgbClr val="000000"/>
+                        </a:solidFill>
+                        <a:latin typeface="Cambria Math"/>
+                        <a:ea typeface="ＭＳ Ｐゴシック"/>
+                      </a:rPr>
+                      <m:t>)</m:t>
+                    </m:r>
+                  </m:oMath>
+                </a14:m>
+                <a:endParaRPr lang="en-US" sz="2400" b="0" dirty="0" smtClean="0">
+                  <a:solidFill>
+                    <a:srgbClr val="000000"/>
+                  </a:solidFill>
+                  <a:latin typeface="Arial"/>
+                  <a:ea typeface="ＭＳ Ｐゴシック"/>
+                </a:endParaRPr>
+              </a:p>
+              <a:p>
+                <a:pPr marL="342900" indent="-342900">
+                  <a:lnSpc>
+                    <a:spcPct val="100000"/>
+                  </a:lnSpc>
+                  <a:buFont typeface="Arial" panose="020B0604020202020204" pitchFamily="34" charset="0"/>
+                  <a:buChar char="•"/>
+                </a:pPr>
+                <a:endParaRPr lang="en-US" sz="2400" dirty="0">
+                  <a:solidFill>
+                    <a:srgbClr val="000000"/>
+                  </a:solidFill>
+                  <a:latin typeface="Arial"/>
+                  <a:ea typeface="ＭＳ Ｐゴシック"/>
+                </a:endParaRPr>
+              </a:p>
+              <a:p>
+                <a:pPr marL="342900" indent="-342900">
+                  <a:lnSpc>
+                    <a:spcPct val="100000"/>
+                  </a:lnSpc>
+                  <a:buFont typeface="Arial" panose="020B0604020202020204" pitchFamily="34" charset="0"/>
+                  <a:buChar char="•"/>
+                </a:pPr>
+                <a:r>
+                  <a:rPr lang="en-US" sz="2400" dirty="0" smtClean="0">
+                    <a:solidFill>
+                      <a:srgbClr val="000000"/>
+                    </a:solidFill>
+                    <a:latin typeface="Arial"/>
+                    <a:ea typeface="ＭＳ Ｐゴシック"/>
+                  </a:rPr>
+                  <a:t>Our model, with 2 parameters </a:t>
+                </a:r>
+                <a14:m>
+                  <m:oMath xmlns:m="http://schemas.openxmlformats.org/officeDocument/2006/math">
+                    <m:sSub>
+                      <m:sSubPr>
+                        <m:ctrlPr>
+                          <a:rPr lang="en-US" sz="2400" b="0" i="1" smtClean="0">
+                            <a:solidFill>
+                              <a:srgbClr val="000000"/>
+                            </a:solidFill>
+                            <a:latin typeface="Cambria Math"/>
+                            <a:ea typeface="ＭＳ Ｐゴシック"/>
+                          </a:rPr>
+                        </m:ctrlPr>
+                      </m:sSubPr>
+                      <m:e>
+                        <m:r>
+                          <a:rPr lang="en-US" sz="2400" b="0" i="1" smtClean="0">
+                            <a:solidFill>
+                              <a:srgbClr val="000000"/>
+                            </a:solidFill>
+                            <a:latin typeface="Cambria Math"/>
+                            <a:ea typeface="ＭＳ Ｐゴシック"/>
+                          </a:rPr>
+                          <m:t>𝑅</m:t>
+                        </m:r>
+                      </m:e>
+                      <m:sub>
+                        <m:r>
+                          <a:rPr lang="en-US" sz="2400" b="0" i="1" smtClean="0">
+                            <a:solidFill>
+                              <a:srgbClr val="000000"/>
+                            </a:solidFill>
+                            <a:latin typeface="Cambria Math"/>
+                            <a:ea typeface="ＭＳ Ｐゴシック"/>
+                          </a:rPr>
+                          <m:t>0</m:t>
+                        </m:r>
+                      </m:sub>
+                    </m:sSub>
+                  </m:oMath>
+                </a14:m>
+                <a:r>
+                  <a:rPr lang="en-US" sz="2400" dirty="0" smtClean="0">
+                    <a:solidFill>
+                      <a:srgbClr val="000000"/>
+                    </a:solidFill>
+                    <a:latin typeface="Arial"/>
+                    <a:ea typeface="ＭＳ Ｐゴシック"/>
+                  </a:rPr>
+                  <a:t> and </a:t>
+                </a:r>
+                <a14:m>
+                  <m:oMath xmlns:m="http://schemas.openxmlformats.org/officeDocument/2006/math">
+                    <m:r>
+                      <a:rPr lang="en-US" sz="2400" b="0" i="1" smtClean="0">
+                        <a:solidFill>
+                          <a:srgbClr val="000000"/>
+                        </a:solidFill>
+                        <a:latin typeface="Cambria Math"/>
+                        <a:ea typeface="ＭＳ Ｐゴシック"/>
+                      </a:rPr>
+                      <m:t>𝐶</m:t>
+                    </m:r>
+                  </m:oMath>
+                </a14:m>
+                <a:r>
+                  <a:rPr lang="en-US" sz="2400" dirty="0" smtClean="0">
+                    <a:solidFill>
+                      <a:srgbClr val="000000"/>
+                    </a:solidFill>
+                    <a:latin typeface="Arial"/>
+                    <a:ea typeface="ＭＳ Ｐゴシック"/>
+                  </a:rPr>
+                  <a:t>:</a:t>
+                </a:r>
+              </a:p>
+              <a:p>
+                <a:pPr>
+                  <a:lnSpc>
+                    <a:spcPct val="100000"/>
+                  </a:lnSpc>
+                </a:pPr>
+                <a14:m>
+                  <m:oMathPara xmlns:m="http://schemas.openxmlformats.org/officeDocument/2006/math">
+                    <m:oMathParaPr>
+                      <m:jc m:val="centerGroup"/>
+                    </m:oMathParaPr>
+                    <m:oMath xmlns:m="http://schemas.openxmlformats.org/officeDocument/2006/math">
+                      <m:r>
+                        <a:rPr lang="en-US" sz="2400" b="0" i="1" smtClean="0">
+                          <a:solidFill>
+                            <a:srgbClr val="000000"/>
+                          </a:solidFill>
+                          <a:latin typeface="Cambria Math"/>
+                          <a:ea typeface="ＭＳ Ｐゴシック"/>
+                        </a:rPr>
+                        <m:t>𝑅</m:t>
+                      </m:r>
+                      <m:r>
+                        <a:rPr lang="en-US" sz="2400" b="0" i="1" smtClean="0">
+                          <a:solidFill>
+                            <a:srgbClr val="000000"/>
+                          </a:solidFill>
+                          <a:latin typeface="Cambria Math"/>
+                          <a:ea typeface="ＭＳ Ｐゴシック"/>
+                        </a:rPr>
+                        <m:t>=</m:t>
+                      </m:r>
+                      <m:sSub>
+                        <m:sSubPr>
+                          <m:ctrlPr>
+                            <a:rPr lang="en-US" sz="2400" b="0" i="1" smtClean="0">
+                              <a:solidFill>
+                                <a:srgbClr val="000000"/>
+                              </a:solidFill>
+                              <a:latin typeface="Cambria Math"/>
+                              <a:ea typeface="ＭＳ Ｐゴシック"/>
+                            </a:rPr>
+                          </m:ctrlPr>
+                        </m:sSubPr>
+                        <m:e>
+                          <m:r>
+                            <a:rPr lang="en-US" sz="2400" b="0" i="1" smtClean="0">
+                              <a:solidFill>
+                                <a:srgbClr val="000000"/>
+                              </a:solidFill>
+                              <a:latin typeface="Cambria Math"/>
+                              <a:ea typeface="ＭＳ Ｐゴシック"/>
+                            </a:rPr>
+                            <m:t>𝑅</m:t>
+                          </m:r>
+                        </m:e>
+                        <m:sub>
+                          <m:r>
+                            <a:rPr lang="en-US" sz="2400" b="0" i="1" smtClean="0">
+                              <a:solidFill>
+                                <a:srgbClr val="000000"/>
+                              </a:solidFill>
+                              <a:latin typeface="Cambria Math"/>
+                              <a:ea typeface="ＭＳ Ｐゴシック"/>
+                            </a:rPr>
+                            <m:t>0</m:t>
+                          </m:r>
+                        </m:sub>
+                      </m:sSub>
+                      <m:r>
+                        <a:rPr lang="en-US" sz="2400" b="0" i="1" smtClean="0">
+                          <a:solidFill>
+                            <a:srgbClr val="000000"/>
+                          </a:solidFill>
+                          <a:latin typeface="Cambria Math"/>
+                          <a:ea typeface="ＭＳ Ｐゴシック"/>
+                        </a:rPr>
+                        <m:t>+</m:t>
+                      </m:r>
+                      <m:r>
+                        <a:rPr lang="en-US" sz="2400" b="0" i="1" smtClean="0">
+                          <a:solidFill>
+                            <a:srgbClr val="000000"/>
+                          </a:solidFill>
+                          <a:latin typeface="Cambria Math"/>
+                          <a:ea typeface="ＭＳ Ｐゴシック"/>
+                        </a:rPr>
+                        <m:t>𝐶</m:t>
+                      </m:r>
+                      <m:nary>
+                        <m:naryPr>
+                          <m:chr m:val="∑"/>
+                          <m:supHide m:val="on"/>
+                          <m:ctrlPr>
+                            <a:rPr lang="en-US" sz="2400" b="0" i="1" smtClean="0">
+                              <a:solidFill>
+                                <a:srgbClr val="000000"/>
+                              </a:solidFill>
+                              <a:latin typeface="Cambria Math"/>
+                              <a:ea typeface="ＭＳ Ｐゴシック"/>
+                            </a:rPr>
+                          </m:ctrlPr>
+                        </m:naryPr>
+                        <m:sub>
+                          <m:r>
+                            <m:rPr>
+                              <m:brk m:alnAt="7"/>
+                            </m:rPr>
+                            <a:rPr lang="en-US" sz="2400" b="0" i="1" smtClean="0">
+                              <a:solidFill>
+                                <a:srgbClr val="000000"/>
+                              </a:solidFill>
+                              <a:latin typeface="Cambria Math"/>
+                              <a:ea typeface="ＭＳ Ｐゴシック"/>
+                            </a:rPr>
+                            <m:t>𝐸</m:t>
+                          </m:r>
+                        </m:sub>
+                        <m:sup/>
+                        <m:e>
+                          <m:r>
+                            <a:rPr lang="en-US" sz="2400" b="0" i="1" smtClean="0">
+                              <a:solidFill>
+                                <a:srgbClr val="000000"/>
+                              </a:solidFill>
+                              <a:latin typeface="Cambria Math"/>
+                              <a:ea typeface="ＭＳ Ｐゴシック"/>
+                            </a:rPr>
+                            <m:t>𝑤</m:t>
+                          </m:r>
+                          <m:d>
+                            <m:dPr>
+                              <m:ctrlPr>
+                                <a:rPr lang="en-US" sz="2400" b="0" i="1" smtClean="0">
+                                  <a:solidFill>
+                                    <a:srgbClr val="000000"/>
+                                  </a:solidFill>
+                                  <a:latin typeface="Cambria Math"/>
+                                  <a:ea typeface="ＭＳ Ｐゴシック"/>
+                                </a:rPr>
+                              </m:ctrlPr>
+                            </m:dPr>
+                            <m:e>
+                              <m:r>
+                                <a:rPr lang="en-US" sz="2400" b="0" i="1" smtClean="0">
+                                  <a:solidFill>
+                                    <a:srgbClr val="000000"/>
+                                  </a:solidFill>
+                                  <a:latin typeface="Cambria Math"/>
+                                  <a:ea typeface="ＭＳ Ｐゴシック"/>
+                                </a:rPr>
+                                <m:t>𝐸</m:t>
+                              </m:r>
+                            </m:e>
+                          </m:d>
+                          <m:r>
+                            <a:rPr lang="en-US" sz="2400" b="0" i="1" smtClean="0">
+                              <a:solidFill>
+                                <a:srgbClr val="000000"/>
+                              </a:solidFill>
+                              <a:latin typeface="Cambria Math"/>
+                              <a:ea typeface="ＭＳ Ｐゴシック"/>
+                            </a:rPr>
+                            <m:t>𝑅</m:t>
+                          </m:r>
+                          <m:r>
+                            <a:rPr lang="en-US" sz="2400" b="0" i="1" smtClean="0">
+                              <a:solidFill>
+                                <a:srgbClr val="000000"/>
+                              </a:solidFill>
+                              <a:latin typeface="Cambria Math"/>
+                              <a:ea typeface="ＭＳ Ｐゴシック"/>
+                            </a:rPr>
+                            <m:t>(</m:t>
+                          </m:r>
+                          <m:r>
+                            <a:rPr lang="en-US" sz="2400" b="0" i="1" smtClean="0">
+                              <a:solidFill>
+                                <a:srgbClr val="000000"/>
+                              </a:solidFill>
+                              <a:latin typeface="Cambria Math"/>
+                              <a:ea typeface="ＭＳ Ｐゴシック"/>
+                            </a:rPr>
+                            <m:t>𝐸</m:t>
+                          </m:r>
+                          <m:r>
+                            <a:rPr lang="en-US" sz="2400" b="0" i="1" smtClean="0">
+                              <a:solidFill>
+                                <a:srgbClr val="000000"/>
+                              </a:solidFill>
+                              <a:latin typeface="Cambria Math"/>
+                              <a:ea typeface="ＭＳ Ｐゴシック"/>
+                            </a:rPr>
+                            <m:t>)</m:t>
+                          </m:r>
+                        </m:e>
+                      </m:nary>
+                    </m:oMath>
+                  </m:oMathPara>
+                </a14:m>
+                <a:endParaRPr lang="en-US" sz="2400" b="0" dirty="0" smtClean="0">
+                  <a:solidFill>
+                    <a:srgbClr val="000000"/>
+                  </a:solidFill>
+                  <a:latin typeface="Arial"/>
+                  <a:ea typeface="ＭＳ Ｐゴシック"/>
+                </a:endParaRPr>
+              </a:p>
+            </p:txBody>
+          </p:sp>
+        </mc:Choice>
+        <mc:Fallback xmlns="">
+          <p:sp>
+            <p:nvSpPr>
+              <p:cNvPr id="159" name="CustomShape 2"/>
+              <p:cNvSpPr>
+                <a:spLocks noRot="1" noChangeAspect="1" noMove="1" noResize="1" noEditPoints="1" noAdjustHandles="1" noChangeArrowheads="1" noChangeShapeType="1" noTextEdit="1"/>
+              </p:cNvSpPr>
+              <p:nvPr/>
+            </p:nvSpPr>
+            <p:spPr>
+              <a:xfrm>
+                <a:off x="380880" y="1252440"/>
+                <a:ext cx="7071440" cy="520376"/>
+              </a:xfrm>
+              <a:prstGeom prst="rect">
+                <a:avLst/>
+              </a:prstGeom>
+              <a:blipFill rotWithShape="1">
+                <a:blip r:embed="rId2"/>
+                <a:stretch>
+                  <a:fillRect l="-2414" t="-9302" b="-495349"/>
+                </a:stretch>
+              </a:blipFill>
+              <a:ln>
+                <a:noFill/>
+              </a:ln>
+            </p:spPr>
+            <p:txBody>
+              <a:bodyPr/>
+              <a:lstStyle/>
+              <a:p>
+                <a:r>
+                  <a:rPr lang="de-CH">
+                    <a:noFill/>
+                  </a:rPr>
+                  <a:t> </a:t>
+                </a:r>
+              </a:p>
+            </p:txBody>
+          </p:sp>
+        </mc:Fallback>
+      </mc:AlternateContent>
+      <p:sp>
+        <p:nvSpPr>
+          <p:cNvPr id="160" name="CustomShape 3"/>
+          <p:cNvSpPr/>
+          <p:nvPr/>
+        </p:nvSpPr>
+        <p:spPr>
+          <a:xfrm>
+            <a:off x="7203960" y="6635880"/>
+            <a:ext cx="1637640" cy="456480"/>
+          </a:xfrm>
+          <a:prstGeom prst="rect">
+            <a:avLst/>
+          </a:prstGeom>
+          <a:noFill/>
+          <a:ln>
+            <a:noFill/>
+          </a:ln>
+        </p:spPr>
+        <p:txBody>
+          <a:bodyPr lIns="90000" tIns="45000" rIns="90000" bIns="45000"/>
+          <a:lstStyle/>
+          <a:p>
+            <a:pPr>
+              <a:lnSpc>
+                <a:spcPct val="100000"/>
+              </a:lnSpc>
+            </a:pPr>
+            <a:fld id="{AD907E7C-7299-434B-BF89-8702846DA1AD}" type="slidenum">
+              <a:rPr lang="it-CH" sz="800">
+                <a:solidFill>
+                  <a:srgbClr val="FFFFFF"/>
+                </a:solidFill>
+                <a:latin typeface="Arial"/>
+                <a:ea typeface="ＭＳ Ｐゴシック"/>
+              </a:rPr>
+              <a:t>10</a:t>
+            </a:fld>
+            <a:endParaRPr/>
+          </a:p>
+        </p:txBody>
+      </p:sp>
+      <p:sp>
+        <p:nvSpPr>
+          <p:cNvPr id="161" name="CustomShape 4"/>
+          <p:cNvSpPr/>
+          <p:nvPr/>
+        </p:nvSpPr>
+        <p:spPr>
+          <a:xfrm>
+            <a:off x="2239920" y="6635880"/>
+            <a:ext cx="4772880" cy="448560"/>
+          </a:xfrm>
+          <a:prstGeom prst="rect">
+            <a:avLst/>
+          </a:prstGeom>
+          <a:noFill/>
+          <a:ln>
+            <a:noFill/>
+          </a:ln>
+        </p:spPr>
+        <p:txBody>
+          <a:bodyPr lIns="90000" tIns="45000" rIns="90000" bIns="45000"/>
+          <a:lstStyle/>
+          <a:p>
+            <a:pPr>
+              <a:lnSpc>
+                <a:spcPct val="100000"/>
+              </a:lnSpc>
+            </a:pPr>
+            <a:r>
+              <a:rPr lang="it-CH" sz="800">
+                <a:solidFill>
+                  <a:srgbClr val="FFFFFF"/>
+                </a:solidFill>
+                <a:latin typeface="Arial"/>
+                <a:ea typeface="ＭＳ Ｐゴシック"/>
+              </a:rPr>
+              <a:t>Matteo Abis – XNPIG2015</a:t>
+            </a:r>
+            <a:endParaRPr/>
+          </a:p>
+        </p:txBody>
+      </p:sp>
+    </p:spTree>
+    <p:extLst>
+      <p:ext uri="{BB962C8B-B14F-4D97-AF65-F5344CB8AC3E}">
+        <p14:creationId xmlns:p14="http://schemas.microsoft.com/office/powerpoint/2010/main" val="1150346671"/>
+      </p:ext>
+    </p:extLst>
+  </p:cSld>
+  <p:clrMapOvr>
+    <a:masterClrMapping/>
+  </p:clrMapOvr>
+  <p:transition spd="slow">
+    <p:fade/>
+  </p:transition>
+  <p:timing>
+    <p:tnLst>
+      <p:par>
+        <p:cTn id="1" dur="indefinite" restart="never" nodeType="tmRoot">
+          <p:childTnLst>
+            <p:seq>
+              <p:cTn id="2" nodeType="mainSeq"/>
+              <p:prevCondLst>
+                <p:cond evt="onPrev" delay="0">
+                  <p:tgtEl>
+                    <p:sldTgt/>
+                  </p:tgtEl>
+                </p:cond>
+              </p:prevCondLst>
+              <p:nextCondLst>
+                <p:cond evt="onNext" delay="0">
+                  <p:tgtEl>
+                    <p:sldTgt/>
+                  </p:tgtEl>
+                </p:cond>
+              </p:nextCondLst>
+            </p:seq>
+          </p:childTnLst>
+        </p:cTn>
+      </p:par>
+    </p:tnLst>
+  </p:timing>
+</p:sld>
+</file>
+
+<file path=ppt/slides/slide11.xml><?xml version="1.0" encoding="utf-8"?>
 <p:sld xmlns:a="http://schemas.openxmlformats.org/drawingml/2006/main" xmlns:r="http://schemas.openxmlformats.org/officeDocument/2006/relationships" xmlns:p="http://schemas.openxmlformats.org/presentationml/2006/main">
   <p:cSld>
     <p:spTree>
@@ -6330,7 +7110,7 @@
                 <a:latin typeface="Arial"/>
                 <a:ea typeface="ＭＳ Ｐゴシック"/>
               </a:rPr>
-              <a:t>10</a:t>
+              <a:t>11</a:t>
             </a:fld>
             <a:endParaRPr/>
           </a:p>
@@ -6421,7 +7201,7 @@
 </p:sld>
 </file>
 
-<file path=ppt/slides/slide11.xml><?xml version="1.0" encoding="utf-8"?>
+<file path=ppt/slides/slide12.xml><?xml version="1.0" encoding="utf-8"?>
 <p:sld xmlns:a="http://schemas.openxmlformats.org/drawingml/2006/main" xmlns:r="http://schemas.openxmlformats.org/officeDocument/2006/relationships" xmlns:p="http://schemas.openxmlformats.org/presentationml/2006/main">
   <p:cSld>
     <p:spTree>
@@ -6966,7 +7746,7 @@
                 <a:latin typeface="Arial"/>
                 <a:ea typeface="ＭＳ Ｐゴシック"/>
               </a:rPr>
-              <a:t>11</a:t>
+              <a:t>12</a:t>
             </a:fld>
             <a:endParaRPr/>
           </a:p>
@@ -7044,8 +7824,8 @@
           </a:prstGeom>
         </p:spPr>
       </p:pic>
-      <mc:AlternateContent xmlns:mc="http://schemas.openxmlformats.org/markup-compatibility/2006">
-        <mc:Choice xmlns:a14="http://schemas.microsoft.com/office/drawing/2010/main" Requires="a14">
+      <mc:AlternateContent xmlns:mc="http://schemas.openxmlformats.org/markup-compatibility/2006" xmlns:a14="http://schemas.microsoft.com/office/drawing/2010/main">
+        <mc:Choice Requires="a14">
           <p:graphicFrame>
             <p:nvGraphicFramePr>
               <p:cNvPr id="3" name="Table 2"/>
@@ -7084,11 +7864,7 @@
                           <a:pPr algn="ctr"/>
                           <a:r>
                             <a:rPr lang="en-US" dirty="0" smtClean="0"/>
-                            <a:t>t </a:t>
-                          </a:r>
-                          <a:r>
-                            <a:rPr lang="en-US" dirty="0" smtClean="0"/>
-                            <a:t>(mm)</a:t>
+                            <a:t>t (mm)</a:t>
                           </a:r>
                           <a:endParaRPr lang="de-CH" dirty="0"/>
                         </a:p>
@@ -7110,18 +7886,24 @@
                                 <m:sSub>
                                   <m:sSubPr>
                                     <m:ctrlPr>
-                                      <a:rPr lang="en-US" smtClean="0"/>
+                                      <a:rPr lang="en-US" i="1" smtClean="0">
+                                        <a:latin typeface="Cambria Math"/>
+                                      </a:rPr>
                                     </m:ctrlPr>
                                   </m:sSubPr>
                                   <m:e>
                                     <m:r>
-                                      <a:rPr lang="en-US" smtClean="0"/>
+                                      <a:rPr lang="en-US" smtClean="0">
+                                        <a:latin typeface="Cambria Math"/>
+                                      </a:rPr>
                                       <m:t>𝑹</m:t>
                                     </m:r>
                                   </m:e>
                                   <m:sub>
                                     <m:r>
-                                      <a:rPr lang="en-US" smtClean="0"/>
+                                      <a:rPr lang="en-US" smtClean="0">
+                                        <a:latin typeface="Cambria Math"/>
+                                      </a:rPr>
                                       <m:t>𝟎</m:t>
                                     </m:r>
                                   </m:sub>
@@ -7249,7 +8031,7 @@
             </a:graphic>
           </p:graphicFrame>
         </mc:Choice>
-        <mc:Fallback>
+        <mc:Fallback xmlns="">
           <p:graphicFrame>
             <p:nvGraphicFramePr>
               <p:cNvPr id="3" name="Table 2"/>
@@ -7475,7 +8257,7 @@
 </p:sld>
 </file>
 
-<file path=ppt/slides/slide12.xml><?xml version="1.0" encoding="utf-8"?>
+<file path=ppt/slides/slide13.xml><?xml version="1.0" encoding="utf-8"?>
 <p:sld xmlns:a="http://schemas.openxmlformats.org/drawingml/2006/main" xmlns:r="http://schemas.openxmlformats.org/officeDocument/2006/relationships" xmlns:p="http://schemas.openxmlformats.org/presentationml/2006/main">
   <p:cSld>
     <p:spTree>
@@ -7534,8 +8316,8 @@
           </a:p>
         </p:txBody>
       </p:sp>
-      <mc:AlternateContent xmlns:mc="http://schemas.openxmlformats.org/markup-compatibility/2006">
-        <mc:Choice xmlns:a14="http://schemas.microsoft.com/office/drawing/2010/main" Requires="a14">
+      <mc:AlternateContent xmlns:mc="http://schemas.openxmlformats.org/markup-compatibility/2006" xmlns:a14="http://schemas.microsoft.com/office/drawing/2010/main">
+        <mc:Choice Requires="a14">
           <p:sp>
             <p:nvSpPr>
               <p:cNvPr id="159" name="CustomShape 2"/>
@@ -7596,13 +8378,6 @@
                   </a:rPr>
                   <a:t> on polychromatic sources</a:t>
                 </a:r>
-                <a:endParaRPr lang="en-US" sz="2400" dirty="0" smtClean="0">
-                  <a:solidFill>
-                    <a:srgbClr val="000000"/>
-                  </a:solidFill>
-                  <a:latin typeface="Arial"/>
-                  <a:ea typeface="ＭＳ Ｐゴシック"/>
-                </a:endParaRPr>
               </a:p>
               <a:p>
                 <a:pPr marL="342900" indent="-342900">
@@ -7780,18 +8555,11 @@
                   </a:rPr>
                   <a:t> means that the phase signal is very difficult to recover</a:t>
                 </a:r>
-                <a:endParaRPr lang="en-US" sz="2400" dirty="0" smtClean="0">
-                  <a:solidFill>
-                    <a:srgbClr val="000000"/>
-                  </a:solidFill>
-                  <a:latin typeface="Arial"/>
-                  <a:ea typeface="ＭＳ Ｐゴシック"/>
-                </a:endParaRPr>
               </a:p>
             </p:txBody>
           </p:sp>
         </mc:Choice>
-        <mc:Fallback>
+        <mc:Fallback xmlns="">
           <p:sp>
             <p:nvSpPr>
               <p:cNvPr id="159" name="CustomShape 2"/>
@@ -7869,7 +8637,7 @@
                 <a:latin typeface="Arial"/>
                 <a:ea typeface="ＭＳ Ｐゴシック"/>
               </a:rPr>
-              <a:t>12</a:t>
+              <a:t>13</a:t>
             </a:fld>
             <a:endParaRPr/>
           </a:p>
@@ -7960,7 +8728,7 @@
 </p:sld>
 </file>
 
-<file path=ppt/slides/slide13.xml><?xml version="1.0" encoding="utf-8"?>
+<file path=ppt/slides/slide14.xml><?xml version="1.0" encoding="utf-8"?>
 <p:sld xmlns:a="http://schemas.openxmlformats.org/drawingml/2006/main" xmlns:r="http://schemas.openxmlformats.org/officeDocument/2006/relationships" xmlns:p="http://schemas.openxmlformats.org/presentationml/2006/main">
   <p:cSld>
     <p:spTree>
@@ -8055,7 +8823,7 @@
                 <a:latin typeface="Arial"/>
                 <a:ea typeface="ＭＳ Ｐゴシック"/>
               </a:rPr>
-              <a:t>13</a:t>
+              <a:t>14</a:t>
             </a:fld>
             <a:endParaRPr/>
           </a:p>
@@ -9948,7 +10716,7 @@
               </a:lnSpc>
             </a:pPr>
             <a:r>
-              <a:rPr lang="en-US" sz="1100" dirty="0" smtClean="0">
+              <a:rPr lang="en-US" sz="1000" dirty="0" smtClean="0">
                 <a:solidFill>
                   <a:srgbClr val="000000"/>
                 </a:solidFill>
@@ -9958,7 +10726,7 @@
               <a:t>Wang and </a:t>
             </a:r>
             <a:r>
-              <a:rPr lang="en-US" sz="1100" dirty="0" err="1" smtClean="0">
+              <a:rPr lang="en-US" sz="1000" dirty="0" err="1" smtClean="0">
                 <a:solidFill>
                   <a:srgbClr val="000000"/>
                 </a:solidFill>
@@ -9968,7 +10736,7 @@
               <a:t>Stampanoni</a:t>
             </a:r>
             <a:r>
-              <a:rPr lang="en-US" sz="1100" dirty="0" smtClean="0">
+              <a:rPr lang="en-US" sz="1000" dirty="0" smtClean="0">
                 <a:solidFill>
                   <a:srgbClr val="000000"/>
                 </a:solidFill>
@@ -9978,9 +10746,14 @@
               <a:t>, </a:t>
             </a:r>
             <a:r>
-              <a:rPr lang="en-US" sz="1100" dirty="0" smtClean="0"/>
-              <a:t>Quantitative x-ray radiography using grating interferometry: a feasibility study, 2013</a:t>
+              <a:rPr lang="en-US" sz="1000" dirty="0" smtClean="0"/>
+              <a:t>Quantitative x-ray radiography using grating interferometry: a feasibility study, </a:t>
             </a:r>
+            <a:r>
+              <a:rPr lang="en-US" sz="1000" dirty="0" smtClean="0"/>
+              <a:t>Phys. Med. Biol., 2013</a:t>
+            </a:r>
+            <a:endParaRPr lang="en-US" sz="1000" dirty="0" smtClean="0"/>
           </a:p>
           <a:p>
             <a:pPr>
@@ -9989,7 +10762,7 @@
               </a:lnSpc>
             </a:pPr>
             <a:r>
-              <a:rPr lang="en-US" sz="1100" dirty="0" smtClean="0">
+              <a:rPr lang="en-US" sz="1000" dirty="0" smtClean="0">
                 <a:solidFill>
                   <a:srgbClr val="000000"/>
                 </a:solidFill>
@@ -9999,10 +10772,14 @@
               <a:t>Scherer et al., </a:t>
             </a:r>
             <a:r>
-              <a:rPr lang="en-US" sz="1100" dirty="0" smtClean="0"/>
-              <a:t>Non-invasive Differentiation of Kidney Stone Types using X-ray Dark-Field Radiography, 2015</a:t>
+              <a:rPr lang="en-US" sz="1000" dirty="0" smtClean="0"/>
+              <a:t>Non-invasive Differentiation of Kidney Stone Types using X-ray Dark-Field Radiography, </a:t>
             </a:r>
-            <a:endParaRPr lang="en-US" sz="1100" dirty="0">
+            <a:r>
+              <a:rPr lang="en-US" sz="1000" dirty="0" smtClean="0"/>
+              <a:t>Sci. Rep., 2015</a:t>
+            </a:r>
+            <a:endParaRPr lang="en-US" sz="1000" dirty="0">
               <a:solidFill>
                 <a:srgbClr val="000000"/>
               </a:solidFill>
@@ -10192,7 +10969,7 @@
                 <a:latin typeface="Arial"/>
                 <a:ea typeface="ＭＳ Ｐゴシック"/>
               </a:rPr>
-              <a:t>Experiment at 160 </a:t>
+              <a:t>Edge-on illumination for experiments at 160 </a:t>
             </a:r>
             <a:r>
               <a:rPr lang="en-US" sz="2800" b="1" dirty="0" err="1" smtClean="0">
@@ -10301,7 +11078,7 @@
           <p:nvPr/>
         </p:nvPicPr>
         <p:blipFill>
-          <a:blip r:embed="rId2" cstate="print">
+          <a:blip r:embed="rId2">
             <a:extLst>
               <a:ext uri="{28A0092B-C50C-407E-A947-70E740481C1C}">
                 <a14:useLocalDpi xmlns:a14="http://schemas.microsoft.com/office/drawing/2010/main" val="0"/>
@@ -10314,8 +11091,8 @@
         </p:blipFill>
         <p:spPr>
           <a:xfrm>
-            <a:off x="-17079" y="939296"/>
-            <a:ext cx="9161079" cy="5658057"/>
+            <a:off x="0" y="1284767"/>
+            <a:ext cx="9144000" cy="4288465"/>
           </a:xfrm>
           <a:prstGeom prst="rect">
             <a:avLst/>
@@ -10325,7 +11102,7 @@
     </p:spTree>
     <p:extLst>
       <p:ext uri="{BB962C8B-B14F-4D97-AF65-F5344CB8AC3E}">
-        <p14:creationId xmlns:p14="http://schemas.microsoft.com/office/powerpoint/2010/main" val="4181564977"/>
+        <p14:creationId xmlns:p14="http://schemas.microsoft.com/office/powerpoint/2010/main" val="2223659576"/>
       </p:ext>
     </p:extLst>
   </p:cSld>
@@ -10540,6 +11317,232 @@
         </p:blipFill>
         <p:spPr>
           <a:xfrm>
+            <a:off x="-17079" y="939296"/>
+            <a:ext cx="9161079" cy="5658057"/>
+          </a:xfrm>
+          <a:prstGeom prst="rect">
+            <a:avLst/>
+          </a:prstGeom>
+        </p:spPr>
+      </p:pic>
+    </p:spTree>
+    <p:extLst>
+      <p:ext uri="{BB962C8B-B14F-4D97-AF65-F5344CB8AC3E}">
+        <p14:creationId xmlns:p14="http://schemas.microsoft.com/office/powerpoint/2010/main" val="4181564977"/>
+      </p:ext>
+    </p:extLst>
+  </p:cSld>
+  <p:clrMapOvr>
+    <a:masterClrMapping/>
+  </p:clrMapOvr>
+  <p:transition spd="slow">
+    <p:fade/>
+  </p:transition>
+  <p:timing>
+    <p:tnLst>
+      <p:par>
+        <p:cTn id="1" dur="indefinite" restart="never" nodeType="tmRoot">
+          <p:childTnLst>
+            <p:seq>
+              <p:cTn id="2" nodeType="mainSeq"/>
+              <p:prevCondLst>
+                <p:cond evt="onPrev" delay="0">
+                  <p:tgtEl>
+                    <p:sldTgt/>
+                  </p:tgtEl>
+                </p:cond>
+              </p:prevCondLst>
+              <p:nextCondLst>
+                <p:cond evt="onNext" delay="0">
+                  <p:tgtEl>
+                    <p:sldTgt/>
+                  </p:tgtEl>
+                </p:cond>
+              </p:nextCondLst>
+            </p:seq>
+          </p:childTnLst>
+        </p:cTn>
+      </p:par>
+    </p:tnLst>
+  </p:timing>
+</p:sld>
+</file>
+
+<file path=ppt/slides/slide7.xml><?xml version="1.0" encoding="utf-8"?>
+<p:sld xmlns:a="http://schemas.openxmlformats.org/drawingml/2006/main" xmlns:r="http://schemas.openxmlformats.org/officeDocument/2006/relationships" xmlns:p="http://schemas.openxmlformats.org/presentationml/2006/main">
+  <p:cSld>
+    <p:spTree>
+      <p:nvGrpSpPr>
+        <p:cNvPr id="1" name=""/>
+        <p:cNvGrpSpPr/>
+        <p:nvPr/>
+      </p:nvGrpSpPr>
+      <p:grpSpPr>
+        <a:xfrm>
+          <a:off x="0" y="0"/>
+          <a:ext cx="0" cy="0"/>
+          <a:chOff x="0" y="0"/>
+          <a:chExt cx="0" cy="0"/>
+        </a:xfrm>
+      </p:grpSpPr>
+      <p:sp>
+        <p:nvSpPr>
+          <p:cNvPr id="158" name="CustomShape 1"/>
+          <p:cNvSpPr/>
+          <p:nvPr/>
+        </p:nvSpPr>
+        <p:spPr>
+          <a:xfrm>
+            <a:off x="380880" y="411120"/>
+            <a:ext cx="8381160" cy="766080"/>
+          </a:xfrm>
+          <a:prstGeom prst="rect">
+            <a:avLst/>
+          </a:prstGeom>
+          <a:noFill/>
+          <a:ln>
+            <a:noFill/>
+          </a:ln>
+        </p:spPr>
+        <p:txBody>
+          <a:bodyPr lIns="0" tIns="36000" rIns="0" bIns="36000"/>
+          <a:lstStyle/>
+          <a:p>
+            <a:pPr>
+              <a:lnSpc>
+                <a:spcPct val="100000"/>
+              </a:lnSpc>
+            </a:pPr>
+            <a:r>
+              <a:rPr lang="en-US" sz="2800" b="1" dirty="0" smtClean="0">
+                <a:solidFill>
+                  <a:srgbClr val="00335B"/>
+                </a:solidFill>
+                <a:latin typeface="Arial"/>
+                <a:ea typeface="ＭＳ Ｐゴシック"/>
+              </a:rPr>
+              <a:t>Experiment at 160 </a:t>
+            </a:r>
+            <a:r>
+              <a:rPr lang="en-US" sz="2800" b="1" dirty="0" err="1" smtClean="0">
+                <a:solidFill>
+                  <a:srgbClr val="00335B"/>
+                </a:solidFill>
+                <a:latin typeface="Arial"/>
+                <a:ea typeface="ＭＳ Ｐゴシック"/>
+              </a:rPr>
+              <a:t>kVp</a:t>
+            </a:r>
+            <a:endParaRPr dirty="0"/>
+          </a:p>
+        </p:txBody>
+      </p:sp>
+      <p:sp>
+        <p:nvSpPr>
+          <p:cNvPr id="160" name="CustomShape 3"/>
+          <p:cNvSpPr/>
+          <p:nvPr/>
+        </p:nvSpPr>
+        <p:spPr>
+          <a:xfrm>
+            <a:off x="7203960" y="6635880"/>
+            <a:ext cx="1637640" cy="456480"/>
+          </a:xfrm>
+          <a:prstGeom prst="rect">
+            <a:avLst/>
+          </a:prstGeom>
+          <a:noFill/>
+          <a:ln>
+            <a:noFill/>
+          </a:ln>
+        </p:spPr>
+        <p:txBody>
+          <a:bodyPr lIns="90000" tIns="45000" rIns="90000" bIns="45000"/>
+          <a:lstStyle/>
+          <a:p>
+            <a:pPr>
+              <a:lnSpc>
+                <a:spcPct val="100000"/>
+              </a:lnSpc>
+            </a:pPr>
+            <a:fld id="{AD907E7C-7299-434B-BF89-8702846DA1AD}" type="slidenum">
+              <a:rPr lang="it-CH" sz="800">
+                <a:solidFill>
+                  <a:srgbClr val="FFFFFF"/>
+                </a:solidFill>
+                <a:latin typeface="Arial"/>
+                <a:ea typeface="ＭＳ Ｐゴシック"/>
+              </a:rPr>
+              <a:t>7</a:t>
+            </a:fld>
+            <a:endParaRPr/>
+          </a:p>
+        </p:txBody>
+      </p:sp>
+      <p:sp>
+        <p:nvSpPr>
+          <p:cNvPr id="161" name="CustomShape 4"/>
+          <p:cNvSpPr/>
+          <p:nvPr/>
+        </p:nvSpPr>
+        <p:spPr>
+          <a:xfrm>
+            <a:off x="2239920" y="6635880"/>
+            <a:ext cx="4772880" cy="448560"/>
+          </a:xfrm>
+          <a:prstGeom prst="rect">
+            <a:avLst/>
+          </a:prstGeom>
+          <a:noFill/>
+          <a:ln>
+            <a:noFill/>
+          </a:ln>
+        </p:spPr>
+        <p:txBody>
+          <a:bodyPr lIns="90000" tIns="45000" rIns="90000" bIns="45000"/>
+          <a:lstStyle/>
+          <a:p>
+            <a:pPr>
+              <a:lnSpc>
+                <a:spcPct val="100000"/>
+              </a:lnSpc>
+            </a:pPr>
+            <a:r>
+              <a:rPr lang="it-CH" sz="800">
+                <a:solidFill>
+                  <a:srgbClr val="FFFFFF"/>
+                </a:solidFill>
+                <a:latin typeface="Arial"/>
+                <a:ea typeface="ＭＳ Ｐゴシック"/>
+              </a:rPr>
+              <a:t>Matteo Abis – XNPIG2015</a:t>
+            </a:r>
+            <a:endParaRPr/>
+          </a:p>
+        </p:txBody>
+      </p:sp>
+      <p:pic>
+        <p:nvPicPr>
+          <p:cNvPr id="2" name="Picture 1"/>
+          <p:cNvPicPr>
+            <a:picLocks noChangeAspect="1"/>
+          </p:cNvPicPr>
+          <p:nvPr/>
+        </p:nvPicPr>
+        <p:blipFill>
+          <a:blip r:embed="rId2" cstate="print">
+            <a:extLst>
+              <a:ext uri="{28A0092B-C50C-407E-A947-70E740481C1C}">
+                <a14:useLocalDpi xmlns:a14="http://schemas.microsoft.com/office/drawing/2010/main" val="0"/>
+              </a:ext>
+            </a:extLst>
+          </a:blip>
+          <a:stretch>
+            <a:fillRect/>
+          </a:stretch>
+        </p:blipFill>
+        <p:spPr>
+          <a:xfrm>
             <a:off x="958456" y="939296"/>
             <a:ext cx="7227088" cy="4463587"/>
           </a:xfrm>
@@ -10661,7 +11664,7 @@
 </p:sld>
 </file>
 
-<file path=ppt/slides/slide7.xml><?xml version="1.0" encoding="utf-8"?>
+<file path=ppt/slides/slide8.xml><?xml version="1.0" encoding="utf-8"?>
 <p:sld xmlns:a="http://schemas.openxmlformats.org/drawingml/2006/main" xmlns:r="http://schemas.openxmlformats.org/officeDocument/2006/relationships" xmlns:p="http://schemas.openxmlformats.org/presentationml/2006/main">
   <p:cSld>
     <p:spTree>
@@ -10865,6 +11868,16 @@
                   </a:rPr>
                   <a:t>keV</a:t>
                 </a:r>
+                <a:r>
+                  <a:rPr lang="en-US" sz="2400" dirty="0" smtClean="0">
+                    <a:solidFill>
+                      <a:srgbClr val="000000"/>
+                    </a:solidFill>
+                    <a:latin typeface="Arial"/>
+                    <a:ea typeface="ＭＳ Ｐゴシック"/>
+                  </a:rPr>
+                  <a:t> for low-Z materials</a:t>
+                </a:r>
                 <a:endParaRPr lang="en-US" sz="2400" b="0" dirty="0" smtClean="0">
                   <a:solidFill>
                     <a:srgbClr val="000000"/>
@@ -10954,7 +11967,7 @@
                 <a:latin typeface="Arial"/>
                 <a:ea typeface="ＭＳ Ｐゴシック"/>
               </a:rPr>
-              <a:t>7</a:t>
+              <a:t>8</a:t>
             </a:fld>
             <a:endParaRPr/>
           </a:p>
@@ -11045,7 +12058,7 @@
 </p:sld>
 </file>
 
-<file path=ppt/slides/slide8.xml><?xml version="1.0" encoding="utf-8"?>
+<file path=ppt/slides/slide9.xml><?xml version="1.0" encoding="utf-8"?>
 <p:sld xmlns:a="http://schemas.openxmlformats.org/drawingml/2006/main" xmlns:r="http://schemas.openxmlformats.org/officeDocument/2006/relationships" xmlns:p="http://schemas.openxmlformats.org/presentationml/2006/main">
   <p:cSld>
     <p:spTree>
@@ -11142,7 +12155,27 @@
                 <a:latin typeface="Arial"/>
                 <a:ea typeface="ＭＳ Ｐゴシック"/>
               </a:rPr>
-              <a:t>Lynch et al. 2011, synchrotron experiment, analytical description</a:t>
+              <a:t>Lynch et al. 2011, synchrotron </a:t>
+            </a:r>
+            <a:r>
+              <a:rPr lang="en-US" sz="2400" dirty="0" smtClean="0">
+                <a:solidFill>
+                  <a:srgbClr val="000000"/>
+                </a:solidFill>
+                <a:latin typeface="Arial"/>
+                <a:ea typeface="ＭＳ Ｐゴシック"/>
+              </a:rPr>
+              <a:t>experiment and </a:t>
+            </a:r>
+            <a:r>
+              <a:rPr lang="en-US" sz="2400" dirty="0" smtClean="0">
+                <a:solidFill>
+                  <a:srgbClr val="000000"/>
+                </a:solidFill>
+                <a:latin typeface="Arial"/>
+                <a:ea typeface="ＭＳ Ｐゴシック"/>
+              </a:rPr>
+              <a:t>analytical description</a:t>
             </a:r>
           </a:p>
           <a:p>
@@ -11197,7 +12230,7 @@
                 <a:latin typeface="Arial"/>
                 <a:ea typeface="ＭＳ Ｐゴシック"/>
               </a:rPr>
-              <a:t>8</a:t>
+              <a:t>9</a:t>
             </a:fld>
             <a:endParaRPr/>
           </a:p>
@@ -11305,8 +12338,8 @@
           </a:prstGeom>
         </p:spPr>
       </p:pic>
-      <mc:AlternateContent xmlns:mc="http://schemas.openxmlformats.org/markup-compatibility/2006">
-        <mc:Choice xmlns:a14="http://schemas.microsoft.com/office/drawing/2010/main" Requires="a14">
+      <mc:AlternateContent xmlns:mc="http://schemas.openxmlformats.org/markup-compatibility/2006" xmlns:a14="http://schemas.microsoft.com/office/drawing/2010/main">
+        <mc:Choice Requires="a14">
           <p:sp>
             <p:nvSpPr>
               <p:cNvPr id="4" name="TextBox 3"/>
@@ -11329,6 +12362,7 @@
               </a:bodyPr>
               <a:lstStyle/>
               <a:p>
+                <a:pPr/>
                 <a14:m>
                   <m:oMathPara xmlns:m="http://schemas.openxmlformats.org/officeDocument/2006/math">
                     <m:oMathParaPr>
@@ -11458,7 +12492,7 @@
             </p:txBody>
           </p:sp>
         </mc:Choice>
-        <mc:Fallback>
+        <mc:Fallback xmlns="">
           <p:sp>
             <p:nvSpPr>
               <p:cNvPr id="4" name="TextBox 3"/>
@@ -11501,785 +12535,6 @@
     <p:extLst>
       <p:ext uri="{BB962C8B-B14F-4D97-AF65-F5344CB8AC3E}">
         <p14:creationId xmlns:p14="http://schemas.microsoft.com/office/powerpoint/2010/main" val="3913380876"/>
-      </p:ext>
-    </p:extLst>
-  </p:cSld>
-  <p:clrMapOvr>
-    <a:masterClrMapping/>
-  </p:clrMapOvr>
-  <p:transition spd="slow">
-    <p:fade/>
-  </p:transition>
-  <p:timing>
-    <p:tnLst>
-      <p:par>
-        <p:cTn id="1" dur="indefinite" restart="never" nodeType="tmRoot">
-          <p:childTnLst>
-            <p:seq>
-              <p:cTn id="2" nodeType="mainSeq"/>
-              <p:prevCondLst>
-                <p:cond evt="onPrev" delay="0">
-                  <p:tgtEl>
-                    <p:sldTgt/>
-                  </p:tgtEl>
-                </p:cond>
-              </p:prevCondLst>
-              <p:nextCondLst>
-                <p:cond evt="onNext" delay="0">
-                  <p:tgtEl>
-                    <p:sldTgt/>
-                  </p:tgtEl>
-                </p:cond>
-              </p:nextCondLst>
-            </p:seq>
-          </p:childTnLst>
-        </p:cTn>
-      </p:par>
-    </p:tnLst>
-  </p:timing>
-</p:sld>
-</file>
-
-<file path=ppt/slides/slide9.xml><?xml version="1.0" encoding="utf-8"?>
-<p:sld xmlns:a="http://schemas.openxmlformats.org/drawingml/2006/main" xmlns:r="http://schemas.openxmlformats.org/officeDocument/2006/relationships" xmlns:p="http://schemas.openxmlformats.org/presentationml/2006/main">
-  <p:cSld>
-    <p:spTree>
-      <p:nvGrpSpPr>
-        <p:cNvPr id="1" name=""/>
-        <p:cNvGrpSpPr/>
-        <p:nvPr/>
-      </p:nvGrpSpPr>
-      <p:grpSpPr>
-        <a:xfrm>
-          <a:off x="0" y="0"/>
-          <a:ext cx="0" cy="0"/>
-          <a:chOff x="0" y="0"/>
-          <a:chExt cx="0" cy="0"/>
-        </a:xfrm>
-      </p:grpSpPr>
-      <p:sp>
-        <p:nvSpPr>
-          <p:cNvPr id="158" name="CustomShape 1"/>
-          <p:cNvSpPr/>
-          <p:nvPr/>
-        </p:nvSpPr>
-        <p:spPr>
-          <a:xfrm>
-            <a:off x="380880" y="411120"/>
-            <a:ext cx="8381160" cy="766080"/>
-          </a:xfrm>
-          <a:prstGeom prst="rect">
-            <a:avLst/>
-          </a:prstGeom>
-          <a:noFill/>
-          <a:ln>
-            <a:noFill/>
-          </a:ln>
-        </p:spPr>
-        <p:txBody>
-          <a:bodyPr lIns="0" tIns="36000" rIns="0" bIns="36000"/>
-          <a:lstStyle/>
-          <a:p>
-            <a:pPr>
-              <a:lnSpc>
-                <a:spcPct val="100000"/>
-              </a:lnSpc>
-            </a:pPr>
-            <a:r>
-              <a:rPr lang="it-CH" sz="2800" b="1" dirty="0" err="1" smtClean="0">
-                <a:solidFill>
-                  <a:srgbClr val="00335B"/>
-                </a:solidFill>
-                <a:latin typeface="Arial"/>
-                <a:ea typeface="ＭＳ Ｐゴシック"/>
-              </a:rPr>
-              <a:t>Microstructures</a:t>
-            </a:r>
-            <a:r>
-              <a:rPr lang="it-CH" sz="2800" b="1" dirty="0" smtClean="0">
-                <a:solidFill>
-                  <a:srgbClr val="00335B"/>
-                </a:solidFill>
-                <a:latin typeface="Arial"/>
-                <a:ea typeface="ＭＳ Ｐゴシック"/>
-              </a:rPr>
-              <a:t> on </a:t>
-            </a:r>
-            <a:r>
-              <a:rPr lang="it-CH" sz="2800" b="1" dirty="0" err="1" smtClean="0">
-                <a:solidFill>
-                  <a:srgbClr val="00335B"/>
-                </a:solidFill>
-                <a:latin typeface="Arial"/>
-                <a:ea typeface="ＭＳ Ｐゴシック"/>
-              </a:rPr>
-              <a:t>polychromatic</a:t>
-            </a:r>
-            <a:r>
-              <a:rPr lang="it-CH" sz="2800" b="1" dirty="0" smtClean="0">
-                <a:solidFill>
-                  <a:srgbClr val="00335B"/>
-                </a:solidFill>
-                <a:latin typeface="Arial"/>
-                <a:ea typeface="ＭＳ Ｐゴシック"/>
-              </a:rPr>
-              <a:t> </a:t>
-            </a:r>
-            <a:r>
-              <a:rPr lang="it-CH" sz="2800" b="1" dirty="0" err="1" smtClean="0">
-                <a:solidFill>
-                  <a:srgbClr val="00335B"/>
-                </a:solidFill>
-                <a:latin typeface="Arial"/>
-                <a:ea typeface="ＭＳ Ｐゴシック"/>
-              </a:rPr>
-              <a:t>sources</a:t>
-            </a:r>
-            <a:endParaRPr dirty="0"/>
-          </a:p>
-        </p:txBody>
-      </p:sp>
-      <mc:AlternateContent xmlns:mc="http://schemas.openxmlformats.org/markup-compatibility/2006" xmlns:a14="http://schemas.microsoft.com/office/drawing/2010/main">
-        <mc:Choice Requires="a14">
-          <p:sp>
-            <p:nvSpPr>
-              <p:cNvPr id="159" name="CustomShape 2"/>
-              <p:cNvSpPr/>
-              <p:nvPr/>
-            </p:nvSpPr>
-            <p:spPr>
-              <a:xfrm>
-                <a:off x="380880" y="1252440"/>
-                <a:ext cx="7071440" cy="520376"/>
-              </a:xfrm>
-              <a:prstGeom prst="rect">
-                <a:avLst/>
-              </a:prstGeom>
-              <a:noFill/>
-              <a:ln>
-                <a:noFill/>
-              </a:ln>
-            </p:spPr>
-            <p:txBody>
-              <a:bodyPr lIns="0" tIns="36000" rIns="0" bIns="36000"/>
-              <a:lstStyle/>
-              <a:p>
-                <a:pPr marL="342900" indent="-342900">
-                  <a:lnSpc>
-                    <a:spcPct val="100000"/>
-                  </a:lnSpc>
-                  <a:buFont typeface="Arial" panose="020B0604020202020204" pitchFamily="34" charset="0"/>
-                  <a:buChar char="•"/>
-                </a:pPr>
-                <a:r>
-                  <a:rPr lang="en-US" sz="2400" b="0" dirty="0" smtClean="0">
-                    <a:solidFill>
-                      <a:srgbClr val="000000"/>
-                    </a:solidFill>
-                    <a:latin typeface="Arial"/>
-                    <a:ea typeface="ＭＳ Ｐゴシック"/>
-                  </a:rPr>
-                  <a:t>Compute the contribution as in Lynch et al for each energy </a:t>
-                </a:r>
-                <a14:m>
-                  <m:oMath xmlns:m="http://schemas.openxmlformats.org/officeDocument/2006/math">
-                    <m:r>
-                      <a:rPr lang="en-US" sz="2400" b="0" i="1" smtClean="0">
-                        <a:solidFill>
-                          <a:srgbClr val="000000"/>
-                        </a:solidFill>
-                        <a:latin typeface="Cambria Math"/>
-                        <a:ea typeface="Cambria Math"/>
-                      </a:rPr>
-                      <m:t>→</m:t>
-                    </m:r>
-                    <m:r>
-                      <a:rPr lang="en-US" sz="2400" b="0" i="1" smtClean="0">
-                        <a:solidFill>
-                          <a:srgbClr val="000000"/>
-                        </a:solidFill>
-                        <a:latin typeface="Cambria Math"/>
-                        <a:ea typeface="Cambria Math"/>
-                      </a:rPr>
-                      <m:t>𝑅</m:t>
-                    </m:r>
-                    <m:r>
-                      <a:rPr lang="en-US" sz="2400" b="0" i="1" smtClean="0">
-                        <a:solidFill>
-                          <a:srgbClr val="000000"/>
-                        </a:solidFill>
-                        <a:latin typeface="Cambria Math"/>
-                        <a:ea typeface="Cambria Math"/>
-                      </a:rPr>
-                      <m:t>(</m:t>
-                    </m:r>
-                    <m:r>
-                      <a:rPr lang="en-US" sz="2400" b="0" i="1" smtClean="0">
-                        <a:solidFill>
-                          <a:srgbClr val="000000"/>
-                        </a:solidFill>
-                        <a:latin typeface="Cambria Math"/>
-                        <a:ea typeface="Cambria Math"/>
-                      </a:rPr>
-                      <m:t>𝐸</m:t>
-                    </m:r>
-                    <m:r>
-                      <a:rPr lang="en-US" sz="2400" b="0" i="1" smtClean="0">
-                        <a:solidFill>
-                          <a:srgbClr val="000000"/>
-                        </a:solidFill>
-                        <a:latin typeface="Cambria Math"/>
-                        <a:ea typeface="Cambria Math"/>
-                      </a:rPr>
-                      <m:t>)</m:t>
-                    </m:r>
-                  </m:oMath>
-                </a14:m>
-                <a:endParaRPr lang="en-US" sz="2400" b="0" dirty="0" smtClean="0">
-                  <a:solidFill>
-                    <a:srgbClr val="000000"/>
-                  </a:solidFill>
-                  <a:latin typeface="Arial"/>
-                  <a:ea typeface="ＭＳ Ｐゴシック"/>
-                </a:endParaRPr>
-              </a:p>
-              <a:p>
-                <a:pPr marL="342900" indent="-342900">
-                  <a:lnSpc>
-                    <a:spcPct val="100000"/>
-                  </a:lnSpc>
-                  <a:buFont typeface="Arial" panose="020B0604020202020204" pitchFamily="34" charset="0"/>
-                  <a:buChar char="•"/>
-                </a:pPr>
-                <a:endParaRPr lang="en-US" sz="2400" b="0" dirty="0" smtClean="0">
-                  <a:solidFill>
-                    <a:srgbClr val="000000"/>
-                  </a:solidFill>
-                  <a:latin typeface="Arial"/>
-                  <a:ea typeface="ＭＳ Ｐゴシック"/>
-                </a:endParaRPr>
-              </a:p>
-              <a:p>
-                <a:pPr marL="342900" indent="-342900">
-                  <a:lnSpc>
-                    <a:spcPct val="100000"/>
-                  </a:lnSpc>
-                  <a:buFont typeface="Arial" panose="020B0604020202020204" pitchFamily="34" charset="0"/>
-                  <a:buChar char="•"/>
-                </a:pPr>
-                <a:r>
-                  <a:rPr lang="en-US" sz="2400" dirty="0" smtClean="0">
-                    <a:solidFill>
-                      <a:srgbClr val="000000"/>
-                    </a:solidFill>
-                    <a:latin typeface="Arial"/>
-                    <a:ea typeface="ＭＳ Ｐゴシック"/>
-                  </a:rPr>
-                  <a:t>Sum over spectral weights </a:t>
-                </a:r>
-                <a14:m>
-                  <m:oMath xmlns:m="http://schemas.openxmlformats.org/officeDocument/2006/math">
-                    <m:r>
-                      <a:rPr lang="en-US" sz="2400" b="0" i="1" smtClean="0">
-                        <a:solidFill>
-                          <a:srgbClr val="000000"/>
-                        </a:solidFill>
-                        <a:latin typeface="Cambria Math"/>
-                        <a:ea typeface="ＭＳ Ｐゴシック"/>
-                      </a:rPr>
-                      <m:t>𝑤</m:t>
-                    </m:r>
-                    <m:r>
-                      <a:rPr lang="en-US" sz="2400" b="0" i="1" smtClean="0">
-                        <a:solidFill>
-                          <a:srgbClr val="000000"/>
-                        </a:solidFill>
-                        <a:latin typeface="Cambria Math"/>
-                        <a:ea typeface="ＭＳ Ｐゴシック"/>
-                      </a:rPr>
-                      <m:t>(</m:t>
-                    </m:r>
-                    <m:r>
-                      <a:rPr lang="en-US" sz="2400" b="0" i="1" smtClean="0">
-                        <a:solidFill>
-                          <a:srgbClr val="000000"/>
-                        </a:solidFill>
-                        <a:latin typeface="Cambria Math"/>
-                        <a:ea typeface="ＭＳ Ｐゴシック"/>
-                      </a:rPr>
-                      <m:t>𝐸</m:t>
-                    </m:r>
-                    <m:r>
-                      <a:rPr lang="en-US" sz="2400" b="0" i="1" smtClean="0">
-                        <a:solidFill>
-                          <a:srgbClr val="000000"/>
-                        </a:solidFill>
-                        <a:latin typeface="Cambria Math"/>
-                        <a:ea typeface="ＭＳ Ｐゴシック"/>
-                      </a:rPr>
-                      <m:t>)</m:t>
-                    </m:r>
-                  </m:oMath>
-                </a14:m>
-                <a:endParaRPr lang="en-US" sz="2400" b="0" dirty="0" smtClean="0">
-                  <a:solidFill>
-                    <a:srgbClr val="000000"/>
-                  </a:solidFill>
-                  <a:latin typeface="Arial"/>
-                  <a:ea typeface="ＭＳ Ｐゴシック"/>
-                </a:endParaRPr>
-              </a:p>
-              <a:p>
-                <a:pPr marL="342900" indent="-342900">
-                  <a:lnSpc>
-                    <a:spcPct val="100000"/>
-                  </a:lnSpc>
-                  <a:buFont typeface="Arial" panose="020B0604020202020204" pitchFamily="34" charset="0"/>
-                  <a:buChar char="•"/>
-                </a:pPr>
-                <a:endParaRPr lang="en-US" sz="2400" dirty="0">
-                  <a:solidFill>
-                    <a:srgbClr val="000000"/>
-                  </a:solidFill>
-                  <a:latin typeface="Arial"/>
-                  <a:ea typeface="ＭＳ Ｐゴシック"/>
-                </a:endParaRPr>
-              </a:p>
-              <a:p>
-                <a:pPr marL="342900" indent="-342900">
-                  <a:lnSpc>
-                    <a:spcPct val="100000"/>
-                  </a:lnSpc>
-                  <a:buFont typeface="Arial" panose="020B0604020202020204" pitchFamily="34" charset="0"/>
-                  <a:buChar char="•"/>
-                </a:pPr>
-                <a:r>
-                  <a:rPr lang="en-US" sz="2400" dirty="0" smtClean="0">
-                    <a:solidFill>
-                      <a:srgbClr val="000000"/>
-                    </a:solidFill>
-                    <a:latin typeface="Arial"/>
-                    <a:ea typeface="ＭＳ Ｐゴシック"/>
-                  </a:rPr>
-                  <a:t>Our model, with 2 parameters </a:t>
-                </a:r>
-                <a14:m>
-                  <m:oMath xmlns:m="http://schemas.openxmlformats.org/officeDocument/2006/math">
-                    <m:sSub>
-                      <m:sSubPr>
-                        <m:ctrlPr>
-                          <a:rPr lang="en-US" sz="2400" b="0" i="1" smtClean="0">
-                            <a:solidFill>
-                              <a:srgbClr val="000000"/>
-                            </a:solidFill>
-                            <a:latin typeface="Cambria Math"/>
-                            <a:ea typeface="ＭＳ Ｐゴシック"/>
-                          </a:rPr>
-                        </m:ctrlPr>
-                      </m:sSubPr>
-                      <m:e>
-                        <m:r>
-                          <a:rPr lang="en-US" sz="2400" b="0" i="1" smtClean="0">
-                            <a:solidFill>
-                              <a:srgbClr val="000000"/>
-                            </a:solidFill>
-                            <a:latin typeface="Cambria Math"/>
-                            <a:ea typeface="ＭＳ Ｐゴシック"/>
-                          </a:rPr>
-                          <m:t>𝑅</m:t>
-                        </m:r>
-                      </m:e>
-                      <m:sub>
-                        <m:r>
-                          <a:rPr lang="en-US" sz="2400" b="0" i="1" smtClean="0">
-                            <a:solidFill>
-                              <a:srgbClr val="000000"/>
-                            </a:solidFill>
-                            <a:latin typeface="Cambria Math"/>
-                            <a:ea typeface="ＭＳ Ｐゴシック"/>
-                          </a:rPr>
-                          <m:t>0</m:t>
-                        </m:r>
-                      </m:sub>
-                    </m:sSub>
-                  </m:oMath>
-                </a14:m>
-                <a:r>
-                  <a:rPr lang="en-US" sz="2400" dirty="0" smtClean="0">
-                    <a:solidFill>
-                      <a:srgbClr val="000000"/>
-                    </a:solidFill>
-                    <a:latin typeface="Arial"/>
-                    <a:ea typeface="ＭＳ Ｐゴシック"/>
-                  </a:rPr>
-                  <a:t> and </a:t>
-                </a:r>
-                <a14:m>
-                  <m:oMath xmlns:m="http://schemas.openxmlformats.org/officeDocument/2006/math">
-                    <m:r>
-                      <a:rPr lang="en-US" sz="2400" b="0" i="1" smtClean="0">
-                        <a:solidFill>
-                          <a:srgbClr val="000000"/>
-                        </a:solidFill>
-                        <a:latin typeface="Cambria Math"/>
-                        <a:ea typeface="ＭＳ Ｐゴシック"/>
-                      </a:rPr>
-                      <m:t>𝐶</m:t>
-                    </m:r>
-                  </m:oMath>
-                </a14:m>
-                <a:r>
-                  <a:rPr lang="en-US" sz="2400" dirty="0" smtClean="0">
-                    <a:solidFill>
-                      <a:srgbClr val="000000"/>
-                    </a:solidFill>
-                    <a:latin typeface="Arial"/>
-                    <a:ea typeface="ＭＳ Ｐゴシック"/>
-                  </a:rPr>
-                  <a:t>:</a:t>
-                </a:r>
-              </a:p>
-              <a:p>
-                <a:pPr>
-                  <a:lnSpc>
-                    <a:spcPct val="100000"/>
-                  </a:lnSpc>
-                </a:pPr>
-                <a14:m>
-                  <m:oMathPara xmlns:m="http://schemas.openxmlformats.org/officeDocument/2006/math">
-                    <m:oMathParaPr>
-                      <m:jc m:val="centerGroup"/>
-                    </m:oMathParaPr>
-                    <m:oMath xmlns:m="http://schemas.openxmlformats.org/officeDocument/2006/math">
-                      <m:r>
-                        <a:rPr lang="en-US" sz="2400" b="0" i="1" smtClean="0">
-                          <a:solidFill>
-                            <a:srgbClr val="000000"/>
-                          </a:solidFill>
-                          <a:latin typeface="Cambria Math"/>
-                          <a:ea typeface="ＭＳ Ｐゴシック"/>
-                        </a:rPr>
-                        <m:t>𝑅</m:t>
-                      </m:r>
-                      <m:r>
-                        <a:rPr lang="en-US" sz="2400" b="0" i="1" smtClean="0">
-                          <a:solidFill>
-                            <a:srgbClr val="000000"/>
-                          </a:solidFill>
-                          <a:latin typeface="Cambria Math"/>
-                          <a:ea typeface="ＭＳ Ｐゴシック"/>
-                        </a:rPr>
-                        <m:t>=</m:t>
-                      </m:r>
-                      <m:sSub>
-                        <m:sSubPr>
-                          <m:ctrlPr>
-                            <a:rPr lang="en-US" sz="2400" b="0" i="1" smtClean="0">
-                              <a:solidFill>
-                                <a:srgbClr val="000000"/>
-                              </a:solidFill>
-                              <a:latin typeface="Cambria Math"/>
-                              <a:ea typeface="ＭＳ Ｐゴシック"/>
-                            </a:rPr>
-                          </m:ctrlPr>
-                        </m:sSubPr>
-                        <m:e>
-                          <m:r>
-                            <a:rPr lang="en-US" sz="2400" b="0" i="1" smtClean="0">
-                              <a:solidFill>
-                                <a:srgbClr val="000000"/>
-                              </a:solidFill>
-                              <a:latin typeface="Cambria Math"/>
-                              <a:ea typeface="ＭＳ Ｐゴシック"/>
-                            </a:rPr>
-                            <m:t>𝑅</m:t>
-                          </m:r>
-                        </m:e>
-                        <m:sub>
-                          <m:r>
-                            <a:rPr lang="en-US" sz="2400" b="0" i="1" smtClean="0">
-                              <a:solidFill>
-                                <a:srgbClr val="000000"/>
-                              </a:solidFill>
-                              <a:latin typeface="Cambria Math"/>
-                              <a:ea typeface="ＭＳ Ｐゴシック"/>
-                            </a:rPr>
-                            <m:t>0</m:t>
-                          </m:r>
-                        </m:sub>
-                      </m:sSub>
-                      <m:r>
-                        <a:rPr lang="en-US" sz="2400" b="0" i="1" smtClean="0">
-                          <a:solidFill>
-                            <a:srgbClr val="000000"/>
-                          </a:solidFill>
-                          <a:latin typeface="Cambria Math"/>
-                          <a:ea typeface="ＭＳ Ｐゴシック"/>
-                        </a:rPr>
-                        <m:t>+</m:t>
-                      </m:r>
-                      <m:r>
-                        <a:rPr lang="en-US" sz="2400" b="0" i="1" smtClean="0">
-                          <a:solidFill>
-                            <a:srgbClr val="000000"/>
-                          </a:solidFill>
-                          <a:latin typeface="Cambria Math"/>
-                          <a:ea typeface="ＭＳ Ｐゴシック"/>
-                        </a:rPr>
-                        <m:t>𝐶</m:t>
-                      </m:r>
-                      <m:nary>
-                        <m:naryPr>
-                          <m:chr m:val="∑"/>
-                          <m:supHide m:val="on"/>
-                          <m:ctrlPr>
-                            <a:rPr lang="en-US" sz="2400" b="0" i="1" smtClean="0">
-                              <a:solidFill>
-                                <a:srgbClr val="000000"/>
-                              </a:solidFill>
-                              <a:latin typeface="Cambria Math"/>
-                              <a:ea typeface="ＭＳ Ｐゴシック"/>
-                            </a:rPr>
-                          </m:ctrlPr>
-                        </m:naryPr>
-                        <m:sub>
-                          <m:r>
-                            <m:rPr>
-                              <m:brk m:alnAt="7"/>
-                            </m:rPr>
-                            <a:rPr lang="en-US" sz="2400" b="0" i="1" smtClean="0">
-                              <a:solidFill>
-                                <a:srgbClr val="000000"/>
-                              </a:solidFill>
-                              <a:latin typeface="Cambria Math"/>
-                              <a:ea typeface="ＭＳ Ｐゴシック"/>
-                            </a:rPr>
-                            <m:t>𝐸</m:t>
-                          </m:r>
-                        </m:sub>
-                        <m:sup/>
-                        <m:e>
-                          <m:r>
-                            <a:rPr lang="en-US" sz="2400" b="0" i="1" smtClean="0">
-                              <a:solidFill>
-                                <a:srgbClr val="000000"/>
-                              </a:solidFill>
-                              <a:latin typeface="Cambria Math"/>
-                              <a:ea typeface="ＭＳ Ｐゴシック"/>
-                            </a:rPr>
-                            <m:t>𝑤</m:t>
-                          </m:r>
-                          <m:d>
-                            <m:dPr>
-                              <m:ctrlPr>
-                                <a:rPr lang="en-US" sz="2400" b="0" i="1" smtClean="0">
-                                  <a:solidFill>
-                                    <a:srgbClr val="000000"/>
-                                  </a:solidFill>
-                                  <a:latin typeface="Cambria Math"/>
-                                  <a:ea typeface="ＭＳ Ｐゴシック"/>
-                                </a:rPr>
-                              </m:ctrlPr>
-                            </m:dPr>
-                            <m:e>
-                              <m:r>
-                                <a:rPr lang="en-US" sz="2400" b="0" i="1" smtClean="0">
-                                  <a:solidFill>
-                                    <a:srgbClr val="000000"/>
-                                  </a:solidFill>
-                                  <a:latin typeface="Cambria Math"/>
-                                  <a:ea typeface="ＭＳ Ｐゴシック"/>
-                                </a:rPr>
-                                <m:t>𝐸</m:t>
-                              </m:r>
-                            </m:e>
-                          </m:d>
-                          <m:r>
-                            <a:rPr lang="en-US" sz="2400" b="0" i="1" smtClean="0">
-                              <a:solidFill>
-                                <a:srgbClr val="000000"/>
-                              </a:solidFill>
-                              <a:latin typeface="Cambria Math"/>
-                              <a:ea typeface="ＭＳ Ｐゴシック"/>
-                            </a:rPr>
-                            <m:t>𝑅</m:t>
-                          </m:r>
-                          <m:r>
-                            <a:rPr lang="en-US" sz="2400" b="0" i="1" smtClean="0">
-                              <a:solidFill>
-                                <a:srgbClr val="000000"/>
-                              </a:solidFill>
-                              <a:latin typeface="Cambria Math"/>
-                              <a:ea typeface="ＭＳ Ｐゴシック"/>
-                            </a:rPr>
-                            <m:t>(</m:t>
-                          </m:r>
-                          <m:r>
-                            <a:rPr lang="en-US" sz="2400" b="0" i="1" smtClean="0">
-                              <a:solidFill>
-                                <a:srgbClr val="000000"/>
-                              </a:solidFill>
-                              <a:latin typeface="Cambria Math"/>
-                              <a:ea typeface="ＭＳ Ｐゴシック"/>
-                            </a:rPr>
-                            <m:t>𝐸</m:t>
-                          </m:r>
-                          <m:r>
-                            <a:rPr lang="en-US" sz="2400" b="0" i="1" smtClean="0">
-                              <a:solidFill>
-                                <a:srgbClr val="000000"/>
-                              </a:solidFill>
-                              <a:latin typeface="Cambria Math"/>
-                              <a:ea typeface="ＭＳ Ｐゴシック"/>
-                            </a:rPr>
-                            <m:t>)</m:t>
-                          </m:r>
-                        </m:e>
-                      </m:nary>
-                    </m:oMath>
-                  </m:oMathPara>
-                </a14:m>
-                <a:endParaRPr lang="en-US" sz="2400" b="0" dirty="0" smtClean="0">
-                  <a:solidFill>
-                    <a:srgbClr val="000000"/>
-                  </a:solidFill>
-                  <a:latin typeface="Arial"/>
-                  <a:ea typeface="ＭＳ Ｐゴシック"/>
-                </a:endParaRPr>
-              </a:p>
-            </p:txBody>
-          </p:sp>
-        </mc:Choice>
-        <mc:Fallback xmlns="">
-          <p:sp>
-            <p:nvSpPr>
-              <p:cNvPr id="159" name="CustomShape 2"/>
-              <p:cNvSpPr>
-                <a:spLocks noRot="1" noChangeAspect="1" noMove="1" noResize="1" noEditPoints="1" noAdjustHandles="1" noChangeArrowheads="1" noChangeShapeType="1" noTextEdit="1"/>
-              </p:cNvSpPr>
-              <p:nvPr/>
-            </p:nvSpPr>
-            <p:spPr>
-              <a:xfrm>
-                <a:off x="380880" y="1252440"/>
-                <a:ext cx="7071440" cy="520376"/>
-              </a:xfrm>
-              <a:prstGeom prst="rect">
-                <a:avLst/>
-              </a:prstGeom>
-              <a:blipFill rotWithShape="1">
-                <a:blip r:embed="rId2"/>
-                <a:stretch>
-                  <a:fillRect l="-2414" t="-9302" b="-495349"/>
-                </a:stretch>
-              </a:blipFill>
-              <a:ln>
-                <a:noFill/>
-              </a:ln>
-            </p:spPr>
-            <p:txBody>
-              <a:bodyPr/>
-              <a:lstStyle/>
-              <a:p>
-                <a:r>
-                  <a:rPr lang="de-CH">
-                    <a:noFill/>
-                  </a:rPr>
-                  <a:t> </a:t>
-                </a:r>
-              </a:p>
-            </p:txBody>
-          </p:sp>
-        </mc:Fallback>
-      </mc:AlternateContent>
-      <p:sp>
-        <p:nvSpPr>
-          <p:cNvPr id="160" name="CustomShape 3"/>
-          <p:cNvSpPr/>
-          <p:nvPr/>
-        </p:nvSpPr>
-        <p:spPr>
-          <a:xfrm>
-            <a:off x="7203960" y="6635880"/>
-            <a:ext cx="1637640" cy="456480"/>
-          </a:xfrm>
-          <a:prstGeom prst="rect">
-            <a:avLst/>
-          </a:prstGeom>
-          <a:noFill/>
-          <a:ln>
-            <a:noFill/>
-          </a:ln>
-        </p:spPr>
-        <p:txBody>
-          <a:bodyPr lIns="90000" tIns="45000" rIns="90000" bIns="45000"/>
-          <a:lstStyle/>
-          <a:p>
-            <a:pPr>
-              <a:lnSpc>
-                <a:spcPct val="100000"/>
-              </a:lnSpc>
-            </a:pPr>
-            <a:fld id="{AD907E7C-7299-434B-BF89-8702846DA1AD}" type="slidenum">
-              <a:rPr lang="it-CH" sz="800">
-                <a:solidFill>
-                  <a:srgbClr val="FFFFFF"/>
-                </a:solidFill>
-                <a:latin typeface="Arial"/>
-                <a:ea typeface="ＭＳ Ｐゴシック"/>
-              </a:rPr>
-              <a:t>9</a:t>
-            </a:fld>
-            <a:endParaRPr/>
-          </a:p>
-        </p:txBody>
-      </p:sp>
-      <p:sp>
-        <p:nvSpPr>
-          <p:cNvPr id="161" name="CustomShape 4"/>
-          <p:cNvSpPr/>
-          <p:nvPr/>
-        </p:nvSpPr>
-        <p:spPr>
-          <a:xfrm>
-            <a:off x="2239920" y="6635880"/>
-            <a:ext cx="4772880" cy="448560"/>
-          </a:xfrm>
-          <a:prstGeom prst="rect">
-            <a:avLst/>
-          </a:prstGeom>
-          <a:noFill/>
-          <a:ln>
-            <a:noFill/>
-          </a:ln>
-        </p:spPr>
-        <p:txBody>
-          <a:bodyPr lIns="90000" tIns="45000" rIns="90000" bIns="45000"/>
-          <a:lstStyle/>
-          <a:p>
-            <a:pPr>
-              <a:lnSpc>
-                <a:spcPct val="100000"/>
-              </a:lnSpc>
-            </a:pPr>
-            <a:r>
-              <a:rPr lang="it-CH" sz="800">
-                <a:solidFill>
-                  <a:srgbClr val="FFFFFF"/>
-                </a:solidFill>
-                <a:latin typeface="Arial"/>
-                <a:ea typeface="ＭＳ Ｐゴシック"/>
-              </a:rPr>
-              <a:t>Matteo Abis – XNPIG2015</a:t>
-            </a:r>
-            <a:endParaRPr/>
-          </a:p>
-        </p:txBody>
-      </p:sp>
-    </p:spTree>
-    <p:extLst>
-      <p:ext uri="{BB962C8B-B14F-4D97-AF65-F5344CB8AC3E}">
-        <p14:creationId xmlns:p14="http://schemas.microsoft.com/office/powerpoint/2010/main" val="1150346671"/>
       </p:ext>
     </p:extLst>
   </p:cSld>

--- a/TOMCAT_Team_Corporate.pptx
+++ b/TOMCAT_Team_Corporate.pptx
@@ -7,7 +7,7 @@
     <p:sldMasterId id="2147483674" r:id="rId3"/>
   </p:sldMasterIdLst>
   <p:notesMasterIdLst>
-    <p:notesMasterId r:id="rId18"/>
+    <p:notesMasterId r:id="rId22"/>
   </p:notesMasterIdLst>
   <p:sldIdLst>
     <p:sldId id="256" r:id="rId4"/>
@@ -24,6 +24,10 @@
     <p:sldId id="267" r:id="rId15"/>
     <p:sldId id="268" r:id="rId16"/>
     <p:sldId id="259" r:id="rId17"/>
+    <p:sldId id="270" r:id="rId18"/>
+    <p:sldId id="271" r:id="rId19"/>
+    <p:sldId id="272" r:id="rId20"/>
+    <p:sldId id="273" r:id="rId21"/>
   </p:sldIdLst>
   <p:sldSz cx="9144000" cy="6858000" type="screen4x3"/>
   <p:notesSz cx="6797675" cy="9874250"/>
@@ -418,6 +422,238 @@
 </file>
 
 <file path=ppt/notesSlides/notesSlide1.xml><?xml version="1.0" encoding="utf-8"?>
+<p:notes xmlns:a="http://schemas.openxmlformats.org/drawingml/2006/main" xmlns:r="http://schemas.openxmlformats.org/officeDocument/2006/relationships" xmlns:p="http://schemas.openxmlformats.org/presentationml/2006/main">
+  <p:cSld>
+    <p:spTree>
+      <p:nvGrpSpPr>
+        <p:cNvPr id="1" name=""/>
+        <p:cNvGrpSpPr/>
+        <p:nvPr/>
+      </p:nvGrpSpPr>
+      <p:grpSpPr>
+        <a:xfrm>
+          <a:off x="0" y="0"/>
+          <a:ext cx="0" cy="0"/>
+          <a:chOff x="0" y="0"/>
+          <a:chExt cx="0" cy="0"/>
+        </a:xfrm>
+      </p:grpSpPr>
+      <p:sp>
+        <p:nvSpPr>
+          <p:cNvPr id="170" name="PlaceHolder 1"/>
+          <p:cNvSpPr>
+            <a:spLocks noGrp="1"/>
+          </p:cNvSpPr>
+          <p:nvPr>
+            <p:ph type="body"/>
+          </p:nvPr>
+        </p:nvSpPr>
+        <p:spPr>
+          <a:xfrm>
+            <a:off x="907920" y="4691160"/>
+            <a:ext cx="4977720" cy="4439520"/>
+          </a:xfrm>
+          <a:prstGeom prst="rect">
+            <a:avLst/>
+          </a:prstGeom>
+        </p:spPr>
+        <p:txBody>
+          <a:bodyPr lIns="90000" tIns="46800" rIns="90000" bIns="46800"/>
+          <a:lstStyle/>
+          <a:p>
+            <a:endParaRPr/>
+          </a:p>
+          <a:p>
+            <a:endParaRPr/>
+          </a:p>
+          <a:p>
+            <a:endParaRPr/>
+          </a:p>
+        </p:txBody>
+      </p:sp>
+    </p:spTree>
+  </p:cSld>
+  <p:clrMapOvr>
+    <a:masterClrMapping/>
+  </p:clrMapOvr>
+</p:notes>
+</file>
+
+<file path=ppt/notesSlides/notesSlide2.xml><?xml version="1.0" encoding="utf-8"?>
+<p:notes xmlns:a="http://schemas.openxmlformats.org/drawingml/2006/main" xmlns:r="http://schemas.openxmlformats.org/officeDocument/2006/relationships" xmlns:p="http://schemas.openxmlformats.org/presentationml/2006/main">
+  <p:cSld>
+    <p:spTree>
+      <p:nvGrpSpPr>
+        <p:cNvPr id="1" name=""/>
+        <p:cNvGrpSpPr/>
+        <p:nvPr/>
+      </p:nvGrpSpPr>
+      <p:grpSpPr>
+        <a:xfrm>
+          <a:off x="0" y="0"/>
+          <a:ext cx="0" cy="0"/>
+          <a:chOff x="0" y="0"/>
+          <a:chExt cx="0" cy="0"/>
+        </a:xfrm>
+      </p:grpSpPr>
+      <p:sp>
+        <p:nvSpPr>
+          <p:cNvPr id="170" name="PlaceHolder 1"/>
+          <p:cNvSpPr>
+            <a:spLocks noGrp="1"/>
+          </p:cNvSpPr>
+          <p:nvPr>
+            <p:ph type="body"/>
+          </p:nvPr>
+        </p:nvSpPr>
+        <p:spPr>
+          <a:xfrm>
+            <a:off x="907920" y="4691160"/>
+            <a:ext cx="4977720" cy="4439520"/>
+          </a:xfrm>
+          <a:prstGeom prst="rect">
+            <a:avLst/>
+          </a:prstGeom>
+        </p:spPr>
+        <p:txBody>
+          <a:bodyPr lIns="90000" tIns="46800" rIns="90000" bIns="46800"/>
+          <a:lstStyle/>
+          <a:p>
+            <a:endParaRPr/>
+          </a:p>
+          <a:p>
+            <a:endParaRPr/>
+          </a:p>
+          <a:p>
+            <a:endParaRPr/>
+          </a:p>
+        </p:txBody>
+      </p:sp>
+    </p:spTree>
+  </p:cSld>
+  <p:clrMapOvr>
+    <a:masterClrMapping/>
+  </p:clrMapOvr>
+</p:notes>
+</file>
+
+<file path=ppt/notesSlides/notesSlide3.xml><?xml version="1.0" encoding="utf-8"?>
+<p:notes xmlns:a="http://schemas.openxmlformats.org/drawingml/2006/main" xmlns:r="http://schemas.openxmlformats.org/officeDocument/2006/relationships" xmlns:p="http://schemas.openxmlformats.org/presentationml/2006/main">
+  <p:cSld>
+    <p:spTree>
+      <p:nvGrpSpPr>
+        <p:cNvPr id="1" name=""/>
+        <p:cNvGrpSpPr/>
+        <p:nvPr/>
+      </p:nvGrpSpPr>
+      <p:grpSpPr>
+        <a:xfrm>
+          <a:off x="0" y="0"/>
+          <a:ext cx="0" cy="0"/>
+          <a:chOff x="0" y="0"/>
+          <a:chExt cx="0" cy="0"/>
+        </a:xfrm>
+      </p:grpSpPr>
+      <p:sp>
+        <p:nvSpPr>
+          <p:cNvPr id="170" name="PlaceHolder 1"/>
+          <p:cNvSpPr>
+            <a:spLocks noGrp="1"/>
+          </p:cNvSpPr>
+          <p:nvPr>
+            <p:ph type="body"/>
+          </p:nvPr>
+        </p:nvSpPr>
+        <p:spPr>
+          <a:xfrm>
+            <a:off x="907920" y="4691160"/>
+            <a:ext cx="4977720" cy="4439520"/>
+          </a:xfrm>
+          <a:prstGeom prst="rect">
+            <a:avLst/>
+          </a:prstGeom>
+        </p:spPr>
+        <p:txBody>
+          <a:bodyPr lIns="90000" tIns="46800" rIns="90000" bIns="46800"/>
+          <a:lstStyle/>
+          <a:p>
+            <a:endParaRPr/>
+          </a:p>
+          <a:p>
+            <a:endParaRPr/>
+          </a:p>
+          <a:p>
+            <a:endParaRPr/>
+          </a:p>
+        </p:txBody>
+      </p:sp>
+    </p:spTree>
+  </p:cSld>
+  <p:clrMapOvr>
+    <a:masterClrMapping/>
+  </p:clrMapOvr>
+</p:notes>
+</file>
+
+<file path=ppt/notesSlides/notesSlide4.xml><?xml version="1.0" encoding="utf-8"?>
+<p:notes xmlns:a="http://schemas.openxmlformats.org/drawingml/2006/main" xmlns:r="http://schemas.openxmlformats.org/officeDocument/2006/relationships" xmlns:p="http://schemas.openxmlformats.org/presentationml/2006/main">
+  <p:cSld>
+    <p:spTree>
+      <p:nvGrpSpPr>
+        <p:cNvPr id="1" name=""/>
+        <p:cNvGrpSpPr/>
+        <p:nvPr/>
+      </p:nvGrpSpPr>
+      <p:grpSpPr>
+        <a:xfrm>
+          <a:off x="0" y="0"/>
+          <a:ext cx="0" cy="0"/>
+          <a:chOff x="0" y="0"/>
+          <a:chExt cx="0" cy="0"/>
+        </a:xfrm>
+      </p:grpSpPr>
+      <p:sp>
+        <p:nvSpPr>
+          <p:cNvPr id="170" name="PlaceHolder 1"/>
+          <p:cNvSpPr>
+            <a:spLocks noGrp="1"/>
+          </p:cNvSpPr>
+          <p:nvPr>
+            <p:ph type="body"/>
+          </p:nvPr>
+        </p:nvSpPr>
+        <p:spPr>
+          <a:xfrm>
+            <a:off x="907920" y="4691160"/>
+            <a:ext cx="4977720" cy="4439520"/>
+          </a:xfrm>
+          <a:prstGeom prst="rect">
+            <a:avLst/>
+          </a:prstGeom>
+        </p:spPr>
+        <p:txBody>
+          <a:bodyPr lIns="90000" tIns="46800" rIns="90000" bIns="46800"/>
+          <a:lstStyle/>
+          <a:p>
+            <a:endParaRPr/>
+          </a:p>
+          <a:p>
+            <a:endParaRPr/>
+          </a:p>
+          <a:p>
+            <a:endParaRPr/>
+          </a:p>
+        </p:txBody>
+      </p:sp>
+    </p:spTree>
+  </p:cSld>
+  <p:clrMapOvr>
+    <a:masterClrMapping/>
+  </p:clrMapOvr>
+</p:notes>
+</file>
+
+<file path=ppt/notesSlides/notesSlide5.xml><?xml version="1.0" encoding="utf-8"?>
 <p:notes xmlns:a="http://schemas.openxmlformats.org/drawingml/2006/main" xmlns:r="http://schemas.openxmlformats.org/officeDocument/2006/relationships" xmlns:p="http://schemas.openxmlformats.org/presentationml/2006/main">
   <p:cSld>
     <p:spTree>
@@ -8998,6 +9234,522 @@
         </p:spPr>
       </p:pic>
     </p:spTree>
+  </p:cSld>
+  <p:clrMapOvr>
+    <a:masterClrMapping/>
+  </p:clrMapOvr>
+  <p:timing>
+    <p:tnLst>
+      <p:par>
+        <p:cTn id="1" dur="indefinite" restart="never" nodeType="tmRoot">
+          <p:childTnLst>
+            <p:seq>
+              <p:cTn id="2" nodeType="mainSeq"/>
+              <p:prevCondLst>
+                <p:cond evt="onPrev" delay="0">
+                  <p:tgtEl>
+                    <p:sldTgt/>
+                  </p:tgtEl>
+                </p:cond>
+              </p:prevCondLst>
+              <p:nextCondLst>
+                <p:cond evt="onNext" delay="0">
+                  <p:tgtEl>
+                    <p:sldTgt/>
+                  </p:tgtEl>
+                </p:cond>
+              </p:nextCondLst>
+            </p:seq>
+          </p:childTnLst>
+        </p:cTn>
+      </p:par>
+    </p:tnLst>
+  </p:timing>
+</p:sld>
+</file>
+
+<file path=ppt/slides/slide15.xml><?xml version="1.0" encoding="utf-8"?>
+<p:sld xmlns:a="http://schemas.openxmlformats.org/drawingml/2006/main" xmlns:r="http://schemas.openxmlformats.org/officeDocument/2006/relationships" xmlns:p="http://schemas.openxmlformats.org/presentationml/2006/main">
+  <p:cSld>
+    <p:spTree>
+      <p:nvGrpSpPr>
+        <p:cNvPr id="1" name=""/>
+        <p:cNvGrpSpPr/>
+        <p:nvPr/>
+      </p:nvGrpSpPr>
+      <p:grpSpPr>
+        <a:xfrm>
+          <a:off x="0" y="0"/>
+          <a:ext cx="0" cy="0"/>
+          <a:chOff x="0" y="0"/>
+          <a:chExt cx="0" cy="0"/>
+        </a:xfrm>
+      </p:grpSpPr>
+      <p:sp>
+        <p:nvSpPr>
+          <p:cNvPr id="163" name="CustomShape 2"/>
+          <p:cNvSpPr/>
+          <p:nvPr/>
+        </p:nvSpPr>
+        <p:spPr>
+          <a:xfrm>
+            <a:off x="7203960" y="6635880"/>
+            <a:ext cx="1637640" cy="456480"/>
+          </a:xfrm>
+          <a:prstGeom prst="rect">
+            <a:avLst/>
+          </a:prstGeom>
+          <a:noFill/>
+          <a:ln>
+            <a:noFill/>
+          </a:ln>
+        </p:spPr>
+        <p:txBody>
+          <a:bodyPr lIns="90000" tIns="45000" rIns="90000" bIns="45000"/>
+          <a:lstStyle/>
+          <a:p>
+            <a:pPr>
+              <a:lnSpc>
+                <a:spcPct val="100000"/>
+              </a:lnSpc>
+            </a:pPr>
+            <a:fld id="{C042A7DD-3327-4BEE-90A9-E88944A8FBAD}" type="slidenum">
+              <a:rPr lang="it-CH" sz="800">
+                <a:solidFill>
+                  <a:srgbClr val="FFFFFF"/>
+                </a:solidFill>
+                <a:latin typeface="Arial"/>
+                <a:ea typeface="ＭＳ Ｐゴシック"/>
+              </a:rPr>
+              <a:t>15</a:t>
+            </a:fld>
+            <a:endParaRPr/>
+          </a:p>
+        </p:txBody>
+      </p:sp>
+      <p:pic>
+        <p:nvPicPr>
+          <p:cNvPr id="2" name="Picture 1"/>
+          <p:cNvPicPr>
+            <a:picLocks noChangeAspect="1"/>
+          </p:cNvPicPr>
+          <p:nvPr/>
+        </p:nvPicPr>
+        <p:blipFill>
+          <a:blip r:embed="rId3" cstate="print">
+            <a:extLst>
+              <a:ext uri="{28A0092B-C50C-407E-A947-70E740481C1C}">
+                <a14:useLocalDpi xmlns:a14="http://schemas.microsoft.com/office/drawing/2010/main" val="0"/>
+              </a:ext>
+            </a:extLst>
+          </a:blip>
+          <a:stretch>
+            <a:fillRect/>
+          </a:stretch>
+        </p:blipFill>
+        <p:spPr>
+          <a:xfrm>
+            <a:off x="25002" y="620688"/>
+            <a:ext cx="9093995" cy="5616624"/>
+          </a:xfrm>
+          <a:prstGeom prst="rect">
+            <a:avLst/>
+          </a:prstGeom>
+        </p:spPr>
+      </p:pic>
+    </p:spTree>
+    <p:extLst>
+      <p:ext uri="{BB962C8B-B14F-4D97-AF65-F5344CB8AC3E}">
+        <p14:creationId xmlns:p14="http://schemas.microsoft.com/office/powerpoint/2010/main" val="1779365979"/>
+      </p:ext>
+    </p:extLst>
+  </p:cSld>
+  <p:clrMapOvr>
+    <a:masterClrMapping/>
+  </p:clrMapOvr>
+  <p:timing>
+    <p:tnLst>
+      <p:par>
+        <p:cTn id="1" dur="indefinite" restart="never" nodeType="tmRoot">
+          <p:childTnLst>
+            <p:seq>
+              <p:cTn id="2" nodeType="mainSeq"/>
+              <p:prevCondLst>
+                <p:cond evt="onPrev" delay="0">
+                  <p:tgtEl>
+                    <p:sldTgt/>
+                  </p:tgtEl>
+                </p:cond>
+              </p:prevCondLst>
+              <p:nextCondLst>
+                <p:cond evt="onNext" delay="0">
+                  <p:tgtEl>
+                    <p:sldTgt/>
+                  </p:tgtEl>
+                </p:cond>
+              </p:nextCondLst>
+            </p:seq>
+          </p:childTnLst>
+        </p:cTn>
+      </p:par>
+    </p:tnLst>
+  </p:timing>
+</p:sld>
+</file>
+
+<file path=ppt/slides/slide16.xml><?xml version="1.0" encoding="utf-8"?>
+<p:sld xmlns:a="http://schemas.openxmlformats.org/drawingml/2006/main" xmlns:r="http://schemas.openxmlformats.org/officeDocument/2006/relationships" xmlns:p="http://schemas.openxmlformats.org/presentationml/2006/main">
+  <p:cSld>
+    <p:spTree>
+      <p:nvGrpSpPr>
+        <p:cNvPr id="1" name=""/>
+        <p:cNvGrpSpPr/>
+        <p:nvPr/>
+      </p:nvGrpSpPr>
+      <p:grpSpPr>
+        <a:xfrm>
+          <a:off x="0" y="0"/>
+          <a:ext cx="0" cy="0"/>
+          <a:chOff x="0" y="0"/>
+          <a:chExt cx="0" cy="0"/>
+        </a:xfrm>
+      </p:grpSpPr>
+      <p:sp>
+        <p:nvSpPr>
+          <p:cNvPr id="163" name="CustomShape 2"/>
+          <p:cNvSpPr/>
+          <p:nvPr/>
+        </p:nvSpPr>
+        <p:spPr>
+          <a:xfrm>
+            <a:off x="7203960" y="6635880"/>
+            <a:ext cx="1637640" cy="456480"/>
+          </a:xfrm>
+          <a:prstGeom prst="rect">
+            <a:avLst/>
+          </a:prstGeom>
+          <a:noFill/>
+          <a:ln>
+            <a:noFill/>
+          </a:ln>
+        </p:spPr>
+        <p:txBody>
+          <a:bodyPr lIns="90000" tIns="45000" rIns="90000" bIns="45000"/>
+          <a:lstStyle/>
+          <a:p>
+            <a:pPr>
+              <a:lnSpc>
+                <a:spcPct val="100000"/>
+              </a:lnSpc>
+            </a:pPr>
+            <a:fld id="{C042A7DD-3327-4BEE-90A9-E88944A8FBAD}" type="slidenum">
+              <a:rPr lang="it-CH" sz="800">
+                <a:solidFill>
+                  <a:srgbClr val="FFFFFF"/>
+                </a:solidFill>
+                <a:latin typeface="Arial"/>
+                <a:ea typeface="ＭＳ Ｐゴシック"/>
+              </a:rPr>
+              <a:t>16</a:t>
+            </a:fld>
+            <a:endParaRPr/>
+          </a:p>
+        </p:txBody>
+      </p:sp>
+      <p:pic>
+        <p:nvPicPr>
+          <p:cNvPr id="3" name="Picture 2"/>
+          <p:cNvPicPr>
+            <a:picLocks noChangeAspect="1"/>
+          </p:cNvPicPr>
+          <p:nvPr/>
+        </p:nvPicPr>
+        <p:blipFill>
+          <a:blip r:embed="rId3" cstate="print">
+            <a:extLst>
+              <a:ext uri="{28A0092B-C50C-407E-A947-70E740481C1C}">
+                <a14:useLocalDpi xmlns:a14="http://schemas.microsoft.com/office/drawing/2010/main" val="0"/>
+              </a:ext>
+            </a:extLst>
+          </a:blip>
+          <a:stretch>
+            <a:fillRect/>
+          </a:stretch>
+        </p:blipFill>
+        <p:spPr>
+          <a:xfrm>
+            <a:off x="14135" y="908720"/>
+            <a:ext cx="8965786" cy="5537440"/>
+          </a:xfrm>
+          <a:prstGeom prst="rect">
+            <a:avLst/>
+          </a:prstGeom>
+        </p:spPr>
+      </p:pic>
+    </p:spTree>
+    <p:extLst>
+      <p:ext uri="{BB962C8B-B14F-4D97-AF65-F5344CB8AC3E}">
+        <p14:creationId xmlns:p14="http://schemas.microsoft.com/office/powerpoint/2010/main" val="1335617883"/>
+      </p:ext>
+    </p:extLst>
+  </p:cSld>
+  <p:clrMapOvr>
+    <a:masterClrMapping/>
+  </p:clrMapOvr>
+  <p:timing>
+    <p:tnLst>
+      <p:par>
+        <p:cTn id="1" dur="indefinite" restart="never" nodeType="tmRoot">
+          <p:childTnLst>
+            <p:seq>
+              <p:cTn id="2" nodeType="mainSeq"/>
+              <p:prevCondLst>
+                <p:cond evt="onPrev" delay="0">
+                  <p:tgtEl>
+                    <p:sldTgt/>
+                  </p:tgtEl>
+                </p:cond>
+              </p:prevCondLst>
+              <p:nextCondLst>
+                <p:cond evt="onNext" delay="0">
+                  <p:tgtEl>
+                    <p:sldTgt/>
+                  </p:tgtEl>
+                </p:cond>
+              </p:nextCondLst>
+            </p:seq>
+          </p:childTnLst>
+        </p:cTn>
+      </p:par>
+    </p:tnLst>
+  </p:timing>
+</p:sld>
+</file>
+
+<file path=ppt/slides/slide17.xml><?xml version="1.0" encoding="utf-8"?>
+<p:sld xmlns:a="http://schemas.openxmlformats.org/drawingml/2006/main" xmlns:r="http://schemas.openxmlformats.org/officeDocument/2006/relationships" xmlns:p="http://schemas.openxmlformats.org/presentationml/2006/main">
+  <p:cSld>
+    <p:spTree>
+      <p:nvGrpSpPr>
+        <p:cNvPr id="1" name=""/>
+        <p:cNvGrpSpPr/>
+        <p:nvPr/>
+      </p:nvGrpSpPr>
+      <p:grpSpPr>
+        <a:xfrm>
+          <a:off x="0" y="0"/>
+          <a:ext cx="0" cy="0"/>
+          <a:chOff x="0" y="0"/>
+          <a:chExt cx="0" cy="0"/>
+        </a:xfrm>
+      </p:grpSpPr>
+      <p:sp>
+        <p:nvSpPr>
+          <p:cNvPr id="163" name="CustomShape 2"/>
+          <p:cNvSpPr/>
+          <p:nvPr/>
+        </p:nvSpPr>
+        <p:spPr>
+          <a:xfrm>
+            <a:off x="7203960" y="6635880"/>
+            <a:ext cx="1637640" cy="456480"/>
+          </a:xfrm>
+          <a:prstGeom prst="rect">
+            <a:avLst/>
+          </a:prstGeom>
+          <a:noFill/>
+          <a:ln>
+            <a:noFill/>
+          </a:ln>
+        </p:spPr>
+        <p:txBody>
+          <a:bodyPr lIns="90000" tIns="45000" rIns="90000" bIns="45000"/>
+          <a:lstStyle/>
+          <a:p>
+            <a:pPr>
+              <a:lnSpc>
+                <a:spcPct val="100000"/>
+              </a:lnSpc>
+            </a:pPr>
+            <a:fld id="{C042A7DD-3327-4BEE-90A9-E88944A8FBAD}" type="slidenum">
+              <a:rPr lang="it-CH" sz="800">
+                <a:solidFill>
+                  <a:srgbClr val="FFFFFF"/>
+                </a:solidFill>
+                <a:latin typeface="Arial"/>
+                <a:ea typeface="ＭＳ Ｐゴシック"/>
+              </a:rPr>
+              <a:t>17</a:t>
+            </a:fld>
+            <a:endParaRPr/>
+          </a:p>
+        </p:txBody>
+      </p:sp>
+      <p:pic>
+        <p:nvPicPr>
+          <p:cNvPr id="2" name="Picture 1"/>
+          <p:cNvPicPr>
+            <a:picLocks noChangeAspect="1"/>
+          </p:cNvPicPr>
+          <p:nvPr/>
+        </p:nvPicPr>
+        <p:blipFill>
+          <a:blip r:embed="rId3" cstate="print">
+            <a:extLst>
+              <a:ext uri="{28A0092B-C50C-407E-A947-70E740481C1C}">
+                <a14:useLocalDpi xmlns:a14="http://schemas.microsoft.com/office/drawing/2010/main" val="0"/>
+              </a:ext>
+            </a:extLst>
+          </a:blip>
+          <a:stretch>
+            <a:fillRect/>
+          </a:stretch>
+        </p:blipFill>
+        <p:spPr>
+          <a:xfrm>
+            <a:off x="0" y="798652"/>
+            <a:ext cx="9143999" cy="5647508"/>
+          </a:xfrm>
+          <a:prstGeom prst="rect">
+            <a:avLst/>
+          </a:prstGeom>
+        </p:spPr>
+      </p:pic>
+    </p:spTree>
+    <p:extLst>
+      <p:ext uri="{BB962C8B-B14F-4D97-AF65-F5344CB8AC3E}">
+        <p14:creationId xmlns:p14="http://schemas.microsoft.com/office/powerpoint/2010/main" val="1805768761"/>
+      </p:ext>
+    </p:extLst>
+  </p:cSld>
+  <p:clrMapOvr>
+    <a:masterClrMapping/>
+  </p:clrMapOvr>
+  <p:timing>
+    <p:tnLst>
+      <p:par>
+        <p:cTn id="1" dur="indefinite" restart="never" nodeType="tmRoot">
+          <p:childTnLst>
+            <p:seq>
+              <p:cTn id="2" nodeType="mainSeq"/>
+              <p:prevCondLst>
+                <p:cond evt="onPrev" delay="0">
+                  <p:tgtEl>
+                    <p:sldTgt/>
+                  </p:tgtEl>
+                </p:cond>
+              </p:prevCondLst>
+              <p:nextCondLst>
+                <p:cond evt="onNext" delay="0">
+                  <p:tgtEl>
+                    <p:sldTgt/>
+                  </p:tgtEl>
+                </p:cond>
+              </p:nextCondLst>
+            </p:seq>
+          </p:childTnLst>
+        </p:cTn>
+      </p:par>
+    </p:tnLst>
+  </p:timing>
+</p:sld>
+</file>
+
+<file path=ppt/slides/slide18.xml><?xml version="1.0" encoding="utf-8"?>
+<p:sld xmlns:a="http://schemas.openxmlformats.org/drawingml/2006/main" xmlns:r="http://schemas.openxmlformats.org/officeDocument/2006/relationships" xmlns:p="http://schemas.openxmlformats.org/presentationml/2006/main">
+  <p:cSld>
+    <p:spTree>
+      <p:nvGrpSpPr>
+        <p:cNvPr id="1" name=""/>
+        <p:cNvGrpSpPr/>
+        <p:nvPr/>
+      </p:nvGrpSpPr>
+      <p:grpSpPr>
+        <a:xfrm>
+          <a:off x="0" y="0"/>
+          <a:ext cx="0" cy="0"/>
+          <a:chOff x="0" y="0"/>
+          <a:chExt cx="0" cy="0"/>
+        </a:xfrm>
+      </p:grpSpPr>
+      <p:sp>
+        <p:nvSpPr>
+          <p:cNvPr id="163" name="CustomShape 2"/>
+          <p:cNvSpPr/>
+          <p:nvPr/>
+        </p:nvSpPr>
+        <p:spPr>
+          <a:xfrm>
+            <a:off x="7203960" y="6635880"/>
+            <a:ext cx="1637640" cy="456480"/>
+          </a:xfrm>
+          <a:prstGeom prst="rect">
+            <a:avLst/>
+          </a:prstGeom>
+          <a:noFill/>
+          <a:ln>
+            <a:noFill/>
+          </a:ln>
+        </p:spPr>
+        <p:txBody>
+          <a:bodyPr lIns="90000" tIns="45000" rIns="90000" bIns="45000"/>
+          <a:lstStyle/>
+          <a:p>
+            <a:pPr>
+              <a:lnSpc>
+                <a:spcPct val="100000"/>
+              </a:lnSpc>
+            </a:pPr>
+            <a:fld id="{C042A7DD-3327-4BEE-90A9-E88944A8FBAD}" type="slidenum">
+              <a:rPr lang="it-CH" sz="800">
+                <a:solidFill>
+                  <a:srgbClr val="FFFFFF"/>
+                </a:solidFill>
+                <a:latin typeface="Arial"/>
+                <a:ea typeface="ＭＳ Ｐゴシック"/>
+              </a:rPr>
+              <a:t>18</a:t>
+            </a:fld>
+            <a:endParaRPr/>
+          </a:p>
+        </p:txBody>
+      </p:sp>
+      <p:pic>
+        <p:nvPicPr>
+          <p:cNvPr id="3" name="Picture 2"/>
+          <p:cNvPicPr>
+            <a:picLocks noChangeAspect="1"/>
+          </p:cNvPicPr>
+          <p:nvPr/>
+        </p:nvPicPr>
+        <p:blipFill>
+          <a:blip r:embed="rId3" cstate="print">
+            <a:extLst>
+              <a:ext uri="{28A0092B-C50C-407E-A947-70E740481C1C}">
+                <a14:useLocalDpi xmlns:a14="http://schemas.microsoft.com/office/drawing/2010/main" val="0"/>
+              </a:ext>
+            </a:extLst>
+          </a:blip>
+          <a:stretch>
+            <a:fillRect/>
+          </a:stretch>
+        </p:blipFill>
+        <p:spPr>
+          <a:xfrm>
+            <a:off x="10681" y="476672"/>
+            <a:ext cx="9093994" cy="5616624"/>
+          </a:xfrm>
+          <a:prstGeom prst="rect">
+            <a:avLst/>
+          </a:prstGeom>
+        </p:spPr>
+      </p:pic>
+    </p:spTree>
+    <p:extLst>
+      <p:ext uri="{BB962C8B-B14F-4D97-AF65-F5344CB8AC3E}">
+        <p14:creationId xmlns:p14="http://schemas.microsoft.com/office/powerpoint/2010/main" val="3443140290"/>
+      </p:ext>
+    </p:extLst>
   </p:cSld>
   <p:clrMapOvr>
     <a:masterClrMapping/>
@@ -10747,13 +11499,8 @@
             </a:r>
             <a:r>
               <a:rPr lang="en-US" sz="1000" dirty="0" smtClean="0"/>
-              <a:t>Quantitative x-ray radiography using grating interferometry: a feasibility study, </a:t>
+              <a:t>Quantitative x-ray radiography using grating interferometry: a feasibility study, Phys. Med. Biol., 2013</a:t>
             </a:r>
-            <a:r>
-              <a:rPr lang="en-US" sz="1000" dirty="0" smtClean="0"/>
-              <a:t>Phys. Med. Biol., 2013</a:t>
-            </a:r>
-            <a:endParaRPr lang="en-US" sz="1000" dirty="0" smtClean="0"/>
           </a:p>
           <a:p>
             <a:pPr>
@@ -10773,11 +11520,7 @@
             </a:r>
             <a:r>
               <a:rPr lang="en-US" sz="1000" dirty="0" smtClean="0"/>
-              <a:t>Non-invasive Differentiation of Kidney Stone Types using X-ray Dark-Field Radiography, </a:t>
-            </a:r>
-            <a:r>
-              <a:rPr lang="en-US" sz="1000" dirty="0" smtClean="0"/>
-              <a:t>Sci. Rep., 2015</a:t>
+              <a:t>Non-invasive Differentiation of Kidney Stone Types using X-ray Dark-Field Radiography, Sci. Rep., 2015</a:t>
             </a:r>
             <a:endParaRPr lang="en-US" sz="1000" dirty="0">
               <a:solidFill>
@@ -11723,8 +12466,8 @@
           </a:p>
         </p:txBody>
       </p:sp>
-      <mc:AlternateContent xmlns:mc="http://schemas.openxmlformats.org/markup-compatibility/2006">
-        <mc:Choice xmlns:a14="http://schemas.microsoft.com/office/drawing/2010/main" Requires="a14">
+      <mc:AlternateContent xmlns:mc="http://schemas.openxmlformats.org/markup-compatibility/2006" xmlns:a14="http://schemas.microsoft.com/office/drawing/2010/main">
+        <mc:Choice Requires="a14">
           <p:sp>
             <p:nvSpPr>
               <p:cNvPr id="159" name="CustomShape 2"/>
@@ -11889,7 +12632,7 @@
             </p:txBody>
           </p:sp>
         </mc:Choice>
-        <mc:Fallback>
+        <mc:Fallback xmlns="">
           <p:sp>
             <p:nvSpPr>
               <p:cNvPr id="159" name="CustomShape 2"/>
@@ -12155,27 +12898,7 @@
                 <a:latin typeface="Arial"/>
                 <a:ea typeface="ＭＳ Ｐゴシック"/>
               </a:rPr>
-              <a:t>Lynch et al. 2011, synchrotron </a:t>
-            </a:r>
-            <a:r>
-              <a:rPr lang="en-US" sz="2400" dirty="0" smtClean="0">
-                <a:solidFill>
-                  <a:srgbClr val="000000"/>
-                </a:solidFill>
-                <a:latin typeface="Arial"/>
-                <a:ea typeface="ＭＳ Ｐゴシック"/>
-              </a:rPr>
-              <a:t>experiment and </a:t>
-            </a:r>
-            <a:r>
-              <a:rPr lang="en-US" sz="2400" dirty="0" smtClean="0">
-                <a:solidFill>
-                  <a:srgbClr val="000000"/>
-                </a:solidFill>
-                <a:latin typeface="Arial"/>
-                <a:ea typeface="ＭＳ Ｐゴシック"/>
-              </a:rPr>
-              <a:t>analytical description</a:t>
+              <a:t>Lynch et al. 2011, synchrotron experiment and analytical description</a:t>
             </a:r>
           </a:p>
           <a:p>
